--- a/reports/Traffic Jam Preventer System.pptx
+++ b/reports/Traffic Jam Preventer System.pptx
@@ -6,12 +6,13 @@
   </p:sldMasterIdLst>
   <p:sldIdLst>
     <p:sldId id="256" r:id="rId2"/>
-    <p:sldId id="257" r:id="rId3"/>
-    <p:sldId id="258" r:id="rId4"/>
-    <p:sldId id="259" r:id="rId5"/>
-    <p:sldId id="261" r:id="rId6"/>
-    <p:sldId id="262" r:id="rId7"/>
-    <p:sldId id="260" r:id="rId8"/>
+    <p:sldId id="263" r:id="rId3"/>
+    <p:sldId id="257" r:id="rId4"/>
+    <p:sldId id="258" r:id="rId5"/>
+    <p:sldId id="259" r:id="rId6"/>
+    <p:sldId id="261" r:id="rId7"/>
+    <p:sldId id="262" r:id="rId8"/>
+    <p:sldId id="260" r:id="rId9"/>
   </p:sldIdLst>
   <p:sldSz cx="12192000" cy="6858000"/>
   <p:notesSz cx="6858000" cy="9144000"/>
@@ -841,7 +842,7 @@
             <a:fld id="{B61BEF0D-F0BB-DE4B-95CE-6DB70DBA9567}" type="datetimeFigureOut">
               <a:rPr lang="en-US" dirty="0"/>
               <a:pPr/>
-              <a:t>11/06/2016</a:t>
+              <a:t>11/10/2016</a:t>
             </a:fld>
             <a:endParaRPr lang="en-US" dirty="0"/>
           </a:p>
@@ -1089,7 +1090,7 @@
             <a:fld id="{B61BEF0D-F0BB-DE4B-95CE-6DB70DBA9567}" type="datetimeFigureOut">
               <a:rPr lang="en-US" dirty="0"/>
               <a:pPr/>
-              <a:t>11/06/2016</a:t>
+              <a:t>11/10/2016</a:t>
             </a:fld>
             <a:endParaRPr lang="en-US" dirty="0"/>
           </a:p>
@@ -1400,7 +1401,7 @@
             <a:fld id="{B61BEF0D-F0BB-DE4B-95CE-6DB70DBA9567}" type="datetimeFigureOut">
               <a:rPr lang="en-US" dirty="0"/>
               <a:pPr/>
-              <a:t>11/06/2016</a:t>
+              <a:t>11/10/2016</a:t>
             </a:fld>
             <a:endParaRPr lang="en-US" dirty="0"/>
           </a:p>
@@ -1738,7 +1739,7 @@
             <a:fld id="{B61BEF0D-F0BB-DE4B-95CE-6DB70DBA9567}" type="datetimeFigureOut">
               <a:rPr lang="en-US" dirty="0"/>
               <a:pPr/>
-              <a:t>11/06/2016</a:t>
+              <a:t>11/10/2016</a:t>
             </a:fld>
             <a:endParaRPr lang="en-US" dirty="0"/>
           </a:p>
@@ -2049,7 +2050,7 @@
             <a:fld id="{B61BEF0D-F0BB-DE4B-95CE-6DB70DBA9567}" type="datetimeFigureOut">
               <a:rPr lang="en-US" dirty="0"/>
               <a:pPr/>
-              <a:t>11/06/2016</a:t>
+              <a:t>11/10/2016</a:t>
             </a:fld>
             <a:endParaRPr lang="en-US" dirty="0"/>
           </a:p>
@@ -2439,7 +2440,7 @@
             <a:fld id="{B61BEF0D-F0BB-DE4B-95CE-6DB70DBA9567}" type="datetimeFigureOut">
               <a:rPr lang="en-US" dirty="0"/>
               <a:pPr/>
-              <a:t>11/06/2016</a:t>
+              <a:t>11/10/2016</a:t>
             </a:fld>
             <a:endParaRPr lang="en-US" dirty="0"/>
           </a:p>
@@ -2605,7 +2606,7 @@
           <a:p>
             <a:fld id="{55C6B4A9-1611-4792-9094-5F34BCA07E0B}" type="datetimeFigureOut">
               <a:rPr lang="en-US" dirty="0"/>
-              <a:t>11/06/2016</a:t>
+              <a:t>11/10/2016</a:t>
             </a:fld>
             <a:endParaRPr lang="en-US" dirty="0"/>
           </a:p>
@@ -2781,7 +2782,7 @@
             <a:fld id="{B61BEF0D-F0BB-DE4B-95CE-6DB70DBA9567}" type="datetimeFigureOut">
               <a:rPr lang="en-US" dirty="0"/>
               <a:pPr/>
-              <a:t>11/06/2016</a:t>
+              <a:t>11/10/2016</a:t>
             </a:fld>
             <a:endParaRPr lang="en-US" dirty="0"/>
           </a:p>
@@ -2954,7 +2955,7 @@
             <a:fld id="{B61BEF0D-F0BB-DE4B-95CE-6DB70DBA9567}" type="datetimeFigureOut">
               <a:rPr lang="en-US" dirty="0"/>
               <a:pPr/>
-              <a:t>11/06/2016</a:t>
+              <a:t>11/10/2016</a:t>
             </a:fld>
             <a:endParaRPr lang="en-US" dirty="0"/>
           </a:p>
@@ -3198,7 +3199,7 @@
             <a:fld id="{B61BEF0D-F0BB-DE4B-95CE-6DB70DBA9567}" type="datetimeFigureOut">
               <a:rPr lang="en-US" dirty="0"/>
               <a:pPr/>
-              <a:t>11/06/2016</a:t>
+              <a:t>11/10/2016</a:t>
             </a:fld>
             <a:endParaRPr lang="en-US" dirty="0"/>
           </a:p>
@@ -3426,7 +3427,7 @@
           <a:p>
             <a:fld id="{EB712588-04B1-427B-82EE-E8DB90309F08}" type="datetimeFigureOut">
               <a:rPr lang="en-US" dirty="0"/>
-              <a:t>11/06/2016</a:t>
+              <a:t>11/10/2016</a:t>
             </a:fld>
             <a:endParaRPr lang="en-US" dirty="0"/>
           </a:p>
@@ -3796,7 +3797,7 @@
             <a:fld id="{B61BEF0D-F0BB-DE4B-95CE-6DB70DBA9567}" type="datetimeFigureOut">
               <a:rPr lang="en-US" dirty="0"/>
               <a:pPr/>
-              <a:t>11/06/2016</a:t>
+              <a:t>11/10/2016</a:t>
             </a:fld>
             <a:endParaRPr lang="en-US" dirty="0"/>
           </a:p>
@@ -3916,7 +3917,7 @@
             <a:fld id="{B61BEF0D-F0BB-DE4B-95CE-6DB70DBA9567}" type="datetimeFigureOut">
               <a:rPr lang="en-US" dirty="0"/>
               <a:pPr/>
-              <a:t>11/06/2016</a:t>
+              <a:t>11/10/2016</a:t>
             </a:fld>
             <a:endParaRPr lang="en-US" dirty="0"/>
           </a:p>
@@ -4008,7 +4009,7 @@
             <a:fld id="{B61BEF0D-F0BB-DE4B-95CE-6DB70DBA9567}" type="datetimeFigureOut">
               <a:rPr lang="en-US" dirty="0"/>
               <a:pPr/>
-              <a:t>11/06/2016</a:t>
+              <a:t>11/10/2016</a:t>
             </a:fld>
             <a:endParaRPr lang="en-US" dirty="0"/>
           </a:p>
@@ -4259,7 +4260,7 @@
           <a:p>
             <a:fld id="{42A54C80-263E-416B-A8E0-580EDEADCBDC}" type="datetimeFigureOut">
               <a:rPr lang="en-US" dirty="0"/>
-              <a:t>11/06/2016</a:t>
+              <a:t>11/10/2016</a:t>
             </a:fld>
             <a:endParaRPr lang="en-US" dirty="0"/>
           </a:p>
@@ -4518,7 +4519,7 @@
             <a:fld id="{B61BEF0D-F0BB-DE4B-95CE-6DB70DBA9567}" type="datetimeFigureOut">
               <a:rPr lang="en-US" dirty="0"/>
               <a:pPr/>
-              <a:t>11/06/2016</a:t>
+              <a:t>11/10/2016</a:t>
             </a:fld>
             <a:endParaRPr lang="en-US" dirty="0"/>
           </a:p>
@@ -5258,7 +5259,7 @@
             <a:fld id="{B61BEF0D-F0BB-DE4B-95CE-6DB70DBA9567}" type="datetimeFigureOut">
               <a:rPr lang="en-US" dirty="0"/>
               <a:pPr/>
-              <a:t>11/06/2016</a:t>
+              <a:t>11/10/2016</a:t>
             </a:fld>
             <a:endParaRPr lang="en-US" dirty="0"/>
           </a:p>
@@ -5933,12 +5934,29 @@
             <p:ph type="title"/>
           </p:nvPr>
         </p:nvSpPr>
-        <p:spPr>
-          <a:xfrm>
-            <a:off x="677334" y="609600"/>
-            <a:ext cx="8596668" cy="1020417"/>
-          </a:xfrm>
-        </p:spPr>
+        <p:spPr/>
+        <p:txBody>
+          <a:bodyPr/>
+          <a:lstStyle/>
+          <a:p>
+            <a:r>
+              <a:rPr lang="en-US" dirty="0"/>
+              <a:t>Agenda</a:t>
+            </a:r>
+          </a:p>
+        </p:txBody>
+      </p:sp>
+      <p:sp>
+        <p:nvSpPr>
+          <p:cNvPr id="3" name="Content Placeholder 2"/>
+          <p:cNvSpPr>
+            <a:spLocks noGrp="1"/>
+          </p:cNvSpPr>
+          <p:nvPr>
+            <p:ph idx="1"/>
+          </p:nvPr>
+        </p:nvSpPr>
+        <p:spPr/>
         <p:txBody>
           <a:bodyPr/>
           <a:lstStyle/>
@@ -5948,59 +5966,36 @@
               <a:t>Introduction</a:t>
             </a:r>
           </a:p>
-        </p:txBody>
-      </p:sp>
-      <p:pic>
-        <p:nvPicPr>
-          <p:cNvPr id="6" name="Content Placeholder 5"/>
-          <p:cNvPicPr>
-            <a:picLocks noGrp="1" noChangeAspect="1"/>
-          </p:cNvPicPr>
-          <p:nvPr>
-            <p:ph idx="1"/>
-          </p:nvPr>
-        </p:nvPicPr>
-        <p:blipFill>
-          <a:blip r:embed="rId2"/>
-          <a:stretch>
-            <a:fillRect/>
-          </a:stretch>
-        </p:blipFill>
-        <p:spPr>
-          <a:xfrm>
-            <a:off x="6085067" y="2353737"/>
-            <a:ext cx="4197964" cy="3358371"/>
-          </a:xfrm>
-        </p:spPr>
-      </p:pic>
-      <p:pic>
-        <p:nvPicPr>
-          <p:cNvPr id="8" name="Picture 7"/>
-          <p:cNvPicPr>
-            <a:picLocks noChangeAspect="1"/>
-          </p:cNvPicPr>
-          <p:nvPr/>
-        </p:nvPicPr>
-        <p:blipFill>
-          <a:blip r:embed="rId3"/>
-          <a:stretch>
-            <a:fillRect/>
-          </a:stretch>
-        </p:blipFill>
-        <p:spPr>
-          <a:xfrm>
-            <a:off x="248809" y="3162219"/>
-            <a:ext cx="5715000" cy="3648075"/>
-          </a:xfrm>
-          <a:prstGeom prst="rect">
-            <a:avLst/>
-          </a:prstGeom>
-        </p:spPr>
-      </p:pic>
+          <a:p>
+            <a:r>
+              <a:rPr lang="en-US" dirty="0"/>
+              <a:t>EPN System Analysis</a:t>
+            </a:r>
+          </a:p>
+          <a:p>
+            <a:r>
+              <a:rPr lang="en-US" dirty="0"/>
+              <a:t>EPN Design</a:t>
+            </a:r>
+          </a:p>
+          <a:p>
+            <a:r>
+              <a:rPr lang="en-US" dirty="0"/>
+              <a:t>EPN Evaluation &amp; Conclusion</a:t>
+            </a:r>
+          </a:p>
+          <a:p>
+            <a:r>
+              <a:rPr lang="en-US" dirty="0"/>
+              <a:t>Demo &amp; Qs</a:t>
+            </a:r>
+          </a:p>
+        </p:txBody>
+      </p:sp>
     </p:spTree>
     <p:extLst>
       <p:ext uri="{BB962C8B-B14F-4D97-AF65-F5344CB8AC3E}">
-        <p14:creationId xmlns:p14="http://schemas.microsoft.com/office/powerpoint/2010/main" val="830040832"/>
+        <p14:creationId xmlns:p14="http://schemas.microsoft.com/office/powerpoint/2010/main" val="3405418866"/>
       </p:ext>
     </p:extLst>
   </p:cSld>
@@ -6037,75 +6032,142 @@
             <p:ph type="title"/>
           </p:nvPr>
         </p:nvSpPr>
-        <p:spPr/>
+        <p:spPr>
+          <a:xfrm>
+            <a:off x="677334" y="609600"/>
+            <a:ext cx="8596668" cy="1020417"/>
+          </a:xfrm>
+        </p:spPr>
         <p:txBody>
           <a:bodyPr/>
           <a:lstStyle/>
           <a:p>
             <a:r>
               <a:rPr lang="en-US" dirty="0"/>
-              <a:t>Analysis</a:t>
-            </a:r>
-          </a:p>
-        </p:txBody>
-      </p:sp>
-      <p:sp>
-        <p:nvSpPr>
-          <p:cNvPr id="3" name="Content Placeholder 2"/>
-          <p:cNvSpPr>
-            <a:spLocks noGrp="1"/>
-          </p:cNvSpPr>
+              <a:t>Introduction</a:t>
+            </a:r>
+          </a:p>
+        </p:txBody>
+      </p:sp>
+      <p:pic>
+        <p:nvPicPr>
+          <p:cNvPr id="6" name="Content Placeholder 5"/>
+          <p:cNvPicPr>
+            <a:picLocks noGrp="1" noChangeAspect="1"/>
+          </p:cNvPicPr>
           <p:nvPr>
             <p:ph idx="1"/>
           </p:nvPr>
-        </p:nvSpPr>
-        <p:spPr/>
-        <p:txBody>
-          <a:bodyPr/>
-          <a:lstStyle/>
-          <a:p>
-            <a:pPr marL="0" indent="0">
-              <a:buNone/>
+        </p:nvPicPr>
+        <p:blipFill>
+          <a:blip r:embed="rId2"/>
+          <a:stretch>
+            <a:fillRect/>
+          </a:stretch>
+        </p:blipFill>
+        <p:spPr>
+          <a:xfrm>
+            <a:off x="479398" y="3386934"/>
+            <a:ext cx="4197964" cy="3358371"/>
+          </a:xfrm>
+        </p:spPr>
+      </p:pic>
+      <p:pic>
+        <p:nvPicPr>
+          <p:cNvPr id="8" name="Picture 7"/>
+          <p:cNvPicPr>
+            <a:picLocks noChangeAspect="1"/>
+          </p:cNvPicPr>
+          <p:nvPr/>
+        </p:nvPicPr>
+        <p:blipFill>
+          <a:blip r:embed="rId3"/>
+          <a:stretch>
+            <a:fillRect/>
+          </a:stretch>
+        </p:blipFill>
+        <p:spPr>
+          <a:xfrm>
+            <a:off x="4669738" y="2540636"/>
+            <a:ext cx="5715000" cy="3648075"/>
+          </a:xfrm>
+          <a:prstGeom prst="rect">
+            <a:avLst/>
+          </a:prstGeom>
+        </p:spPr>
+      </p:pic>
+      <p:sp>
+        <p:nvSpPr>
+          <p:cNvPr id="3" name="TextBox 2"/>
+          <p:cNvSpPr txBox="1"/>
+          <p:nvPr/>
+        </p:nvSpPr>
+        <p:spPr>
+          <a:xfrm>
+            <a:off x="348379" y="1611956"/>
+            <a:ext cx="5894562" cy="1754326"/>
+          </a:xfrm>
+          <a:prstGeom prst="rect">
+            <a:avLst/>
+          </a:prstGeom>
+          <a:noFill/>
+        </p:spPr>
+        <p:txBody>
+          <a:bodyPr wrap="none" rtlCol="0">
+            <a:spAutoFit/>
+          </a:bodyPr>
+          <a:lstStyle/>
+          <a:p>
+            <a:r>
+              <a:rPr lang="en-US" dirty="0"/>
+              <a:t>Traffic jams</a:t>
+            </a:r>
+          </a:p>
+          <a:p>
+            <a:pPr marL="285750" indent="-285750">
+              <a:buFont typeface="Wingdings" panose="05000000000000000000" pitchFamily="2" charset="2"/>
+              <a:buChar char="§"/>
             </a:pPr>
             <a:r>
               <a:rPr lang="en-US" dirty="0"/>
-              <a:t>According to the traffic history data from LTA, and weather data from NEA, the main causes of the traffic jam:</a:t>
-            </a:r>
-          </a:p>
-          <a:p>
-            <a:pPr marL="0" indent="0">
-              <a:buNone/>
+              <a:t>detrimental to health and environment of residents </a:t>
+            </a:r>
+          </a:p>
+          <a:p>
+            <a:pPr marL="285750" indent="-285750">
+              <a:buFont typeface="Wingdings" panose="05000000000000000000" pitchFamily="2" charset="2"/>
+              <a:buChar char="§"/>
             </a:pPr>
-            <a:endParaRPr lang="en-US" dirty="0"/>
-          </a:p>
-          <a:p>
             <a:r>
               <a:rPr lang="en-US" dirty="0"/>
-              <a:t>Weather conditions</a:t>
-            </a:r>
-          </a:p>
-          <a:p>
+              <a:t>affect the productivity of a country</a:t>
+            </a:r>
+          </a:p>
+          <a:p>
+            <a:pPr marL="285750" indent="-285750">
+              <a:buFont typeface="Wingdings" panose="05000000000000000000" pitchFamily="2" charset="2"/>
+              <a:buChar char="§"/>
+            </a:pPr>
             <a:r>
               <a:rPr lang="en-US" dirty="0"/>
-              <a:t>Temporal Analysis</a:t>
-            </a:r>
-          </a:p>
-          <a:p>
+              <a:t>take too long on the road</a:t>
+            </a:r>
+          </a:p>
+          <a:p>
+            <a:pPr marL="285750" indent="-285750">
+              <a:buFont typeface="Wingdings" panose="05000000000000000000" pitchFamily="2" charset="2"/>
+              <a:buChar char="§"/>
+            </a:pPr>
             <a:r>
               <a:rPr lang="en-US" dirty="0"/>
-              <a:t>Spatial </a:t>
-            </a:r>
-          </a:p>
-          <a:p>
-            <a:r>
-              <a:rPr lang="en-US" dirty="0"/>
-              <a:t>Accidents </a:t>
-            </a:r>
-          </a:p>
-          <a:p>
-            <a:endParaRPr lang="en-US" dirty="0"/>
-          </a:p>
-          <a:p>
+              <a:t>…</a:t>
+            </a:r>
+          </a:p>
+          <a:p>
+            <a:pPr marL="285750" indent="-285750">
+              <a:buFont typeface="Wingdings" panose="05000000000000000000" pitchFamily="2" charset="2"/>
+              <a:buChar char="§"/>
+            </a:pPr>
             <a:endParaRPr lang="en-US" dirty="0"/>
           </a:p>
         </p:txBody>
@@ -6113,7 +6175,7 @@
     </p:spTree>
     <p:extLst>
       <p:ext uri="{BB962C8B-B14F-4D97-AF65-F5344CB8AC3E}">
-        <p14:creationId xmlns:p14="http://schemas.microsoft.com/office/powerpoint/2010/main" val="4261071880"/>
+        <p14:creationId xmlns:p14="http://schemas.microsoft.com/office/powerpoint/2010/main" val="830040832"/>
       </p:ext>
     </p:extLst>
   </p:cSld>
@@ -6157,3589 +6219,122 @@
           <a:p>
             <a:r>
               <a:rPr lang="en-US" dirty="0"/>
-              <a:t>EPN</a:t>
-            </a:r>
-          </a:p>
-        </p:txBody>
-      </p:sp>
-      <p:sp>
-        <p:nvSpPr>
-          <p:cNvPr id="5" name="Rectangle: Rounded Corners 4"/>
-          <p:cNvSpPr/>
+              <a:t>Our solution – an EPN system</a:t>
+            </a:r>
+          </a:p>
+        </p:txBody>
+      </p:sp>
+      <p:sp>
+        <p:nvSpPr>
+          <p:cNvPr id="3" name="Content Placeholder 2"/>
+          <p:cNvSpPr>
+            <a:spLocks noGrp="1"/>
+          </p:cNvSpPr>
+          <p:nvPr>
+            <p:ph idx="1"/>
+          </p:nvPr>
+        </p:nvSpPr>
+        <p:spPr>
+          <a:xfrm>
+            <a:off x="367234" y="1858439"/>
+            <a:ext cx="8596668" cy="3880773"/>
+          </a:xfrm>
+        </p:spPr>
+        <p:txBody>
+          <a:bodyPr/>
+          <a:lstStyle/>
+          <a:p>
+            <a:pPr>
+              <a:buFont typeface="Wingdings" panose="05000000000000000000" pitchFamily="2" charset="2"/>
+              <a:buChar char="Ø"/>
+            </a:pPr>
+            <a:r>
+              <a:rPr lang="en-US" dirty="0"/>
+              <a:t>EPN: event or message driven system. E.g. accidents, bad weather</a:t>
+            </a:r>
+          </a:p>
+          <a:p>
+            <a:pPr>
+              <a:buFont typeface="Wingdings" panose="05000000000000000000" pitchFamily="2" charset="2"/>
+              <a:buChar char="Ø"/>
+            </a:pPr>
+            <a:r>
+              <a:rPr lang="en-US" dirty="0"/>
+              <a:t>By gathering real time traffic data from LTA, weather data from NEA and geospatial data, the system detects the event pattern, analyses, filters and aggregates the data.. And then help users make decisions. </a:t>
+            </a:r>
+          </a:p>
+          <a:p>
+            <a:pPr lvl="1"/>
+            <a:r>
+              <a:rPr lang="en-US" dirty="0"/>
+              <a:t>Weather conditions</a:t>
+            </a:r>
+          </a:p>
+          <a:p>
+            <a:pPr lvl="1"/>
+            <a:r>
+              <a:rPr lang="en-US" dirty="0"/>
+              <a:t>Temporal Analysis</a:t>
+            </a:r>
+          </a:p>
+          <a:p>
+            <a:pPr lvl="1"/>
+            <a:r>
+              <a:rPr lang="en-US" dirty="0"/>
+              <a:t>Spatial </a:t>
+            </a:r>
+          </a:p>
+          <a:p>
+            <a:pPr lvl="1"/>
+            <a:r>
+              <a:rPr lang="en-US" dirty="0"/>
+              <a:t>Accidents </a:t>
+            </a:r>
+          </a:p>
+          <a:p>
+            <a:pPr>
+              <a:buFont typeface="Wingdings" panose="05000000000000000000" pitchFamily="2" charset="2"/>
+              <a:buChar char="Ø"/>
+            </a:pPr>
+            <a:r>
+              <a:rPr lang="en-US" dirty="0"/>
+              <a:t>A CEP system</a:t>
+            </a:r>
+            <a:endParaRPr lang="en-US" b="1" dirty="0"/>
+          </a:p>
+          <a:p>
+            <a:endParaRPr lang="en-US" dirty="0"/>
+          </a:p>
+        </p:txBody>
+      </p:sp>
+      <p:pic>
+        <p:nvPicPr>
+          <p:cNvPr id="4" name="Picture 3"/>
+          <p:cNvPicPr>
+            <a:picLocks noChangeAspect="1"/>
+          </p:cNvPicPr>
           <p:nvPr/>
-        </p:nvSpPr>
-        <p:spPr>
-          <a:xfrm>
-            <a:off x="63320" y="2723019"/>
-            <a:ext cx="1068920" cy="566057"/>
-          </a:xfrm>
-          <a:prstGeom prst="roundRect">
-            <a:avLst/>
-          </a:prstGeom>
-          <a:noFill/>
-        </p:spPr>
-        <p:style>
-          <a:lnRef idx="2">
-            <a:schemeClr val="accent1">
-              <a:shade val="50000"/>
-            </a:schemeClr>
-          </a:lnRef>
-          <a:fillRef idx="1">
-            <a:schemeClr val="accent1"/>
-          </a:fillRef>
-          <a:effectRef idx="0">
-            <a:schemeClr val="accent1"/>
-          </a:effectRef>
-          <a:fontRef idx="minor">
-            <a:schemeClr val="lt1"/>
-          </a:fontRef>
-        </p:style>
-        <p:txBody>
-          <a:bodyPr rtlCol="0" anchor="ctr"/>
-          <a:lstStyle/>
-          <a:p>
-            <a:pPr algn="ctr"/>
-            <a:endParaRPr lang="en-SG"/>
-          </a:p>
-        </p:txBody>
-      </p:sp>
-      <p:sp>
-        <p:nvSpPr>
-          <p:cNvPr id="6" name="Isosceles Triangle 5"/>
-          <p:cNvSpPr/>
-          <p:nvPr/>
-        </p:nvSpPr>
-        <p:spPr>
-          <a:xfrm rot="5400000">
-            <a:off x="1019028" y="2913603"/>
-            <a:ext cx="226423" cy="184888"/>
-          </a:xfrm>
-          <a:prstGeom prst="triangle">
-            <a:avLst/>
-          </a:prstGeom>
-          <a:solidFill>
-            <a:srgbClr val="FFFF00"/>
-          </a:solidFill>
-        </p:spPr>
-        <p:style>
-          <a:lnRef idx="2">
-            <a:schemeClr val="accent1">
-              <a:shade val="50000"/>
-            </a:schemeClr>
-          </a:lnRef>
-          <a:fillRef idx="1">
-            <a:schemeClr val="accent1"/>
-          </a:fillRef>
-          <a:effectRef idx="0">
-            <a:schemeClr val="accent1"/>
-          </a:effectRef>
-          <a:fontRef idx="minor">
-            <a:schemeClr val="lt1"/>
-          </a:fontRef>
-        </p:style>
-        <p:txBody>
-          <a:bodyPr rtlCol="0" anchor="ctr"/>
-          <a:lstStyle/>
-          <a:p>
-            <a:pPr algn="ctr"/>
-            <a:endParaRPr lang="en-SG"/>
-          </a:p>
-        </p:txBody>
-      </p:sp>
-      <p:sp>
-        <p:nvSpPr>
-          <p:cNvPr id="7" name="TextBox 6"/>
-          <p:cNvSpPr txBox="1"/>
-          <p:nvPr/>
-        </p:nvSpPr>
-        <p:spPr>
-          <a:xfrm>
-            <a:off x="63320" y="2723019"/>
-            <a:ext cx="338554" cy="215444"/>
+        </p:nvPicPr>
+        <p:blipFill>
+          <a:blip r:embed="rId2"/>
+          <a:stretch>
+            <a:fillRect/>
+          </a:stretch>
+        </p:blipFill>
+        <p:spPr>
+          <a:xfrm>
+            <a:off x="4365269" y="3179240"/>
+            <a:ext cx="6147414" cy="3670810"/>
           </a:xfrm>
           <a:prstGeom prst="rect">
             <a:avLst/>
           </a:prstGeom>
-          <a:noFill/>
-        </p:spPr>
-        <p:txBody>
-          <a:bodyPr wrap="none" rtlCol="0">
-            <a:spAutoFit/>
-          </a:bodyPr>
-          <a:lstStyle/>
-          <a:p>
-            <a:r>
-              <a:rPr lang="en-US" sz="800" dirty="0"/>
-              <a:t>EP1</a:t>
-            </a:r>
-            <a:endParaRPr lang="en-SG" sz="800" dirty="0"/>
-          </a:p>
-        </p:txBody>
-      </p:sp>
-      <p:sp>
-        <p:nvSpPr>
-          <p:cNvPr id="8" name="TextBox 7"/>
-          <p:cNvSpPr txBox="1"/>
-          <p:nvPr/>
-        </p:nvSpPr>
-        <p:spPr>
-          <a:xfrm>
-            <a:off x="89467" y="2892835"/>
-            <a:ext cx="950327" cy="400110"/>
-          </a:xfrm>
-          <a:prstGeom prst="rect">
-            <a:avLst/>
-          </a:prstGeom>
-          <a:noFill/>
-        </p:spPr>
-        <p:txBody>
-          <a:bodyPr wrap="square" rtlCol="0">
-            <a:spAutoFit/>
-          </a:bodyPr>
-          <a:lstStyle/>
-          <a:p>
-            <a:r>
-              <a:rPr lang="en-US" sz="1000" dirty="0"/>
-              <a:t>Traffic Speed Bands</a:t>
-            </a:r>
-            <a:endParaRPr lang="en-SG" sz="1000" dirty="0"/>
-          </a:p>
-        </p:txBody>
-      </p:sp>
-      <p:sp>
-        <p:nvSpPr>
-          <p:cNvPr id="9" name="Rectangle: Rounded Corners 8"/>
-          <p:cNvSpPr/>
-          <p:nvPr/>
-        </p:nvSpPr>
-        <p:spPr>
-          <a:xfrm>
-            <a:off x="9985245" y="3013415"/>
-            <a:ext cx="1068920" cy="566057"/>
-          </a:xfrm>
-          <a:prstGeom prst="roundRect">
-            <a:avLst/>
-          </a:prstGeom>
-          <a:noFill/>
-        </p:spPr>
-        <p:style>
-          <a:lnRef idx="2">
-            <a:schemeClr val="accent1">
-              <a:shade val="50000"/>
-            </a:schemeClr>
-          </a:lnRef>
-          <a:fillRef idx="1">
-            <a:schemeClr val="accent1"/>
-          </a:fillRef>
-          <a:effectRef idx="0">
-            <a:schemeClr val="accent1"/>
-          </a:effectRef>
-          <a:fontRef idx="minor">
-            <a:schemeClr val="lt1"/>
-          </a:fontRef>
-        </p:style>
-        <p:txBody>
-          <a:bodyPr rtlCol="0" anchor="ctr"/>
-          <a:lstStyle/>
-          <a:p>
-            <a:pPr algn="ctr"/>
-            <a:endParaRPr lang="en-SG"/>
-          </a:p>
-        </p:txBody>
-      </p:sp>
-      <p:sp>
-        <p:nvSpPr>
-          <p:cNvPr id="10" name="Isosceles Triangle 9"/>
-          <p:cNvSpPr/>
-          <p:nvPr/>
-        </p:nvSpPr>
-        <p:spPr>
-          <a:xfrm rot="5400000">
-            <a:off x="9872032" y="3270153"/>
-            <a:ext cx="226423" cy="184888"/>
-          </a:xfrm>
-          <a:prstGeom prst="triangle">
-            <a:avLst/>
-          </a:prstGeom>
-          <a:solidFill>
-            <a:srgbClr val="FFFF00"/>
-          </a:solidFill>
-        </p:spPr>
-        <p:style>
-          <a:lnRef idx="2">
-            <a:schemeClr val="accent1">
-              <a:shade val="50000"/>
-            </a:schemeClr>
-          </a:lnRef>
-          <a:fillRef idx="1">
-            <a:schemeClr val="accent1"/>
-          </a:fillRef>
-          <a:effectRef idx="0">
-            <a:schemeClr val="accent1"/>
-          </a:effectRef>
-          <a:fontRef idx="minor">
-            <a:schemeClr val="lt1"/>
-          </a:fontRef>
-        </p:style>
-        <p:txBody>
-          <a:bodyPr rtlCol="0" anchor="ctr"/>
-          <a:lstStyle/>
-          <a:p>
-            <a:pPr algn="ctr"/>
-            <a:endParaRPr lang="en-SG"/>
-          </a:p>
-        </p:txBody>
-      </p:sp>
-      <p:sp>
-        <p:nvSpPr>
-          <p:cNvPr id="11" name="TextBox 10"/>
-          <p:cNvSpPr txBox="1"/>
-          <p:nvPr/>
-        </p:nvSpPr>
-        <p:spPr>
-          <a:xfrm>
-            <a:off x="9985245" y="3013415"/>
-            <a:ext cx="340158" cy="215444"/>
-          </a:xfrm>
-          <a:prstGeom prst="rect">
-            <a:avLst/>
-          </a:prstGeom>
-          <a:noFill/>
-        </p:spPr>
-        <p:txBody>
-          <a:bodyPr wrap="none" rtlCol="0">
-            <a:spAutoFit/>
-          </a:bodyPr>
-          <a:lstStyle/>
-          <a:p>
-            <a:r>
-              <a:rPr lang="en-US" sz="800" dirty="0"/>
-              <a:t>EC1</a:t>
-            </a:r>
-            <a:endParaRPr lang="en-SG" sz="800" dirty="0"/>
-          </a:p>
-        </p:txBody>
-      </p:sp>
-      <p:sp>
-        <p:nvSpPr>
-          <p:cNvPr id="13" name="Rectangle: Rounded Corners 12"/>
-          <p:cNvSpPr/>
-          <p:nvPr/>
-        </p:nvSpPr>
-        <p:spPr>
-          <a:xfrm>
-            <a:off x="3334507" y="1764965"/>
-            <a:ext cx="1632857" cy="885894"/>
-          </a:xfrm>
-          <a:prstGeom prst="roundRect">
-            <a:avLst/>
-          </a:prstGeom>
-          <a:noFill/>
-        </p:spPr>
-        <p:style>
-          <a:lnRef idx="2">
-            <a:schemeClr val="accent1">
-              <a:shade val="50000"/>
-            </a:schemeClr>
-          </a:lnRef>
-          <a:fillRef idx="1">
-            <a:schemeClr val="accent1"/>
-          </a:fillRef>
-          <a:effectRef idx="0">
-            <a:schemeClr val="accent1"/>
-          </a:effectRef>
-          <a:fontRef idx="minor">
-            <a:schemeClr val="lt1"/>
-          </a:fontRef>
-        </p:style>
-        <p:txBody>
-          <a:bodyPr rtlCol="0" anchor="ctr"/>
-          <a:lstStyle/>
-          <a:p>
-            <a:pPr algn="ctr"/>
-            <a:endParaRPr lang="en-SG"/>
-          </a:p>
-        </p:txBody>
-      </p:sp>
-      <p:sp>
-        <p:nvSpPr>
-          <p:cNvPr id="14" name="TextBox 13"/>
-          <p:cNvSpPr txBox="1"/>
-          <p:nvPr/>
-        </p:nvSpPr>
-        <p:spPr>
-          <a:xfrm>
-            <a:off x="3334508" y="1764965"/>
-            <a:ext cx="1236236" cy="215444"/>
-          </a:xfrm>
-          <a:prstGeom prst="rect">
-            <a:avLst/>
-          </a:prstGeom>
-          <a:noFill/>
-        </p:spPr>
-        <p:txBody>
-          <a:bodyPr wrap="none" rtlCol="0">
-            <a:spAutoFit/>
-          </a:bodyPr>
-          <a:lstStyle/>
-          <a:p>
-            <a:r>
-              <a:rPr lang="en-US" sz="800" dirty="0"/>
-              <a:t>EPA1: Pattern - Temporal</a:t>
-            </a:r>
-            <a:endParaRPr lang="en-SG" sz="800" dirty="0"/>
-          </a:p>
-        </p:txBody>
-      </p:sp>
-      <p:sp>
-        <p:nvSpPr>
-          <p:cNvPr id="15" name="Isosceles Triangle 14"/>
-          <p:cNvSpPr/>
-          <p:nvPr/>
-        </p:nvSpPr>
-        <p:spPr>
-          <a:xfrm rot="5400000">
-            <a:off x="3247443" y="1849958"/>
-            <a:ext cx="226423" cy="184888"/>
-          </a:xfrm>
-          <a:prstGeom prst="triangle">
-            <a:avLst/>
-          </a:prstGeom>
-          <a:solidFill>
-            <a:srgbClr val="FFFF00"/>
-          </a:solidFill>
-        </p:spPr>
-        <p:style>
-          <a:lnRef idx="2">
-            <a:schemeClr val="accent1">
-              <a:shade val="50000"/>
-            </a:schemeClr>
-          </a:lnRef>
-          <a:fillRef idx="1">
-            <a:schemeClr val="accent1"/>
-          </a:fillRef>
-          <a:effectRef idx="0">
-            <a:schemeClr val="accent1"/>
-          </a:effectRef>
-          <a:fontRef idx="minor">
-            <a:schemeClr val="lt1"/>
-          </a:fontRef>
-        </p:style>
-        <p:txBody>
-          <a:bodyPr rtlCol="0" anchor="ctr"/>
-          <a:lstStyle/>
-          <a:p>
-            <a:pPr algn="ctr"/>
-            <a:endParaRPr lang="en-SG"/>
-          </a:p>
-        </p:txBody>
-      </p:sp>
-      <p:cxnSp>
-        <p:nvCxnSpPr>
-          <p:cNvPr id="16" name="Straight Connector 15"/>
-          <p:cNvCxnSpPr>
-            <a:endCxn id="21" idx="3"/>
-          </p:cNvCxnSpPr>
-          <p:nvPr/>
-        </p:nvCxnSpPr>
-        <p:spPr>
-          <a:xfrm>
-            <a:off x="5106962" y="1934782"/>
-            <a:ext cx="1609040" cy="9370"/>
-          </a:xfrm>
-          <a:prstGeom prst="line">
-            <a:avLst/>
-          </a:prstGeom>
-        </p:spPr>
-        <p:style>
-          <a:lnRef idx="1">
-            <a:schemeClr val="accent1"/>
-          </a:lnRef>
-          <a:fillRef idx="0">
-            <a:schemeClr val="accent1"/>
-          </a:fillRef>
-          <a:effectRef idx="0">
-            <a:schemeClr val="accent1"/>
-          </a:effectRef>
-          <a:fontRef idx="minor">
-            <a:schemeClr val="tx1"/>
-          </a:fontRef>
-        </p:style>
-      </p:cxnSp>
-      <p:sp>
-        <p:nvSpPr>
-          <p:cNvPr id="17" name="Rectangle: Rounded Corners 16"/>
-          <p:cNvSpPr/>
-          <p:nvPr/>
-        </p:nvSpPr>
-        <p:spPr>
-          <a:xfrm>
-            <a:off x="6773305" y="1774335"/>
-            <a:ext cx="1632857" cy="885894"/>
-          </a:xfrm>
-          <a:prstGeom prst="roundRect">
-            <a:avLst/>
-          </a:prstGeom>
-          <a:noFill/>
-        </p:spPr>
-        <p:style>
-          <a:lnRef idx="2">
-            <a:schemeClr val="accent1">
-              <a:shade val="50000"/>
-            </a:schemeClr>
-          </a:lnRef>
-          <a:fillRef idx="1">
-            <a:schemeClr val="accent1"/>
-          </a:fillRef>
-          <a:effectRef idx="0">
-            <a:schemeClr val="accent1"/>
-          </a:effectRef>
-          <a:fontRef idx="minor">
-            <a:schemeClr val="lt1"/>
-          </a:fontRef>
-        </p:style>
-        <p:txBody>
-          <a:bodyPr rtlCol="0" anchor="ctr"/>
-          <a:lstStyle/>
-          <a:p>
-            <a:pPr algn="ctr"/>
-            <a:endParaRPr lang="en-SG"/>
-          </a:p>
-        </p:txBody>
-      </p:sp>
-      <p:sp>
-        <p:nvSpPr>
-          <p:cNvPr id="18" name="Isosceles Triangle 17"/>
-          <p:cNvSpPr/>
-          <p:nvPr/>
-        </p:nvSpPr>
-        <p:spPr>
-          <a:xfrm rot="5400000">
-            <a:off x="8340104" y="1851707"/>
-            <a:ext cx="226423" cy="184888"/>
-          </a:xfrm>
-          <a:prstGeom prst="triangle">
-            <a:avLst/>
-          </a:prstGeom>
-          <a:solidFill>
-            <a:srgbClr val="FFFF00"/>
-          </a:solidFill>
-        </p:spPr>
-        <p:style>
-          <a:lnRef idx="2">
-            <a:schemeClr val="accent1">
-              <a:shade val="50000"/>
-            </a:schemeClr>
-          </a:lnRef>
-          <a:fillRef idx="1">
-            <a:schemeClr val="accent1"/>
-          </a:fillRef>
-          <a:effectRef idx="0">
-            <a:schemeClr val="accent1"/>
-          </a:effectRef>
-          <a:fontRef idx="minor">
-            <a:schemeClr val="lt1"/>
-          </a:fontRef>
-        </p:style>
-        <p:txBody>
-          <a:bodyPr rtlCol="0" anchor="ctr"/>
-          <a:lstStyle/>
-          <a:p>
-            <a:pPr algn="ctr"/>
-            <a:endParaRPr lang="en-SG"/>
-          </a:p>
-        </p:txBody>
-      </p:sp>
-      <p:sp>
-        <p:nvSpPr>
-          <p:cNvPr id="19" name="TextBox 18"/>
-          <p:cNvSpPr txBox="1"/>
-          <p:nvPr/>
-        </p:nvSpPr>
-        <p:spPr>
-          <a:xfrm>
-            <a:off x="6773306" y="1774335"/>
-            <a:ext cx="835485" cy="215444"/>
-          </a:xfrm>
-          <a:prstGeom prst="rect">
-            <a:avLst/>
-          </a:prstGeom>
-          <a:noFill/>
-        </p:spPr>
-        <p:txBody>
-          <a:bodyPr wrap="none" rtlCol="0">
-            <a:spAutoFit/>
-          </a:bodyPr>
-          <a:lstStyle/>
-          <a:p>
-            <a:r>
-              <a:rPr lang="en-US" sz="800" dirty="0"/>
-              <a:t>EPA5: Translate</a:t>
-            </a:r>
-            <a:endParaRPr lang="en-SG" sz="800" dirty="0"/>
-          </a:p>
-        </p:txBody>
-      </p:sp>
-      <p:sp>
-        <p:nvSpPr>
-          <p:cNvPr id="20" name="Isosceles Triangle 19"/>
-          <p:cNvSpPr/>
-          <p:nvPr/>
-        </p:nvSpPr>
-        <p:spPr>
-          <a:xfrm rot="5400000">
-            <a:off x="8327353" y="2358288"/>
-            <a:ext cx="226423" cy="184888"/>
-          </a:xfrm>
-          <a:prstGeom prst="triangle">
-            <a:avLst/>
-          </a:prstGeom>
-          <a:solidFill>
-            <a:srgbClr val="FFFF00"/>
-          </a:solidFill>
-        </p:spPr>
-        <p:style>
-          <a:lnRef idx="2">
-            <a:schemeClr val="accent1">
-              <a:shade val="50000"/>
-            </a:schemeClr>
-          </a:lnRef>
-          <a:fillRef idx="1">
-            <a:schemeClr val="accent1"/>
-          </a:fillRef>
-          <a:effectRef idx="0">
-            <a:schemeClr val="accent1"/>
-          </a:effectRef>
-          <a:fontRef idx="minor">
-            <a:schemeClr val="lt1"/>
-          </a:fontRef>
-        </p:style>
-        <p:txBody>
-          <a:bodyPr rtlCol="0" anchor="ctr"/>
-          <a:lstStyle/>
-          <a:p>
-            <a:pPr algn="ctr"/>
-            <a:endParaRPr lang="en-SG"/>
-          </a:p>
-        </p:txBody>
-      </p:sp>
-      <p:sp>
-        <p:nvSpPr>
-          <p:cNvPr id="21" name="Isosceles Triangle 20"/>
-          <p:cNvSpPr/>
-          <p:nvPr/>
-        </p:nvSpPr>
-        <p:spPr>
-          <a:xfrm rot="5400000">
-            <a:off x="6695234" y="1851707"/>
-            <a:ext cx="226423" cy="184888"/>
-          </a:xfrm>
-          <a:prstGeom prst="triangle">
-            <a:avLst/>
-          </a:prstGeom>
-          <a:solidFill>
-            <a:srgbClr val="FFFF00"/>
-          </a:solidFill>
-        </p:spPr>
-        <p:style>
-          <a:lnRef idx="2">
-            <a:schemeClr val="accent1">
-              <a:shade val="50000"/>
-            </a:schemeClr>
-          </a:lnRef>
-          <a:fillRef idx="1">
-            <a:schemeClr val="accent1"/>
-          </a:fillRef>
-          <a:effectRef idx="0">
-            <a:schemeClr val="accent1"/>
-          </a:effectRef>
-          <a:fontRef idx="minor">
-            <a:schemeClr val="lt1"/>
-          </a:fontRef>
-        </p:style>
-        <p:txBody>
-          <a:bodyPr rtlCol="0" anchor="ctr"/>
-          <a:lstStyle/>
-          <a:p>
-            <a:pPr algn="ctr"/>
-            <a:endParaRPr lang="en-SG"/>
-          </a:p>
-        </p:txBody>
-      </p:sp>
-      <p:sp>
-        <p:nvSpPr>
-          <p:cNvPr id="22" name="TextBox 21"/>
-          <p:cNvSpPr txBox="1"/>
-          <p:nvPr/>
-        </p:nvSpPr>
-        <p:spPr>
-          <a:xfrm>
-            <a:off x="8414704" y="1721201"/>
-            <a:ext cx="482824" cy="215444"/>
-          </a:xfrm>
-          <a:prstGeom prst="rect">
-            <a:avLst/>
-          </a:prstGeom>
-          <a:noFill/>
-        </p:spPr>
-        <p:txBody>
-          <a:bodyPr wrap="none" rtlCol="0">
-            <a:spAutoFit/>
-          </a:bodyPr>
-          <a:lstStyle/>
-          <a:p>
-            <a:r>
-              <a:rPr lang="en-US" sz="800" dirty="0"/>
-              <a:t>Output</a:t>
-            </a:r>
-            <a:endParaRPr lang="en-SG" sz="800" dirty="0"/>
-          </a:p>
-        </p:txBody>
-      </p:sp>
-      <p:sp>
-        <p:nvSpPr>
-          <p:cNvPr id="23" name="TextBox 22"/>
-          <p:cNvSpPr txBox="1"/>
-          <p:nvPr/>
-        </p:nvSpPr>
-        <p:spPr>
-          <a:xfrm>
-            <a:off x="6846748" y="2058015"/>
-            <a:ext cx="1387040" cy="369332"/>
-          </a:xfrm>
-          <a:prstGeom prst="rect">
-            <a:avLst/>
-          </a:prstGeom>
-          <a:noFill/>
-        </p:spPr>
-        <p:txBody>
-          <a:bodyPr wrap="square" rtlCol="0">
-            <a:spAutoFit/>
-          </a:bodyPr>
-          <a:lstStyle/>
-          <a:p>
-            <a:r>
-              <a:rPr lang="en-US" sz="900" dirty="0"/>
-              <a:t>message =“Major Jam at  </a:t>
-            </a:r>
-            <a:r>
-              <a:rPr lang="en-US" sz="900" dirty="0" err="1"/>
-              <a:t>RoadName</a:t>
-            </a:r>
-            <a:endParaRPr lang="en-SG" sz="900" dirty="0"/>
-          </a:p>
-        </p:txBody>
-      </p:sp>
-      <p:sp>
-        <p:nvSpPr>
-          <p:cNvPr id="24" name="TextBox 23"/>
-          <p:cNvSpPr txBox="1"/>
-          <p:nvPr/>
-        </p:nvSpPr>
-        <p:spPr>
-          <a:xfrm>
-            <a:off x="8427528" y="2444785"/>
-            <a:ext cx="470000" cy="215444"/>
-          </a:xfrm>
-          <a:prstGeom prst="rect">
-            <a:avLst/>
-          </a:prstGeom>
-          <a:noFill/>
-        </p:spPr>
-        <p:txBody>
-          <a:bodyPr wrap="none" rtlCol="0">
-            <a:spAutoFit/>
-          </a:bodyPr>
-          <a:lstStyle/>
-          <a:p>
-            <a:r>
-              <a:rPr lang="en-US" sz="800" dirty="0"/>
-              <a:t>Failure</a:t>
-            </a:r>
-            <a:endParaRPr lang="en-SG" sz="800" dirty="0"/>
-          </a:p>
-        </p:txBody>
-      </p:sp>
-      <p:sp>
-        <p:nvSpPr>
-          <p:cNvPr id="25" name="Rectangle: Rounded Corners 24"/>
-          <p:cNvSpPr/>
-          <p:nvPr/>
-        </p:nvSpPr>
-        <p:spPr>
-          <a:xfrm>
-            <a:off x="116917" y="4493695"/>
-            <a:ext cx="1068920" cy="566057"/>
-          </a:xfrm>
-          <a:prstGeom prst="roundRect">
-            <a:avLst/>
-          </a:prstGeom>
-          <a:noFill/>
-        </p:spPr>
-        <p:style>
-          <a:lnRef idx="2">
-            <a:schemeClr val="accent1">
-              <a:shade val="50000"/>
-            </a:schemeClr>
-          </a:lnRef>
-          <a:fillRef idx="1">
-            <a:schemeClr val="accent1"/>
-          </a:fillRef>
-          <a:effectRef idx="0">
-            <a:schemeClr val="accent1"/>
-          </a:effectRef>
-          <a:fontRef idx="minor">
-            <a:schemeClr val="lt1"/>
-          </a:fontRef>
-        </p:style>
-        <p:txBody>
-          <a:bodyPr rtlCol="0" anchor="ctr"/>
-          <a:lstStyle/>
-          <a:p>
-            <a:pPr algn="ctr"/>
-            <a:endParaRPr lang="en-SG"/>
-          </a:p>
-        </p:txBody>
-      </p:sp>
-      <p:sp>
-        <p:nvSpPr>
-          <p:cNvPr id="26" name="Isosceles Triangle 25"/>
-          <p:cNvSpPr/>
-          <p:nvPr/>
-        </p:nvSpPr>
-        <p:spPr>
-          <a:xfrm rot="5400000">
-            <a:off x="1072625" y="4684279"/>
-            <a:ext cx="226423" cy="184888"/>
-          </a:xfrm>
-          <a:prstGeom prst="triangle">
-            <a:avLst/>
-          </a:prstGeom>
-          <a:solidFill>
-            <a:srgbClr val="FFFF00"/>
-          </a:solidFill>
-        </p:spPr>
-        <p:style>
-          <a:lnRef idx="2">
-            <a:schemeClr val="accent1">
-              <a:shade val="50000"/>
-            </a:schemeClr>
-          </a:lnRef>
-          <a:fillRef idx="1">
-            <a:schemeClr val="accent1"/>
-          </a:fillRef>
-          <a:effectRef idx="0">
-            <a:schemeClr val="accent1"/>
-          </a:effectRef>
-          <a:fontRef idx="minor">
-            <a:schemeClr val="lt1"/>
-          </a:fontRef>
-        </p:style>
-        <p:txBody>
-          <a:bodyPr rtlCol="0" anchor="ctr"/>
-          <a:lstStyle/>
-          <a:p>
-            <a:pPr algn="ctr"/>
-            <a:endParaRPr lang="en-SG"/>
-          </a:p>
-        </p:txBody>
-      </p:sp>
-      <p:sp>
-        <p:nvSpPr>
-          <p:cNvPr id="27" name="TextBox 26"/>
-          <p:cNvSpPr txBox="1"/>
-          <p:nvPr/>
-        </p:nvSpPr>
-        <p:spPr>
-          <a:xfrm>
-            <a:off x="116917" y="4493695"/>
-            <a:ext cx="338554" cy="215444"/>
-          </a:xfrm>
-          <a:prstGeom prst="rect">
-            <a:avLst/>
-          </a:prstGeom>
-          <a:noFill/>
-        </p:spPr>
-        <p:txBody>
-          <a:bodyPr wrap="none" rtlCol="0">
-            <a:spAutoFit/>
-          </a:bodyPr>
-          <a:lstStyle/>
-          <a:p>
-            <a:r>
-              <a:rPr lang="en-US" sz="800" dirty="0"/>
-              <a:t>EP2</a:t>
-            </a:r>
-            <a:endParaRPr lang="en-SG" sz="800" dirty="0"/>
-          </a:p>
-        </p:txBody>
-      </p:sp>
-      <p:sp>
-        <p:nvSpPr>
-          <p:cNvPr id="28" name="TextBox 27"/>
-          <p:cNvSpPr txBox="1"/>
-          <p:nvPr/>
-        </p:nvSpPr>
-        <p:spPr>
-          <a:xfrm>
-            <a:off x="143064" y="4663511"/>
-            <a:ext cx="950327" cy="400110"/>
-          </a:xfrm>
-          <a:prstGeom prst="rect">
-            <a:avLst/>
-          </a:prstGeom>
-          <a:noFill/>
-        </p:spPr>
-        <p:txBody>
-          <a:bodyPr wrap="square" rtlCol="0">
-            <a:spAutoFit/>
-          </a:bodyPr>
-          <a:lstStyle/>
-          <a:p>
-            <a:r>
-              <a:rPr lang="en-US" sz="1000" dirty="0"/>
-              <a:t>NEA 2-hr </a:t>
-            </a:r>
-            <a:r>
-              <a:rPr lang="en-US" sz="1000" dirty="0" err="1"/>
-              <a:t>NowCast</a:t>
-            </a:r>
-            <a:endParaRPr lang="en-SG" sz="1000" dirty="0"/>
-          </a:p>
-        </p:txBody>
-      </p:sp>
-      <p:sp>
-        <p:nvSpPr>
-          <p:cNvPr id="29" name="Rectangle 28"/>
-          <p:cNvSpPr/>
-          <p:nvPr/>
-        </p:nvSpPr>
-        <p:spPr>
-          <a:xfrm>
-            <a:off x="6905106" y="3153491"/>
-            <a:ext cx="1326513" cy="507831"/>
-          </a:xfrm>
-          <a:prstGeom prst="rect">
-            <a:avLst/>
-          </a:prstGeom>
-        </p:spPr>
-        <p:txBody>
-          <a:bodyPr wrap="square">
-            <a:spAutoFit/>
-          </a:bodyPr>
-          <a:lstStyle/>
-          <a:p>
-            <a:r>
-              <a:rPr lang="en-SG" sz="900" dirty="0"/>
-              <a:t>message  =  “Traffic building at” </a:t>
-            </a:r>
-            <a:r>
-              <a:rPr lang="en-SG" sz="900" dirty="0" err="1"/>
-              <a:t>Roadname</a:t>
-            </a:r>
-            <a:r>
-              <a:rPr lang="en-SG" sz="900" dirty="0"/>
-              <a:t>. “Consider alternatives”</a:t>
-            </a:r>
-          </a:p>
-        </p:txBody>
-      </p:sp>
-      <p:sp>
-        <p:nvSpPr>
-          <p:cNvPr id="30" name="Hexagon 29"/>
-          <p:cNvSpPr/>
-          <p:nvPr/>
-        </p:nvSpPr>
-        <p:spPr>
-          <a:xfrm>
-            <a:off x="1515298" y="2774417"/>
-            <a:ext cx="774943" cy="467052"/>
-          </a:xfrm>
-          <a:prstGeom prst="hexagon">
-            <a:avLst/>
-          </a:prstGeom>
-          <a:noFill/>
-        </p:spPr>
-        <p:style>
-          <a:lnRef idx="2">
-            <a:schemeClr val="accent1">
-              <a:shade val="50000"/>
-            </a:schemeClr>
-          </a:lnRef>
-          <a:fillRef idx="1">
-            <a:schemeClr val="accent1"/>
-          </a:fillRef>
-          <a:effectRef idx="0">
-            <a:schemeClr val="accent1"/>
-          </a:effectRef>
-          <a:fontRef idx="minor">
-            <a:schemeClr val="lt1"/>
-          </a:fontRef>
-        </p:style>
-        <p:txBody>
-          <a:bodyPr rtlCol="0" anchor="ctr"/>
-          <a:lstStyle/>
-          <a:p>
-            <a:pPr algn="ctr"/>
-            <a:endParaRPr lang="en-SG"/>
-          </a:p>
-        </p:txBody>
-      </p:sp>
-      <p:cxnSp>
-        <p:nvCxnSpPr>
-          <p:cNvPr id="31" name="Straight Connector 30"/>
-          <p:cNvCxnSpPr>
-            <a:stCxn id="6" idx="0"/>
-            <a:endCxn id="30" idx="3"/>
-          </p:cNvCxnSpPr>
-          <p:nvPr/>
-        </p:nvCxnSpPr>
-        <p:spPr>
-          <a:xfrm>
-            <a:off x="1224684" y="3006048"/>
-            <a:ext cx="290614" cy="1895"/>
-          </a:xfrm>
-          <a:prstGeom prst="line">
-            <a:avLst/>
-          </a:prstGeom>
-        </p:spPr>
-        <p:style>
-          <a:lnRef idx="1">
-            <a:schemeClr val="accent1"/>
-          </a:lnRef>
-          <a:fillRef idx="0">
-            <a:schemeClr val="accent1"/>
-          </a:fillRef>
-          <a:effectRef idx="0">
-            <a:schemeClr val="accent1"/>
-          </a:effectRef>
-          <a:fontRef idx="minor">
-            <a:schemeClr val="tx1"/>
-          </a:fontRef>
-        </p:style>
-      </p:cxnSp>
-      <p:cxnSp>
-        <p:nvCxnSpPr>
-          <p:cNvPr id="32" name="Connector: Elbow 31"/>
-          <p:cNvCxnSpPr>
-            <a:stCxn id="30" idx="0"/>
-            <a:endCxn id="15" idx="3"/>
-          </p:cNvCxnSpPr>
-          <p:nvPr/>
-        </p:nvCxnSpPr>
-        <p:spPr>
-          <a:xfrm flipV="1">
-            <a:off x="2290241" y="1942403"/>
-            <a:ext cx="977970" cy="1065540"/>
-          </a:xfrm>
-          <a:prstGeom prst="bentConnector3">
-            <a:avLst>
-              <a:gd name="adj1" fmla="val 50000"/>
-            </a:avLst>
-          </a:prstGeom>
-        </p:spPr>
-        <p:style>
-          <a:lnRef idx="1">
-            <a:schemeClr val="accent1"/>
-          </a:lnRef>
-          <a:fillRef idx="0">
-            <a:schemeClr val="accent1"/>
-          </a:fillRef>
-          <a:effectRef idx="0">
-            <a:schemeClr val="accent1"/>
-          </a:effectRef>
-          <a:fontRef idx="minor">
-            <a:schemeClr val="tx1"/>
-          </a:fontRef>
-        </p:style>
-      </p:cxnSp>
-      <p:sp>
-        <p:nvSpPr>
-          <p:cNvPr id="33" name="TextBox 32"/>
-          <p:cNvSpPr txBox="1"/>
-          <p:nvPr/>
-        </p:nvSpPr>
-        <p:spPr>
-          <a:xfrm>
-            <a:off x="1618790" y="2897609"/>
-            <a:ext cx="579005" cy="215444"/>
-          </a:xfrm>
-          <a:prstGeom prst="rect">
-            <a:avLst/>
-          </a:prstGeom>
-          <a:noFill/>
-        </p:spPr>
-        <p:txBody>
-          <a:bodyPr wrap="none" rtlCol="0">
-            <a:spAutoFit/>
-          </a:bodyPr>
-          <a:lstStyle/>
-          <a:p>
-            <a:r>
-              <a:rPr lang="en-US" sz="800" dirty="0"/>
-              <a:t>Channel1</a:t>
-            </a:r>
-            <a:endParaRPr lang="en-SG" sz="800" dirty="0"/>
-          </a:p>
-        </p:txBody>
-      </p:sp>
-      <p:cxnSp>
-        <p:nvCxnSpPr>
-          <p:cNvPr id="34" name="Connector: Elbow 33"/>
-          <p:cNvCxnSpPr>
-            <a:stCxn id="18" idx="0"/>
-            <a:endCxn id="10" idx="3"/>
-          </p:cNvCxnSpPr>
-          <p:nvPr/>
-        </p:nvCxnSpPr>
-        <p:spPr>
-          <a:xfrm>
-            <a:off x="8545760" y="1944152"/>
-            <a:ext cx="1347040" cy="1418446"/>
-          </a:xfrm>
-          <a:prstGeom prst="bentConnector3">
-            <a:avLst/>
-          </a:prstGeom>
-        </p:spPr>
-        <p:style>
-          <a:lnRef idx="1">
-            <a:schemeClr val="accent1"/>
-          </a:lnRef>
-          <a:fillRef idx="0">
-            <a:schemeClr val="accent1"/>
-          </a:fillRef>
-          <a:effectRef idx="0">
-            <a:schemeClr val="accent1"/>
-          </a:effectRef>
-          <a:fontRef idx="minor">
-            <a:schemeClr val="tx1"/>
-          </a:fontRef>
-        </p:style>
-      </p:cxnSp>
-      <p:sp>
-        <p:nvSpPr>
-          <p:cNvPr id="35" name="Rectangle: Rounded Corners 34"/>
-          <p:cNvSpPr/>
-          <p:nvPr/>
-        </p:nvSpPr>
-        <p:spPr>
-          <a:xfrm>
-            <a:off x="6794671" y="2928958"/>
-            <a:ext cx="1632857" cy="885894"/>
-          </a:xfrm>
-          <a:prstGeom prst="roundRect">
-            <a:avLst/>
-          </a:prstGeom>
-          <a:noFill/>
-        </p:spPr>
-        <p:style>
-          <a:lnRef idx="2">
-            <a:schemeClr val="accent1">
-              <a:shade val="50000"/>
-            </a:schemeClr>
-          </a:lnRef>
-          <a:fillRef idx="1">
-            <a:schemeClr val="accent1"/>
-          </a:fillRef>
-          <a:effectRef idx="0">
-            <a:schemeClr val="accent1"/>
-          </a:effectRef>
-          <a:fontRef idx="minor">
-            <a:schemeClr val="lt1"/>
-          </a:fontRef>
-        </p:style>
-        <p:txBody>
-          <a:bodyPr rtlCol="0" anchor="ctr"/>
-          <a:lstStyle/>
-          <a:p>
-            <a:pPr algn="ctr"/>
-            <a:endParaRPr lang="en-SG"/>
-          </a:p>
-        </p:txBody>
-      </p:sp>
-      <p:sp>
-        <p:nvSpPr>
-          <p:cNvPr id="36" name="Isosceles Triangle 35"/>
-          <p:cNvSpPr/>
-          <p:nvPr/>
-        </p:nvSpPr>
-        <p:spPr>
-          <a:xfrm rot="5400000">
-            <a:off x="8361470" y="3006330"/>
-            <a:ext cx="226423" cy="184888"/>
-          </a:xfrm>
-          <a:prstGeom prst="triangle">
-            <a:avLst/>
-          </a:prstGeom>
-          <a:solidFill>
-            <a:srgbClr val="FFFF00"/>
-          </a:solidFill>
-        </p:spPr>
-        <p:style>
-          <a:lnRef idx="2">
-            <a:schemeClr val="accent1">
-              <a:shade val="50000"/>
-            </a:schemeClr>
-          </a:lnRef>
-          <a:fillRef idx="1">
-            <a:schemeClr val="accent1"/>
-          </a:fillRef>
-          <a:effectRef idx="0">
-            <a:schemeClr val="accent1"/>
-          </a:effectRef>
-          <a:fontRef idx="minor">
-            <a:schemeClr val="lt1"/>
-          </a:fontRef>
-        </p:style>
-        <p:txBody>
-          <a:bodyPr rtlCol="0" anchor="ctr"/>
-          <a:lstStyle/>
-          <a:p>
-            <a:pPr algn="ctr"/>
-            <a:endParaRPr lang="en-SG"/>
-          </a:p>
-        </p:txBody>
-      </p:sp>
-      <p:sp>
-        <p:nvSpPr>
-          <p:cNvPr id="37" name="TextBox 36"/>
-          <p:cNvSpPr txBox="1"/>
-          <p:nvPr/>
-        </p:nvSpPr>
-        <p:spPr>
-          <a:xfrm>
-            <a:off x="6794672" y="2928958"/>
-            <a:ext cx="835485" cy="215444"/>
-          </a:xfrm>
-          <a:prstGeom prst="rect">
-            <a:avLst/>
-          </a:prstGeom>
-          <a:noFill/>
-        </p:spPr>
-        <p:txBody>
-          <a:bodyPr wrap="none" rtlCol="0">
-            <a:spAutoFit/>
-          </a:bodyPr>
-          <a:lstStyle/>
-          <a:p>
-            <a:r>
-              <a:rPr lang="en-US" sz="800" dirty="0"/>
-              <a:t>EPA6: Translate</a:t>
-            </a:r>
-            <a:endParaRPr lang="en-SG" sz="800" dirty="0"/>
-          </a:p>
-        </p:txBody>
-      </p:sp>
-      <p:sp>
-        <p:nvSpPr>
-          <p:cNvPr id="38" name="Isosceles Triangle 37"/>
-          <p:cNvSpPr/>
-          <p:nvPr/>
-        </p:nvSpPr>
-        <p:spPr>
-          <a:xfrm rot="5400000">
-            <a:off x="8361469" y="3501833"/>
-            <a:ext cx="226423" cy="184888"/>
-          </a:xfrm>
-          <a:prstGeom prst="triangle">
-            <a:avLst/>
-          </a:prstGeom>
-          <a:solidFill>
-            <a:srgbClr val="FFFF00"/>
-          </a:solidFill>
-        </p:spPr>
-        <p:style>
-          <a:lnRef idx="2">
-            <a:schemeClr val="accent1">
-              <a:shade val="50000"/>
-            </a:schemeClr>
-          </a:lnRef>
-          <a:fillRef idx="1">
-            <a:schemeClr val="accent1"/>
-          </a:fillRef>
-          <a:effectRef idx="0">
-            <a:schemeClr val="accent1"/>
-          </a:effectRef>
-          <a:fontRef idx="minor">
-            <a:schemeClr val="lt1"/>
-          </a:fontRef>
-        </p:style>
-        <p:txBody>
-          <a:bodyPr rtlCol="0" anchor="ctr"/>
-          <a:lstStyle/>
-          <a:p>
-            <a:pPr algn="ctr"/>
-            <a:endParaRPr lang="en-SG"/>
-          </a:p>
-        </p:txBody>
-      </p:sp>
-      <p:sp>
-        <p:nvSpPr>
-          <p:cNvPr id="39" name="Isosceles Triangle 38"/>
-          <p:cNvSpPr/>
-          <p:nvPr/>
-        </p:nvSpPr>
-        <p:spPr>
-          <a:xfrm rot="5400000">
-            <a:off x="6716600" y="3032457"/>
-            <a:ext cx="226423" cy="184888"/>
-          </a:xfrm>
-          <a:prstGeom prst="triangle">
-            <a:avLst/>
-          </a:prstGeom>
-          <a:solidFill>
-            <a:srgbClr val="FFFF00"/>
-          </a:solidFill>
-        </p:spPr>
-        <p:style>
-          <a:lnRef idx="2">
-            <a:schemeClr val="accent1">
-              <a:shade val="50000"/>
-            </a:schemeClr>
-          </a:lnRef>
-          <a:fillRef idx="1">
-            <a:schemeClr val="accent1"/>
-          </a:fillRef>
-          <a:effectRef idx="0">
-            <a:schemeClr val="accent1"/>
-          </a:effectRef>
-          <a:fontRef idx="minor">
-            <a:schemeClr val="lt1"/>
-          </a:fontRef>
-        </p:style>
-        <p:txBody>
-          <a:bodyPr rtlCol="0" anchor="ctr"/>
-          <a:lstStyle/>
-          <a:p>
-            <a:pPr algn="ctr"/>
-            <a:endParaRPr lang="en-SG"/>
-          </a:p>
-        </p:txBody>
-      </p:sp>
-      <p:sp>
-        <p:nvSpPr>
-          <p:cNvPr id="40" name="TextBox 39"/>
-          <p:cNvSpPr txBox="1"/>
-          <p:nvPr/>
-        </p:nvSpPr>
-        <p:spPr>
-          <a:xfrm>
-            <a:off x="8438346" y="3616168"/>
-            <a:ext cx="470000" cy="215444"/>
-          </a:xfrm>
-          <a:prstGeom prst="rect">
-            <a:avLst/>
-          </a:prstGeom>
-          <a:noFill/>
-        </p:spPr>
-        <p:txBody>
-          <a:bodyPr wrap="none" rtlCol="0">
-            <a:spAutoFit/>
-          </a:bodyPr>
-          <a:lstStyle/>
-          <a:p>
-            <a:r>
-              <a:rPr lang="en-US" sz="800" dirty="0"/>
-              <a:t>Failure</a:t>
-            </a:r>
-            <a:endParaRPr lang="en-SG" sz="800" dirty="0"/>
-          </a:p>
-        </p:txBody>
-      </p:sp>
-      <p:sp>
-        <p:nvSpPr>
-          <p:cNvPr id="41" name="TextBox 40"/>
-          <p:cNvSpPr txBox="1"/>
-          <p:nvPr/>
-        </p:nvSpPr>
-        <p:spPr>
-          <a:xfrm>
-            <a:off x="8442828" y="2892127"/>
-            <a:ext cx="482824" cy="215444"/>
-          </a:xfrm>
-          <a:prstGeom prst="rect">
-            <a:avLst/>
-          </a:prstGeom>
-          <a:noFill/>
-        </p:spPr>
-        <p:txBody>
-          <a:bodyPr wrap="none" rtlCol="0">
-            <a:spAutoFit/>
-          </a:bodyPr>
-          <a:lstStyle/>
-          <a:p>
-            <a:r>
-              <a:rPr lang="en-US" sz="800" dirty="0"/>
-              <a:t>Output</a:t>
-            </a:r>
-            <a:endParaRPr lang="en-SG" sz="800" dirty="0"/>
-          </a:p>
-        </p:txBody>
-      </p:sp>
-      <p:cxnSp>
-        <p:nvCxnSpPr>
-          <p:cNvPr id="42" name="Connector: Elbow 41"/>
-          <p:cNvCxnSpPr>
-            <a:stCxn id="36" idx="0"/>
-            <a:endCxn id="10" idx="3"/>
-          </p:cNvCxnSpPr>
-          <p:nvPr/>
-        </p:nvCxnSpPr>
-        <p:spPr>
-          <a:xfrm>
-            <a:off x="8567126" y="3098775"/>
-            <a:ext cx="1325674" cy="263823"/>
-          </a:xfrm>
-          <a:prstGeom prst="bentConnector3">
-            <a:avLst>
-              <a:gd name="adj1" fmla="val 50000"/>
-            </a:avLst>
-          </a:prstGeom>
-        </p:spPr>
-        <p:style>
-          <a:lnRef idx="1">
-            <a:schemeClr val="accent1"/>
-          </a:lnRef>
-          <a:fillRef idx="0">
-            <a:schemeClr val="accent1"/>
-          </a:fillRef>
-          <a:effectRef idx="0">
-            <a:schemeClr val="accent1"/>
-          </a:effectRef>
-          <a:fontRef idx="minor">
-            <a:schemeClr val="tx1"/>
-          </a:fontRef>
-        </p:style>
-      </p:cxnSp>
-      <p:sp>
-        <p:nvSpPr>
-          <p:cNvPr id="43" name="Rectangle: Rounded Corners 42"/>
-          <p:cNvSpPr/>
-          <p:nvPr/>
-        </p:nvSpPr>
-        <p:spPr>
-          <a:xfrm>
-            <a:off x="3338718" y="2880003"/>
-            <a:ext cx="1632857" cy="885894"/>
-          </a:xfrm>
-          <a:prstGeom prst="roundRect">
-            <a:avLst/>
-          </a:prstGeom>
-          <a:noFill/>
-        </p:spPr>
-        <p:style>
-          <a:lnRef idx="2">
-            <a:schemeClr val="accent1">
-              <a:shade val="50000"/>
-            </a:schemeClr>
-          </a:lnRef>
-          <a:fillRef idx="1">
-            <a:schemeClr val="accent1"/>
-          </a:fillRef>
-          <a:effectRef idx="0">
-            <a:schemeClr val="accent1"/>
-          </a:effectRef>
-          <a:fontRef idx="minor">
-            <a:schemeClr val="lt1"/>
-          </a:fontRef>
-        </p:style>
-        <p:txBody>
-          <a:bodyPr rtlCol="0" anchor="ctr"/>
-          <a:lstStyle/>
-          <a:p>
-            <a:pPr algn="ctr"/>
-            <a:endParaRPr lang="en-SG"/>
-          </a:p>
-        </p:txBody>
-      </p:sp>
-      <p:sp>
-        <p:nvSpPr>
-          <p:cNvPr id="44" name="TextBox 43"/>
-          <p:cNvSpPr txBox="1"/>
-          <p:nvPr/>
-        </p:nvSpPr>
-        <p:spPr>
-          <a:xfrm>
-            <a:off x="3386881" y="2926282"/>
-            <a:ext cx="1236236" cy="215444"/>
-          </a:xfrm>
-          <a:prstGeom prst="rect">
-            <a:avLst/>
-          </a:prstGeom>
-          <a:noFill/>
-        </p:spPr>
-        <p:txBody>
-          <a:bodyPr wrap="none" rtlCol="0">
-            <a:spAutoFit/>
-          </a:bodyPr>
-          <a:lstStyle/>
-          <a:p>
-            <a:r>
-              <a:rPr lang="en-US" sz="800" dirty="0"/>
-              <a:t>EPA3: Pattern - Temporal</a:t>
-            </a:r>
-            <a:endParaRPr lang="en-SG" sz="800" dirty="0"/>
-          </a:p>
-        </p:txBody>
-      </p:sp>
-      <p:sp>
-        <p:nvSpPr>
-          <p:cNvPr id="45" name="Isosceles Triangle 44"/>
-          <p:cNvSpPr/>
-          <p:nvPr/>
-        </p:nvSpPr>
-        <p:spPr>
-          <a:xfrm rot="5400000">
-            <a:off x="3257285" y="3039570"/>
-            <a:ext cx="226423" cy="184888"/>
-          </a:xfrm>
-          <a:prstGeom prst="triangle">
-            <a:avLst/>
-          </a:prstGeom>
-          <a:solidFill>
-            <a:srgbClr val="FFFF00"/>
-          </a:solidFill>
-        </p:spPr>
-        <p:style>
-          <a:lnRef idx="2">
-            <a:schemeClr val="accent1">
-              <a:shade val="50000"/>
-            </a:schemeClr>
-          </a:lnRef>
-          <a:fillRef idx="1">
-            <a:schemeClr val="accent1"/>
-          </a:fillRef>
-          <a:effectRef idx="0">
-            <a:schemeClr val="accent1"/>
-          </a:effectRef>
-          <a:fontRef idx="minor">
-            <a:schemeClr val="lt1"/>
-          </a:fontRef>
-        </p:style>
-        <p:txBody>
-          <a:bodyPr rtlCol="0" anchor="ctr"/>
-          <a:lstStyle/>
-          <a:p>
-            <a:pPr algn="ctr"/>
-            <a:endParaRPr lang="en-SG"/>
-          </a:p>
-        </p:txBody>
-      </p:sp>
-      <p:sp>
-        <p:nvSpPr>
-          <p:cNvPr id="46" name="Isosceles Triangle 45"/>
-          <p:cNvSpPr/>
-          <p:nvPr/>
-        </p:nvSpPr>
-        <p:spPr>
-          <a:xfrm rot="5400000">
-            <a:off x="4902979" y="3033488"/>
-            <a:ext cx="226423" cy="184888"/>
-          </a:xfrm>
-          <a:prstGeom prst="triangle">
-            <a:avLst/>
-          </a:prstGeom>
-          <a:solidFill>
-            <a:srgbClr val="FFFF00"/>
-          </a:solidFill>
-        </p:spPr>
-        <p:style>
-          <a:lnRef idx="2">
-            <a:schemeClr val="accent1">
-              <a:shade val="50000"/>
-            </a:schemeClr>
-          </a:lnRef>
-          <a:fillRef idx="1">
-            <a:schemeClr val="accent1"/>
-          </a:fillRef>
-          <a:effectRef idx="0">
-            <a:schemeClr val="accent1"/>
-          </a:effectRef>
-          <a:fontRef idx="minor">
-            <a:schemeClr val="lt1"/>
-          </a:fontRef>
-        </p:style>
-        <p:txBody>
-          <a:bodyPr rtlCol="0" anchor="ctr"/>
-          <a:lstStyle/>
-          <a:p>
-            <a:pPr algn="ctr"/>
-            <a:endParaRPr lang="en-SG"/>
-          </a:p>
-        </p:txBody>
-      </p:sp>
-      <p:sp>
-        <p:nvSpPr>
-          <p:cNvPr id="47" name="Isosceles Triangle 46"/>
-          <p:cNvSpPr/>
-          <p:nvPr/>
-        </p:nvSpPr>
-        <p:spPr>
-          <a:xfrm rot="5400000">
-            <a:off x="4909559" y="3447464"/>
-            <a:ext cx="226423" cy="184888"/>
-          </a:xfrm>
-          <a:prstGeom prst="triangle">
-            <a:avLst/>
-          </a:prstGeom>
-          <a:solidFill>
-            <a:srgbClr val="FFFF00"/>
-          </a:solidFill>
-        </p:spPr>
-        <p:style>
-          <a:lnRef idx="2">
-            <a:schemeClr val="accent1">
-              <a:shade val="50000"/>
-            </a:schemeClr>
-          </a:lnRef>
-          <a:fillRef idx="1">
-            <a:schemeClr val="accent1"/>
-          </a:fillRef>
-          <a:effectRef idx="0">
-            <a:schemeClr val="accent1"/>
-          </a:effectRef>
-          <a:fontRef idx="minor">
-            <a:schemeClr val="lt1"/>
-          </a:fontRef>
-        </p:style>
-        <p:txBody>
-          <a:bodyPr rtlCol="0" anchor="ctr"/>
-          <a:lstStyle/>
-          <a:p>
-            <a:pPr algn="ctr"/>
-            <a:endParaRPr lang="en-SG"/>
-          </a:p>
-        </p:txBody>
-      </p:sp>
-      <p:sp>
-        <p:nvSpPr>
-          <p:cNvPr id="48" name="TextBox 47"/>
-          <p:cNvSpPr txBox="1"/>
-          <p:nvPr/>
-        </p:nvSpPr>
-        <p:spPr>
-          <a:xfrm>
-            <a:off x="5006821" y="2910105"/>
-            <a:ext cx="482824" cy="215444"/>
-          </a:xfrm>
-          <a:prstGeom prst="rect">
-            <a:avLst/>
-          </a:prstGeom>
-          <a:noFill/>
-        </p:spPr>
-        <p:txBody>
-          <a:bodyPr wrap="none" rtlCol="0">
-            <a:spAutoFit/>
-          </a:bodyPr>
-          <a:lstStyle/>
-          <a:p>
-            <a:r>
-              <a:rPr lang="en-US" sz="800" dirty="0"/>
-              <a:t>Output</a:t>
-            </a:r>
-            <a:endParaRPr lang="en-SG" sz="800" dirty="0"/>
-          </a:p>
-        </p:txBody>
-      </p:sp>
-      <p:sp>
-        <p:nvSpPr>
-          <p:cNvPr id="49" name="TextBox 48"/>
-          <p:cNvSpPr txBox="1"/>
-          <p:nvPr/>
-        </p:nvSpPr>
-        <p:spPr>
-          <a:xfrm>
-            <a:off x="5001518" y="3570778"/>
-            <a:ext cx="716863" cy="215444"/>
-          </a:xfrm>
-          <a:prstGeom prst="rect">
-            <a:avLst/>
-          </a:prstGeom>
-          <a:noFill/>
-        </p:spPr>
-        <p:txBody>
-          <a:bodyPr wrap="none" rtlCol="0">
-            <a:spAutoFit/>
-          </a:bodyPr>
-          <a:lstStyle/>
-          <a:p>
-            <a:r>
-              <a:rPr lang="en-US" sz="800" dirty="0"/>
-              <a:t>Not Selected</a:t>
-            </a:r>
-            <a:endParaRPr lang="en-SG" sz="800" dirty="0"/>
-          </a:p>
-        </p:txBody>
-      </p:sp>
-      <p:cxnSp>
-        <p:nvCxnSpPr>
-          <p:cNvPr id="50" name="Connector: Elbow 49"/>
-          <p:cNvCxnSpPr>
-            <a:stCxn id="30" idx="0"/>
-            <a:endCxn id="45" idx="3"/>
-          </p:cNvCxnSpPr>
-          <p:nvPr/>
-        </p:nvCxnSpPr>
-        <p:spPr>
-          <a:xfrm>
-            <a:off x="2290241" y="3007943"/>
-            <a:ext cx="987812" cy="124072"/>
-          </a:xfrm>
-          <a:prstGeom prst="bentConnector3">
-            <a:avLst>
-              <a:gd name="adj1" fmla="val 50000"/>
-            </a:avLst>
-          </a:prstGeom>
-        </p:spPr>
-        <p:style>
-          <a:lnRef idx="1">
-            <a:schemeClr val="accent1"/>
-          </a:lnRef>
-          <a:fillRef idx="0">
-            <a:schemeClr val="accent1"/>
-          </a:fillRef>
-          <a:effectRef idx="0">
-            <a:schemeClr val="accent1"/>
-          </a:effectRef>
-          <a:fontRef idx="minor">
-            <a:schemeClr val="tx1"/>
-          </a:fontRef>
-        </p:style>
-      </p:cxnSp>
-      <p:sp>
-        <p:nvSpPr>
-          <p:cNvPr id="51" name="Rectangle 50"/>
-          <p:cNvSpPr/>
-          <p:nvPr/>
-        </p:nvSpPr>
-        <p:spPr>
-          <a:xfrm>
-            <a:off x="3457161" y="3110162"/>
-            <a:ext cx="1722405" cy="507831"/>
-          </a:xfrm>
-          <a:prstGeom prst="rect">
-            <a:avLst/>
-          </a:prstGeom>
-        </p:spPr>
-        <p:txBody>
-          <a:bodyPr wrap="square">
-            <a:spAutoFit/>
-          </a:bodyPr>
-          <a:lstStyle/>
-          <a:p>
-            <a:r>
-              <a:rPr lang="en-SG" sz="900" dirty="0"/>
-              <a:t>road category =  C/B &amp;</a:t>
-            </a:r>
-          </a:p>
-          <a:p>
-            <a:r>
-              <a:rPr lang="en-SG" sz="900" dirty="0"/>
-              <a:t>previous speed band = 3 &amp;</a:t>
-            </a:r>
-          </a:p>
-          <a:p>
-            <a:r>
-              <a:rPr lang="en-SG" sz="900" dirty="0"/>
-              <a:t>current speed band = 2</a:t>
-            </a:r>
-          </a:p>
-        </p:txBody>
-      </p:sp>
-      <p:cxnSp>
-        <p:nvCxnSpPr>
-          <p:cNvPr id="52" name="Straight Connector 51"/>
-          <p:cNvCxnSpPr>
-            <a:stCxn id="46" idx="0"/>
-            <a:endCxn id="39" idx="3"/>
-          </p:cNvCxnSpPr>
-          <p:nvPr/>
-        </p:nvCxnSpPr>
-        <p:spPr>
-          <a:xfrm flipV="1">
-            <a:off x="5108635" y="3124902"/>
-            <a:ext cx="1628733" cy="1031"/>
-          </a:xfrm>
-          <a:prstGeom prst="line">
-            <a:avLst/>
-          </a:prstGeom>
-        </p:spPr>
-        <p:style>
-          <a:lnRef idx="1">
-            <a:schemeClr val="accent1"/>
-          </a:lnRef>
-          <a:fillRef idx="0">
-            <a:schemeClr val="accent1"/>
-          </a:fillRef>
-          <a:effectRef idx="0">
-            <a:schemeClr val="accent1"/>
-          </a:effectRef>
-          <a:fontRef idx="minor">
-            <a:schemeClr val="tx1"/>
-          </a:fontRef>
-        </p:style>
-      </p:cxnSp>
-      <p:cxnSp>
-        <p:nvCxnSpPr>
-          <p:cNvPr id="53" name="Connector: Elbow 52"/>
-          <p:cNvCxnSpPr>
-            <a:endCxn id="10" idx="3"/>
-          </p:cNvCxnSpPr>
-          <p:nvPr/>
-        </p:nvCxnSpPr>
-        <p:spPr>
-          <a:xfrm flipV="1">
-            <a:off x="8546564" y="3362598"/>
-            <a:ext cx="1346236" cy="999776"/>
-          </a:xfrm>
-          <a:prstGeom prst="bentConnector3">
-            <a:avLst/>
-          </a:prstGeom>
-        </p:spPr>
-        <p:style>
-          <a:lnRef idx="1">
-            <a:schemeClr val="accent1"/>
-          </a:lnRef>
-          <a:fillRef idx="0">
-            <a:schemeClr val="accent1"/>
-          </a:fillRef>
-          <a:effectRef idx="0">
-            <a:schemeClr val="accent1"/>
-          </a:effectRef>
-          <a:fontRef idx="minor">
-            <a:schemeClr val="tx1"/>
-          </a:fontRef>
-        </p:style>
-      </p:cxnSp>
-      <p:cxnSp>
-        <p:nvCxnSpPr>
-          <p:cNvPr id="54" name="Connector: Elbow 53"/>
-          <p:cNvCxnSpPr>
-            <a:stCxn id="96" idx="0"/>
-            <a:endCxn id="10" idx="0"/>
-          </p:cNvCxnSpPr>
-          <p:nvPr/>
-        </p:nvCxnSpPr>
-        <p:spPr>
-          <a:xfrm flipV="1">
-            <a:off x="8567126" y="3362598"/>
-            <a:ext cx="1510562" cy="2053305"/>
-          </a:xfrm>
-          <a:prstGeom prst="bentConnector3">
-            <a:avLst>
-              <a:gd name="adj1" fmla="val 42815"/>
-            </a:avLst>
-          </a:prstGeom>
-        </p:spPr>
-        <p:style>
-          <a:lnRef idx="1">
-            <a:schemeClr val="accent1"/>
-          </a:lnRef>
-          <a:fillRef idx="0">
-            <a:schemeClr val="accent1"/>
-          </a:fillRef>
-          <a:effectRef idx="0">
-            <a:schemeClr val="accent1"/>
-          </a:effectRef>
-          <a:fontRef idx="minor">
-            <a:schemeClr val="tx1"/>
-          </a:fontRef>
-        </p:style>
-      </p:cxnSp>
-      <p:sp>
-        <p:nvSpPr>
-          <p:cNvPr id="55" name="Rectangle 54"/>
-          <p:cNvSpPr/>
-          <p:nvPr/>
-        </p:nvSpPr>
-        <p:spPr>
-          <a:xfrm>
-            <a:off x="3465850" y="1987051"/>
-            <a:ext cx="1722405" cy="507831"/>
-          </a:xfrm>
-          <a:prstGeom prst="rect">
-            <a:avLst/>
-          </a:prstGeom>
-        </p:spPr>
-        <p:txBody>
-          <a:bodyPr wrap="square">
-            <a:spAutoFit/>
-          </a:bodyPr>
-          <a:lstStyle/>
-          <a:p>
-            <a:r>
-              <a:rPr lang="en-SG" sz="900" dirty="0"/>
-              <a:t>road category =  C/B &amp;</a:t>
-            </a:r>
-          </a:p>
-          <a:p>
-            <a:r>
-              <a:rPr lang="en-SG" sz="900" dirty="0"/>
-              <a:t>previous speed band = 2 &amp;</a:t>
-            </a:r>
-          </a:p>
-          <a:p>
-            <a:r>
-              <a:rPr lang="en-SG" sz="900" dirty="0"/>
-              <a:t>current speed band = 1</a:t>
-            </a:r>
-          </a:p>
-        </p:txBody>
-      </p:sp>
-      <p:sp>
-        <p:nvSpPr>
-          <p:cNvPr id="56" name="Isosceles Triangle 55"/>
-          <p:cNvSpPr/>
-          <p:nvPr/>
-        </p:nvSpPr>
-        <p:spPr>
-          <a:xfrm rot="5400000">
-            <a:off x="4903250" y="1849501"/>
-            <a:ext cx="226423" cy="184888"/>
-          </a:xfrm>
-          <a:prstGeom prst="triangle">
-            <a:avLst/>
-          </a:prstGeom>
-          <a:solidFill>
-            <a:srgbClr val="FFFF00"/>
-          </a:solidFill>
-        </p:spPr>
-        <p:style>
-          <a:lnRef idx="2">
-            <a:schemeClr val="accent1">
-              <a:shade val="50000"/>
-            </a:schemeClr>
-          </a:lnRef>
-          <a:fillRef idx="1">
-            <a:schemeClr val="accent1"/>
-          </a:fillRef>
-          <a:effectRef idx="0">
-            <a:schemeClr val="accent1"/>
-          </a:effectRef>
-          <a:fontRef idx="minor">
-            <a:schemeClr val="lt1"/>
-          </a:fontRef>
-        </p:style>
-        <p:txBody>
-          <a:bodyPr rtlCol="0" anchor="ctr"/>
-          <a:lstStyle/>
-          <a:p>
-            <a:pPr algn="ctr"/>
-            <a:endParaRPr lang="en-SG"/>
-          </a:p>
-        </p:txBody>
-      </p:sp>
-      <p:sp>
-        <p:nvSpPr>
-          <p:cNvPr id="57" name="Isosceles Triangle 56"/>
-          <p:cNvSpPr/>
-          <p:nvPr/>
-        </p:nvSpPr>
-        <p:spPr>
-          <a:xfrm rot="5400000">
-            <a:off x="4909830" y="2263477"/>
-            <a:ext cx="226423" cy="184888"/>
-          </a:xfrm>
-          <a:prstGeom prst="triangle">
-            <a:avLst/>
-          </a:prstGeom>
-          <a:solidFill>
-            <a:srgbClr val="FFFF00"/>
-          </a:solidFill>
-        </p:spPr>
-        <p:style>
-          <a:lnRef idx="2">
-            <a:schemeClr val="accent1">
-              <a:shade val="50000"/>
-            </a:schemeClr>
-          </a:lnRef>
-          <a:fillRef idx="1">
-            <a:schemeClr val="accent1"/>
-          </a:fillRef>
-          <a:effectRef idx="0">
-            <a:schemeClr val="accent1"/>
-          </a:effectRef>
-          <a:fontRef idx="minor">
-            <a:schemeClr val="lt1"/>
-          </a:fontRef>
-        </p:style>
-        <p:txBody>
-          <a:bodyPr rtlCol="0" anchor="ctr"/>
-          <a:lstStyle/>
-          <a:p>
-            <a:pPr algn="ctr"/>
-            <a:endParaRPr lang="en-SG"/>
-          </a:p>
-        </p:txBody>
-      </p:sp>
-      <p:sp>
-        <p:nvSpPr>
-          <p:cNvPr id="58" name="TextBox 57"/>
-          <p:cNvSpPr txBox="1"/>
-          <p:nvPr/>
-        </p:nvSpPr>
-        <p:spPr>
-          <a:xfrm>
-            <a:off x="5007092" y="1726118"/>
-            <a:ext cx="482824" cy="215444"/>
-          </a:xfrm>
-          <a:prstGeom prst="rect">
-            <a:avLst/>
-          </a:prstGeom>
-          <a:noFill/>
-        </p:spPr>
-        <p:txBody>
-          <a:bodyPr wrap="none" rtlCol="0">
-            <a:spAutoFit/>
-          </a:bodyPr>
-          <a:lstStyle/>
-          <a:p>
-            <a:r>
-              <a:rPr lang="en-US" sz="800" dirty="0"/>
-              <a:t>Output</a:t>
-            </a:r>
-            <a:endParaRPr lang="en-SG" sz="800" dirty="0"/>
-          </a:p>
-        </p:txBody>
-      </p:sp>
-      <p:sp>
-        <p:nvSpPr>
-          <p:cNvPr id="59" name="TextBox 58"/>
-          <p:cNvSpPr txBox="1"/>
-          <p:nvPr/>
-        </p:nvSpPr>
-        <p:spPr>
-          <a:xfrm>
-            <a:off x="5001789" y="2386791"/>
-            <a:ext cx="716863" cy="215444"/>
-          </a:xfrm>
-          <a:prstGeom prst="rect">
-            <a:avLst/>
-          </a:prstGeom>
-          <a:noFill/>
-        </p:spPr>
-        <p:txBody>
-          <a:bodyPr wrap="none" rtlCol="0">
-            <a:spAutoFit/>
-          </a:bodyPr>
-          <a:lstStyle/>
-          <a:p>
-            <a:r>
-              <a:rPr lang="en-US" sz="800" dirty="0"/>
-              <a:t>Not Selected</a:t>
-            </a:r>
-            <a:endParaRPr lang="en-SG" sz="800" dirty="0"/>
-          </a:p>
-        </p:txBody>
-      </p:sp>
-      <p:cxnSp>
-        <p:nvCxnSpPr>
-          <p:cNvPr id="60" name="Straight Connector 59"/>
-          <p:cNvCxnSpPr>
-            <a:stCxn id="26" idx="0"/>
-            <a:endCxn id="63" idx="3"/>
-          </p:cNvCxnSpPr>
-          <p:nvPr/>
-        </p:nvCxnSpPr>
-        <p:spPr>
-          <a:xfrm>
-            <a:off x="1278281" y="4776724"/>
-            <a:ext cx="1986507" cy="6293"/>
-          </a:xfrm>
-          <a:prstGeom prst="line">
-            <a:avLst/>
-          </a:prstGeom>
-        </p:spPr>
-        <p:style>
-          <a:lnRef idx="1">
-            <a:schemeClr val="accent1"/>
-          </a:lnRef>
-          <a:fillRef idx="0">
-            <a:schemeClr val="accent1"/>
-          </a:fillRef>
-          <a:effectRef idx="0">
-            <a:schemeClr val="accent1"/>
-          </a:effectRef>
-          <a:fontRef idx="minor">
-            <a:schemeClr val="tx1"/>
-          </a:fontRef>
-        </p:style>
-      </p:cxnSp>
-      <p:sp>
-        <p:nvSpPr>
-          <p:cNvPr id="61" name="Rectangle: Rounded Corners 60"/>
-          <p:cNvSpPr/>
-          <p:nvPr/>
-        </p:nvSpPr>
-        <p:spPr>
-          <a:xfrm>
-            <a:off x="3323327" y="4155920"/>
-            <a:ext cx="1632857" cy="885894"/>
-          </a:xfrm>
-          <a:prstGeom prst="roundRect">
-            <a:avLst/>
-          </a:prstGeom>
-          <a:noFill/>
-        </p:spPr>
-        <p:style>
-          <a:lnRef idx="2">
-            <a:schemeClr val="accent1">
-              <a:shade val="50000"/>
-            </a:schemeClr>
-          </a:lnRef>
-          <a:fillRef idx="1">
-            <a:schemeClr val="accent1"/>
-          </a:fillRef>
-          <a:effectRef idx="0">
-            <a:schemeClr val="accent1"/>
-          </a:effectRef>
-          <a:fontRef idx="minor">
-            <a:schemeClr val="lt1"/>
-          </a:fontRef>
-        </p:style>
-        <p:txBody>
-          <a:bodyPr rtlCol="0" anchor="ctr"/>
-          <a:lstStyle/>
-          <a:p>
-            <a:pPr algn="ctr"/>
-            <a:endParaRPr lang="en-SG"/>
-          </a:p>
-        </p:txBody>
-      </p:sp>
-      <p:sp>
-        <p:nvSpPr>
-          <p:cNvPr id="62" name="TextBox 61"/>
-          <p:cNvSpPr txBox="1"/>
-          <p:nvPr/>
-        </p:nvSpPr>
-        <p:spPr>
-          <a:xfrm>
-            <a:off x="3371490" y="4202199"/>
-            <a:ext cx="1117614" cy="215444"/>
-          </a:xfrm>
-          <a:prstGeom prst="rect">
-            <a:avLst/>
-          </a:prstGeom>
-          <a:noFill/>
-        </p:spPr>
-        <p:txBody>
-          <a:bodyPr wrap="none" rtlCol="0">
-            <a:spAutoFit/>
-          </a:bodyPr>
-          <a:lstStyle/>
-          <a:p>
-            <a:r>
-              <a:rPr lang="en-US" sz="800" dirty="0"/>
-              <a:t>EPA3: Pattern - Spatial</a:t>
-            </a:r>
-            <a:endParaRPr lang="en-SG" sz="800" dirty="0"/>
-          </a:p>
-        </p:txBody>
-      </p:sp>
-      <p:sp>
-        <p:nvSpPr>
-          <p:cNvPr id="63" name="Isosceles Triangle 62"/>
-          <p:cNvSpPr/>
-          <p:nvPr/>
-        </p:nvSpPr>
-        <p:spPr>
-          <a:xfrm rot="5400000">
-            <a:off x="3244020" y="4690572"/>
-            <a:ext cx="226423" cy="184888"/>
-          </a:xfrm>
-          <a:prstGeom prst="triangle">
-            <a:avLst/>
-          </a:prstGeom>
-          <a:solidFill>
-            <a:srgbClr val="FFFF00"/>
-          </a:solidFill>
-        </p:spPr>
-        <p:style>
-          <a:lnRef idx="2">
-            <a:schemeClr val="accent1">
-              <a:shade val="50000"/>
-            </a:schemeClr>
-          </a:lnRef>
-          <a:fillRef idx="1">
-            <a:schemeClr val="accent1"/>
-          </a:fillRef>
-          <a:effectRef idx="0">
-            <a:schemeClr val="accent1"/>
-          </a:effectRef>
-          <a:fontRef idx="minor">
-            <a:schemeClr val="lt1"/>
-          </a:fontRef>
-        </p:style>
-        <p:txBody>
-          <a:bodyPr rtlCol="0" anchor="ctr"/>
-          <a:lstStyle/>
-          <a:p>
-            <a:pPr algn="ctr"/>
-            <a:endParaRPr lang="en-SG"/>
-          </a:p>
-        </p:txBody>
-      </p:sp>
-      <p:sp>
-        <p:nvSpPr>
-          <p:cNvPr id="64" name="Isosceles Triangle 63"/>
-          <p:cNvSpPr/>
-          <p:nvPr/>
-        </p:nvSpPr>
-        <p:spPr>
-          <a:xfrm rot="5400000">
-            <a:off x="4887588" y="4309405"/>
-            <a:ext cx="226423" cy="184888"/>
-          </a:xfrm>
-          <a:prstGeom prst="triangle">
-            <a:avLst/>
-          </a:prstGeom>
-          <a:solidFill>
-            <a:srgbClr val="FFFF00"/>
-          </a:solidFill>
-        </p:spPr>
-        <p:style>
-          <a:lnRef idx="2">
-            <a:schemeClr val="accent1">
-              <a:shade val="50000"/>
-            </a:schemeClr>
-          </a:lnRef>
-          <a:fillRef idx="1">
-            <a:schemeClr val="accent1"/>
-          </a:fillRef>
-          <a:effectRef idx="0">
-            <a:schemeClr val="accent1"/>
-          </a:effectRef>
-          <a:fontRef idx="minor">
-            <a:schemeClr val="lt1"/>
-          </a:fontRef>
-        </p:style>
-        <p:txBody>
-          <a:bodyPr rtlCol="0" anchor="ctr"/>
-          <a:lstStyle/>
-          <a:p>
-            <a:pPr algn="ctr"/>
-            <a:endParaRPr lang="en-SG"/>
-          </a:p>
-        </p:txBody>
-      </p:sp>
-      <p:sp>
-        <p:nvSpPr>
-          <p:cNvPr id="65" name="Isosceles Triangle 64"/>
-          <p:cNvSpPr/>
-          <p:nvPr/>
-        </p:nvSpPr>
-        <p:spPr>
-          <a:xfrm rot="5400000">
-            <a:off x="4894168" y="4723381"/>
-            <a:ext cx="226423" cy="184888"/>
-          </a:xfrm>
-          <a:prstGeom prst="triangle">
-            <a:avLst/>
-          </a:prstGeom>
-          <a:solidFill>
-            <a:srgbClr val="FFFF00"/>
-          </a:solidFill>
-        </p:spPr>
-        <p:style>
-          <a:lnRef idx="2">
-            <a:schemeClr val="accent1">
-              <a:shade val="50000"/>
-            </a:schemeClr>
-          </a:lnRef>
-          <a:fillRef idx="1">
-            <a:schemeClr val="accent1"/>
-          </a:fillRef>
-          <a:effectRef idx="0">
-            <a:schemeClr val="accent1"/>
-          </a:effectRef>
-          <a:fontRef idx="minor">
-            <a:schemeClr val="lt1"/>
-          </a:fontRef>
-        </p:style>
-        <p:txBody>
-          <a:bodyPr rtlCol="0" anchor="ctr"/>
-          <a:lstStyle/>
-          <a:p>
-            <a:pPr algn="ctr"/>
-            <a:endParaRPr lang="en-SG"/>
-          </a:p>
-        </p:txBody>
-      </p:sp>
-      <p:sp>
-        <p:nvSpPr>
-          <p:cNvPr id="66" name="TextBox 65"/>
-          <p:cNvSpPr txBox="1"/>
-          <p:nvPr/>
-        </p:nvSpPr>
-        <p:spPr>
-          <a:xfrm>
-            <a:off x="4991430" y="4186022"/>
-            <a:ext cx="482824" cy="215444"/>
-          </a:xfrm>
-          <a:prstGeom prst="rect">
-            <a:avLst/>
-          </a:prstGeom>
-          <a:noFill/>
-        </p:spPr>
-        <p:txBody>
-          <a:bodyPr wrap="none" rtlCol="0">
-            <a:spAutoFit/>
-          </a:bodyPr>
-          <a:lstStyle/>
-          <a:p>
-            <a:r>
-              <a:rPr lang="en-US" sz="800" dirty="0"/>
-              <a:t>Output</a:t>
-            </a:r>
-            <a:endParaRPr lang="en-SG" sz="800" dirty="0"/>
-          </a:p>
-        </p:txBody>
-      </p:sp>
-      <p:sp>
-        <p:nvSpPr>
-          <p:cNvPr id="67" name="TextBox 66"/>
-          <p:cNvSpPr txBox="1"/>
-          <p:nvPr/>
-        </p:nvSpPr>
-        <p:spPr>
-          <a:xfrm>
-            <a:off x="4986127" y="4846695"/>
-            <a:ext cx="716863" cy="215444"/>
-          </a:xfrm>
-          <a:prstGeom prst="rect">
-            <a:avLst/>
-          </a:prstGeom>
-          <a:noFill/>
-        </p:spPr>
-        <p:txBody>
-          <a:bodyPr wrap="none" rtlCol="0">
-            <a:spAutoFit/>
-          </a:bodyPr>
-          <a:lstStyle/>
-          <a:p>
-            <a:r>
-              <a:rPr lang="en-US" sz="800" dirty="0"/>
-              <a:t>Not Selected</a:t>
-            </a:r>
-            <a:endParaRPr lang="en-SG" sz="800" dirty="0"/>
-          </a:p>
-        </p:txBody>
-      </p:sp>
-      <p:sp>
-        <p:nvSpPr>
-          <p:cNvPr id="68" name="Rectangle 67"/>
-          <p:cNvSpPr/>
-          <p:nvPr/>
-        </p:nvSpPr>
-        <p:spPr>
-          <a:xfrm>
-            <a:off x="3441770" y="4386079"/>
-            <a:ext cx="1722405" cy="507831"/>
-          </a:xfrm>
-          <a:prstGeom prst="rect">
-            <a:avLst/>
-          </a:prstGeom>
-        </p:spPr>
-        <p:txBody>
-          <a:bodyPr wrap="square">
-            <a:spAutoFit/>
-          </a:bodyPr>
-          <a:lstStyle/>
-          <a:p>
-            <a:r>
-              <a:rPr lang="en-SG" sz="900" dirty="0"/>
-              <a:t>road category =  C/B &amp;</a:t>
-            </a:r>
-          </a:p>
-          <a:p>
-            <a:r>
-              <a:rPr lang="en-SG" sz="900" dirty="0"/>
-              <a:t>current speed band = 2/3 &amp;</a:t>
-            </a:r>
-          </a:p>
-          <a:p>
-            <a:r>
-              <a:rPr lang="en-SG" sz="900" dirty="0"/>
-              <a:t>Forecast in area =HG/HR/HS/HT </a:t>
-            </a:r>
-          </a:p>
-        </p:txBody>
-      </p:sp>
-      <p:sp>
-        <p:nvSpPr>
-          <p:cNvPr id="69" name="Isosceles Triangle 68"/>
-          <p:cNvSpPr/>
-          <p:nvPr/>
-        </p:nvSpPr>
-        <p:spPr>
-          <a:xfrm rot="5400000">
-            <a:off x="3226717" y="4289141"/>
-            <a:ext cx="226423" cy="184888"/>
-          </a:xfrm>
-          <a:prstGeom prst="triangle">
-            <a:avLst/>
-          </a:prstGeom>
-          <a:solidFill>
-            <a:srgbClr val="FFFF00"/>
-          </a:solidFill>
-        </p:spPr>
-        <p:style>
-          <a:lnRef idx="2">
-            <a:schemeClr val="accent1">
-              <a:shade val="50000"/>
-            </a:schemeClr>
-          </a:lnRef>
-          <a:fillRef idx="1">
-            <a:schemeClr val="accent1"/>
-          </a:fillRef>
-          <a:effectRef idx="0">
-            <a:schemeClr val="accent1"/>
-          </a:effectRef>
-          <a:fontRef idx="minor">
-            <a:schemeClr val="lt1"/>
-          </a:fontRef>
-        </p:style>
-        <p:txBody>
-          <a:bodyPr rtlCol="0" anchor="ctr"/>
-          <a:lstStyle/>
-          <a:p>
-            <a:pPr algn="ctr"/>
-            <a:endParaRPr lang="en-SG"/>
-          </a:p>
-        </p:txBody>
-      </p:sp>
-      <p:cxnSp>
-        <p:nvCxnSpPr>
-          <p:cNvPr id="70" name="Connector: Elbow 69"/>
-          <p:cNvCxnSpPr>
-            <a:stCxn id="30" idx="0"/>
-            <a:endCxn id="69" idx="3"/>
-          </p:cNvCxnSpPr>
-          <p:nvPr/>
-        </p:nvCxnSpPr>
-        <p:spPr>
-          <a:xfrm>
-            <a:off x="2290241" y="3007943"/>
-            <a:ext cx="957244" cy="1373643"/>
-          </a:xfrm>
-          <a:prstGeom prst="bentConnector3">
-            <a:avLst>
-              <a:gd name="adj1" fmla="val 51819"/>
-            </a:avLst>
-          </a:prstGeom>
-        </p:spPr>
-        <p:style>
-          <a:lnRef idx="1">
-            <a:schemeClr val="accent1"/>
-          </a:lnRef>
-          <a:fillRef idx="0">
-            <a:schemeClr val="accent1"/>
-          </a:fillRef>
-          <a:effectRef idx="0">
-            <a:schemeClr val="accent1"/>
-          </a:effectRef>
-          <a:fontRef idx="minor">
-            <a:schemeClr val="tx1"/>
-          </a:fontRef>
-        </p:style>
-      </p:cxnSp>
-      <p:sp>
-        <p:nvSpPr>
-          <p:cNvPr id="71" name="Rectangle 70"/>
-          <p:cNvSpPr/>
-          <p:nvPr/>
-        </p:nvSpPr>
-        <p:spPr>
-          <a:xfrm>
-            <a:off x="6918880" y="4437192"/>
-            <a:ext cx="1326513" cy="507831"/>
-          </a:xfrm>
-          <a:prstGeom prst="rect">
-            <a:avLst/>
-          </a:prstGeom>
-        </p:spPr>
-        <p:txBody>
-          <a:bodyPr wrap="square">
-            <a:spAutoFit/>
-          </a:bodyPr>
-          <a:lstStyle/>
-          <a:p>
-            <a:r>
-              <a:rPr lang="en-SG" sz="900" dirty="0"/>
-              <a:t>message  =  “Heavy Rain expect in” Area.  Drive with caution”</a:t>
-            </a:r>
-          </a:p>
-        </p:txBody>
-      </p:sp>
-      <p:sp>
-        <p:nvSpPr>
-          <p:cNvPr id="72" name="Rectangle: Rounded Corners 71"/>
-          <p:cNvSpPr/>
-          <p:nvPr/>
-        </p:nvSpPr>
-        <p:spPr>
-          <a:xfrm>
-            <a:off x="6808445" y="4212659"/>
-            <a:ext cx="1632857" cy="885894"/>
-          </a:xfrm>
-          <a:prstGeom prst="roundRect">
-            <a:avLst/>
-          </a:prstGeom>
-          <a:noFill/>
-        </p:spPr>
-        <p:style>
-          <a:lnRef idx="2">
-            <a:schemeClr val="accent1">
-              <a:shade val="50000"/>
-            </a:schemeClr>
-          </a:lnRef>
-          <a:fillRef idx="1">
-            <a:schemeClr val="accent1"/>
-          </a:fillRef>
-          <a:effectRef idx="0">
-            <a:schemeClr val="accent1"/>
-          </a:effectRef>
-          <a:fontRef idx="minor">
-            <a:schemeClr val="lt1"/>
-          </a:fontRef>
-        </p:style>
-        <p:txBody>
-          <a:bodyPr rtlCol="0" anchor="ctr"/>
-          <a:lstStyle/>
-          <a:p>
-            <a:pPr algn="ctr"/>
-            <a:endParaRPr lang="en-SG"/>
-          </a:p>
-        </p:txBody>
-      </p:sp>
-      <p:sp>
-        <p:nvSpPr>
-          <p:cNvPr id="73" name="Isosceles Triangle 72"/>
-          <p:cNvSpPr/>
-          <p:nvPr/>
-        </p:nvSpPr>
-        <p:spPr>
-          <a:xfrm rot="5400000">
-            <a:off x="8375244" y="4290031"/>
-            <a:ext cx="226423" cy="184888"/>
-          </a:xfrm>
-          <a:prstGeom prst="triangle">
-            <a:avLst/>
-          </a:prstGeom>
-          <a:solidFill>
-            <a:srgbClr val="FFFF00"/>
-          </a:solidFill>
-        </p:spPr>
-        <p:style>
-          <a:lnRef idx="2">
-            <a:schemeClr val="accent1">
-              <a:shade val="50000"/>
-            </a:schemeClr>
-          </a:lnRef>
-          <a:fillRef idx="1">
-            <a:schemeClr val="accent1"/>
-          </a:fillRef>
-          <a:effectRef idx="0">
-            <a:schemeClr val="accent1"/>
-          </a:effectRef>
-          <a:fontRef idx="minor">
-            <a:schemeClr val="lt1"/>
-          </a:fontRef>
-        </p:style>
-        <p:txBody>
-          <a:bodyPr rtlCol="0" anchor="ctr"/>
-          <a:lstStyle/>
-          <a:p>
-            <a:pPr algn="ctr"/>
-            <a:endParaRPr lang="en-SG"/>
-          </a:p>
-        </p:txBody>
-      </p:sp>
-      <p:sp>
-        <p:nvSpPr>
-          <p:cNvPr id="74" name="TextBox 73"/>
-          <p:cNvSpPr txBox="1"/>
-          <p:nvPr/>
-        </p:nvSpPr>
-        <p:spPr>
-          <a:xfrm>
-            <a:off x="6808446" y="4212659"/>
-            <a:ext cx="835485" cy="215444"/>
-          </a:xfrm>
-          <a:prstGeom prst="rect">
-            <a:avLst/>
-          </a:prstGeom>
-          <a:noFill/>
-        </p:spPr>
-        <p:txBody>
-          <a:bodyPr wrap="none" rtlCol="0">
-            <a:spAutoFit/>
-          </a:bodyPr>
-          <a:lstStyle/>
-          <a:p>
-            <a:r>
-              <a:rPr lang="en-US" sz="800" dirty="0"/>
-              <a:t>EPA6: Translate</a:t>
-            </a:r>
-            <a:endParaRPr lang="en-SG" sz="800" dirty="0"/>
-          </a:p>
-        </p:txBody>
-      </p:sp>
-      <p:sp>
-        <p:nvSpPr>
-          <p:cNvPr id="75" name="Isosceles Triangle 74"/>
-          <p:cNvSpPr/>
-          <p:nvPr/>
-        </p:nvSpPr>
-        <p:spPr>
-          <a:xfrm rot="5400000">
-            <a:off x="8375243" y="4785534"/>
-            <a:ext cx="226423" cy="184888"/>
-          </a:xfrm>
-          <a:prstGeom prst="triangle">
-            <a:avLst/>
-          </a:prstGeom>
-          <a:solidFill>
-            <a:srgbClr val="FFFF00"/>
-          </a:solidFill>
-        </p:spPr>
-        <p:style>
-          <a:lnRef idx="2">
-            <a:schemeClr val="accent1">
-              <a:shade val="50000"/>
-            </a:schemeClr>
-          </a:lnRef>
-          <a:fillRef idx="1">
-            <a:schemeClr val="accent1"/>
-          </a:fillRef>
-          <a:effectRef idx="0">
-            <a:schemeClr val="accent1"/>
-          </a:effectRef>
-          <a:fontRef idx="minor">
-            <a:schemeClr val="lt1"/>
-          </a:fontRef>
-        </p:style>
-        <p:txBody>
-          <a:bodyPr rtlCol="0" anchor="ctr"/>
-          <a:lstStyle/>
-          <a:p>
-            <a:pPr algn="ctr"/>
-            <a:endParaRPr lang="en-SG"/>
-          </a:p>
-        </p:txBody>
-      </p:sp>
-      <p:sp>
-        <p:nvSpPr>
-          <p:cNvPr id="76" name="Isosceles Triangle 75"/>
-          <p:cNvSpPr/>
-          <p:nvPr/>
-        </p:nvSpPr>
-        <p:spPr>
-          <a:xfrm rot="5400000">
-            <a:off x="6730374" y="4316158"/>
-            <a:ext cx="226423" cy="184888"/>
-          </a:xfrm>
-          <a:prstGeom prst="triangle">
-            <a:avLst/>
-          </a:prstGeom>
-          <a:solidFill>
-            <a:srgbClr val="FFFF00"/>
-          </a:solidFill>
-        </p:spPr>
-        <p:style>
-          <a:lnRef idx="2">
-            <a:schemeClr val="accent1">
-              <a:shade val="50000"/>
-            </a:schemeClr>
-          </a:lnRef>
-          <a:fillRef idx="1">
-            <a:schemeClr val="accent1"/>
-          </a:fillRef>
-          <a:effectRef idx="0">
-            <a:schemeClr val="accent1"/>
-          </a:effectRef>
-          <a:fontRef idx="minor">
-            <a:schemeClr val="lt1"/>
-          </a:fontRef>
-        </p:style>
-        <p:txBody>
-          <a:bodyPr rtlCol="0" anchor="ctr"/>
-          <a:lstStyle/>
-          <a:p>
-            <a:pPr algn="ctr"/>
-            <a:endParaRPr lang="en-SG"/>
-          </a:p>
-        </p:txBody>
-      </p:sp>
-      <p:sp>
-        <p:nvSpPr>
-          <p:cNvPr id="77" name="TextBox 76"/>
-          <p:cNvSpPr txBox="1"/>
-          <p:nvPr/>
-        </p:nvSpPr>
-        <p:spPr>
-          <a:xfrm>
-            <a:off x="8452120" y="4899869"/>
-            <a:ext cx="470000" cy="215444"/>
-          </a:xfrm>
-          <a:prstGeom prst="rect">
-            <a:avLst/>
-          </a:prstGeom>
-          <a:noFill/>
-        </p:spPr>
-        <p:txBody>
-          <a:bodyPr wrap="none" rtlCol="0">
-            <a:spAutoFit/>
-          </a:bodyPr>
-          <a:lstStyle/>
-          <a:p>
-            <a:r>
-              <a:rPr lang="en-US" sz="800" dirty="0"/>
-              <a:t>Failure</a:t>
-            </a:r>
-            <a:endParaRPr lang="en-SG" sz="800" dirty="0"/>
-          </a:p>
-        </p:txBody>
-      </p:sp>
-      <p:sp>
-        <p:nvSpPr>
-          <p:cNvPr id="78" name="TextBox 77"/>
-          <p:cNvSpPr txBox="1"/>
-          <p:nvPr/>
-        </p:nvSpPr>
-        <p:spPr>
-          <a:xfrm>
-            <a:off x="8456602" y="4175828"/>
-            <a:ext cx="482824" cy="215444"/>
-          </a:xfrm>
-          <a:prstGeom prst="rect">
-            <a:avLst/>
-          </a:prstGeom>
-          <a:noFill/>
-        </p:spPr>
-        <p:txBody>
-          <a:bodyPr wrap="none" rtlCol="0">
-            <a:spAutoFit/>
-          </a:bodyPr>
-          <a:lstStyle/>
-          <a:p>
-            <a:r>
-              <a:rPr lang="en-US" sz="800" dirty="0"/>
-              <a:t>Output</a:t>
-            </a:r>
-            <a:endParaRPr lang="en-SG" sz="800" dirty="0"/>
-          </a:p>
-        </p:txBody>
-      </p:sp>
-      <p:cxnSp>
-        <p:nvCxnSpPr>
-          <p:cNvPr id="79" name="Straight Connector 78"/>
-          <p:cNvCxnSpPr>
-            <a:stCxn id="64" idx="0"/>
-            <a:endCxn id="76" idx="3"/>
-          </p:cNvCxnSpPr>
-          <p:nvPr/>
-        </p:nvCxnSpPr>
-        <p:spPr>
-          <a:xfrm>
-            <a:off x="5093244" y="4401850"/>
-            <a:ext cx="1657898" cy="6753"/>
-          </a:xfrm>
-          <a:prstGeom prst="line">
-            <a:avLst/>
-          </a:prstGeom>
-        </p:spPr>
-        <p:style>
-          <a:lnRef idx="1">
-            <a:schemeClr val="accent1"/>
-          </a:lnRef>
-          <a:fillRef idx="0">
-            <a:schemeClr val="accent1"/>
-          </a:fillRef>
-          <a:effectRef idx="0">
-            <a:schemeClr val="accent1"/>
-          </a:effectRef>
-          <a:fontRef idx="minor">
-            <a:schemeClr val="tx1"/>
-          </a:fontRef>
-        </p:style>
-      </p:cxnSp>
-      <p:sp>
-        <p:nvSpPr>
-          <p:cNvPr id="80" name="Rectangle: Rounded Corners 79"/>
-          <p:cNvSpPr/>
-          <p:nvPr/>
-        </p:nvSpPr>
-        <p:spPr>
-          <a:xfrm>
-            <a:off x="155764" y="5199090"/>
-            <a:ext cx="1068920" cy="566057"/>
-          </a:xfrm>
-          <a:prstGeom prst="roundRect">
-            <a:avLst/>
-          </a:prstGeom>
-          <a:noFill/>
-        </p:spPr>
-        <p:style>
-          <a:lnRef idx="2">
-            <a:schemeClr val="accent1">
-              <a:shade val="50000"/>
-            </a:schemeClr>
-          </a:lnRef>
-          <a:fillRef idx="1">
-            <a:schemeClr val="accent1"/>
-          </a:fillRef>
-          <a:effectRef idx="0">
-            <a:schemeClr val="accent1"/>
-          </a:effectRef>
-          <a:fontRef idx="minor">
-            <a:schemeClr val="lt1"/>
-          </a:fontRef>
-        </p:style>
-        <p:txBody>
-          <a:bodyPr rtlCol="0" anchor="ctr"/>
-          <a:lstStyle/>
-          <a:p>
-            <a:pPr algn="ctr"/>
-            <a:endParaRPr lang="en-SG"/>
-          </a:p>
-        </p:txBody>
-      </p:sp>
-      <p:sp>
-        <p:nvSpPr>
-          <p:cNvPr id="81" name="Isosceles Triangle 80"/>
-          <p:cNvSpPr/>
-          <p:nvPr/>
-        </p:nvSpPr>
-        <p:spPr>
-          <a:xfrm rot="5400000">
-            <a:off x="1111472" y="5389674"/>
-            <a:ext cx="226423" cy="184888"/>
-          </a:xfrm>
-          <a:prstGeom prst="triangle">
-            <a:avLst/>
-          </a:prstGeom>
-          <a:solidFill>
-            <a:srgbClr val="FFFF00"/>
-          </a:solidFill>
-        </p:spPr>
-        <p:style>
-          <a:lnRef idx="2">
-            <a:schemeClr val="accent1">
-              <a:shade val="50000"/>
-            </a:schemeClr>
-          </a:lnRef>
-          <a:fillRef idx="1">
-            <a:schemeClr val="accent1"/>
-          </a:fillRef>
-          <a:effectRef idx="0">
-            <a:schemeClr val="accent1"/>
-          </a:effectRef>
-          <a:fontRef idx="minor">
-            <a:schemeClr val="lt1"/>
-          </a:fontRef>
-        </p:style>
-        <p:txBody>
-          <a:bodyPr rtlCol="0" anchor="ctr"/>
-          <a:lstStyle/>
-          <a:p>
-            <a:pPr algn="ctr"/>
-            <a:endParaRPr lang="en-SG"/>
-          </a:p>
-        </p:txBody>
-      </p:sp>
-      <p:sp>
-        <p:nvSpPr>
-          <p:cNvPr id="82" name="TextBox 81"/>
-          <p:cNvSpPr txBox="1"/>
-          <p:nvPr/>
-        </p:nvSpPr>
-        <p:spPr>
-          <a:xfrm>
-            <a:off x="155764" y="5199090"/>
-            <a:ext cx="338554" cy="215444"/>
-          </a:xfrm>
-          <a:prstGeom prst="rect">
-            <a:avLst/>
-          </a:prstGeom>
-          <a:noFill/>
-        </p:spPr>
-        <p:txBody>
-          <a:bodyPr wrap="none" rtlCol="0">
-            <a:spAutoFit/>
-          </a:bodyPr>
-          <a:lstStyle/>
-          <a:p>
-            <a:r>
-              <a:rPr lang="en-US" sz="800" dirty="0"/>
-              <a:t>EP3</a:t>
-            </a:r>
-            <a:endParaRPr lang="en-SG" sz="800" dirty="0"/>
-          </a:p>
-        </p:txBody>
-      </p:sp>
-      <p:sp>
-        <p:nvSpPr>
-          <p:cNvPr id="83" name="TextBox 82"/>
-          <p:cNvSpPr txBox="1"/>
-          <p:nvPr/>
-        </p:nvSpPr>
-        <p:spPr>
-          <a:xfrm>
-            <a:off x="181911" y="5368906"/>
-            <a:ext cx="1016625" cy="246221"/>
-          </a:xfrm>
-          <a:prstGeom prst="rect">
-            <a:avLst/>
-          </a:prstGeom>
-          <a:noFill/>
-        </p:spPr>
-        <p:txBody>
-          <a:bodyPr wrap="none" rtlCol="0">
-            <a:spAutoFit/>
-          </a:bodyPr>
-          <a:lstStyle/>
-          <a:p>
-            <a:r>
-              <a:rPr lang="en-US" sz="1000" dirty="0"/>
-              <a:t>Traffic Incidents</a:t>
-            </a:r>
-            <a:endParaRPr lang="en-SG" sz="1000" dirty="0"/>
-          </a:p>
-        </p:txBody>
-      </p:sp>
-      <p:cxnSp>
-        <p:nvCxnSpPr>
-          <p:cNvPr id="84" name="Straight Connector 83"/>
-          <p:cNvCxnSpPr>
-            <a:stCxn id="81" idx="0"/>
-            <a:endCxn id="88" idx="3"/>
-          </p:cNvCxnSpPr>
-          <p:nvPr/>
-        </p:nvCxnSpPr>
-        <p:spPr>
-          <a:xfrm>
-            <a:off x="1317128" y="5482119"/>
-            <a:ext cx="1930357" cy="17743"/>
-          </a:xfrm>
-          <a:prstGeom prst="line">
-            <a:avLst/>
-          </a:prstGeom>
-        </p:spPr>
-        <p:style>
-          <a:lnRef idx="1">
-            <a:schemeClr val="accent1"/>
-          </a:lnRef>
-          <a:fillRef idx="0">
-            <a:schemeClr val="accent1"/>
-          </a:fillRef>
-          <a:effectRef idx="0">
-            <a:schemeClr val="accent1"/>
-          </a:effectRef>
-          <a:fontRef idx="minor">
-            <a:schemeClr val="tx1"/>
-          </a:fontRef>
-        </p:style>
-      </p:cxnSp>
-      <p:sp>
-        <p:nvSpPr>
-          <p:cNvPr id="85" name="Rectangle: Rounded Corners 84"/>
-          <p:cNvSpPr/>
-          <p:nvPr/>
-        </p:nvSpPr>
-        <p:spPr>
-          <a:xfrm>
-            <a:off x="3323327" y="5274196"/>
-            <a:ext cx="1632857" cy="885894"/>
-          </a:xfrm>
-          <a:prstGeom prst="roundRect">
-            <a:avLst/>
-          </a:prstGeom>
-          <a:noFill/>
-        </p:spPr>
-        <p:style>
-          <a:lnRef idx="2">
-            <a:schemeClr val="accent1">
-              <a:shade val="50000"/>
-            </a:schemeClr>
-          </a:lnRef>
-          <a:fillRef idx="1">
-            <a:schemeClr val="accent1"/>
-          </a:fillRef>
-          <a:effectRef idx="0">
-            <a:schemeClr val="accent1"/>
-          </a:effectRef>
-          <a:fontRef idx="minor">
-            <a:schemeClr val="lt1"/>
-          </a:fontRef>
-        </p:style>
-        <p:txBody>
-          <a:bodyPr rtlCol="0" anchor="ctr"/>
-          <a:lstStyle/>
-          <a:p>
-            <a:pPr algn="ctr"/>
-            <a:endParaRPr lang="en-SG"/>
-          </a:p>
-        </p:txBody>
-      </p:sp>
-      <p:sp>
-        <p:nvSpPr>
-          <p:cNvPr id="86" name="TextBox 85"/>
-          <p:cNvSpPr txBox="1"/>
-          <p:nvPr/>
-        </p:nvSpPr>
-        <p:spPr>
-          <a:xfrm>
-            <a:off x="3371490" y="5320475"/>
-            <a:ext cx="662361" cy="215444"/>
-          </a:xfrm>
-          <a:prstGeom prst="rect">
-            <a:avLst/>
-          </a:prstGeom>
-          <a:noFill/>
-        </p:spPr>
-        <p:txBody>
-          <a:bodyPr wrap="none" rtlCol="0">
-            <a:spAutoFit/>
-          </a:bodyPr>
-          <a:lstStyle/>
-          <a:p>
-            <a:r>
-              <a:rPr lang="en-US" sz="800" dirty="0"/>
-              <a:t>EPA3: Filter</a:t>
-            </a:r>
-            <a:endParaRPr lang="en-SG" sz="800" dirty="0"/>
-          </a:p>
-        </p:txBody>
-      </p:sp>
-      <p:sp>
-        <p:nvSpPr>
-          <p:cNvPr id="87" name="Isosceles Triangle 86"/>
-          <p:cNvSpPr/>
-          <p:nvPr/>
-        </p:nvSpPr>
-        <p:spPr>
-          <a:xfrm rot="5400000">
-            <a:off x="3244020" y="5808848"/>
-            <a:ext cx="226423" cy="184888"/>
-          </a:xfrm>
-          <a:prstGeom prst="triangle">
-            <a:avLst/>
-          </a:prstGeom>
-          <a:solidFill>
-            <a:srgbClr val="FFFF00"/>
-          </a:solidFill>
-        </p:spPr>
-        <p:style>
-          <a:lnRef idx="2">
-            <a:schemeClr val="accent1">
-              <a:shade val="50000"/>
-            </a:schemeClr>
-          </a:lnRef>
-          <a:fillRef idx="1">
-            <a:schemeClr val="accent1"/>
-          </a:fillRef>
-          <a:effectRef idx="0">
-            <a:schemeClr val="accent1"/>
-          </a:effectRef>
-          <a:fontRef idx="minor">
-            <a:schemeClr val="lt1"/>
-          </a:fontRef>
-        </p:style>
-        <p:txBody>
-          <a:bodyPr rtlCol="0" anchor="ctr"/>
-          <a:lstStyle/>
-          <a:p>
-            <a:pPr algn="ctr"/>
-            <a:endParaRPr lang="en-SG"/>
-          </a:p>
-        </p:txBody>
-      </p:sp>
-      <p:sp>
-        <p:nvSpPr>
-          <p:cNvPr id="88" name="Isosceles Triangle 87"/>
-          <p:cNvSpPr/>
-          <p:nvPr/>
-        </p:nvSpPr>
-        <p:spPr>
-          <a:xfrm rot="5400000">
-            <a:off x="3226717" y="5407417"/>
-            <a:ext cx="226423" cy="184888"/>
-          </a:xfrm>
-          <a:prstGeom prst="triangle">
-            <a:avLst/>
-          </a:prstGeom>
-          <a:solidFill>
-            <a:srgbClr val="FFFF00"/>
-          </a:solidFill>
-        </p:spPr>
-        <p:style>
-          <a:lnRef idx="2">
-            <a:schemeClr val="accent1">
-              <a:shade val="50000"/>
-            </a:schemeClr>
-          </a:lnRef>
-          <a:fillRef idx="1">
-            <a:schemeClr val="accent1"/>
-          </a:fillRef>
-          <a:effectRef idx="0">
-            <a:schemeClr val="accent1"/>
-          </a:effectRef>
-          <a:fontRef idx="minor">
-            <a:schemeClr val="lt1"/>
-          </a:fontRef>
-        </p:style>
-        <p:txBody>
-          <a:bodyPr rtlCol="0" anchor="ctr"/>
-          <a:lstStyle/>
-          <a:p>
-            <a:pPr algn="ctr"/>
-            <a:endParaRPr lang="en-SG"/>
-          </a:p>
-        </p:txBody>
-      </p:sp>
-      <p:sp>
-        <p:nvSpPr>
-          <p:cNvPr id="89" name="Isosceles Triangle 88"/>
-          <p:cNvSpPr/>
-          <p:nvPr/>
-        </p:nvSpPr>
-        <p:spPr>
-          <a:xfrm rot="5400000">
-            <a:off x="4872915" y="5330264"/>
-            <a:ext cx="226423" cy="184888"/>
-          </a:xfrm>
-          <a:prstGeom prst="triangle">
-            <a:avLst/>
-          </a:prstGeom>
-          <a:solidFill>
-            <a:srgbClr val="FFFF00"/>
-          </a:solidFill>
-        </p:spPr>
-        <p:style>
-          <a:lnRef idx="2">
-            <a:schemeClr val="accent1">
-              <a:shade val="50000"/>
-            </a:schemeClr>
-          </a:lnRef>
-          <a:fillRef idx="1">
-            <a:schemeClr val="accent1"/>
-          </a:fillRef>
-          <a:effectRef idx="0">
-            <a:schemeClr val="accent1"/>
-          </a:effectRef>
-          <a:fontRef idx="minor">
-            <a:schemeClr val="lt1"/>
-          </a:fontRef>
-        </p:style>
-        <p:txBody>
-          <a:bodyPr rtlCol="0" anchor="ctr"/>
-          <a:lstStyle/>
-          <a:p>
-            <a:pPr algn="ctr"/>
-            <a:endParaRPr lang="en-SG"/>
-          </a:p>
-        </p:txBody>
-      </p:sp>
-      <p:sp>
-        <p:nvSpPr>
-          <p:cNvPr id="90" name="Isosceles Triangle 89"/>
-          <p:cNvSpPr/>
-          <p:nvPr/>
-        </p:nvSpPr>
-        <p:spPr>
-          <a:xfrm rot="5400000">
-            <a:off x="4884272" y="5667055"/>
-            <a:ext cx="226423" cy="184888"/>
-          </a:xfrm>
-          <a:prstGeom prst="triangle">
-            <a:avLst/>
-          </a:prstGeom>
-          <a:solidFill>
-            <a:srgbClr val="FFFF00"/>
-          </a:solidFill>
-        </p:spPr>
-        <p:style>
-          <a:lnRef idx="2">
-            <a:schemeClr val="accent1">
-              <a:shade val="50000"/>
-            </a:schemeClr>
-          </a:lnRef>
-          <a:fillRef idx="1">
-            <a:schemeClr val="accent1"/>
-          </a:fillRef>
-          <a:effectRef idx="0">
-            <a:schemeClr val="accent1"/>
-          </a:effectRef>
-          <a:fontRef idx="minor">
-            <a:schemeClr val="lt1"/>
-          </a:fontRef>
-        </p:style>
-        <p:txBody>
-          <a:bodyPr rtlCol="0" anchor="ctr"/>
-          <a:lstStyle/>
-          <a:p>
-            <a:pPr algn="ctr"/>
-            <a:endParaRPr lang="en-SG"/>
-          </a:p>
-        </p:txBody>
-      </p:sp>
-      <p:sp>
-        <p:nvSpPr>
-          <p:cNvPr id="91" name="Isosceles Triangle 90"/>
-          <p:cNvSpPr/>
-          <p:nvPr/>
-        </p:nvSpPr>
-        <p:spPr>
-          <a:xfrm rot="5400000">
-            <a:off x="4872915" y="5986289"/>
-            <a:ext cx="226423" cy="184888"/>
-          </a:xfrm>
-          <a:prstGeom prst="triangle">
-            <a:avLst/>
-          </a:prstGeom>
-          <a:solidFill>
-            <a:srgbClr val="FFFF00"/>
-          </a:solidFill>
-        </p:spPr>
-        <p:style>
-          <a:lnRef idx="2">
-            <a:schemeClr val="accent1">
-              <a:shade val="50000"/>
-            </a:schemeClr>
-          </a:lnRef>
-          <a:fillRef idx="1">
-            <a:schemeClr val="accent1"/>
-          </a:fillRef>
-          <a:effectRef idx="0">
-            <a:schemeClr val="accent1"/>
-          </a:effectRef>
-          <a:fontRef idx="minor">
-            <a:schemeClr val="lt1"/>
-          </a:fontRef>
-        </p:style>
-        <p:txBody>
-          <a:bodyPr rtlCol="0" anchor="ctr"/>
-          <a:lstStyle/>
-          <a:p>
-            <a:pPr algn="ctr"/>
-            <a:endParaRPr lang="en-SG"/>
-          </a:p>
-        </p:txBody>
-      </p:sp>
-      <p:sp>
-        <p:nvSpPr>
-          <p:cNvPr id="92" name="TextBox 91"/>
-          <p:cNvSpPr txBox="1"/>
-          <p:nvPr/>
-        </p:nvSpPr>
-        <p:spPr>
-          <a:xfrm>
-            <a:off x="4981811" y="5171016"/>
-            <a:ext cx="502061" cy="215444"/>
-          </a:xfrm>
-          <a:prstGeom prst="rect">
-            <a:avLst/>
-          </a:prstGeom>
-          <a:noFill/>
-        </p:spPr>
-        <p:txBody>
-          <a:bodyPr wrap="none" rtlCol="0">
-            <a:spAutoFit/>
-          </a:bodyPr>
-          <a:lstStyle/>
-          <a:p>
-            <a:r>
-              <a:rPr lang="en-US" sz="800" dirty="0"/>
-              <a:t>Filter In</a:t>
-            </a:r>
-            <a:endParaRPr lang="en-SG" sz="800" dirty="0"/>
-          </a:p>
-        </p:txBody>
-      </p:sp>
-      <p:sp>
-        <p:nvSpPr>
-          <p:cNvPr id="93" name="TextBox 92"/>
-          <p:cNvSpPr txBox="1"/>
-          <p:nvPr/>
-        </p:nvSpPr>
-        <p:spPr>
-          <a:xfrm>
-            <a:off x="4987548" y="5553477"/>
-            <a:ext cx="577402" cy="215444"/>
-          </a:xfrm>
-          <a:prstGeom prst="rect">
-            <a:avLst/>
-          </a:prstGeom>
-          <a:noFill/>
-        </p:spPr>
-        <p:txBody>
-          <a:bodyPr wrap="none" rtlCol="0">
-            <a:spAutoFit/>
-          </a:bodyPr>
-          <a:lstStyle/>
-          <a:p>
-            <a:r>
-              <a:rPr lang="en-US" sz="800" dirty="0"/>
-              <a:t>Filter Out</a:t>
-            </a:r>
-            <a:endParaRPr lang="en-SG" sz="800" dirty="0"/>
-          </a:p>
-        </p:txBody>
-      </p:sp>
-      <p:sp>
-        <p:nvSpPr>
-          <p:cNvPr id="94" name="Rectangle 93"/>
-          <p:cNvSpPr/>
-          <p:nvPr/>
-        </p:nvSpPr>
-        <p:spPr>
-          <a:xfrm>
-            <a:off x="6905106" y="5470619"/>
-            <a:ext cx="1326513" cy="507831"/>
-          </a:xfrm>
-          <a:prstGeom prst="rect">
-            <a:avLst/>
-          </a:prstGeom>
-        </p:spPr>
-        <p:txBody>
-          <a:bodyPr wrap="square">
-            <a:spAutoFit/>
-          </a:bodyPr>
-          <a:lstStyle/>
-          <a:p>
-            <a:r>
-              <a:rPr lang="en-SG" sz="900" dirty="0"/>
-              <a:t>message  =  “Heavy Rain expect in” Area.  Drive with caution”</a:t>
-            </a:r>
-          </a:p>
-        </p:txBody>
-      </p:sp>
-      <p:sp>
-        <p:nvSpPr>
-          <p:cNvPr id="95" name="Rectangle: Rounded Corners 94"/>
-          <p:cNvSpPr/>
-          <p:nvPr/>
-        </p:nvSpPr>
-        <p:spPr>
-          <a:xfrm>
-            <a:off x="6794671" y="5246086"/>
-            <a:ext cx="1632857" cy="885894"/>
-          </a:xfrm>
-          <a:prstGeom prst="roundRect">
-            <a:avLst/>
-          </a:prstGeom>
-          <a:noFill/>
-        </p:spPr>
-        <p:style>
-          <a:lnRef idx="2">
-            <a:schemeClr val="accent1">
-              <a:shade val="50000"/>
-            </a:schemeClr>
-          </a:lnRef>
-          <a:fillRef idx="1">
-            <a:schemeClr val="accent1"/>
-          </a:fillRef>
-          <a:effectRef idx="0">
-            <a:schemeClr val="accent1"/>
-          </a:effectRef>
-          <a:fontRef idx="minor">
-            <a:schemeClr val="lt1"/>
-          </a:fontRef>
-        </p:style>
-        <p:txBody>
-          <a:bodyPr rtlCol="0" anchor="ctr"/>
-          <a:lstStyle/>
-          <a:p>
-            <a:pPr algn="ctr"/>
-            <a:endParaRPr lang="en-SG"/>
-          </a:p>
-        </p:txBody>
-      </p:sp>
-      <p:sp>
-        <p:nvSpPr>
-          <p:cNvPr id="96" name="Isosceles Triangle 95"/>
-          <p:cNvSpPr/>
-          <p:nvPr/>
-        </p:nvSpPr>
-        <p:spPr>
-          <a:xfrm rot="5400000">
-            <a:off x="8361470" y="5323458"/>
-            <a:ext cx="226423" cy="184888"/>
-          </a:xfrm>
-          <a:prstGeom prst="triangle">
-            <a:avLst/>
-          </a:prstGeom>
-          <a:solidFill>
-            <a:srgbClr val="FFFF00"/>
-          </a:solidFill>
-        </p:spPr>
-        <p:style>
-          <a:lnRef idx="2">
-            <a:schemeClr val="accent1">
-              <a:shade val="50000"/>
-            </a:schemeClr>
-          </a:lnRef>
-          <a:fillRef idx="1">
-            <a:schemeClr val="accent1"/>
-          </a:fillRef>
-          <a:effectRef idx="0">
-            <a:schemeClr val="accent1"/>
-          </a:effectRef>
-          <a:fontRef idx="minor">
-            <a:schemeClr val="lt1"/>
-          </a:fontRef>
-        </p:style>
-        <p:txBody>
-          <a:bodyPr rtlCol="0" anchor="ctr"/>
-          <a:lstStyle/>
-          <a:p>
-            <a:pPr algn="ctr"/>
-            <a:endParaRPr lang="en-SG"/>
-          </a:p>
-        </p:txBody>
-      </p:sp>
-      <p:sp>
-        <p:nvSpPr>
-          <p:cNvPr id="97" name="TextBox 96"/>
-          <p:cNvSpPr txBox="1"/>
-          <p:nvPr/>
-        </p:nvSpPr>
-        <p:spPr>
-          <a:xfrm>
-            <a:off x="6794672" y="5246086"/>
-            <a:ext cx="835485" cy="215444"/>
-          </a:xfrm>
-          <a:prstGeom prst="rect">
-            <a:avLst/>
-          </a:prstGeom>
-          <a:noFill/>
-        </p:spPr>
-        <p:txBody>
-          <a:bodyPr wrap="none" rtlCol="0">
-            <a:spAutoFit/>
-          </a:bodyPr>
-          <a:lstStyle/>
-          <a:p>
-            <a:r>
-              <a:rPr lang="en-US" sz="800" dirty="0"/>
-              <a:t>EPA6: Translate</a:t>
-            </a:r>
-            <a:endParaRPr lang="en-SG" sz="800" dirty="0"/>
-          </a:p>
-        </p:txBody>
-      </p:sp>
-      <p:sp>
-        <p:nvSpPr>
-          <p:cNvPr id="98" name="Isosceles Triangle 97"/>
-          <p:cNvSpPr/>
-          <p:nvPr/>
-        </p:nvSpPr>
-        <p:spPr>
-          <a:xfrm rot="5400000">
-            <a:off x="8361469" y="5818961"/>
-            <a:ext cx="226423" cy="184888"/>
-          </a:xfrm>
-          <a:prstGeom prst="triangle">
-            <a:avLst/>
-          </a:prstGeom>
-          <a:solidFill>
-            <a:srgbClr val="FFFF00"/>
-          </a:solidFill>
-        </p:spPr>
-        <p:style>
-          <a:lnRef idx="2">
-            <a:schemeClr val="accent1">
-              <a:shade val="50000"/>
-            </a:schemeClr>
-          </a:lnRef>
-          <a:fillRef idx="1">
-            <a:schemeClr val="accent1"/>
-          </a:fillRef>
-          <a:effectRef idx="0">
-            <a:schemeClr val="accent1"/>
-          </a:effectRef>
-          <a:fontRef idx="minor">
-            <a:schemeClr val="lt1"/>
-          </a:fontRef>
-        </p:style>
-        <p:txBody>
-          <a:bodyPr rtlCol="0" anchor="ctr"/>
-          <a:lstStyle/>
-          <a:p>
-            <a:pPr algn="ctr"/>
-            <a:endParaRPr lang="en-SG"/>
-          </a:p>
-        </p:txBody>
-      </p:sp>
-      <p:sp>
-        <p:nvSpPr>
-          <p:cNvPr id="99" name="Isosceles Triangle 98"/>
-          <p:cNvSpPr/>
-          <p:nvPr/>
-        </p:nvSpPr>
-        <p:spPr>
-          <a:xfrm rot="5400000">
-            <a:off x="6716600" y="5349585"/>
-            <a:ext cx="226423" cy="184888"/>
-          </a:xfrm>
-          <a:prstGeom prst="triangle">
-            <a:avLst/>
-          </a:prstGeom>
-          <a:solidFill>
-            <a:srgbClr val="FFFF00"/>
-          </a:solidFill>
-        </p:spPr>
-        <p:style>
-          <a:lnRef idx="2">
-            <a:schemeClr val="accent1">
-              <a:shade val="50000"/>
-            </a:schemeClr>
-          </a:lnRef>
-          <a:fillRef idx="1">
-            <a:schemeClr val="accent1"/>
-          </a:fillRef>
-          <a:effectRef idx="0">
-            <a:schemeClr val="accent1"/>
-          </a:effectRef>
-          <a:fontRef idx="minor">
-            <a:schemeClr val="lt1"/>
-          </a:fontRef>
-        </p:style>
-        <p:txBody>
-          <a:bodyPr rtlCol="0" anchor="ctr"/>
-          <a:lstStyle/>
-          <a:p>
-            <a:pPr algn="ctr"/>
-            <a:endParaRPr lang="en-SG"/>
-          </a:p>
-        </p:txBody>
-      </p:sp>
-      <p:sp>
-        <p:nvSpPr>
-          <p:cNvPr id="100" name="TextBox 99"/>
-          <p:cNvSpPr txBox="1"/>
-          <p:nvPr/>
-        </p:nvSpPr>
-        <p:spPr>
-          <a:xfrm>
-            <a:off x="8438346" y="5933296"/>
-            <a:ext cx="470000" cy="215444"/>
-          </a:xfrm>
-          <a:prstGeom prst="rect">
-            <a:avLst/>
-          </a:prstGeom>
-          <a:noFill/>
-        </p:spPr>
-        <p:txBody>
-          <a:bodyPr wrap="none" rtlCol="0">
-            <a:spAutoFit/>
-          </a:bodyPr>
-          <a:lstStyle/>
-          <a:p>
-            <a:r>
-              <a:rPr lang="en-US" sz="800" dirty="0"/>
-              <a:t>Failure</a:t>
-            </a:r>
-            <a:endParaRPr lang="en-SG" sz="800" dirty="0"/>
-          </a:p>
-        </p:txBody>
-      </p:sp>
-      <p:sp>
-        <p:nvSpPr>
-          <p:cNvPr id="101" name="TextBox 100"/>
-          <p:cNvSpPr txBox="1"/>
-          <p:nvPr/>
-        </p:nvSpPr>
-        <p:spPr>
-          <a:xfrm>
-            <a:off x="8442828" y="5209255"/>
-            <a:ext cx="482824" cy="215444"/>
-          </a:xfrm>
-          <a:prstGeom prst="rect">
-            <a:avLst/>
-          </a:prstGeom>
-          <a:noFill/>
-        </p:spPr>
-        <p:txBody>
-          <a:bodyPr wrap="none" rtlCol="0">
-            <a:spAutoFit/>
-          </a:bodyPr>
-          <a:lstStyle/>
-          <a:p>
-            <a:r>
-              <a:rPr lang="en-US" sz="800" dirty="0"/>
-              <a:t>Output</a:t>
-            </a:r>
-            <a:endParaRPr lang="en-SG" sz="800" dirty="0"/>
-          </a:p>
-        </p:txBody>
-      </p:sp>
-      <p:sp>
-        <p:nvSpPr>
-          <p:cNvPr id="102" name="Rectangle 101"/>
-          <p:cNvSpPr/>
-          <p:nvPr/>
-        </p:nvSpPr>
-        <p:spPr>
-          <a:xfrm>
-            <a:off x="3418444" y="5565568"/>
-            <a:ext cx="1722405" cy="369332"/>
-          </a:xfrm>
-          <a:prstGeom prst="rect">
-            <a:avLst/>
-          </a:prstGeom>
-        </p:spPr>
-        <p:txBody>
-          <a:bodyPr wrap="square">
-            <a:spAutoFit/>
-          </a:bodyPr>
-          <a:lstStyle/>
-          <a:p>
-            <a:r>
-              <a:rPr lang="en-SG" sz="900" dirty="0"/>
-              <a:t>Type = accident/vehicle breakdown/unattended vehicle</a:t>
-            </a:r>
-          </a:p>
-        </p:txBody>
-      </p:sp>
-      <p:cxnSp>
-        <p:nvCxnSpPr>
-          <p:cNvPr id="103" name="Straight Connector 102"/>
-          <p:cNvCxnSpPr>
-            <a:stCxn id="89" idx="0"/>
-            <a:endCxn id="99" idx="3"/>
-          </p:cNvCxnSpPr>
-          <p:nvPr/>
-        </p:nvCxnSpPr>
-        <p:spPr>
-          <a:xfrm>
-            <a:off x="5078571" y="5422709"/>
-            <a:ext cx="1658797" cy="19321"/>
-          </a:xfrm>
-          <a:prstGeom prst="line">
-            <a:avLst/>
-          </a:prstGeom>
-        </p:spPr>
-        <p:style>
-          <a:lnRef idx="1">
-            <a:schemeClr val="accent1"/>
-          </a:lnRef>
-          <a:fillRef idx="0">
-            <a:schemeClr val="accent1"/>
-          </a:fillRef>
-          <a:effectRef idx="0">
-            <a:schemeClr val="accent1"/>
-          </a:effectRef>
-          <a:fontRef idx="minor">
-            <a:schemeClr val="tx1"/>
-          </a:fontRef>
-        </p:style>
-      </p:cxnSp>
+        </p:spPr>
+      </p:pic>
     </p:spTree>
     <p:extLst>
       <p:ext uri="{BB962C8B-B14F-4D97-AF65-F5344CB8AC3E}">
-        <p14:creationId xmlns:p14="http://schemas.microsoft.com/office/powerpoint/2010/main" val="2596329936"/>
+        <p14:creationId xmlns:p14="http://schemas.microsoft.com/office/powerpoint/2010/main" val="4261071880"/>
       </p:ext>
     </p:extLst>
   </p:cSld>
@@ -9783,37 +6378,2877 @@
           <a:p>
             <a:r>
               <a:rPr lang="en-US" dirty="0"/>
-              <a:t>Evaluation</a:t>
-            </a:r>
-          </a:p>
-        </p:txBody>
-      </p:sp>
-      <p:sp>
-        <p:nvSpPr>
-          <p:cNvPr id="3" name="Content Placeholder 2"/>
-          <p:cNvSpPr>
-            <a:spLocks noGrp="1"/>
-          </p:cNvSpPr>
-          <p:nvPr>
-            <p:ph idx="1"/>
-          </p:nvPr>
-        </p:nvSpPr>
-        <p:spPr/>
-        <p:txBody>
-          <a:bodyPr/>
-          <a:lstStyle/>
-          <a:p>
-            <a:r>
-              <a:rPr lang="en-US" dirty="0"/>
-              <a:t>Based on the analysis, we </a:t>
-            </a:r>
-          </a:p>
-        </p:txBody>
-      </p:sp>
+              <a:t>EPN Design</a:t>
+            </a:r>
+          </a:p>
+        </p:txBody>
+      </p:sp>
+      <p:sp>
+        <p:nvSpPr>
+          <p:cNvPr id="104" name="Rectangle: Rounded Corners 103"/>
+          <p:cNvSpPr/>
+          <p:nvPr/>
+        </p:nvSpPr>
+        <p:spPr>
+          <a:xfrm>
+            <a:off x="202110" y="2611664"/>
+            <a:ext cx="1068920" cy="566057"/>
+          </a:xfrm>
+          <a:prstGeom prst="roundRect">
+            <a:avLst/>
+          </a:prstGeom>
+          <a:noFill/>
+        </p:spPr>
+        <p:style>
+          <a:lnRef idx="2">
+            <a:schemeClr val="accent1">
+              <a:shade val="50000"/>
+            </a:schemeClr>
+          </a:lnRef>
+          <a:fillRef idx="1">
+            <a:schemeClr val="accent1"/>
+          </a:fillRef>
+          <a:effectRef idx="0">
+            <a:schemeClr val="accent1"/>
+          </a:effectRef>
+          <a:fontRef idx="minor">
+            <a:schemeClr val="lt1"/>
+          </a:fontRef>
+        </p:style>
+        <p:txBody>
+          <a:bodyPr rtlCol="0" anchor="ctr"/>
+          <a:lstStyle/>
+          <a:p>
+            <a:pPr algn="ctr"/>
+            <a:endParaRPr lang="en-SG"/>
+          </a:p>
+        </p:txBody>
+      </p:sp>
+      <p:sp>
+        <p:nvSpPr>
+          <p:cNvPr id="105" name="Isosceles Triangle 104"/>
+          <p:cNvSpPr/>
+          <p:nvPr/>
+        </p:nvSpPr>
+        <p:spPr>
+          <a:xfrm rot="5400000">
+            <a:off x="1157818" y="2802248"/>
+            <a:ext cx="226423" cy="184888"/>
+          </a:xfrm>
+          <a:prstGeom prst="triangle">
+            <a:avLst/>
+          </a:prstGeom>
+          <a:solidFill>
+            <a:srgbClr val="FFFF00"/>
+          </a:solidFill>
+        </p:spPr>
+        <p:style>
+          <a:lnRef idx="2">
+            <a:schemeClr val="accent1">
+              <a:shade val="50000"/>
+            </a:schemeClr>
+          </a:lnRef>
+          <a:fillRef idx="1">
+            <a:schemeClr val="accent1"/>
+          </a:fillRef>
+          <a:effectRef idx="0">
+            <a:schemeClr val="accent1"/>
+          </a:effectRef>
+          <a:fontRef idx="minor">
+            <a:schemeClr val="lt1"/>
+          </a:fontRef>
+        </p:style>
+        <p:txBody>
+          <a:bodyPr rtlCol="0" anchor="ctr"/>
+          <a:lstStyle/>
+          <a:p>
+            <a:pPr algn="ctr"/>
+            <a:endParaRPr lang="en-SG"/>
+          </a:p>
+        </p:txBody>
+      </p:sp>
+      <p:sp>
+        <p:nvSpPr>
+          <p:cNvPr id="106" name="TextBox 105"/>
+          <p:cNvSpPr txBox="1"/>
+          <p:nvPr/>
+        </p:nvSpPr>
+        <p:spPr>
+          <a:xfrm>
+            <a:off x="202110" y="2611664"/>
+            <a:ext cx="338554" cy="215444"/>
+          </a:xfrm>
+          <a:prstGeom prst="rect">
+            <a:avLst/>
+          </a:prstGeom>
+          <a:noFill/>
+        </p:spPr>
+        <p:txBody>
+          <a:bodyPr wrap="none" rtlCol="0">
+            <a:spAutoFit/>
+          </a:bodyPr>
+          <a:lstStyle/>
+          <a:p>
+            <a:r>
+              <a:rPr lang="en-US" sz="800" dirty="0"/>
+              <a:t>EP1</a:t>
+            </a:r>
+            <a:endParaRPr lang="en-SG" sz="800" dirty="0"/>
+          </a:p>
+        </p:txBody>
+      </p:sp>
+      <p:sp>
+        <p:nvSpPr>
+          <p:cNvPr id="107" name="TextBox 106"/>
+          <p:cNvSpPr txBox="1"/>
+          <p:nvPr/>
+        </p:nvSpPr>
+        <p:spPr>
+          <a:xfrm>
+            <a:off x="228257" y="2781480"/>
+            <a:ext cx="950327" cy="400110"/>
+          </a:xfrm>
+          <a:prstGeom prst="rect">
+            <a:avLst/>
+          </a:prstGeom>
+          <a:noFill/>
+        </p:spPr>
+        <p:txBody>
+          <a:bodyPr wrap="square" rtlCol="0">
+            <a:spAutoFit/>
+          </a:bodyPr>
+          <a:lstStyle/>
+          <a:p>
+            <a:r>
+              <a:rPr lang="en-US" sz="1000" dirty="0"/>
+              <a:t>Traffic Speed Bands</a:t>
+            </a:r>
+            <a:endParaRPr lang="en-SG" sz="1000" dirty="0"/>
+          </a:p>
+        </p:txBody>
+      </p:sp>
+      <p:sp>
+        <p:nvSpPr>
+          <p:cNvPr id="108" name="Rectangle: Rounded Corners 107"/>
+          <p:cNvSpPr/>
+          <p:nvPr/>
+        </p:nvSpPr>
+        <p:spPr>
+          <a:xfrm>
+            <a:off x="9508160" y="2902092"/>
+            <a:ext cx="1068920" cy="566057"/>
+          </a:xfrm>
+          <a:prstGeom prst="roundRect">
+            <a:avLst/>
+          </a:prstGeom>
+          <a:noFill/>
+        </p:spPr>
+        <p:style>
+          <a:lnRef idx="2">
+            <a:schemeClr val="accent1">
+              <a:shade val="50000"/>
+            </a:schemeClr>
+          </a:lnRef>
+          <a:fillRef idx="1">
+            <a:schemeClr val="accent1"/>
+          </a:fillRef>
+          <a:effectRef idx="0">
+            <a:schemeClr val="accent1"/>
+          </a:effectRef>
+          <a:fontRef idx="minor">
+            <a:schemeClr val="lt1"/>
+          </a:fontRef>
+        </p:style>
+        <p:txBody>
+          <a:bodyPr rtlCol="0" anchor="ctr"/>
+          <a:lstStyle/>
+          <a:p>
+            <a:pPr algn="ctr"/>
+            <a:endParaRPr lang="en-SG"/>
+          </a:p>
+        </p:txBody>
+      </p:sp>
+      <p:sp>
+        <p:nvSpPr>
+          <p:cNvPr id="109" name="Isosceles Triangle 108"/>
+          <p:cNvSpPr/>
+          <p:nvPr/>
+        </p:nvSpPr>
+        <p:spPr>
+          <a:xfrm rot="5400000">
+            <a:off x="9394947" y="3158830"/>
+            <a:ext cx="226423" cy="184888"/>
+          </a:xfrm>
+          <a:prstGeom prst="triangle">
+            <a:avLst/>
+          </a:prstGeom>
+          <a:solidFill>
+            <a:srgbClr val="FFFF00"/>
+          </a:solidFill>
+        </p:spPr>
+        <p:style>
+          <a:lnRef idx="2">
+            <a:schemeClr val="accent1">
+              <a:shade val="50000"/>
+            </a:schemeClr>
+          </a:lnRef>
+          <a:fillRef idx="1">
+            <a:schemeClr val="accent1"/>
+          </a:fillRef>
+          <a:effectRef idx="0">
+            <a:schemeClr val="accent1"/>
+          </a:effectRef>
+          <a:fontRef idx="minor">
+            <a:schemeClr val="lt1"/>
+          </a:fontRef>
+        </p:style>
+        <p:txBody>
+          <a:bodyPr rtlCol="0" anchor="ctr"/>
+          <a:lstStyle/>
+          <a:p>
+            <a:pPr algn="ctr"/>
+            <a:endParaRPr lang="en-SG"/>
+          </a:p>
+        </p:txBody>
+      </p:sp>
+      <p:sp>
+        <p:nvSpPr>
+          <p:cNvPr id="110" name="TextBox 109"/>
+          <p:cNvSpPr txBox="1"/>
+          <p:nvPr/>
+        </p:nvSpPr>
+        <p:spPr>
+          <a:xfrm>
+            <a:off x="9508160" y="2902092"/>
+            <a:ext cx="340158" cy="215444"/>
+          </a:xfrm>
+          <a:prstGeom prst="rect">
+            <a:avLst/>
+          </a:prstGeom>
+          <a:noFill/>
+        </p:spPr>
+        <p:txBody>
+          <a:bodyPr wrap="none" rtlCol="0">
+            <a:spAutoFit/>
+          </a:bodyPr>
+          <a:lstStyle/>
+          <a:p>
+            <a:r>
+              <a:rPr lang="en-US" sz="800" dirty="0"/>
+              <a:t>EC1</a:t>
+            </a:r>
+            <a:endParaRPr lang="en-SG" sz="800" dirty="0"/>
+          </a:p>
+        </p:txBody>
+      </p:sp>
+      <p:sp>
+        <p:nvSpPr>
+          <p:cNvPr id="111" name="Rectangle 110"/>
+          <p:cNvSpPr/>
+          <p:nvPr/>
+        </p:nvSpPr>
+        <p:spPr>
+          <a:xfrm>
+            <a:off x="9518647" y="3049318"/>
+            <a:ext cx="1287153" cy="461665"/>
+          </a:xfrm>
+          <a:prstGeom prst="rect">
+            <a:avLst/>
+          </a:prstGeom>
+        </p:spPr>
+        <p:txBody>
+          <a:bodyPr wrap="square">
+            <a:spAutoFit/>
+          </a:bodyPr>
+          <a:lstStyle/>
+          <a:p>
+            <a:r>
+              <a:rPr lang="en-SG" sz="800" dirty="0"/>
+              <a:t>Expressway Monitoring and Advisory System (EMAS)</a:t>
+            </a:r>
+          </a:p>
+        </p:txBody>
+      </p:sp>
+      <p:sp>
+        <p:nvSpPr>
+          <p:cNvPr id="112" name="Rectangle: Rounded Corners 111"/>
+          <p:cNvSpPr/>
+          <p:nvPr/>
+        </p:nvSpPr>
+        <p:spPr>
+          <a:xfrm>
+            <a:off x="3223183" y="1653642"/>
+            <a:ext cx="1632857" cy="885894"/>
+          </a:xfrm>
+          <a:prstGeom prst="roundRect">
+            <a:avLst/>
+          </a:prstGeom>
+          <a:noFill/>
+        </p:spPr>
+        <p:style>
+          <a:lnRef idx="2">
+            <a:schemeClr val="accent1">
+              <a:shade val="50000"/>
+            </a:schemeClr>
+          </a:lnRef>
+          <a:fillRef idx="1">
+            <a:schemeClr val="accent1"/>
+          </a:fillRef>
+          <a:effectRef idx="0">
+            <a:schemeClr val="accent1"/>
+          </a:effectRef>
+          <a:fontRef idx="minor">
+            <a:schemeClr val="lt1"/>
+          </a:fontRef>
+        </p:style>
+        <p:txBody>
+          <a:bodyPr rtlCol="0" anchor="ctr"/>
+          <a:lstStyle/>
+          <a:p>
+            <a:pPr algn="ctr"/>
+            <a:endParaRPr lang="en-SG"/>
+          </a:p>
+        </p:txBody>
+      </p:sp>
+      <p:sp>
+        <p:nvSpPr>
+          <p:cNvPr id="113" name="TextBox 112"/>
+          <p:cNvSpPr txBox="1"/>
+          <p:nvPr/>
+        </p:nvSpPr>
+        <p:spPr>
+          <a:xfrm>
+            <a:off x="3223184" y="1653642"/>
+            <a:ext cx="1236236" cy="215444"/>
+          </a:xfrm>
+          <a:prstGeom prst="rect">
+            <a:avLst/>
+          </a:prstGeom>
+          <a:noFill/>
+        </p:spPr>
+        <p:txBody>
+          <a:bodyPr wrap="none" rtlCol="0">
+            <a:spAutoFit/>
+          </a:bodyPr>
+          <a:lstStyle/>
+          <a:p>
+            <a:r>
+              <a:rPr lang="en-US" sz="800" dirty="0"/>
+              <a:t>EPA1: Pattern - Temporal</a:t>
+            </a:r>
+            <a:endParaRPr lang="en-SG" sz="800" dirty="0"/>
+          </a:p>
+        </p:txBody>
+      </p:sp>
+      <p:sp>
+        <p:nvSpPr>
+          <p:cNvPr id="114" name="Isosceles Triangle 113"/>
+          <p:cNvSpPr/>
+          <p:nvPr/>
+        </p:nvSpPr>
+        <p:spPr>
+          <a:xfrm rot="5400000">
+            <a:off x="3136119" y="1738635"/>
+            <a:ext cx="226423" cy="184888"/>
+          </a:xfrm>
+          <a:prstGeom prst="triangle">
+            <a:avLst/>
+          </a:prstGeom>
+          <a:solidFill>
+            <a:srgbClr val="FFFF00"/>
+          </a:solidFill>
+        </p:spPr>
+        <p:style>
+          <a:lnRef idx="2">
+            <a:schemeClr val="accent1">
+              <a:shade val="50000"/>
+            </a:schemeClr>
+          </a:lnRef>
+          <a:fillRef idx="1">
+            <a:schemeClr val="accent1"/>
+          </a:fillRef>
+          <a:effectRef idx="0">
+            <a:schemeClr val="accent1"/>
+          </a:effectRef>
+          <a:fontRef idx="minor">
+            <a:schemeClr val="lt1"/>
+          </a:fontRef>
+        </p:style>
+        <p:txBody>
+          <a:bodyPr rtlCol="0" anchor="ctr"/>
+          <a:lstStyle/>
+          <a:p>
+            <a:pPr algn="ctr"/>
+            <a:endParaRPr lang="en-SG"/>
+          </a:p>
+        </p:txBody>
+      </p:sp>
+      <p:cxnSp>
+        <p:nvCxnSpPr>
+          <p:cNvPr id="115" name="Straight Connector 114"/>
+          <p:cNvCxnSpPr>
+            <a:endCxn id="119" idx="3"/>
+          </p:cNvCxnSpPr>
+          <p:nvPr/>
+        </p:nvCxnSpPr>
+        <p:spPr>
+          <a:xfrm>
+            <a:off x="4995638" y="1823459"/>
+            <a:ext cx="1609040" cy="9370"/>
+          </a:xfrm>
+          <a:prstGeom prst="line">
+            <a:avLst/>
+          </a:prstGeom>
+        </p:spPr>
+        <p:style>
+          <a:lnRef idx="1">
+            <a:schemeClr val="accent1"/>
+          </a:lnRef>
+          <a:fillRef idx="0">
+            <a:schemeClr val="accent1"/>
+          </a:fillRef>
+          <a:effectRef idx="0">
+            <a:schemeClr val="accent1"/>
+          </a:effectRef>
+          <a:fontRef idx="minor">
+            <a:schemeClr val="tx1"/>
+          </a:fontRef>
+        </p:style>
+      </p:cxnSp>
+      <p:sp>
+        <p:nvSpPr>
+          <p:cNvPr id="116" name="Rectangle: Rounded Corners 115"/>
+          <p:cNvSpPr/>
+          <p:nvPr/>
+        </p:nvSpPr>
+        <p:spPr>
+          <a:xfrm>
+            <a:off x="6661981" y="1663012"/>
+            <a:ext cx="1632857" cy="885894"/>
+          </a:xfrm>
+          <a:prstGeom prst="roundRect">
+            <a:avLst/>
+          </a:prstGeom>
+          <a:noFill/>
+        </p:spPr>
+        <p:style>
+          <a:lnRef idx="2">
+            <a:schemeClr val="accent1">
+              <a:shade val="50000"/>
+            </a:schemeClr>
+          </a:lnRef>
+          <a:fillRef idx="1">
+            <a:schemeClr val="accent1"/>
+          </a:fillRef>
+          <a:effectRef idx="0">
+            <a:schemeClr val="accent1"/>
+          </a:effectRef>
+          <a:fontRef idx="minor">
+            <a:schemeClr val="lt1"/>
+          </a:fontRef>
+        </p:style>
+        <p:txBody>
+          <a:bodyPr rtlCol="0" anchor="ctr"/>
+          <a:lstStyle/>
+          <a:p>
+            <a:pPr algn="ctr"/>
+            <a:endParaRPr lang="en-SG"/>
+          </a:p>
+        </p:txBody>
+      </p:sp>
+      <p:sp>
+        <p:nvSpPr>
+          <p:cNvPr id="117" name="Isosceles Triangle 116"/>
+          <p:cNvSpPr/>
+          <p:nvPr/>
+        </p:nvSpPr>
+        <p:spPr>
+          <a:xfrm rot="5400000">
+            <a:off x="8228780" y="1740384"/>
+            <a:ext cx="226423" cy="184888"/>
+          </a:xfrm>
+          <a:prstGeom prst="triangle">
+            <a:avLst/>
+          </a:prstGeom>
+          <a:solidFill>
+            <a:srgbClr val="FFFF00"/>
+          </a:solidFill>
+        </p:spPr>
+        <p:style>
+          <a:lnRef idx="2">
+            <a:schemeClr val="accent1">
+              <a:shade val="50000"/>
+            </a:schemeClr>
+          </a:lnRef>
+          <a:fillRef idx="1">
+            <a:schemeClr val="accent1"/>
+          </a:fillRef>
+          <a:effectRef idx="0">
+            <a:schemeClr val="accent1"/>
+          </a:effectRef>
+          <a:fontRef idx="minor">
+            <a:schemeClr val="lt1"/>
+          </a:fontRef>
+        </p:style>
+        <p:txBody>
+          <a:bodyPr rtlCol="0" anchor="ctr"/>
+          <a:lstStyle/>
+          <a:p>
+            <a:pPr algn="ctr"/>
+            <a:endParaRPr lang="en-SG"/>
+          </a:p>
+        </p:txBody>
+      </p:sp>
+      <p:sp>
+        <p:nvSpPr>
+          <p:cNvPr id="118" name="TextBox 117"/>
+          <p:cNvSpPr txBox="1"/>
+          <p:nvPr/>
+        </p:nvSpPr>
+        <p:spPr>
+          <a:xfrm>
+            <a:off x="6661982" y="1663012"/>
+            <a:ext cx="835485" cy="215444"/>
+          </a:xfrm>
+          <a:prstGeom prst="rect">
+            <a:avLst/>
+          </a:prstGeom>
+          <a:noFill/>
+        </p:spPr>
+        <p:txBody>
+          <a:bodyPr wrap="none" rtlCol="0">
+            <a:spAutoFit/>
+          </a:bodyPr>
+          <a:lstStyle/>
+          <a:p>
+            <a:r>
+              <a:rPr lang="en-US" sz="800" dirty="0"/>
+              <a:t>EPA5: Translate</a:t>
+            </a:r>
+            <a:endParaRPr lang="en-SG" sz="800" dirty="0"/>
+          </a:p>
+        </p:txBody>
+      </p:sp>
+      <p:sp>
+        <p:nvSpPr>
+          <p:cNvPr id="119" name="Isosceles Triangle 118"/>
+          <p:cNvSpPr/>
+          <p:nvPr/>
+        </p:nvSpPr>
+        <p:spPr>
+          <a:xfrm rot="5400000">
+            <a:off x="6583910" y="1740384"/>
+            <a:ext cx="226423" cy="184888"/>
+          </a:xfrm>
+          <a:prstGeom prst="triangle">
+            <a:avLst/>
+          </a:prstGeom>
+          <a:solidFill>
+            <a:srgbClr val="FFFF00"/>
+          </a:solidFill>
+        </p:spPr>
+        <p:style>
+          <a:lnRef idx="2">
+            <a:schemeClr val="accent1">
+              <a:shade val="50000"/>
+            </a:schemeClr>
+          </a:lnRef>
+          <a:fillRef idx="1">
+            <a:schemeClr val="accent1"/>
+          </a:fillRef>
+          <a:effectRef idx="0">
+            <a:schemeClr val="accent1"/>
+          </a:effectRef>
+          <a:fontRef idx="minor">
+            <a:schemeClr val="lt1"/>
+          </a:fontRef>
+        </p:style>
+        <p:txBody>
+          <a:bodyPr rtlCol="0" anchor="ctr"/>
+          <a:lstStyle/>
+          <a:p>
+            <a:pPr algn="ctr"/>
+            <a:endParaRPr lang="en-SG"/>
+          </a:p>
+        </p:txBody>
+      </p:sp>
+      <p:sp>
+        <p:nvSpPr>
+          <p:cNvPr id="120" name="TextBox 119"/>
+          <p:cNvSpPr txBox="1"/>
+          <p:nvPr/>
+        </p:nvSpPr>
+        <p:spPr>
+          <a:xfrm>
+            <a:off x="6735424" y="1946692"/>
+            <a:ext cx="1387040" cy="507831"/>
+          </a:xfrm>
+          <a:prstGeom prst="rect">
+            <a:avLst/>
+          </a:prstGeom>
+          <a:noFill/>
+        </p:spPr>
+        <p:txBody>
+          <a:bodyPr wrap="square" rtlCol="0">
+            <a:spAutoFit/>
+          </a:bodyPr>
+          <a:lstStyle/>
+          <a:p>
+            <a:r>
+              <a:rPr lang="en-US" sz="900" dirty="0"/>
+              <a:t>message =“Major Jam at  </a:t>
+            </a:r>
+            <a:r>
+              <a:rPr lang="en-US" sz="900" dirty="0" err="1"/>
+              <a:t>RoadName</a:t>
+            </a:r>
+            <a:r>
+              <a:rPr lang="en-US" sz="900" dirty="0"/>
+              <a:t>”  exit at </a:t>
+            </a:r>
+            <a:r>
+              <a:rPr lang="en-US" sz="900" dirty="0" err="1"/>
+              <a:t>AlternativeRoad</a:t>
+            </a:r>
+            <a:endParaRPr lang="en-SG" sz="900" dirty="0"/>
+          </a:p>
+        </p:txBody>
+      </p:sp>
+      <p:sp>
+        <p:nvSpPr>
+          <p:cNvPr id="121" name="Rectangle: Rounded Corners 120"/>
+          <p:cNvSpPr/>
+          <p:nvPr/>
+        </p:nvSpPr>
+        <p:spPr>
+          <a:xfrm>
+            <a:off x="236172" y="4243028"/>
+            <a:ext cx="1068920" cy="566057"/>
+          </a:xfrm>
+          <a:prstGeom prst="roundRect">
+            <a:avLst/>
+          </a:prstGeom>
+          <a:noFill/>
+        </p:spPr>
+        <p:style>
+          <a:lnRef idx="2">
+            <a:schemeClr val="accent1">
+              <a:shade val="50000"/>
+            </a:schemeClr>
+          </a:lnRef>
+          <a:fillRef idx="1">
+            <a:schemeClr val="accent1"/>
+          </a:fillRef>
+          <a:effectRef idx="0">
+            <a:schemeClr val="accent1"/>
+          </a:effectRef>
+          <a:fontRef idx="minor">
+            <a:schemeClr val="lt1"/>
+          </a:fontRef>
+        </p:style>
+        <p:txBody>
+          <a:bodyPr rtlCol="0" anchor="ctr"/>
+          <a:lstStyle/>
+          <a:p>
+            <a:pPr algn="ctr"/>
+            <a:endParaRPr lang="en-SG"/>
+          </a:p>
+        </p:txBody>
+      </p:sp>
+      <p:sp>
+        <p:nvSpPr>
+          <p:cNvPr id="122" name="Isosceles Triangle 121"/>
+          <p:cNvSpPr/>
+          <p:nvPr/>
+        </p:nvSpPr>
+        <p:spPr>
+          <a:xfrm rot="5400000">
+            <a:off x="1191880" y="4433612"/>
+            <a:ext cx="226423" cy="184888"/>
+          </a:xfrm>
+          <a:prstGeom prst="triangle">
+            <a:avLst/>
+          </a:prstGeom>
+          <a:solidFill>
+            <a:srgbClr val="FFFF00"/>
+          </a:solidFill>
+        </p:spPr>
+        <p:style>
+          <a:lnRef idx="2">
+            <a:schemeClr val="accent1">
+              <a:shade val="50000"/>
+            </a:schemeClr>
+          </a:lnRef>
+          <a:fillRef idx="1">
+            <a:schemeClr val="accent1"/>
+          </a:fillRef>
+          <a:effectRef idx="0">
+            <a:schemeClr val="accent1"/>
+          </a:effectRef>
+          <a:fontRef idx="minor">
+            <a:schemeClr val="lt1"/>
+          </a:fontRef>
+        </p:style>
+        <p:txBody>
+          <a:bodyPr rtlCol="0" anchor="ctr"/>
+          <a:lstStyle/>
+          <a:p>
+            <a:pPr algn="ctr"/>
+            <a:endParaRPr lang="en-SG"/>
+          </a:p>
+        </p:txBody>
+      </p:sp>
+      <p:sp>
+        <p:nvSpPr>
+          <p:cNvPr id="123" name="TextBox 122"/>
+          <p:cNvSpPr txBox="1"/>
+          <p:nvPr/>
+        </p:nvSpPr>
+        <p:spPr>
+          <a:xfrm>
+            <a:off x="236172" y="4243028"/>
+            <a:ext cx="338554" cy="215444"/>
+          </a:xfrm>
+          <a:prstGeom prst="rect">
+            <a:avLst/>
+          </a:prstGeom>
+          <a:noFill/>
+        </p:spPr>
+        <p:txBody>
+          <a:bodyPr wrap="none" rtlCol="0">
+            <a:spAutoFit/>
+          </a:bodyPr>
+          <a:lstStyle/>
+          <a:p>
+            <a:r>
+              <a:rPr lang="en-US" sz="800" dirty="0"/>
+              <a:t>EP2</a:t>
+            </a:r>
+            <a:endParaRPr lang="en-SG" sz="800" dirty="0"/>
+          </a:p>
+        </p:txBody>
+      </p:sp>
+      <p:sp>
+        <p:nvSpPr>
+          <p:cNvPr id="124" name="TextBox 123"/>
+          <p:cNvSpPr txBox="1"/>
+          <p:nvPr/>
+        </p:nvSpPr>
+        <p:spPr>
+          <a:xfrm>
+            <a:off x="262319" y="4412844"/>
+            <a:ext cx="950327" cy="400110"/>
+          </a:xfrm>
+          <a:prstGeom prst="rect">
+            <a:avLst/>
+          </a:prstGeom>
+          <a:noFill/>
+        </p:spPr>
+        <p:txBody>
+          <a:bodyPr wrap="square" rtlCol="0">
+            <a:spAutoFit/>
+          </a:bodyPr>
+          <a:lstStyle/>
+          <a:p>
+            <a:r>
+              <a:rPr lang="en-US" sz="1000" dirty="0"/>
+              <a:t>NEA 2-hr </a:t>
+            </a:r>
+            <a:r>
+              <a:rPr lang="en-US" sz="1000" dirty="0" err="1"/>
+              <a:t>NowCast</a:t>
+            </a:r>
+            <a:endParaRPr lang="en-SG" sz="1000" dirty="0"/>
+          </a:p>
+        </p:txBody>
+      </p:sp>
+      <p:sp>
+        <p:nvSpPr>
+          <p:cNvPr id="125" name="Rectangle 124"/>
+          <p:cNvSpPr/>
+          <p:nvPr/>
+        </p:nvSpPr>
+        <p:spPr>
+          <a:xfrm>
+            <a:off x="6793782" y="3042168"/>
+            <a:ext cx="1384685" cy="507831"/>
+          </a:xfrm>
+          <a:prstGeom prst="rect">
+            <a:avLst/>
+          </a:prstGeom>
+        </p:spPr>
+        <p:txBody>
+          <a:bodyPr wrap="square">
+            <a:spAutoFit/>
+          </a:bodyPr>
+          <a:lstStyle/>
+          <a:p>
+            <a:r>
+              <a:rPr lang="en-SG" sz="900" dirty="0"/>
+              <a:t>message  =  “Traffic building at” </a:t>
+            </a:r>
+            <a:r>
+              <a:rPr lang="en-SG" sz="900" dirty="0" err="1"/>
+              <a:t>Roadname</a:t>
+            </a:r>
+            <a:r>
+              <a:rPr lang="en-SG" sz="900" dirty="0"/>
+              <a:t>. “exit at” </a:t>
+            </a:r>
+            <a:r>
+              <a:rPr lang="en-SG" sz="900" dirty="0" err="1"/>
+              <a:t>AlternativeRoad</a:t>
+            </a:r>
+            <a:endParaRPr lang="en-SG" sz="900" dirty="0"/>
+          </a:p>
+        </p:txBody>
+      </p:sp>
+      <p:sp>
+        <p:nvSpPr>
+          <p:cNvPr id="126" name="Hexagon 125"/>
+          <p:cNvSpPr/>
+          <p:nvPr/>
+        </p:nvSpPr>
+        <p:spPr>
+          <a:xfrm>
+            <a:off x="1650464" y="2663094"/>
+            <a:ext cx="774943" cy="467052"/>
+          </a:xfrm>
+          <a:prstGeom prst="hexagon">
+            <a:avLst/>
+          </a:prstGeom>
+          <a:noFill/>
+        </p:spPr>
+        <p:style>
+          <a:lnRef idx="2">
+            <a:schemeClr val="accent1">
+              <a:shade val="50000"/>
+            </a:schemeClr>
+          </a:lnRef>
+          <a:fillRef idx="1">
+            <a:schemeClr val="accent1"/>
+          </a:fillRef>
+          <a:effectRef idx="0">
+            <a:schemeClr val="accent1"/>
+          </a:effectRef>
+          <a:fontRef idx="minor">
+            <a:schemeClr val="lt1"/>
+          </a:fontRef>
+        </p:style>
+        <p:txBody>
+          <a:bodyPr rtlCol="0" anchor="ctr"/>
+          <a:lstStyle/>
+          <a:p>
+            <a:pPr algn="ctr"/>
+            <a:endParaRPr lang="en-SG"/>
+          </a:p>
+        </p:txBody>
+      </p:sp>
+      <p:cxnSp>
+        <p:nvCxnSpPr>
+          <p:cNvPr id="127" name="Straight Connector 126"/>
+          <p:cNvCxnSpPr>
+            <a:stCxn id="105" idx="0"/>
+          </p:cNvCxnSpPr>
+          <p:nvPr/>
+        </p:nvCxnSpPr>
+        <p:spPr>
+          <a:xfrm>
+            <a:off x="1363474" y="2894693"/>
+            <a:ext cx="290614" cy="1895"/>
+          </a:xfrm>
+          <a:prstGeom prst="line">
+            <a:avLst/>
+          </a:prstGeom>
+        </p:spPr>
+        <p:style>
+          <a:lnRef idx="1">
+            <a:schemeClr val="accent1"/>
+          </a:lnRef>
+          <a:fillRef idx="0">
+            <a:schemeClr val="accent1"/>
+          </a:fillRef>
+          <a:effectRef idx="0">
+            <a:schemeClr val="accent1"/>
+          </a:effectRef>
+          <a:fontRef idx="minor">
+            <a:schemeClr val="tx1"/>
+          </a:fontRef>
+        </p:style>
+      </p:cxnSp>
+      <p:cxnSp>
+        <p:nvCxnSpPr>
+          <p:cNvPr id="128" name="Connector: Elbow 127"/>
+          <p:cNvCxnSpPr>
+            <a:stCxn id="126" idx="0"/>
+            <a:endCxn id="114" idx="3"/>
+          </p:cNvCxnSpPr>
+          <p:nvPr/>
+        </p:nvCxnSpPr>
+        <p:spPr>
+          <a:xfrm flipV="1">
+            <a:off x="2425407" y="1831080"/>
+            <a:ext cx="731480" cy="1065540"/>
+          </a:xfrm>
+          <a:prstGeom prst="bentConnector3">
+            <a:avLst>
+              <a:gd name="adj1" fmla="val 50000"/>
+            </a:avLst>
+          </a:prstGeom>
+        </p:spPr>
+        <p:style>
+          <a:lnRef idx="1">
+            <a:schemeClr val="accent1"/>
+          </a:lnRef>
+          <a:fillRef idx="0">
+            <a:schemeClr val="accent1"/>
+          </a:fillRef>
+          <a:effectRef idx="0">
+            <a:schemeClr val="accent1"/>
+          </a:effectRef>
+          <a:fontRef idx="minor">
+            <a:schemeClr val="tx1"/>
+          </a:fontRef>
+        </p:style>
+      </p:cxnSp>
+      <p:sp>
+        <p:nvSpPr>
+          <p:cNvPr id="129" name="TextBox 128"/>
+          <p:cNvSpPr txBox="1"/>
+          <p:nvPr/>
+        </p:nvSpPr>
+        <p:spPr>
+          <a:xfrm>
+            <a:off x="1753956" y="2786286"/>
+            <a:ext cx="579005" cy="215444"/>
+          </a:xfrm>
+          <a:prstGeom prst="rect">
+            <a:avLst/>
+          </a:prstGeom>
+          <a:noFill/>
+        </p:spPr>
+        <p:txBody>
+          <a:bodyPr wrap="none" rtlCol="0">
+            <a:spAutoFit/>
+          </a:bodyPr>
+          <a:lstStyle/>
+          <a:p>
+            <a:r>
+              <a:rPr lang="en-US" sz="800" dirty="0"/>
+              <a:t>Channel1</a:t>
+            </a:r>
+            <a:endParaRPr lang="en-SG" sz="800" dirty="0"/>
+          </a:p>
+        </p:txBody>
+      </p:sp>
+      <p:cxnSp>
+        <p:nvCxnSpPr>
+          <p:cNvPr id="130" name="Connector: Elbow 129"/>
+          <p:cNvCxnSpPr>
+            <a:stCxn id="117" idx="0"/>
+            <a:endCxn id="109" idx="3"/>
+          </p:cNvCxnSpPr>
+          <p:nvPr/>
+        </p:nvCxnSpPr>
+        <p:spPr>
+          <a:xfrm>
+            <a:off x="8434436" y="1832829"/>
+            <a:ext cx="981279" cy="1418446"/>
+          </a:xfrm>
+          <a:prstGeom prst="bentConnector3">
+            <a:avLst/>
+          </a:prstGeom>
+        </p:spPr>
+        <p:style>
+          <a:lnRef idx="1">
+            <a:schemeClr val="accent1"/>
+          </a:lnRef>
+          <a:fillRef idx="0">
+            <a:schemeClr val="accent1"/>
+          </a:fillRef>
+          <a:effectRef idx="0">
+            <a:schemeClr val="accent1"/>
+          </a:effectRef>
+          <a:fontRef idx="minor">
+            <a:schemeClr val="tx1"/>
+          </a:fontRef>
+        </p:style>
+      </p:cxnSp>
+      <p:sp>
+        <p:nvSpPr>
+          <p:cNvPr id="131" name="Rectangle: Rounded Corners 130"/>
+          <p:cNvSpPr/>
+          <p:nvPr/>
+        </p:nvSpPr>
+        <p:spPr>
+          <a:xfrm>
+            <a:off x="6683347" y="2817635"/>
+            <a:ext cx="1632857" cy="885894"/>
+          </a:xfrm>
+          <a:prstGeom prst="roundRect">
+            <a:avLst/>
+          </a:prstGeom>
+          <a:noFill/>
+        </p:spPr>
+        <p:style>
+          <a:lnRef idx="2">
+            <a:schemeClr val="accent1">
+              <a:shade val="50000"/>
+            </a:schemeClr>
+          </a:lnRef>
+          <a:fillRef idx="1">
+            <a:schemeClr val="accent1"/>
+          </a:fillRef>
+          <a:effectRef idx="0">
+            <a:schemeClr val="accent1"/>
+          </a:effectRef>
+          <a:fontRef idx="minor">
+            <a:schemeClr val="lt1"/>
+          </a:fontRef>
+        </p:style>
+        <p:txBody>
+          <a:bodyPr rtlCol="0" anchor="ctr"/>
+          <a:lstStyle/>
+          <a:p>
+            <a:pPr algn="ctr"/>
+            <a:endParaRPr lang="en-SG"/>
+          </a:p>
+        </p:txBody>
+      </p:sp>
+      <p:sp>
+        <p:nvSpPr>
+          <p:cNvPr id="132" name="Isosceles Triangle 131"/>
+          <p:cNvSpPr/>
+          <p:nvPr/>
+        </p:nvSpPr>
+        <p:spPr>
+          <a:xfrm rot="5400000">
+            <a:off x="8250146" y="2895007"/>
+            <a:ext cx="226423" cy="184888"/>
+          </a:xfrm>
+          <a:prstGeom prst="triangle">
+            <a:avLst/>
+          </a:prstGeom>
+          <a:solidFill>
+            <a:srgbClr val="FFFF00"/>
+          </a:solidFill>
+        </p:spPr>
+        <p:style>
+          <a:lnRef idx="2">
+            <a:schemeClr val="accent1">
+              <a:shade val="50000"/>
+            </a:schemeClr>
+          </a:lnRef>
+          <a:fillRef idx="1">
+            <a:schemeClr val="accent1"/>
+          </a:fillRef>
+          <a:effectRef idx="0">
+            <a:schemeClr val="accent1"/>
+          </a:effectRef>
+          <a:fontRef idx="minor">
+            <a:schemeClr val="lt1"/>
+          </a:fontRef>
+        </p:style>
+        <p:txBody>
+          <a:bodyPr rtlCol="0" anchor="ctr"/>
+          <a:lstStyle/>
+          <a:p>
+            <a:pPr algn="ctr"/>
+            <a:endParaRPr lang="en-SG"/>
+          </a:p>
+        </p:txBody>
+      </p:sp>
+      <p:sp>
+        <p:nvSpPr>
+          <p:cNvPr id="133" name="TextBox 132"/>
+          <p:cNvSpPr txBox="1"/>
+          <p:nvPr/>
+        </p:nvSpPr>
+        <p:spPr>
+          <a:xfrm>
+            <a:off x="6683348" y="2817635"/>
+            <a:ext cx="835485" cy="215444"/>
+          </a:xfrm>
+          <a:prstGeom prst="rect">
+            <a:avLst/>
+          </a:prstGeom>
+          <a:noFill/>
+        </p:spPr>
+        <p:txBody>
+          <a:bodyPr wrap="none" rtlCol="0">
+            <a:spAutoFit/>
+          </a:bodyPr>
+          <a:lstStyle/>
+          <a:p>
+            <a:r>
+              <a:rPr lang="en-US" sz="800" dirty="0"/>
+              <a:t>EPA6: Translate</a:t>
+            </a:r>
+            <a:endParaRPr lang="en-SG" sz="800" dirty="0"/>
+          </a:p>
+        </p:txBody>
+      </p:sp>
+      <p:sp>
+        <p:nvSpPr>
+          <p:cNvPr id="134" name="Isosceles Triangle 133"/>
+          <p:cNvSpPr/>
+          <p:nvPr/>
+        </p:nvSpPr>
+        <p:spPr>
+          <a:xfrm rot="5400000">
+            <a:off x="6605276" y="2921134"/>
+            <a:ext cx="226423" cy="184888"/>
+          </a:xfrm>
+          <a:prstGeom prst="triangle">
+            <a:avLst/>
+          </a:prstGeom>
+          <a:solidFill>
+            <a:srgbClr val="FFFF00"/>
+          </a:solidFill>
+        </p:spPr>
+        <p:style>
+          <a:lnRef idx="2">
+            <a:schemeClr val="accent1">
+              <a:shade val="50000"/>
+            </a:schemeClr>
+          </a:lnRef>
+          <a:fillRef idx="1">
+            <a:schemeClr val="accent1"/>
+          </a:fillRef>
+          <a:effectRef idx="0">
+            <a:schemeClr val="accent1"/>
+          </a:effectRef>
+          <a:fontRef idx="minor">
+            <a:schemeClr val="lt1"/>
+          </a:fontRef>
+        </p:style>
+        <p:txBody>
+          <a:bodyPr rtlCol="0" anchor="ctr"/>
+          <a:lstStyle/>
+          <a:p>
+            <a:pPr algn="ctr"/>
+            <a:endParaRPr lang="en-SG"/>
+          </a:p>
+        </p:txBody>
+      </p:sp>
+      <p:cxnSp>
+        <p:nvCxnSpPr>
+          <p:cNvPr id="135" name="Connector: Elbow 134"/>
+          <p:cNvCxnSpPr>
+            <a:stCxn id="132" idx="0"/>
+            <a:endCxn id="109" idx="3"/>
+          </p:cNvCxnSpPr>
+          <p:nvPr/>
+        </p:nvCxnSpPr>
+        <p:spPr>
+          <a:xfrm>
+            <a:off x="8455802" y="2987452"/>
+            <a:ext cx="959913" cy="263823"/>
+          </a:xfrm>
+          <a:prstGeom prst="bentConnector3">
+            <a:avLst>
+              <a:gd name="adj1" fmla="val 50000"/>
+            </a:avLst>
+          </a:prstGeom>
+        </p:spPr>
+        <p:style>
+          <a:lnRef idx="1">
+            <a:schemeClr val="accent1"/>
+          </a:lnRef>
+          <a:fillRef idx="0">
+            <a:schemeClr val="accent1"/>
+          </a:fillRef>
+          <a:effectRef idx="0">
+            <a:schemeClr val="accent1"/>
+          </a:effectRef>
+          <a:fontRef idx="minor">
+            <a:schemeClr val="tx1"/>
+          </a:fontRef>
+        </p:style>
+      </p:cxnSp>
+      <p:sp>
+        <p:nvSpPr>
+          <p:cNvPr id="136" name="Rectangle: Rounded Corners 135"/>
+          <p:cNvSpPr/>
+          <p:nvPr/>
+        </p:nvSpPr>
+        <p:spPr>
+          <a:xfrm>
+            <a:off x="3227394" y="2768680"/>
+            <a:ext cx="1632857" cy="885894"/>
+          </a:xfrm>
+          <a:prstGeom prst="roundRect">
+            <a:avLst/>
+          </a:prstGeom>
+          <a:noFill/>
+        </p:spPr>
+        <p:style>
+          <a:lnRef idx="2">
+            <a:schemeClr val="accent1">
+              <a:shade val="50000"/>
+            </a:schemeClr>
+          </a:lnRef>
+          <a:fillRef idx="1">
+            <a:schemeClr val="accent1"/>
+          </a:fillRef>
+          <a:effectRef idx="0">
+            <a:schemeClr val="accent1"/>
+          </a:effectRef>
+          <a:fontRef idx="minor">
+            <a:schemeClr val="lt1"/>
+          </a:fontRef>
+        </p:style>
+        <p:txBody>
+          <a:bodyPr rtlCol="0" anchor="ctr"/>
+          <a:lstStyle/>
+          <a:p>
+            <a:pPr algn="ctr"/>
+            <a:endParaRPr lang="en-SG"/>
+          </a:p>
+        </p:txBody>
+      </p:sp>
+      <p:sp>
+        <p:nvSpPr>
+          <p:cNvPr id="137" name="TextBox 136"/>
+          <p:cNvSpPr txBox="1"/>
+          <p:nvPr/>
+        </p:nvSpPr>
+        <p:spPr>
+          <a:xfrm>
+            <a:off x="3275557" y="2814959"/>
+            <a:ext cx="1236236" cy="215444"/>
+          </a:xfrm>
+          <a:prstGeom prst="rect">
+            <a:avLst/>
+          </a:prstGeom>
+          <a:noFill/>
+        </p:spPr>
+        <p:txBody>
+          <a:bodyPr wrap="none" rtlCol="0">
+            <a:spAutoFit/>
+          </a:bodyPr>
+          <a:lstStyle/>
+          <a:p>
+            <a:r>
+              <a:rPr lang="en-US" sz="800" dirty="0"/>
+              <a:t>EPA3: Pattern - Temporal</a:t>
+            </a:r>
+            <a:endParaRPr lang="en-SG" sz="800" dirty="0"/>
+          </a:p>
+        </p:txBody>
+      </p:sp>
+      <p:sp>
+        <p:nvSpPr>
+          <p:cNvPr id="138" name="Isosceles Triangle 137"/>
+          <p:cNvSpPr/>
+          <p:nvPr/>
+        </p:nvSpPr>
+        <p:spPr>
+          <a:xfrm rot="5400000">
+            <a:off x="3145961" y="2928247"/>
+            <a:ext cx="226423" cy="184888"/>
+          </a:xfrm>
+          <a:prstGeom prst="triangle">
+            <a:avLst/>
+          </a:prstGeom>
+          <a:solidFill>
+            <a:srgbClr val="FFFF00"/>
+          </a:solidFill>
+        </p:spPr>
+        <p:style>
+          <a:lnRef idx="2">
+            <a:schemeClr val="accent1">
+              <a:shade val="50000"/>
+            </a:schemeClr>
+          </a:lnRef>
+          <a:fillRef idx="1">
+            <a:schemeClr val="accent1"/>
+          </a:fillRef>
+          <a:effectRef idx="0">
+            <a:schemeClr val="accent1"/>
+          </a:effectRef>
+          <a:fontRef idx="minor">
+            <a:schemeClr val="lt1"/>
+          </a:fontRef>
+        </p:style>
+        <p:txBody>
+          <a:bodyPr rtlCol="0" anchor="ctr"/>
+          <a:lstStyle/>
+          <a:p>
+            <a:pPr algn="ctr"/>
+            <a:endParaRPr lang="en-SG"/>
+          </a:p>
+        </p:txBody>
+      </p:sp>
+      <p:sp>
+        <p:nvSpPr>
+          <p:cNvPr id="139" name="Isosceles Triangle 138"/>
+          <p:cNvSpPr/>
+          <p:nvPr/>
+        </p:nvSpPr>
+        <p:spPr>
+          <a:xfrm rot="5400000">
+            <a:off x="4791655" y="2922165"/>
+            <a:ext cx="226423" cy="184888"/>
+          </a:xfrm>
+          <a:prstGeom prst="triangle">
+            <a:avLst/>
+          </a:prstGeom>
+          <a:solidFill>
+            <a:srgbClr val="FFFF00"/>
+          </a:solidFill>
+        </p:spPr>
+        <p:style>
+          <a:lnRef idx="2">
+            <a:schemeClr val="accent1">
+              <a:shade val="50000"/>
+            </a:schemeClr>
+          </a:lnRef>
+          <a:fillRef idx="1">
+            <a:schemeClr val="accent1"/>
+          </a:fillRef>
+          <a:effectRef idx="0">
+            <a:schemeClr val="accent1"/>
+          </a:effectRef>
+          <a:fontRef idx="minor">
+            <a:schemeClr val="lt1"/>
+          </a:fontRef>
+        </p:style>
+        <p:txBody>
+          <a:bodyPr rtlCol="0" anchor="ctr"/>
+          <a:lstStyle/>
+          <a:p>
+            <a:pPr algn="ctr"/>
+            <a:endParaRPr lang="en-SG"/>
+          </a:p>
+        </p:txBody>
+      </p:sp>
+      <p:cxnSp>
+        <p:nvCxnSpPr>
+          <p:cNvPr id="140" name="Connector: Elbow 139"/>
+          <p:cNvCxnSpPr>
+            <a:stCxn id="126" idx="0"/>
+            <a:endCxn id="138" idx="3"/>
+          </p:cNvCxnSpPr>
+          <p:nvPr/>
+        </p:nvCxnSpPr>
+        <p:spPr>
+          <a:xfrm>
+            <a:off x="2425407" y="2896620"/>
+            <a:ext cx="741322" cy="124072"/>
+          </a:xfrm>
+          <a:prstGeom prst="bentConnector3">
+            <a:avLst>
+              <a:gd name="adj1" fmla="val 50000"/>
+            </a:avLst>
+          </a:prstGeom>
+        </p:spPr>
+        <p:style>
+          <a:lnRef idx="1">
+            <a:schemeClr val="accent1"/>
+          </a:lnRef>
+          <a:fillRef idx="0">
+            <a:schemeClr val="accent1"/>
+          </a:fillRef>
+          <a:effectRef idx="0">
+            <a:schemeClr val="accent1"/>
+          </a:effectRef>
+          <a:fontRef idx="minor">
+            <a:schemeClr val="tx1"/>
+          </a:fontRef>
+        </p:style>
+      </p:cxnSp>
+      <p:sp>
+        <p:nvSpPr>
+          <p:cNvPr id="141" name="Rectangle 140"/>
+          <p:cNvSpPr/>
+          <p:nvPr/>
+        </p:nvSpPr>
+        <p:spPr>
+          <a:xfrm>
+            <a:off x="3345837" y="2998839"/>
+            <a:ext cx="1722405" cy="507831"/>
+          </a:xfrm>
+          <a:prstGeom prst="rect">
+            <a:avLst/>
+          </a:prstGeom>
+        </p:spPr>
+        <p:txBody>
+          <a:bodyPr wrap="square">
+            <a:spAutoFit/>
+          </a:bodyPr>
+          <a:lstStyle/>
+          <a:p>
+            <a:r>
+              <a:rPr lang="en-SG" sz="900" dirty="0"/>
+              <a:t>road category =  C/B &amp;</a:t>
+            </a:r>
+          </a:p>
+          <a:p>
+            <a:r>
+              <a:rPr lang="en-SG" sz="900" dirty="0"/>
+              <a:t>previous speed band = 3 &amp;</a:t>
+            </a:r>
+          </a:p>
+          <a:p>
+            <a:r>
+              <a:rPr lang="en-SG" sz="900" dirty="0"/>
+              <a:t>current speed band = 2</a:t>
+            </a:r>
+          </a:p>
+        </p:txBody>
+      </p:sp>
+      <p:cxnSp>
+        <p:nvCxnSpPr>
+          <p:cNvPr id="142" name="Straight Connector 141"/>
+          <p:cNvCxnSpPr>
+            <a:stCxn id="139" idx="0"/>
+            <a:endCxn id="134" idx="3"/>
+          </p:cNvCxnSpPr>
+          <p:nvPr/>
+        </p:nvCxnSpPr>
+        <p:spPr>
+          <a:xfrm flipV="1">
+            <a:off x="4997311" y="3013579"/>
+            <a:ext cx="1628733" cy="1031"/>
+          </a:xfrm>
+          <a:prstGeom prst="line">
+            <a:avLst/>
+          </a:prstGeom>
+        </p:spPr>
+        <p:style>
+          <a:lnRef idx="1">
+            <a:schemeClr val="accent1"/>
+          </a:lnRef>
+          <a:fillRef idx="0">
+            <a:schemeClr val="accent1"/>
+          </a:fillRef>
+          <a:effectRef idx="0">
+            <a:schemeClr val="accent1"/>
+          </a:effectRef>
+          <a:fontRef idx="minor">
+            <a:schemeClr val="tx1"/>
+          </a:fontRef>
+        </p:style>
+      </p:cxnSp>
+      <p:cxnSp>
+        <p:nvCxnSpPr>
+          <p:cNvPr id="143" name="Connector: Elbow 142"/>
+          <p:cNvCxnSpPr>
+            <a:stCxn id="156" idx="3"/>
+            <a:endCxn id="109" idx="3"/>
+          </p:cNvCxnSpPr>
+          <p:nvPr/>
+        </p:nvCxnSpPr>
+        <p:spPr>
+          <a:xfrm flipV="1">
+            <a:off x="8329978" y="3251275"/>
+            <a:ext cx="1085737" cy="1153664"/>
+          </a:xfrm>
+          <a:prstGeom prst="bentConnector3">
+            <a:avLst>
+              <a:gd name="adj1" fmla="val 56591"/>
+            </a:avLst>
+          </a:prstGeom>
+        </p:spPr>
+        <p:style>
+          <a:lnRef idx="1">
+            <a:schemeClr val="accent1"/>
+          </a:lnRef>
+          <a:fillRef idx="0">
+            <a:schemeClr val="accent1"/>
+          </a:fillRef>
+          <a:effectRef idx="0">
+            <a:schemeClr val="accent1"/>
+          </a:effectRef>
+          <a:fontRef idx="minor">
+            <a:schemeClr val="tx1"/>
+          </a:fontRef>
+        </p:style>
+      </p:cxnSp>
+      <p:cxnSp>
+        <p:nvCxnSpPr>
+          <p:cNvPr id="144" name="Connector: Elbow 143"/>
+          <p:cNvCxnSpPr>
+            <a:stCxn id="172" idx="0"/>
+            <a:endCxn id="109" idx="3"/>
+          </p:cNvCxnSpPr>
+          <p:nvPr/>
+        </p:nvCxnSpPr>
+        <p:spPr>
+          <a:xfrm flipV="1">
+            <a:off x="8455802" y="3251275"/>
+            <a:ext cx="959913" cy="2419070"/>
+          </a:xfrm>
+          <a:prstGeom prst="bentConnector3">
+            <a:avLst/>
+          </a:prstGeom>
+        </p:spPr>
+        <p:style>
+          <a:lnRef idx="1">
+            <a:schemeClr val="accent1"/>
+          </a:lnRef>
+          <a:fillRef idx="0">
+            <a:schemeClr val="accent1"/>
+          </a:fillRef>
+          <a:effectRef idx="0">
+            <a:schemeClr val="accent1"/>
+          </a:effectRef>
+          <a:fontRef idx="minor">
+            <a:schemeClr val="tx1"/>
+          </a:fontRef>
+        </p:style>
+      </p:cxnSp>
+      <p:sp>
+        <p:nvSpPr>
+          <p:cNvPr id="145" name="Rectangle 144"/>
+          <p:cNvSpPr/>
+          <p:nvPr/>
+        </p:nvSpPr>
+        <p:spPr>
+          <a:xfrm>
+            <a:off x="3354526" y="1875728"/>
+            <a:ext cx="1722405" cy="507831"/>
+          </a:xfrm>
+          <a:prstGeom prst="rect">
+            <a:avLst/>
+          </a:prstGeom>
+        </p:spPr>
+        <p:txBody>
+          <a:bodyPr wrap="square">
+            <a:spAutoFit/>
+          </a:bodyPr>
+          <a:lstStyle/>
+          <a:p>
+            <a:r>
+              <a:rPr lang="en-SG" sz="900" dirty="0"/>
+              <a:t>road category =  C/B &amp;</a:t>
+            </a:r>
+          </a:p>
+          <a:p>
+            <a:r>
+              <a:rPr lang="en-SG" sz="900" dirty="0"/>
+              <a:t>previous speed band = 2 &amp;</a:t>
+            </a:r>
+          </a:p>
+          <a:p>
+            <a:r>
+              <a:rPr lang="en-SG" sz="900" dirty="0"/>
+              <a:t>current speed band = 1</a:t>
+            </a:r>
+          </a:p>
+        </p:txBody>
+      </p:sp>
+      <p:sp>
+        <p:nvSpPr>
+          <p:cNvPr id="146" name="Isosceles Triangle 145"/>
+          <p:cNvSpPr/>
+          <p:nvPr/>
+        </p:nvSpPr>
+        <p:spPr>
+          <a:xfrm rot="5400000">
+            <a:off x="4791926" y="1738178"/>
+            <a:ext cx="226423" cy="184888"/>
+          </a:xfrm>
+          <a:prstGeom prst="triangle">
+            <a:avLst/>
+          </a:prstGeom>
+          <a:solidFill>
+            <a:srgbClr val="FFFF00"/>
+          </a:solidFill>
+        </p:spPr>
+        <p:style>
+          <a:lnRef idx="2">
+            <a:schemeClr val="accent1">
+              <a:shade val="50000"/>
+            </a:schemeClr>
+          </a:lnRef>
+          <a:fillRef idx="1">
+            <a:schemeClr val="accent1"/>
+          </a:fillRef>
+          <a:effectRef idx="0">
+            <a:schemeClr val="accent1"/>
+          </a:effectRef>
+          <a:fontRef idx="minor">
+            <a:schemeClr val="lt1"/>
+          </a:fontRef>
+        </p:style>
+        <p:txBody>
+          <a:bodyPr rtlCol="0" anchor="ctr"/>
+          <a:lstStyle/>
+          <a:p>
+            <a:pPr algn="ctr"/>
+            <a:endParaRPr lang="en-SG"/>
+          </a:p>
+        </p:txBody>
+      </p:sp>
+      <p:cxnSp>
+        <p:nvCxnSpPr>
+          <p:cNvPr id="147" name="Straight Connector 146"/>
+          <p:cNvCxnSpPr>
+            <a:stCxn id="122" idx="0"/>
+            <a:endCxn id="150" idx="3"/>
+          </p:cNvCxnSpPr>
+          <p:nvPr/>
+        </p:nvCxnSpPr>
+        <p:spPr>
+          <a:xfrm>
+            <a:off x="1397536" y="4526057"/>
+            <a:ext cx="1755928" cy="6293"/>
+          </a:xfrm>
+          <a:prstGeom prst="line">
+            <a:avLst/>
+          </a:prstGeom>
+        </p:spPr>
+        <p:style>
+          <a:lnRef idx="1">
+            <a:schemeClr val="accent1"/>
+          </a:lnRef>
+          <a:fillRef idx="0">
+            <a:schemeClr val="accent1"/>
+          </a:fillRef>
+          <a:effectRef idx="0">
+            <a:schemeClr val="accent1"/>
+          </a:effectRef>
+          <a:fontRef idx="minor">
+            <a:schemeClr val="tx1"/>
+          </a:fontRef>
+        </p:style>
+      </p:cxnSp>
+      <p:sp>
+        <p:nvSpPr>
+          <p:cNvPr id="148" name="Rectangle: Rounded Corners 147"/>
+          <p:cNvSpPr/>
+          <p:nvPr/>
+        </p:nvSpPr>
+        <p:spPr>
+          <a:xfrm>
+            <a:off x="3212003" y="3905253"/>
+            <a:ext cx="1632857" cy="885894"/>
+          </a:xfrm>
+          <a:prstGeom prst="roundRect">
+            <a:avLst/>
+          </a:prstGeom>
+          <a:noFill/>
+        </p:spPr>
+        <p:style>
+          <a:lnRef idx="2">
+            <a:schemeClr val="accent1">
+              <a:shade val="50000"/>
+            </a:schemeClr>
+          </a:lnRef>
+          <a:fillRef idx="1">
+            <a:schemeClr val="accent1"/>
+          </a:fillRef>
+          <a:effectRef idx="0">
+            <a:schemeClr val="accent1"/>
+          </a:effectRef>
+          <a:fontRef idx="minor">
+            <a:schemeClr val="lt1"/>
+          </a:fontRef>
+        </p:style>
+        <p:txBody>
+          <a:bodyPr rtlCol="0" anchor="ctr"/>
+          <a:lstStyle/>
+          <a:p>
+            <a:pPr algn="ctr"/>
+            <a:endParaRPr lang="en-SG"/>
+          </a:p>
+        </p:txBody>
+      </p:sp>
+      <p:sp>
+        <p:nvSpPr>
+          <p:cNvPr id="149" name="TextBox 148"/>
+          <p:cNvSpPr txBox="1"/>
+          <p:nvPr/>
+        </p:nvSpPr>
+        <p:spPr>
+          <a:xfrm>
+            <a:off x="3260166" y="3951532"/>
+            <a:ext cx="1117614" cy="215444"/>
+          </a:xfrm>
+          <a:prstGeom prst="rect">
+            <a:avLst/>
+          </a:prstGeom>
+          <a:noFill/>
+        </p:spPr>
+        <p:txBody>
+          <a:bodyPr wrap="none" rtlCol="0">
+            <a:spAutoFit/>
+          </a:bodyPr>
+          <a:lstStyle/>
+          <a:p>
+            <a:r>
+              <a:rPr lang="en-US" sz="800" dirty="0"/>
+              <a:t>EPA3: Pattern - Spatial</a:t>
+            </a:r>
+            <a:endParaRPr lang="en-SG" sz="800" dirty="0"/>
+          </a:p>
+        </p:txBody>
+      </p:sp>
+      <p:sp>
+        <p:nvSpPr>
+          <p:cNvPr id="150" name="Isosceles Triangle 149"/>
+          <p:cNvSpPr/>
+          <p:nvPr/>
+        </p:nvSpPr>
+        <p:spPr>
+          <a:xfrm rot="5400000">
+            <a:off x="3132696" y="4439905"/>
+            <a:ext cx="226423" cy="184888"/>
+          </a:xfrm>
+          <a:prstGeom prst="triangle">
+            <a:avLst/>
+          </a:prstGeom>
+          <a:solidFill>
+            <a:srgbClr val="FFFF00"/>
+          </a:solidFill>
+        </p:spPr>
+        <p:style>
+          <a:lnRef idx="2">
+            <a:schemeClr val="accent1">
+              <a:shade val="50000"/>
+            </a:schemeClr>
+          </a:lnRef>
+          <a:fillRef idx="1">
+            <a:schemeClr val="accent1"/>
+          </a:fillRef>
+          <a:effectRef idx="0">
+            <a:schemeClr val="accent1"/>
+          </a:effectRef>
+          <a:fontRef idx="minor">
+            <a:schemeClr val="lt1"/>
+          </a:fontRef>
+        </p:style>
+        <p:txBody>
+          <a:bodyPr rtlCol="0" anchor="ctr"/>
+          <a:lstStyle/>
+          <a:p>
+            <a:pPr algn="ctr"/>
+            <a:endParaRPr lang="en-SG"/>
+          </a:p>
+        </p:txBody>
+      </p:sp>
+      <p:sp>
+        <p:nvSpPr>
+          <p:cNvPr id="151" name="Isosceles Triangle 150"/>
+          <p:cNvSpPr/>
+          <p:nvPr/>
+        </p:nvSpPr>
+        <p:spPr>
+          <a:xfrm rot="5400000">
+            <a:off x="4776264" y="4058738"/>
+            <a:ext cx="226423" cy="184888"/>
+          </a:xfrm>
+          <a:prstGeom prst="triangle">
+            <a:avLst/>
+          </a:prstGeom>
+          <a:solidFill>
+            <a:srgbClr val="FFFF00"/>
+          </a:solidFill>
+        </p:spPr>
+        <p:style>
+          <a:lnRef idx="2">
+            <a:schemeClr val="accent1">
+              <a:shade val="50000"/>
+            </a:schemeClr>
+          </a:lnRef>
+          <a:fillRef idx="1">
+            <a:schemeClr val="accent1"/>
+          </a:fillRef>
+          <a:effectRef idx="0">
+            <a:schemeClr val="accent1"/>
+          </a:effectRef>
+          <a:fontRef idx="minor">
+            <a:schemeClr val="lt1"/>
+          </a:fontRef>
+        </p:style>
+        <p:txBody>
+          <a:bodyPr rtlCol="0" anchor="ctr"/>
+          <a:lstStyle/>
+          <a:p>
+            <a:pPr algn="ctr"/>
+            <a:endParaRPr lang="en-SG"/>
+          </a:p>
+        </p:txBody>
+      </p:sp>
+      <p:sp>
+        <p:nvSpPr>
+          <p:cNvPr id="152" name="Rectangle 151"/>
+          <p:cNvSpPr/>
+          <p:nvPr/>
+        </p:nvSpPr>
+        <p:spPr>
+          <a:xfrm>
+            <a:off x="3330446" y="4135412"/>
+            <a:ext cx="1722405" cy="507831"/>
+          </a:xfrm>
+          <a:prstGeom prst="rect">
+            <a:avLst/>
+          </a:prstGeom>
+        </p:spPr>
+        <p:txBody>
+          <a:bodyPr wrap="square">
+            <a:spAutoFit/>
+          </a:bodyPr>
+          <a:lstStyle/>
+          <a:p>
+            <a:r>
+              <a:rPr lang="en-SG" sz="900" dirty="0"/>
+              <a:t>road category =  C/B &amp;</a:t>
+            </a:r>
+          </a:p>
+          <a:p>
+            <a:r>
+              <a:rPr lang="en-SG" sz="900" dirty="0"/>
+              <a:t>current speed band = 2/3 &amp;</a:t>
+            </a:r>
+          </a:p>
+          <a:p>
+            <a:r>
+              <a:rPr lang="en-SG" sz="900" dirty="0"/>
+              <a:t>Forecast in area =HG/HR/HS/HT </a:t>
+            </a:r>
+          </a:p>
+        </p:txBody>
+      </p:sp>
+      <p:sp>
+        <p:nvSpPr>
+          <p:cNvPr id="153" name="Isosceles Triangle 152"/>
+          <p:cNvSpPr/>
+          <p:nvPr/>
+        </p:nvSpPr>
+        <p:spPr>
+          <a:xfrm rot="5400000">
+            <a:off x="3115393" y="4038474"/>
+            <a:ext cx="226423" cy="184888"/>
+          </a:xfrm>
+          <a:prstGeom prst="triangle">
+            <a:avLst/>
+          </a:prstGeom>
+          <a:solidFill>
+            <a:srgbClr val="FFFF00"/>
+          </a:solidFill>
+        </p:spPr>
+        <p:style>
+          <a:lnRef idx="2">
+            <a:schemeClr val="accent1">
+              <a:shade val="50000"/>
+            </a:schemeClr>
+          </a:lnRef>
+          <a:fillRef idx="1">
+            <a:schemeClr val="accent1"/>
+          </a:fillRef>
+          <a:effectRef idx="0">
+            <a:schemeClr val="accent1"/>
+          </a:effectRef>
+          <a:fontRef idx="minor">
+            <a:schemeClr val="lt1"/>
+          </a:fontRef>
+        </p:style>
+        <p:txBody>
+          <a:bodyPr rtlCol="0" anchor="ctr"/>
+          <a:lstStyle/>
+          <a:p>
+            <a:pPr algn="ctr"/>
+            <a:endParaRPr lang="en-SG"/>
+          </a:p>
+        </p:txBody>
+      </p:sp>
+      <p:cxnSp>
+        <p:nvCxnSpPr>
+          <p:cNvPr id="154" name="Connector: Elbow 153"/>
+          <p:cNvCxnSpPr>
+            <a:stCxn id="126" idx="0"/>
+            <a:endCxn id="153" idx="3"/>
+          </p:cNvCxnSpPr>
+          <p:nvPr/>
+        </p:nvCxnSpPr>
+        <p:spPr>
+          <a:xfrm>
+            <a:off x="2425407" y="2896620"/>
+            <a:ext cx="710754" cy="1234299"/>
+          </a:xfrm>
+          <a:prstGeom prst="bentConnector3">
+            <a:avLst>
+              <a:gd name="adj1" fmla="val 50000"/>
+            </a:avLst>
+          </a:prstGeom>
+        </p:spPr>
+        <p:style>
+          <a:lnRef idx="1">
+            <a:schemeClr val="accent1"/>
+          </a:lnRef>
+          <a:fillRef idx="0">
+            <a:schemeClr val="accent1"/>
+          </a:fillRef>
+          <a:effectRef idx="0">
+            <a:schemeClr val="accent1"/>
+          </a:effectRef>
+          <a:fontRef idx="minor">
+            <a:schemeClr val="tx1"/>
+          </a:fontRef>
+        </p:style>
+      </p:cxnSp>
+      <p:sp>
+        <p:nvSpPr>
+          <p:cNvPr id="155" name="Rectangle 154"/>
+          <p:cNvSpPr/>
+          <p:nvPr/>
+        </p:nvSpPr>
+        <p:spPr>
+          <a:xfrm>
+            <a:off x="6807556" y="4186525"/>
+            <a:ext cx="1326513" cy="507831"/>
+          </a:xfrm>
+          <a:prstGeom prst="rect">
+            <a:avLst/>
+          </a:prstGeom>
+        </p:spPr>
+        <p:txBody>
+          <a:bodyPr wrap="square">
+            <a:spAutoFit/>
+          </a:bodyPr>
+          <a:lstStyle/>
+          <a:p>
+            <a:r>
+              <a:rPr lang="en-SG" sz="900" dirty="0"/>
+              <a:t>message  =  “Heavy Rain expect in” Area.  Drive with caution”</a:t>
+            </a:r>
+          </a:p>
+        </p:txBody>
+      </p:sp>
+      <p:sp>
+        <p:nvSpPr>
+          <p:cNvPr id="156" name="Rectangle: Rounded Corners 155"/>
+          <p:cNvSpPr/>
+          <p:nvPr/>
+        </p:nvSpPr>
+        <p:spPr>
+          <a:xfrm>
+            <a:off x="6697121" y="3961992"/>
+            <a:ext cx="1632857" cy="885894"/>
+          </a:xfrm>
+          <a:prstGeom prst="roundRect">
+            <a:avLst/>
+          </a:prstGeom>
+          <a:noFill/>
+        </p:spPr>
+        <p:style>
+          <a:lnRef idx="2">
+            <a:schemeClr val="accent1">
+              <a:shade val="50000"/>
+            </a:schemeClr>
+          </a:lnRef>
+          <a:fillRef idx="1">
+            <a:schemeClr val="accent1"/>
+          </a:fillRef>
+          <a:effectRef idx="0">
+            <a:schemeClr val="accent1"/>
+          </a:effectRef>
+          <a:fontRef idx="minor">
+            <a:schemeClr val="lt1"/>
+          </a:fontRef>
+        </p:style>
+        <p:txBody>
+          <a:bodyPr rtlCol="0" anchor="ctr"/>
+          <a:lstStyle/>
+          <a:p>
+            <a:pPr algn="ctr"/>
+            <a:endParaRPr lang="en-SG"/>
+          </a:p>
+        </p:txBody>
+      </p:sp>
+      <p:sp>
+        <p:nvSpPr>
+          <p:cNvPr id="157" name="Isosceles Triangle 156"/>
+          <p:cNvSpPr/>
+          <p:nvPr/>
+        </p:nvSpPr>
+        <p:spPr>
+          <a:xfrm rot="5400000">
+            <a:off x="8263920" y="4039364"/>
+            <a:ext cx="226423" cy="184888"/>
+          </a:xfrm>
+          <a:prstGeom prst="triangle">
+            <a:avLst/>
+          </a:prstGeom>
+          <a:solidFill>
+            <a:srgbClr val="FFFF00"/>
+          </a:solidFill>
+        </p:spPr>
+        <p:style>
+          <a:lnRef idx="2">
+            <a:schemeClr val="accent1">
+              <a:shade val="50000"/>
+            </a:schemeClr>
+          </a:lnRef>
+          <a:fillRef idx="1">
+            <a:schemeClr val="accent1"/>
+          </a:fillRef>
+          <a:effectRef idx="0">
+            <a:schemeClr val="accent1"/>
+          </a:effectRef>
+          <a:fontRef idx="minor">
+            <a:schemeClr val="lt1"/>
+          </a:fontRef>
+        </p:style>
+        <p:txBody>
+          <a:bodyPr rtlCol="0" anchor="ctr"/>
+          <a:lstStyle/>
+          <a:p>
+            <a:pPr algn="ctr"/>
+            <a:endParaRPr lang="en-SG"/>
+          </a:p>
+        </p:txBody>
+      </p:sp>
+      <p:sp>
+        <p:nvSpPr>
+          <p:cNvPr id="158" name="TextBox 157"/>
+          <p:cNvSpPr txBox="1"/>
+          <p:nvPr/>
+        </p:nvSpPr>
+        <p:spPr>
+          <a:xfrm>
+            <a:off x="6697122" y="3961992"/>
+            <a:ext cx="835485" cy="215444"/>
+          </a:xfrm>
+          <a:prstGeom prst="rect">
+            <a:avLst/>
+          </a:prstGeom>
+          <a:noFill/>
+        </p:spPr>
+        <p:txBody>
+          <a:bodyPr wrap="none" rtlCol="0">
+            <a:spAutoFit/>
+          </a:bodyPr>
+          <a:lstStyle/>
+          <a:p>
+            <a:r>
+              <a:rPr lang="en-US" sz="800" dirty="0"/>
+              <a:t>EPA7: Translate</a:t>
+            </a:r>
+            <a:endParaRPr lang="en-SG" sz="800" dirty="0"/>
+          </a:p>
+        </p:txBody>
+      </p:sp>
+      <p:sp>
+        <p:nvSpPr>
+          <p:cNvPr id="159" name="Isosceles Triangle 158"/>
+          <p:cNvSpPr/>
+          <p:nvPr/>
+        </p:nvSpPr>
+        <p:spPr>
+          <a:xfrm rot="5400000">
+            <a:off x="6619050" y="4065491"/>
+            <a:ext cx="226423" cy="184888"/>
+          </a:xfrm>
+          <a:prstGeom prst="triangle">
+            <a:avLst/>
+          </a:prstGeom>
+          <a:solidFill>
+            <a:srgbClr val="FFFF00"/>
+          </a:solidFill>
+        </p:spPr>
+        <p:style>
+          <a:lnRef idx="2">
+            <a:schemeClr val="accent1">
+              <a:shade val="50000"/>
+            </a:schemeClr>
+          </a:lnRef>
+          <a:fillRef idx="1">
+            <a:schemeClr val="accent1"/>
+          </a:fillRef>
+          <a:effectRef idx="0">
+            <a:schemeClr val="accent1"/>
+          </a:effectRef>
+          <a:fontRef idx="minor">
+            <a:schemeClr val="lt1"/>
+          </a:fontRef>
+        </p:style>
+        <p:txBody>
+          <a:bodyPr rtlCol="0" anchor="ctr"/>
+          <a:lstStyle/>
+          <a:p>
+            <a:pPr algn="ctr"/>
+            <a:endParaRPr lang="en-SG"/>
+          </a:p>
+        </p:txBody>
+      </p:sp>
+      <p:cxnSp>
+        <p:nvCxnSpPr>
+          <p:cNvPr id="160" name="Straight Connector 159"/>
+          <p:cNvCxnSpPr>
+            <a:stCxn id="151" idx="0"/>
+            <a:endCxn id="159" idx="3"/>
+          </p:cNvCxnSpPr>
+          <p:nvPr/>
+        </p:nvCxnSpPr>
+        <p:spPr>
+          <a:xfrm>
+            <a:off x="4981920" y="4151183"/>
+            <a:ext cx="1657898" cy="6753"/>
+          </a:xfrm>
+          <a:prstGeom prst="line">
+            <a:avLst/>
+          </a:prstGeom>
+        </p:spPr>
+        <p:style>
+          <a:lnRef idx="1">
+            <a:schemeClr val="accent1"/>
+          </a:lnRef>
+          <a:fillRef idx="0">
+            <a:schemeClr val="accent1"/>
+          </a:fillRef>
+          <a:effectRef idx="0">
+            <a:schemeClr val="accent1"/>
+          </a:effectRef>
+          <a:fontRef idx="minor">
+            <a:schemeClr val="tx1"/>
+          </a:fontRef>
+        </p:style>
+      </p:cxnSp>
+      <p:sp>
+        <p:nvSpPr>
+          <p:cNvPr id="161" name="Rectangle: Rounded Corners 160"/>
+          <p:cNvSpPr/>
+          <p:nvPr/>
+        </p:nvSpPr>
+        <p:spPr>
+          <a:xfrm>
+            <a:off x="248324" y="5457306"/>
+            <a:ext cx="1068920" cy="566057"/>
+          </a:xfrm>
+          <a:prstGeom prst="roundRect">
+            <a:avLst/>
+          </a:prstGeom>
+          <a:noFill/>
+        </p:spPr>
+        <p:style>
+          <a:lnRef idx="2">
+            <a:schemeClr val="accent1">
+              <a:shade val="50000"/>
+            </a:schemeClr>
+          </a:lnRef>
+          <a:fillRef idx="1">
+            <a:schemeClr val="accent1"/>
+          </a:fillRef>
+          <a:effectRef idx="0">
+            <a:schemeClr val="accent1"/>
+          </a:effectRef>
+          <a:fontRef idx="minor">
+            <a:schemeClr val="lt1"/>
+          </a:fontRef>
+        </p:style>
+        <p:txBody>
+          <a:bodyPr rtlCol="0" anchor="ctr"/>
+          <a:lstStyle/>
+          <a:p>
+            <a:pPr algn="ctr"/>
+            <a:endParaRPr lang="en-SG"/>
+          </a:p>
+        </p:txBody>
+      </p:sp>
+      <p:sp>
+        <p:nvSpPr>
+          <p:cNvPr id="162" name="Isosceles Triangle 161"/>
+          <p:cNvSpPr/>
+          <p:nvPr/>
+        </p:nvSpPr>
+        <p:spPr>
+          <a:xfrm rot="5400000">
+            <a:off x="1204032" y="5647890"/>
+            <a:ext cx="226423" cy="184888"/>
+          </a:xfrm>
+          <a:prstGeom prst="triangle">
+            <a:avLst/>
+          </a:prstGeom>
+          <a:solidFill>
+            <a:srgbClr val="FFFF00"/>
+          </a:solidFill>
+        </p:spPr>
+        <p:style>
+          <a:lnRef idx="2">
+            <a:schemeClr val="accent1">
+              <a:shade val="50000"/>
+            </a:schemeClr>
+          </a:lnRef>
+          <a:fillRef idx="1">
+            <a:schemeClr val="accent1"/>
+          </a:fillRef>
+          <a:effectRef idx="0">
+            <a:schemeClr val="accent1"/>
+          </a:effectRef>
+          <a:fontRef idx="minor">
+            <a:schemeClr val="lt1"/>
+          </a:fontRef>
+        </p:style>
+        <p:txBody>
+          <a:bodyPr rtlCol="0" anchor="ctr"/>
+          <a:lstStyle/>
+          <a:p>
+            <a:pPr algn="ctr"/>
+            <a:endParaRPr lang="en-SG"/>
+          </a:p>
+        </p:txBody>
+      </p:sp>
+      <p:sp>
+        <p:nvSpPr>
+          <p:cNvPr id="163" name="TextBox 162"/>
+          <p:cNvSpPr txBox="1"/>
+          <p:nvPr/>
+        </p:nvSpPr>
+        <p:spPr>
+          <a:xfrm>
+            <a:off x="248324" y="5457306"/>
+            <a:ext cx="338554" cy="215444"/>
+          </a:xfrm>
+          <a:prstGeom prst="rect">
+            <a:avLst/>
+          </a:prstGeom>
+          <a:noFill/>
+        </p:spPr>
+        <p:txBody>
+          <a:bodyPr wrap="none" rtlCol="0">
+            <a:spAutoFit/>
+          </a:bodyPr>
+          <a:lstStyle/>
+          <a:p>
+            <a:r>
+              <a:rPr lang="en-US" sz="800" dirty="0"/>
+              <a:t>EP3</a:t>
+            </a:r>
+            <a:endParaRPr lang="en-SG" sz="800" dirty="0"/>
+          </a:p>
+        </p:txBody>
+      </p:sp>
+      <p:sp>
+        <p:nvSpPr>
+          <p:cNvPr id="164" name="TextBox 163"/>
+          <p:cNvSpPr txBox="1"/>
+          <p:nvPr/>
+        </p:nvSpPr>
+        <p:spPr>
+          <a:xfrm>
+            <a:off x="274471" y="5627122"/>
+            <a:ext cx="1016625" cy="246221"/>
+          </a:xfrm>
+          <a:prstGeom prst="rect">
+            <a:avLst/>
+          </a:prstGeom>
+          <a:noFill/>
+        </p:spPr>
+        <p:txBody>
+          <a:bodyPr wrap="none" rtlCol="0">
+            <a:spAutoFit/>
+          </a:bodyPr>
+          <a:lstStyle/>
+          <a:p>
+            <a:r>
+              <a:rPr lang="en-US" sz="1000" dirty="0"/>
+              <a:t>Traffic Incidents</a:t>
+            </a:r>
+            <a:endParaRPr lang="en-SG" sz="1000" dirty="0"/>
+          </a:p>
+        </p:txBody>
+      </p:sp>
+      <p:cxnSp>
+        <p:nvCxnSpPr>
+          <p:cNvPr id="165" name="Straight Connector 164"/>
+          <p:cNvCxnSpPr>
+            <a:stCxn id="162" idx="0"/>
+            <a:endCxn id="168" idx="3"/>
+          </p:cNvCxnSpPr>
+          <p:nvPr/>
+        </p:nvCxnSpPr>
+        <p:spPr>
+          <a:xfrm>
+            <a:off x="1409688" y="5740335"/>
+            <a:ext cx="1726473" cy="13969"/>
+          </a:xfrm>
+          <a:prstGeom prst="line">
+            <a:avLst/>
+          </a:prstGeom>
+        </p:spPr>
+        <p:style>
+          <a:lnRef idx="1">
+            <a:schemeClr val="accent1"/>
+          </a:lnRef>
+          <a:fillRef idx="0">
+            <a:schemeClr val="accent1"/>
+          </a:fillRef>
+          <a:effectRef idx="0">
+            <a:schemeClr val="accent1"/>
+          </a:effectRef>
+          <a:fontRef idx="minor">
+            <a:schemeClr val="tx1"/>
+          </a:fontRef>
+        </p:style>
+      </p:cxnSp>
+      <p:sp>
+        <p:nvSpPr>
+          <p:cNvPr id="166" name="Rectangle: Rounded Corners 165"/>
+          <p:cNvSpPr/>
+          <p:nvPr/>
+        </p:nvSpPr>
+        <p:spPr>
+          <a:xfrm>
+            <a:off x="3212003" y="5528638"/>
+            <a:ext cx="1632857" cy="885894"/>
+          </a:xfrm>
+          <a:prstGeom prst="roundRect">
+            <a:avLst/>
+          </a:prstGeom>
+          <a:noFill/>
+        </p:spPr>
+        <p:style>
+          <a:lnRef idx="2">
+            <a:schemeClr val="accent1">
+              <a:shade val="50000"/>
+            </a:schemeClr>
+          </a:lnRef>
+          <a:fillRef idx="1">
+            <a:schemeClr val="accent1"/>
+          </a:fillRef>
+          <a:effectRef idx="0">
+            <a:schemeClr val="accent1"/>
+          </a:effectRef>
+          <a:fontRef idx="minor">
+            <a:schemeClr val="lt1"/>
+          </a:fontRef>
+        </p:style>
+        <p:txBody>
+          <a:bodyPr rtlCol="0" anchor="ctr"/>
+          <a:lstStyle/>
+          <a:p>
+            <a:pPr algn="ctr"/>
+            <a:endParaRPr lang="en-SG"/>
+          </a:p>
+        </p:txBody>
+      </p:sp>
+      <p:sp>
+        <p:nvSpPr>
+          <p:cNvPr id="167" name="TextBox 166"/>
+          <p:cNvSpPr txBox="1"/>
+          <p:nvPr/>
+        </p:nvSpPr>
+        <p:spPr>
+          <a:xfrm>
+            <a:off x="3260166" y="5574917"/>
+            <a:ext cx="662361" cy="215444"/>
+          </a:xfrm>
+          <a:prstGeom prst="rect">
+            <a:avLst/>
+          </a:prstGeom>
+          <a:noFill/>
+        </p:spPr>
+        <p:txBody>
+          <a:bodyPr wrap="none" rtlCol="0">
+            <a:spAutoFit/>
+          </a:bodyPr>
+          <a:lstStyle/>
+          <a:p>
+            <a:r>
+              <a:rPr lang="en-US" sz="800" dirty="0"/>
+              <a:t>EPA4: Filter</a:t>
+            </a:r>
+            <a:endParaRPr lang="en-SG" sz="800" dirty="0"/>
+          </a:p>
+        </p:txBody>
+      </p:sp>
+      <p:sp>
+        <p:nvSpPr>
+          <p:cNvPr id="168" name="Isosceles Triangle 167"/>
+          <p:cNvSpPr/>
+          <p:nvPr/>
+        </p:nvSpPr>
+        <p:spPr>
+          <a:xfrm rot="5400000">
+            <a:off x="3115393" y="5661859"/>
+            <a:ext cx="226423" cy="184888"/>
+          </a:xfrm>
+          <a:prstGeom prst="triangle">
+            <a:avLst/>
+          </a:prstGeom>
+          <a:solidFill>
+            <a:srgbClr val="FFFF00"/>
+          </a:solidFill>
+        </p:spPr>
+        <p:style>
+          <a:lnRef idx="2">
+            <a:schemeClr val="accent1">
+              <a:shade val="50000"/>
+            </a:schemeClr>
+          </a:lnRef>
+          <a:fillRef idx="1">
+            <a:schemeClr val="accent1"/>
+          </a:fillRef>
+          <a:effectRef idx="0">
+            <a:schemeClr val="accent1"/>
+          </a:effectRef>
+          <a:fontRef idx="minor">
+            <a:schemeClr val="lt1"/>
+          </a:fontRef>
+        </p:style>
+        <p:txBody>
+          <a:bodyPr rtlCol="0" anchor="ctr"/>
+          <a:lstStyle/>
+          <a:p>
+            <a:pPr algn="ctr"/>
+            <a:endParaRPr lang="en-SG"/>
+          </a:p>
+        </p:txBody>
+      </p:sp>
+      <p:sp>
+        <p:nvSpPr>
+          <p:cNvPr id="169" name="Isosceles Triangle 168"/>
+          <p:cNvSpPr/>
+          <p:nvPr/>
+        </p:nvSpPr>
+        <p:spPr>
+          <a:xfrm rot="5400000">
+            <a:off x="4761591" y="5584706"/>
+            <a:ext cx="226423" cy="184888"/>
+          </a:xfrm>
+          <a:prstGeom prst="triangle">
+            <a:avLst/>
+          </a:prstGeom>
+          <a:solidFill>
+            <a:srgbClr val="FFFF00"/>
+          </a:solidFill>
+        </p:spPr>
+        <p:style>
+          <a:lnRef idx="2">
+            <a:schemeClr val="accent1">
+              <a:shade val="50000"/>
+            </a:schemeClr>
+          </a:lnRef>
+          <a:fillRef idx="1">
+            <a:schemeClr val="accent1"/>
+          </a:fillRef>
+          <a:effectRef idx="0">
+            <a:schemeClr val="accent1"/>
+          </a:effectRef>
+          <a:fontRef idx="minor">
+            <a:schemeClr val="lt1"/>
+          </a:fontRef>
+        </p:style>
+        <p:txBody>
+          <a:bodyPr rtlCol="0" anchor="ctr"/>
+          <a:lstStyle/>
+          <a:p>
+            <a:pPr algn="ctr"/>
+            <a:endParaRPr lang="en-SG"/>
+          </a:p>
+        </p:txBody>
+      </p:sp>
+      <p:sp>
+        <p:nvSpPr>
+          <p:cNvPr id="170" name="Rectangle 169"/>
+          <p:cNvSpPr/>
+          <p:nvPr/>
+        </p:nvSpPr>
+        <p:spPr>
+          <a:xfrm>
+            <a:off x="6793782" y="5725061"/>
+            <a:ext cx="1326513" cy="507831"/>
+          </a:xfrm>
+          <a:prstGeom prst="rect">
+            <a:avLst/>
+          </a:prstGeom>
+        </p:spPr>
+        <p:txBody>
+          <a:bodyPr wrap="square">
+            <a:spAutoFit/>
+          </a:bodyPr>
+          <a:lstStyle/>
+          <a:p>
+            <a:r>
+              <a:rPr lang="en-SG" sz="900" dirty="0"/>
+              <a:t>message  =  “Heavy Rain expect in” Area.  Drive with caution”</a:t>
+            </a:r>
+          </a:p>
+        </p:txBody>
+      </p:sp>
+      <p:sp>
+        <p:nvSpPr>
+          <p:cNvPr id="171" name="Rectangle: Rounded Corners 170"/>
+          <p:cNvSpPr/>
+          <p:nvPr/>
+        </p:nvSpPr>
+        <p:spPr>
+          <a:xfrm>
+            <a:off x="6683347" y="5500528"/>
+            <a:ext cx="1632857" cy="885894"/>
+          </a:xfrm>
+          <a:prstGeom prst="roundRect">
+            <a:avLst/>
+          </a:prstGeom>
+          <a:noFill/>
+        </p:spPr>
+        <p:style>
+          <a:lnRef idx="2">
+            <a:schemeClr val="accent1">
+              <a:shade val="50000"/>
+            </a:schemeClr>
+          </a:lnRef>
+          <a:fillRef idx="1">
+            <a:schemeClr val="accent1"/>
+          </a:fillRef>
+          <a:effectRef idx="0">
+            <a:schemeClr val="accent1"/>
+          </a:effectRef>
+          <a:fontRef idx="minor">
+            <a:schemeClr val="lt1"/>
+          </a:fontRef>
+        </p:style>
+        <p:txBody>
+          <a:bodyPr rtlCol="0" anchor="ctr"/>
+          <a:lstStyle/>
+          <a:p>
+            <a:pPr algn="ctr"/>
+            <a:endParaRPr lang="en-SG"/>
+          </a:p>
+        </p:txBody>
+      </p:sp>
+      <p:sp>
+        <p:nvSpPr>
+          <p:cNvPr id="172" name="Isosceles Triangle 171"/>
+          <p:cNvSpPr/>
+          <p:nvPr/>
+        </p:nvSpPr>
+        <p:spPr>
+          <a:xfrm rot="5400000">
+            <a:off x="8250146" y="5577900"/>
+            <a:ext cx="226423" cy="184888"/>
+          </a:xfrm>
+          <a:prstGeom prst="triangle">
+            <a:avLst/>
+          </a:prstGeom>
+          <a:solidFill>
+            <a:srgbClr val="FFFF00"/>
+          </a:solidFill>
+        </p:spPr>
+        <p:style>
+          <a:lnRef idx="2">
+            <a:schemeClr val="accent1">
+              <a:shade val="50000"/>
+            </a:schemeClr>
+          </a:lnRef>
+          <a:fillRef idx="1">
+            <a:schemeClr val="accent1"/>
+          </a:fillRef>
+          <a:effectRef idx="0">
+            <a:schemeClr val="accent1"/>
+          </a:effectRef>
+          <a:fontRef idx="minor">
+            <a:schemeClr val="lt1"/>
+          </a:fontRef>
+        </p:style>
+        <p:txBody>
+          <a:bodyPr rtlCol="0" anchor="ctr"/>
+          <a:lstStyle/>
+          <a:p>
+            <a:pPr algn="ctr"/>
+            <a:endParaRPr lang="en-SG"/>
+          </a:p>
+        </p:txBody>
+      </p:sp>
+      <p:sp>
+        <p:nvSpPr>
+          <p:cNvPr id="173" name="TextBox 172"/>
+          <p:cNvSpPr txBox="1"/>
+          <p:nvPr/>
+        </p:nvSpPr>
+        <p:spPr>
+          <a:xfrm>
+            <a:off x="6683348" y="5500528"/>
+            <a:ext cx="835485" cy="215444"/>
+          </a:xfrm>
+          <a:prstGeom prst="rect">
+            <a:avLst/>
+          </a:prstGeom>
+          <a:noFill/>
+        </p:spPr>
+        <p:txBody>
+          <a:bodyPr wrap="none" rtlCol="0">
+            <a:spAutoFit/>
+          </a:bodyPr>
+          <a:lstStyle/>
+          <a:p>
+            <a:r>
+              <a:rPr lang="en-US" sz="800" dirty="0"/>
+              <a:t>EPA8: Translate</a:t>
+            </a:r>
+            <a:endParaRPr lang="en-SG" sz="800" dirty="0"/>
+          </a:p>
+        </p:txBody>
+      </p:sp>
+      <p:sp>
+        <p:nvSpPr>
+          <p:cNvPr id="174" name="Isosceles Triangle 173"/>
+          <p:cNvSpPr/>
+          <p:nvPr/>
+        </p:nvSpPr>
+        <p:spPr>
+          <a:xfrm rot="5400000">
+            <a:off x="6605276" y="5604027"/>
+            <a:ext cx="226423" cy="184888"/>
+          </a:xfrm>
+          <a:prstGeom prst="triangle">
+            <a:avLst/>
+          </a:prstGeom>
+          <a:solidFill>
+            <a:srgbClr val="FFFF00"/>
+          </a:solidFill>
+        </p:spPr>
+        <p:style>
+          <a:lnRef idx="2">
+            <a:schemeClr val="accent1">
+              <a:shade val="50000"/>
+            </a:schemeClr>
+          </a:lnRef>
+          <a:fillRef idx="1">
+            <a:schemeClr val="accent1"/>
+          </a:fillRef>
+          <a:effectRef idx="0">
+            <a:schemeClr val="accent1"/>
+          </a:effectRef>
+          <a:fontRef idx="minor">
+            <a:schemeClr val="lt1"/>
+          </a:fontRef>
+        </p:style>
+        <p:txBody>
+          <a:bodyPr rtlCol="0" anchor="ctr"/>
+          <a:lstStyle/>
+          <a:p>
+            <a:pPr algn="ctr"/>
+            <a:endParaRPr lang="en-SG"/>
+          </a:p>
+        </p:txBody>
+      </p:sp>
+      <p:sp>
+        <p:nvSpPr>
+          <p:cNvPr id="175" name="Rectangle 174"/>
+          <p:cNvSpPr/>
+          <p:nvPr/>
+        </p:nvSpPr>
+        <p:spPr>
+          <a:xfrm>
+            <a:off x="3307120" y="5820010"/>
+            <a:ext cx="1722405" cy="369332"/>
+          </a:xfrm>
+          <a:prstGeom prst="rect">
+            <a:avLst/>
+          </a:prstGeom>
+        </p:spPr>
+        <p:txBody>
+          <a:bodyPr wrap="square">
+            <a:spAutoFit/>
+          </a:bodyPr>
+          <a:lstStyle/>
+          <a:p>
+            <a:r>
+              <a:rPr lang="en-SG" sz="900" dirty="0"/>
+              <a:t>Type = accident/vehicle breakdown/unattended vehicle</a:t>
+            </a:r>
+          </a:p>
+        </p:txBody>
+      </p:sp>
+      <p:cxnSp>
+        <p:nvCxnSpPr>
+          <p:cNvPr id="176" name="Straight Connector 175"/>
+          <p:cNvCxnSpPr>
+            <a:stCxn id="169" idx="0"/>
+            <a:endCxn id="174" idx="3"/>
+          </p:cNvCxnSpPr>
+          <p:nvPr/>
+        </p:nvCxnSpPr>
+        <p:spPr>
+          <a:xfrm>
+            <a:off x="4967247" y="5677151"/>
+            <a:ext cx="1658797" cy="19321"/>
+          </a:xfrm>
+          <a:prstGeom prst="line">
+            <a:avLst/>
+          </a:prstGeom>
+        </p:spPr>
+        <p:style>
+          <a:lnRef idx="1">
+            <a:schemeClr val="accent1"/>
+          </a:lnRef>
+          <a:fillRef idx="0">
+            <a:schemeClr val="accent1"/>
+          </a:fillRef>
+          <a:effectRef idx="0">
+            <a:schemeClr val="accent1"/>
+          </a:effectRef>
+          <a:fontRef idx="minor">
+            <a:schemeClr val="tx1"/>
+          </a:fontRef>
+        </p:style>
+      </p:cxnSp>
+      <p:sp>
+        <p:nvSpPr>
+          <p:cNvPr id="177" name="Cylinder 176"/>
+          <p:cNvSpPr/>
+          <p:nvPr/>
+        </p:nvSpPr>
+        <p:spPr>
+          <a:xfrm>
+            <a:off x="5649602" y="4506994"/>
+            <a:ext cx="615863" cy="804643"/>
+          </a:xfrm>
+          <a:prstGeom prst="can">
+            <a:avLst/>
+          </a:prstGeom>
+          <a:noFill/>
+        </p:spPr>
+        <p:style>
+          <a:lnRef idx="2">
+            <a:schemeClr val="accent1">
+              <a:shade val="50000"/>
+            </a:schemeClr>
+          </a:lnRef>
+          <a:fillRef idx="1">
+            <a:schemeClr val="accent1"/>
+          </a:fillRef>
+          <a:effectRef idx="0">
+            <a:schemeClr val="accent1"/>
+          </a:effectRef>
+          <a:fontRef idx="minor">
+            <a:schemeClr val="lt1"/>
+          </a:fontRef>
+        </p:style>
+        <p:txBody>
+          <a:bodyPr rtlCol="0" anchor="ctr"/>
+          <a:lstStyle/>
+          <a:p>
+            <a:pPr algn="ctr"/>
+            <a:endParaRPr lang="en-SG"/>
+          </a:p>
+        </p:txBody>
+      </p:sp>
+      <p:sp>
+        <p:nvSpPr>
+          <p:cNvPr id="178" name="TextBox 177"/>
+          <p:cNvSpPr txBox="1"/>
+          <p:nvPr/>
+        </p:nvSpPr>
+        <p:spPr>
+          <a:xfrm>
+            <a:off x="5635164" y="4721237"/>
+            <a:ext cx="630301" cy="461665"/>
+          </a:xfrm>
+          <a:prstGeom prst="rect">
+            <a:avLst/>
+          </a:prstGeom>
+          <a:noFill/>
+        </p:spPr>
+        <p:txBody>
+          <a:bodyPr wrap="none" rtlCol="0">
+            <a:spAutoFit/>
+          </a:bodyPr>
+          <a:lstStyle/>
+          <a:p>
+            <a:r>
+              <a:rPr lang="en-US" sz="800" dirty="0"/>
+              <a:t>Singapore</a:t>
+            </a:r>
+          </a:p>
+          <a:p>
+            <a:r>
+              <a:rPr lang="en-US" sz="800" dirty="0"/>
+              <a:t>Geospatial</a:t>
+            </a:r>
+          </a:p>
+          <a:p>
+            <a:r>
+              <a:rPr lang="en-US" sz="800" dirty="0"/>
+              <a:t>Database</a:t>
+            </a:r>
+            <a:endParaRPr lang="en-SG" sz="800" dirty="0"/>
+          </a:p>
+        </p:txBody>
+      </p:sp>
+      <p:cxnSp>
+        <p:nvCxnSpPr>
+          <p:cNvPr id="179" name="Connector: Elbow 178"/>
+          <p:cNvCxnSpPr>
+            <a:stCxn id="177" idx="0"/>
+            <a:endCxn id="131" idx="1"/>
+          </p:cNvCxnSpPr>
+          <p:nvPr/>
+        </p:nvCxnSpPr>
+        <p:spPr>
+          <a:xfrm rot="5400000" flipH="1" flipV="1">
+            <a:off x="5620251" y="3597865"/>
+            <a:ext cx="1400378" cy="725813"/>
+          </a:xfrm>
+          <a:prstGeom prst="bentConnector2">
+            <a:avLst/>
+          </a:prstGeom>
+          <a:ln>
+            <a:prstDash val="dash"/>
+            <a:tailEnd type="triangle"/>
+          </a:ln>
+        </p:spPr>
+        <p:style>
+          <a:lnRef idx="1">
+            <a:schemeClr val="accent1"/>
+          </a:lnRef>
+          <a:fillRef idx="0">
+            <a:schemeClr val="accent1"/>
+          </a:fillRef>
+          <a:effectRef idx="0">
+            <a:schemeClr val="accent1"/>
+          </a:effectRef>
+          <a:fontRef idx="minor">
+            <a:schemeClr val="tx1"/>
+          </a:fontRef>
+        </p:style>
+      </p:cxnSp>
+      <p:cxnSp>
+        <p:nvCxnSpPr>
+          <p:cNvPr id="180" name="Connector: Elbow 179"/>
+          <p:cNvCxnSpPr>
+            <a:stCxn id="177" idx="0"/>
+            <a:endCxn id="116" idx="1"/>
+          </p:cNvCxnSpPr>
+          <p:nvPr/>
+        </p:nvCxnSpPr>
+        <p:spPr>
+          <a:xfrm rot="5400000" flipH="1" flipV="1">
+            <a:off x="5032257" y="3031237"/>
+            <a:ext cx="2555001" cy="704447"/>
+          </a:xfrm>
+          <a:prstGeom prst="bentConnector2">
+            <a:avLst/>
+          </a:prstGeom>
+          <a:ln>
+            <a:prstDash val="dash"/>
+            <a:tailEnd type="triangle"/>
+          </a:ln>
+        </p:spPr>
+        <p:style>
+          <a:lnRef idx="1">
+            <a:schemeClr val="accent1"/>
+          </a:lnRef>
+          <a:fillRef idx="0">
+            <a:schemeClr val="accent1"/>
+          </a:fillRef>
+          <a:effectRef idx="0">
+            <a:schemeClr val="accent1"/>
+          </a:effectRef>
+          <a:fontRef idx="minor">
+            <a:schemeClr val="tx1"/>
+          </a:fontRef>
+        </p:style>
+      </p:cxnSp>
     </p:spTree>
     <p:extLst>
       <p:ext uri="{BB962C8B-B14F-4D97-AF65-F5344CB8AC3E}">
-        <p14:creationId xmlns:p14="http://schemas.microsoft.com/office/powerpoint/2010/main" val="1036996009"/>
+        <p14:creationId xmlns:p14="http://schemas.microsoft.com/office/powerpoint/2010/main" val="2596329936"/>
       </p:ext>
     </p:extLst>
   </p:cSld>
@@ -9857,7 +9292,7 @@
           <a:p>
             <a:r>
               <a:rPr lang="en-US" dirty="0"/>
-              <a:t>Demo</a:t>
+              <a:t>EPN Evaluation &amp; Conclusion</a:t>
             </a:r>
           </a:p>
         </p:txBody>
@@ -9877,14 +9312,20 @@
           <a:bodyPr/>
           <a:lstStyle/>
           <a:p>
-            <a:endParaRPr lang="en-US"/>
+            <a:r>
+              <a:rPr lang="en-US" dirty="0"/>
+              <a:t>Based on the analysis,</a:t>
+            </a:r>
+          </a:p>
+          <a:p>
+            <a:endParaRPr lang="en-US" dirty="0"/>
           </a:p>
         </p:txBody>
       </p:sp>
     </p:spTree>
     <p:extLst>
       <p:ext uri="{BB962C8B-B14F-4D97-AF65-F5344CB8AC3E}">
-        <p14:creationId xmlns:p14="http://schemas.microsoft.com/office/powerpoint/2010/main" val="202106783"/>
+        <p14:creationId xmlns:p14="http://schemas.microsoft.com/office/powerpoint/2010/main" val="1036996009"/>
       </p:ext>
     </p:extLst>
   </p:cSld>
@@ -9928,33 +9369,145 @@
           <a:p>
             <a:r>
               <a:rPr lang="en-US" dirty="0"/>
+              <a:t>Demo</a:t>
+            </a:r>
+          </a:p>
+        </p:txBody>
+      </p:sp>
+      <p:pic>
+        <p:nvPicPr>
+          <p:cNvPr id="4" name="Picture 2" descr="demo4"/>
+          <p:cNvPicPr>
+            <a:picLocks noChangeAspect="1" noChangeArrowheads="1"/>
+          </p:cNvPicPr>
+          <p:nvPr/>
+        </p:nvPicPr>
+        <p:blipFill>
+          <a:blip r:embed="rId2">
+            <a:extLst>
+              <a:ext uri="{28A0092B-C50C-407E-A947-70E740481C1C}">
+                <a14:useLocalDpi xmlns:a14="http://schemas.microsoft.com/office/drawing/2010/main" val="0"/>
+              </a:ext>
+            </a:extLst>
+          </a:blip>
+          <a:srcRect/>
+          <a:stretch>
+            <a:fillRect/>
+          </a:stretch>
+        </p:blipFill>
+        <p:spPr bwMode="auto">
+          <a:xfrm>
+            <a:off x="1394127" y="2008698"/>
+            <a:ext cx="6096000" cy="3429000"/>
+          </a:xfrm>
+          <a:prstGeom prst="rect">
+            <a:avLst/>
+          </a:prstGeom>
+          <a:noFill/>
+          <a:extLst>
+            <a:ext uri="{909E8E84-426E-40DD-AFC4-6F175D3DCCD1}">
+              <a14:hiddenFill xmlns:a14="http://schemas.microsoft.com/office/drawing/2010/main">
+                <a:solidFill>
+                  <a:srgbClr val="FFFFFF"/>
+                </a:solidFill>
+              </a14:hiddenFill>
+            </a:ext>
+          </a:extLst>
+        </p:spPr>
+      </p:pic>
+    </p:spTree>
+    <p:extLst>
+      <p:ext uri="{BB962C8B-B14F-4D97-AF65-F5344CB8AC3E}">
+        <p14:creationId xmlns:p14="http://schemas.microsoft.com/office/powerpoint/2010/main" val="202106783"/>
+      </p:ext>
+    </p:extLst>
+  </p:cSld>
+  <p:clrMapOvr>
+    <a:masterClrMapping/>
+  </p:clrMapOvr>
+</p:sld>
+</file>
+
+<file path=ppt/slides/slide8.xml><?xml version="1.0" encoding="utf-8"?>
+<p:sld xmlns:a="http://schemas.openxmlformats.org/drawingml/2006/main" xmlns:r="http://schemas.openxmlformats.org/officeDocument/2006/relationships" xmlns:p="http://schemas.openxmlformats.org/presentationml/2006/main">
+  <p:cSld>
+    <p:spTree>
+      <p:nvGrpSpPr>
+        <p:cNvPr id="1" name=""/>
+        <p:cNvGrpSpPr/>
+        <p:nvPr/>
+      </p:nvGrpSpPr>
+      <p:grpSpPr>
+        <a:xfrm>
+          <a:off x="0" y="0"/>
+          <a:ext cx="0" cy="0"/>
+          <a:chOff x="0" y="0"/>
+          <a:chExt cx="0" cy="0"/>
+        </a:xfrm>
+      </p:grpSpPr>
+      <p:sp>
+        <p:nvSpPr>
+          <p:cNvPr id="2" name="Title 1"/>
+          <p:cNvSpPr>
+            <a:spLocks noGrp="1"/>
+          </p:cNvSpPr>
+          <p:nvPr>
+            <p:ph type="title"/>
+          </p:nvPr>
+        </p:nvSpPr>
+        <p:spPr/>
+        <p:txBody>
+          <a:bodyPr/>
+          <a:lstStyle/>
+          <a:p>
+            <a:r>
+              <a:rPr lang="en-US" dirty="0"/>
               <a:t>Questions</a:t>
             </a:r>
           </a:p>
         </p:txBody>
       </p:sp>
-      <p:sp>
-        <p:nvSpPr>
-          <p:cNvPr id="3" name="Content Placeholder 2"/>
-          <p:cNvSpPr>
-            <a:spLocks noGrp="1"/>
-          </p:cNvSpPr>
-          <p:nvPr>
-            <p:ph idx="1"/>
-          </p:nvPr>
-        </p:nvSpPr>
-        <p:spPr/>
-        <p:txBody>
-          <a:bodyPr/>
-          <a:lstStyle/>
-          <a:p>
-            <a:pPr marL="0" indent="0">
-              <a:buNone/>
-            </a:pPr>
-            <a:endParaRPr lang="en-US" dirty="0"/>
-          </a:p>
-        </p:txBody>
-      </p:sp>
+      <p:pic>
+        <p:nvPicPr>
+          <p:cNvPr id="1026" name="Picture 2" descr="http://cliparts.co/cliparts/pi5/reG/pi5reG9yT.jpg"/>
+          <p:cNvPicPr>
+            <a:picLocks noChangeAspect="1" noChangeArrowheads="1"/>
+          </p:cNvPicPr>
+          <p:nvPr/>
+        </p:nvPicPr>
+        <p:blipFill>
+          <a:blip r:embed="rId2">
+            <a:extLst>
+              <a:ext uri="{28A0092B-C50C-407E-A947-70E740481C1C}">
+                <a14:useLocalDpi xmlns:a14="http://schemas.microsoft.com/office/drawing/2010/main" val="0"/>
+              </a:ext>
+            </a:extLst>
+          </a:blip>
+          <a:srcRect/>
+          <a:stretch>
+            <a:fillRect/>
+          </a:stretch>
+        </p:blipFill>
+        <p:spPr bwMode="auto">
+          <a:xfrm>
+            <a:off x="1280160" y="1523790"/>
+            <a:ext cx="5422789" cy="4739318"/>
+          </a:xfrm>
+          <a:prstGeom prst="rect">
+            <a:avLst/>
+          </a:prstGeom>
+          <a:noFill/>
+          <a:extLst>
+            <a:ext uri="{909E8E84-426E-40DD-AFC4-6F175D3DCCD1}">
+              <a14:hiddenFill xmlns:a14="http://schemas.microsoft.com/office/drawing/2010/main">
+                <a:solidFill>
+                  <a:srgbClr val="FFFFFF"/>
+                </a:solidFill>
+              </a14:hiddenFill>
+            </a:ext>
+          </a:extLst>
+        </p:spPr>
+      </p:pic>
     </p:spTree>
     <p:extLst>
       <p:ext uri="{BB962C8B-B14F-4D97-AF65-F5344CB8AC3E}">

--- a/reports/Traffic Jam Preventer System.pptx
+++ b/reports/Traffic Jam Preventer System.pptx
@@ -842,7 +842,7 @@
             <a:fld id="{B61BEF0D-F0BB-DE4B-95CE-6DB70DBA9567}" type="datetimeFigureOut">
               <a:rPr lang="en-US" dirty="0"/>
               <a:pPr/>
-              <a:t>11/10/2016</a:t>
+              <a:t>11/11/2016</a:t>
             </a:fld>
             <a:endParaRPr lang="en-US" dirty="0"/>
           </a:p>
@@ -1090,7 +1090,7 @@
             <a:fld id="{B61BEF0D-F0BB-DE4B-95CE-6DB70DBA9567}" type="datetimeFigureOut">
               <a:rPr lang="en-US" dirty="0"/>
               <a:pPr/>
-              <a:t>11/10/2016</a:t>
+              <a:t>11/11/2016</a:t>
             </a:fld>
             <a:endParaRPr lang="en-US" dirty="0"/>
           </a:p>
@@ -1401,7 +1401,7 @@
             <a:fld id="{B61BEF0D-F0BB-DE4B-95CE-6DB70DBA9567}" type="datetimeFigureOut">
               <a:rPr lang="en-US" dirty="0"/>
               <a:pPr/>
-              <a:t>11/10/2016</a:t>
+              <a:t>11/11/2016</a:t>
             </a:fld>
             <a:endParaRPr lang="en-US" dirty="0"/>
           </a:p>
@@ -1739,7 +1739,7 @@
             <a:fld id="{B61BEF0D-F0BB-DE4B-95CE-6DB70DBA9567}" type="datetimeFigureOut">
               <a:rPr lang="en-US" dirty="0"/>
               <a:pPr/>
-              <a:t>11/10/2016</a:t>
+              <a:t>11/11/2016</a:t>
             </a:fld>
             <a:endParaRPr lang="en-US" dirty="0"/>
           </a:p>
@@ -2050,7 +2050,7 @@
             <a:fld id="{B61BEF0D-F0BB-DE4B-95CE-6DB70DBA9567}" type="datetimeFigureOut">
               <a:rPr lang="en-US" dirty="0"/>
               <a:pPr/>
-              <a:t>11/10/2016</a:t>
+              <a:t>11/11/2016</a:t>
             </a:fld>
             <a:endParaRPr lang="en-US" dirty="0"/>
           </a:p>
@@ -2440,7 +2440,7 @@
             <a:fld id="{B61BEF0D-F0BB-DE4B-95CE-6DB70DBA9567}" type="datetimeFigureOut">
               <a:rPr lang="en-US" dirty="0"/>
               <a:pPr/>
-              <a:t>11/10/2016</a:t>
+              <a:t>11/11/2016</a:t>
             </a:fld>
             <a:endParaRPr lang="en-US" dirty="0"/>
           </a:p>
@@ -2606,7 +2606,7 @@
           <a:p>
             <a:fld id="{55C6B4A9-1611-4792-9094-5F34BCA07E0B}" type="datetimeFigureOut">
               <a:rPr lang="en-US" dirty="0"/>
-              <a:t>11/10/2016</a:t>
+              <a:t>11/11/2016</a:t>
             </a:fld>
             <a:endParaRPr lang="en-US" dirty="0"/>
           </a:p>
@@ -2782,7 +2782,7 @@
             <a:fld id="{B61BEF0D-F0BB-DE4B-95CE-6DB70DBA9567}" type="datetimeFigureOut">
               <a:rPr lang="en-US" dirty="0"/>
               <a:pPr/>
-              <a:t>11/10/2016</a:t>
+              <a:t>11/11/2016</a:t>
             </a:fld>
             <a:endParaRPr lang="en-US" dirty="0"/>
           </a:p>
@@ -2955,7 +2955,7 @@
             <a:fld id="{B61BEF0D-F0BB-DE4B-95CE-6DB70DBA9567}" type="datetimeFigureOut">
               <a:rPr lang="en-US" dirty="0"/>
               <a:pPr/>
-              <a:t>11/10/2016</a:t>
+              <a:t>11/11/2016</a:t>
             </a:fld>
             <a:endParaRPr lang="en-US" dirty="0"/>
           </a:p>
@@ -3199,7 +3199,7 @@
             <a:fld id="{B61BEF0D-F0BB-DE4B-95CE-6DB70DBA9567}" type="datetimeFigureOut">
               <a:rPr lang="en-US" dirty="0"/>
               <a:pPr/>
-              <a:t>11/10/2016</a:t>
+              <a:t>11/11/2016</a:t>
             </a:fld>
             <a:endParaRPr lang="en-US" dirty="0"/>
           </a:p>
@@ -3427,7 +3427,7 @@
           <a:p>
             <a:fld id="{EB712588-04B1-427B-82EE-E8DB90309F08}" type="datetimeFigureOut">
               <a:rPr lang="en-US" dirty="0"/>
-              <a:t>11/10/2016</a:t>
+              <a:t>11/11/2016</a:t>
             </a:fld>
             <a:endParaRPr lang="en-US" dirty="0"/>
           </a:p>
@@ -3797,7 +3797,7 @@
             <a:fld id="{B61BEF0D-F0BB-DE4B-95CE-6DB70DBA9567}" type="datetimeFigureOut">
               <a:rPr lang="en-US" dirty="0"/>
               <a:pPr/>
-              <a:t>11/10/2016</a:t>
+              <a:t>11/11/2016</a:t>
             </a:fld>
             <a:endParaRPr lang="en-US" dirty="0"/>
           </a:p>
@@ -3917,7 +3917,7 @@
             <a:fld id="{B61BEF0D-F0BB-DE4B-95CE-6DB70DBA9567}" type="datetimeFigureOut">
               <a:rPr lang="en-US" dirty="0"/>
               <a:pPr/>
-              <a:t>11/10/2016</a:t>
+              <a:t>11/11/2016</a:t>
             </a:fld>
             <a:endParaRPr lang="en-US" dirty="0"/>
           </a:p>
@@ -4009,7 +4009,7 @@
             <a:fld id="{B61BEF0D-F0BB-DE4B-95CE-6DB70DBA9567}" type="datetimeFigureOut">
               <a:rPr lang="en-US" dirty="0"/>
               <a:pPr/>
-              <a:t>11/10/2016</a:t>
+              <a:t>11/11/2016</a:t>
             </a:fld>
             <a:endParaRPr lang="en-US" dirty="0"/>
           </a:p>
@@ -4260,7 +4260,7 @@
           <a:p>
             <a:fld id="{42A54C80-263E-416B-A8E0-580EDEADCBDC}" type="datetimeFigureOut">
               <a:rPr lang="en-US" dirty="0"/>
-              <a:t>11/10/2016</a:t>
+              <a:t>11/11/2016</a:t>
             </a:fld>
             <a:endParaRPr lang="en-US" dirty="0"/>
           </a:p>
@@ -4519,7 +4519,7 @@
             <a:fld id="{B61BEF0D-F0BB-DE4B-95CE-6DB70DBA9567}" type="datetimeFigureOut">
               <a:rPr lang="en-US" dirty="0"/>
               <a:pPr/>
-              <a:t>11/10/2016</a:t>
+              <a:t>11/11/2016</a:t>
             </a:fld>
             <a:endParaRPr lang="en-US" dirty="0"/>
           </a:p>
@@ -5259,7 +5259,7 @@
             <a:fld id="{B61BEF0D-F0BB-DE4B-95CE-6DB70DBA9567}" type="datetimeFigureOut">
               <a:rPr lang="en-US" dirty="0"/>
               <a:pPr/>
-              <a:t>11/10/2016</a:t>
+              <a:t>11/11/2016</a:t>
             </a:fld>
             <a:endParaRPr lang="en-US" dirty="0"/>
           </a:p>
@@ -6250,7 +6250,7 @@
             </a:pPr>
             <a:r>
               <a:rPr lang="en-US" dirty="0"/>
-              <a:t>EPN: event or message driven system. E.g. accidents, bad weather</a:t>
+              <a:t>EPN: event/message driven system. E.g. accidents, bad weather</a:t>
             </a:r>
           </a:p>
           <a:p>
@@ -6260,7 +6260,7 @@
             </a:pPr>
             <a:r>
               <a:rPr lang="en-US" dirty="0"/>
-              <a:t>By gathering real time traffic data from LTA, weather data from NEA and geospatial data, the system detects the event pattern, analyses, filters and aggregates the data.. And then help users make decisions. </a:t>
+              <a:t>By gathering real time traffic data from LTA, weather data from NEA and geospatial data, the system detects the event pattern, analyses, filters and aggregates the data.. And then helps drivers to make decisions. </a:t>
             </a:r>
           </a:p>
           <a:p>
@@ -9307,21 +9307,286 @@
             <p:ph idx="1"/>
           </p:nvPr>
         </p:nvSpPr>
-        <p:spPr/>
+        <p:spPr>
+          <a:xfrm>
+            <a:off x="677334" y="2160589"/>
+            <a:ext cx="4817017" cy="3880773"/>
+          </a:xfrm>
+        </p:spPr>
         <p:txBody>
           <a:bodyPr/>
           <a:lstStyle/>
           <a:p>
             <a:r>
               <a:rPr lang="en-US" dirty="0"/>
-              <a:t>Based on the analysis,</a:t>
+              <a:t>Event types</a:t>
+            </a:r>
+          </a:p>
+          <a:p>
+            <a:r>
+              <a:rPr lang="en-US" dirty="0"/>
+              <a:t>Capture traffic data(LTA), weather data near real time</a:t>
+            </a:r>
+          </a:p>
+          <a:p>
+            <a:r>
+              <a:rPr lang="en-US" dirty="0"/>
+              <a:t>Event Pattern detection</a:t>
+            </a:r>
+          </a:p>
+          <a:p>
+            <a:r>
+              <a:rPr lang="en-US" dirty="0"/>
+              <a:t>Filter, aggerate and combine the events with geographic location, average speed</a:t>
+            </a:r>
+          </a:p>
+          <a:p>
+            <a:r>
+              <a:rPr lang="en-US" dirty="0"/>
+              <a:t>Alert drivers and give suggestions</a:t>
             </a:r>
           </a:p>
           <a:p>
             <a:endParaRPr lang="en-US" dirty="0"/>
           </a:p>
-        </p:txBody>
-      </p:sp>
+          <a:p>
+            <a:pPr marL="0" indent="0">
+              <a:buNone/>
+            </a:pPr>
+            <a:endParaRPr lang="en-US" dirty="0"/>
+          </a:p>
+          <a:p>
+            <a:pPr marL="0" indent="0">
+              <a:buNone/>
+            </a:pPr>
+            <a:endParaRPr lang="en-US" dirty="0"/>
+          </a:p>
+          <a:p>
+            <a:endParaRPr lang="en-US" dirty="0"/>
+          </a:p>
+        </p:txBody>
+      </p:sp>
+      <p:graphicFrame>
+        <p:nvGraphicFramePr>
+          <p:cNvPr id="4" name="Table 3"/>
+          <p:cNvGraphicFramePr>
+            <a:graphicFrameLocks noGrp="1"/>
+          </p:cNvGraphicFramePr>
+          <p:nvPr>
+            <p:extLst>
+              <p:ext uri="{D42A27DB-BD31-4B8C-83A1-F6EECF244321}">
+                <p14:modId xmlns:p14="http://schemas.microsoft.com/office/powerpoint/2010/main" val="4254930098"/>
+              </p:ext>
+            </p:extLst>
+          </p:nvPr>
+        </p:nvGraphicFramePr>
+        <p:xfrm>
+          <a:off x="5557962" y="2059389"/>
+          <a:ext cx="3371353" cy="3808674"/>
+        </p:xfrm>
+        <a:graphic>
+          <a:graphicData uri="http://schemas.openxmlformats.org/drawingml/2006/table">
+            <a:tbl>
+              <a:tblPr firstRow="1" bandRow="1">
+                <a:tableStyleId>{5C22544A-7EE6-4342-B048-85BDC9FD1C3A}</a:tableStyleId>
+              </a:tblPr>
+              <a:tblGrid>
+                <a:gridCol w="3371353">
+                  <a:extLst>
+                    <a:ext uri="{9D8B030D-6E8A-4147-A177-3AD203B41FA5}">
+                      <a16:colId xmlns:a16="http://schemas.microsoft.com/office/drawing/2014/main" val="2006457569"/>
+                    </a:ext>
+                  </a:extLst>
+                </a:gridCol>
+              </a:tblGrid>
+              <a:tr h="506763">
+                <a:tc>
+                  <a:txBody>
+                    <a:bodyPr/>
+                    <a:lstStyle/>
+                    <a:p>
+                      <a:r>
+                        <a:rPr lang="en-US" dirty="0"/>
+                        <a:t>Event</a:t>
+                      </a:r>
+                      <a:r>
+                        <a:rPr lang="en-US" baseline="0" dirty="0"/>
+                        <a:t> Blocks</a:t>
+                      </a:r>
+                      <a:endParaRPr lang="en-US" dirty="0"/>
+                    </a:p>
+                  </a:txBody>
+                  <a:tcPr/>
+                </a:tc>
+                <a:extLst>
+                  <a:ext uri="{0D108BD9-81ED-4DB2-BD59-A6C34878D82A}">
+                    <a16:rowId xmlns:a16="http://schemas.microsoft.com/office/drawing/2014/main" val="3251592014"/>
+                  </a:ext>
+                </a:extLst>
+              </a:tr>
+              <a:tr h="458073">
+                <a:tc>
+                  <a:txBody>
+                    <a:bodyPr/>
+                    <a:lstStyle/>
+                    <a:p>
+                      <a:r>
+                        <a:rPr lang="en-US" dirty="0"/>
+                        <a:t>Event Type</a:t>
+                      </a:r>
+                    </a:p>
+                  </a:txBody>
+                  <a:tcPr/>
+                </a:tc>
+                <a:extLst>
+                  <a:ext uri="{0D108BD9-81ED-4DB2-BD59-A6C34878D82A}">
+                    <a16:rowId xmlns:a16="http://schemas.microsoft.com/office/drawing/2014/main" val="588817463"/>
+                  </a:ext>
+                </a:extLst>
+              </a:tr>
+              <a:tr h="442845">
+                <a:tc>
+                  <a:txBody>
+                    <a:bodyPr/>
+                    <a:lstStyle/>
+                    <a:p>
+                      <a:r>
+                        <a:rPr lang="en-US" dirty="0"/>
+                        <a:t>Event Producer</a:t>
+                      </a:r>
+                    </a:p>
+                  </a:txBody>
+                  <a:tcPr/>
+                </a:tc>
+                <a:extLst>
+                  <a:ext uri="{0D108BD9-81ED-4DB2-BD59-A6C34878D82A}">
+                    <a16:rowId xmlns:a16="http://schemas.microsoft.com/office/drawing/2014/main" val="3701001408"/>
+                  </a:ext>
+                </a:extLst>
+              </a:tr>
+              <a:tr h="435075">
+                <a:tc>
+                  <a:txBody>
+                    <a:bodyPr/>
+                    <a:lstStyle/>
+                    <a:p>
+                      <a:r>
+                        <a:rPr lang="en-US" dirty="0"/>
+                        <a:t>Event </a:t>
+                      </a:r>
+                      <a:r>
+                        <a:rPr lang="en-US" dirty="0"/>
+                        <a:t>Consumer</a:t>
+                      </a:r>
+                      <a:r>
+                        <a:rPr lang="en-US" baseline="0" dirty="0"/>
+                        <a:t> </a:t>
+                      </a:r>
+                      <a:endParaRPr lang="en-US" dirty="0"/>
+                    </a:p>
+                  </a:txBody>
+                  <a:tcPr/>
+                </a:tc>
+                <a:extLst>
+                  <a:ext uri="{0D108BD9-81ED-4DB2-BD59-A6C34878D82A}">
+                    <a16:rowId xmlns:a16="http://schemas.microsoft.com/office/drawing/2014/main" val="1851136439"/>
+                  </a:ext>
+                </a:extLst>
+              </a:tr>
+              <a:tr h="442844">
+                <a:tc>
+                  <a:txBody>
+                    <a:bodyPr/>
+                    <a:lstStyle/>
+                    <a:p>
+                      <a:r>
+                        <a:rPr lang="en-US" dirty="0"/>
+                        <a:t>Event Processing</a:t>
+                      </a:r>
+                      <a:r>
+                        <a:rPr lang="en-US" baseline="0" dirty="0"/>
+                        <a:t> Agent</a:t>
+                      </a:r>
+                      <a:endParaRPr lang="en-US" dirty="0"/>
+                    </a:p>
+                  </a:txBody>
+                  <a:tcPr/>
+                </a:tc>
+                <a:extLst>
+                  <a:ext uri="{0D108BD9-81ED-4DB2-BD59-A6C34878D82A}">
+                    <a16:rowId xmlns:a16="http://schemas.microsoft.com/office/drawing/2014/main" val="3570257451"/>
+                  </a:ext>
+                </a:extLst>
+              </a:tr>
+              <a:tr h="419536">
+                <a:tc>
+                  <a:txBody>
+                    <a:bodyPr/>
+                    <a:lstStyle/>
+                    <a:p>
+                      <a:r>
+                        <a:rPr lang="en-US" dirty="0"/>
+                        <a:t>Channel</a:t>
+                      </a:r>
+                    </a:p>
+                  </a:txBody>
+                  <a:tcPr/>
+                </a:tc>
+                <a:extLst>
+                  <a:ext uri="{0D108BD9-81ED-4DB2-BD59-A6C34878D82A}">
+                    <a16:rowId xmlns:a16="http://schemas.microsoft.com/office/drawing/2014/main" val="2928617718"/>
+                  </a:ext>
+                </a:extLst>
+              </a:tr>
+              <a:tr h="473921">
+                <a:tc>
+                  <a:txBody>
+                    <a:bodyPr/>
+                    <a:lstStyle/>
+                    <a:p>
+                      <a:r>
+                        <a:rPr lang="en-US" dirty="0"/>
+                        <a:t>Context</a:t>
+                      </a:r>
+                    </a:p>
+                  </a:txBody>
+                  <a:tcPr/>
+                </a:tc>
+                <a:extLst>
+                  <a:ext uri="{0D108BD9-81ED-4DB2-BD59-A6C34878D82A}">
+                    <a16:rowId xmlns:a16="http://schemas.microsoft.com/office/drawing/2014/main" val="617809366"/>
+                  </a:ext>
+                </a:extLst>
+              </a:tr>
+              <a:tr h="629617">
+                <a:tc>
+                  <a:txBody>
+                    <a:bodyPr/>
+                    <a:lstStyle/>
+                    <a:p>
+                      <a:r>
+                        <a:rPr lang="en-US" dirty="0"/>
+                        <a:t>Global</a:t>
+                      </a:r>
+                      <a:r>
+                        <a:rPr lang="en-US" baseline="0" dirty="0"/>
+                        <a:t> State Element</a:t>
+                      </a:r>
+                      <a:endParaRPr lang="en-US" dirty="0"/>
+                    </a:p>
+                  </a:txBody>
+                  <a:tcPr/>
+                </a:tc>
+                <a:extLst>
+                  <a:ext uri="{0D108BD9-81ED-4DB2-BD59-A6C34878D82A}">
+                    <a16:rowId xmlns:a16="http://schemas.microsoft.com/office/drawing/2014/main" val="2328178047"/>
+                  </a:ext>
+                </a:extLst>
+              </a:tr>
+            </a:tbl>
+          </a:graphicData>
+        </a:graphic>
+      </p:graphicFrame>
     </p:spTree>
     <p:extLst>
       <p:ext uri="{BB962C8B-B14F-4D97-AF65-F5344CB8AC3E}">

--- a/reports/Traffic Jam Preventer System.pptx
+++ b/reports/Traffic Jam Preventer System.pptx
@@ -9,10 +9,13 @@
     <p:sldId id="263" r:id="rId3"/>
     <p:sldId id="257" r:id="rId4"/>
     <p:sldId id="258" r:id="rId5"/>
-    <p:sldId id="259" r:id="rId6"/>
-    <p:sldId id="261" r:id="rId7"/>
-    <p:sldId id="262" r:id="rId8"/>
-    <p:sldId id="260" r:id="rId9"/>
+    <p:sldId id="264" r:id="rId6"/>
+    <p:sldId id="265" r:id="rId7"/>
+    <p:sldId id="266" r:id="rId8"/>
+    <p:sldId id="259" r:id="rId9"/>
+    <p:sldId id="261" r:id="rId10"/>
+    <p:sldId id="262" r:id="rId11"/>
+    <p:sldId id="260" r:id="rId12"/>
   </p:sldIdLst>
   <p:sldSz cx="12192000" cy="6858000"/>
   <p:notesSz cx="6858000" cy="9144000"/>
@@ -842,7 +845,7 @@
             <a:fld id="{B61BEF0D-F0BB-DE4B-95CE-6DB70DBA9567}" type="datetimeFigureOut">
               <a:rPr lang="en-US" dirty="0"/>
               <a:pPr/>
-              <a:t>11/11/2016</a:t>
+              <a:t>11/12/2016</a:t>
             </a:fld>
             <a:endParaRPr lang="en-US" dirty="0"/>
           </a:p>
@@ -1090,7 +1093,7 @@
             <a:fld id="{B61BEF0D-F0BB-DE4B-95CE-6DB70DBA9567}" type="datetimeFigureOut">
               <a:rPr lang="en-US" dirty="0"/>
               <a:pPr/>
-              <a:t>11/11/2016</a:t>
+              <a:t>11/12/2016</a:t>
             </a:fld>
             <a:endParaRPr lang="en-US" dirty="0"/>
           </a:p>
@@ -1401,7 +1404,7 @@
             <a:fld id="{B61BEF0D-F0BB-DE4B-95CE-6DB70DBA9567}" type="datetimeFigureOut">
               <a:rPr lang="en-US" dirty="0"/>
               <a:pPr/>
-              <a:t>11/11/2016</a:t>
+              <a:t>11/12/2016</a:t>
             </a:fld>
             <a:endParaRPr lang="en-US" dirty="0"/>
           </a:p>
@@ -1739,7 +1742,7 @@
             <a:fld id="{B61BEF0D-F0BB-DE4B-95CE-6DB70DBA9567}" type="datetimeFigureOut">
               <a:rPr lang="en-US" dirty="0"/>
               <a:pPr/>
-              <a:t>11/11/2016</a:t>
+              <a:t>11/12/2016</a:t>
             </a:fld>
             <a:endParaRPr lang="en-US" dirty="0"/>
           </a:p>
@@ -2050,7 +2053,7 @@
             <a:fld id="{B61BEF0D-F0BB-DE4B-95CE-6DB70DBA9567}" type="datetimeFigureOut">
               <a:rPr lang="en-US" dirty="0"/>
               <a:pPr/>
-              <a:t>11/11/2016</a:t>
+              <a:t>11/12/2016</a:t>
             </a:fld>
             <a:endParaRPr lang="en-US" dirty="0"/>
           </a:p>
@@ -2440,7 +2443,7 @@
             <a:fld id="{B61BEF0D-F0BB-DE4B-95CE-6DB70DBA9567}" type="datetimeFigureOut">
               <a:rPr lang="en-US" dirty="0"/>
               <a:pPr/>
-              <a:t>11/11/2016</a:t>
+              <a:t>11/12/2016</a:t>
             </a:fld>
             <a:endParaRPr lang="en-US" dirty="0"/>
           </a:p>
@@ -2606,7 +2609,7 @@
           <a:p>
             <a:fld id="{55C6B4A9-1611-4792-9094-5F34BCA07E0B}" type="datetimeFigureOut">
               <a:rPr lang="en-US" dirty="0"/>
-              <a:t>11/11/2016</a:t>
+              <a:t>11/12/2016</a:t>
             </a:fld>
             <a:endParaRPr lang="en-US" dirty="0"/>
           </a:p>
@@ -2782,7 +2785,7 @@
             <a:fld id="{B61BEF0D-F0BB-DE4B-95CE-6DB70DBA9567}" type="datetimeFigureOut">
               <a:rPr lang="en-US" dirty="0"/>
               <a:pPr/>
-              <a:t>11/11/2016</a:t>
+              <a:t>11/12/2016</a:t>
             </a:fld>
             <a:endParaRPr lang="en-US" dirty="0"/>
           </a:p>
@@ -2955,7 +2958,7 @@
             <a:fld id="{B61BEF0D-F0BB-DE4B-95CE-6DB70DBA9567}" type="datetimeFigureOut">
               <a:rPr lang="en-US" dirty="0"/>
               <a:pPr/>
-              <a:t>11/11/2016</a:t>
+              <a:t>11/12/2016</a:t>
             </a:fld>
             <a:endParaRPr lang="en-US" dirty="0"/>
           </a:p>
@@ -3199,7 +3202,7 @@
             <a:fld id="{B61BEF0D-F0BB-DE4B-95CE-6DB70DBA9567}" type="datetimeFigureOut">
               <a:rPr lang="en-US" dirty="0"/>
               <a:pPr/>
-              <a:t>11/11/2016</a:t>
+              <a:t>11/12/2016</a:t>
             </a:fld>
             <a:endParaRPr lang="en-US" dirty="0"/>
           </a:p>
@@ -3427,7 +3430,7 @@
           <a:p>
             <a:fld id="{EB712588-04B1-427B-82EE-E8DB90309F08}" type="datetimeFigureOut">
               <a:rPr lang="en-US" dirty="0"/>
-              <a:t>11/11/2016</a:t>
+              <a:t>11/12/2016</a:t>
             </a:fld>
             <a:endParaRPr lang="en-US" dirty="0"/>
           </a:p>
@@ -3797,7 +3800,7 @@
             <a:fld id="{B61BEF0D-F0BB-DE4B-95CE-6DB70DBA9567}" type="datetimeFigureOut">
               <a:rPr lang="en-US" dirty="0"/>
               <a:pPr/>
-              <a:t>11/11/2016</a:t>
+              <a:t>11/12/2016</a:t>
             </a:fld>
             <a:endParaRPr lang="en-US" dirty="0"/>
           </a:p>
@@ -3917,7 +3920,7 @@
             <a:fld id="{B61BEF0D-F0BB-DE4B-95CE-6DB70DBA9567}" type="datetimeFigureOut">
               <a:rPr lang="en-US" dirty="0"/>
               <a:pPr/>
-              <a:t>11/11/2016</a:t>
+              <a:t>11/12/2016</a:t>
             </a:fld>
             <a:endParaRPr lang="en-US" dirty="0"/>
           </a:p>
@@ -4009,7 +4012,7 @@
             <a:fld id="{B61BEF0D-F0BB-DE4B-95CE-6DB70DBA9567}" type="datetimeFigureOut">
               <a:rPr lang="en-US" dirty="0"/>
               <a:pPr/>
-              <a:t>11/11/2016</a:t>
+              <a:t>11/12/2016</a:t>
             </a:fld>
             <a:endParaRPr lang="en-US" dirty="0"/>
           </a:p>
@@ -4260,7 +4263,7 @@
           <a:p>
             <a:fld id="{42A54C80-263E-416B-A8E0-580EDEADCBDC}" type="datetimeFigureOut">
               <a:rPr lang="en-US" dirty="0"/>
-              <a:t>11/11/2016</a:t>
+              <a:t>11/12/2016</a:t>
             </a:fld>
             <a:endParaRPr lang="en-US" dirty="0"/>
           </a:p>
@@ -4519,7 +4522,7 @@
             <a:fld id="{B61BEF0D-F0BB-DE4B-95CE-6DB70DBA9567}" type="datetimeFigureOut">
               <a:rPr lang="en-US" dirty="0"/>
               <a:pPr/>
-              <a:t>11/11/2016</a:t>
+              <a:t>11/12/2016</a:t>
             </a:fld>
             <a:endParaRPr lang="en-US" dirty="0"/>
           </a:p>
@@ -5259,7 +5262,7 @@
             <a:fld id="{B61BEF0D-F0BB-DE4B-95CE-6DB70DBA9567}" type="datetimeFigureOut">
               <a:rPr lang="en-US" dirty="0"/>
               <a:pPr/>
-              <a:t>11/11/2016</a:t>
+              <a:t>11/12/2016</a:t>
             </a:fld>
             <a:endParaRPr lang="en-US" dirty="0"/>
           </a:p>
@@ -5904,6 +5907,199 @@
   <p:clrMapOvr>
     <a:masterClrMapping/>
   </p:clrMapOvr>
+  <p:timing>
+    <p:tnLst>
+      <p:par>
+        <p:cTn id="1" dur="indefinite" restart="never" nodeType="tmRoot"/>
+      </p:par>
+    </p:tnLst>
+  </p:timing>
+</p:sld>
+</file>
+
+<file path=ppt/slides/slide10.xml><?xml version="1.0" encoding="utf-8"?>
+<p:sld xmlns:a="http://schemas.openxmlformats.org/drawingml/2006/main" xmlns:r="http://schemas.openxmlformats.org/officeDocument/2006/relationships" xmlns:p="http://schemas.openxmlformats.org/presentationml/2006/main">
+  <p:cSld>
+    <p:spTree>
+      <p:nvGrpSpPr>
+        <p:cNvPr id="1" name=""/>
+        <p:cNvGrpSpPr/>
+        <p:nvPr/>
+      </p:nvGrpSpPr>
+      <p:grpSpPr>
+        <a:xfrm>
+          <a:off x="0" y="0"/>
+          <a:ext cx="0" cy="0"/>
+          <a:chOff x="0" y="0"/>
+          <a:chExt cx="0" cy="0"/>
+        </a:xfrm>
+      </p:grpSpPr>
+      <p:sp>
+        <p:nvSpPr>
+          <p:cNvPr id="2" name="Title 1"/>
+          <p:cNvSpPr>
+            <a:spLocks noGrp="1"/>
+          </p:cNvSpPr>
+          <p:nvPr>
+            <p:ph type="title"/>
+          </p:nvPr>
+        </p:nvSpPr>
+        <p:spPr/>
+        <p:txBody>
+          <a:bodyPr/>
+          <a:lstStyle/>
+          <a:p>
+            <a:r>
+              <a:rPr lang="en-US" dirty="0"/>
+              <a:t>Demo</a:t>
+            </a:r>
+          </a:p>
+        </p:txBody>
+      </p:sp>
+      <p:pic>
+        <p:nvPicPr>
+          <p:cNvPr id="4" name="Picture 2" descr="demo4"/>
+          <p:cNvPicPr>
+            <a:picLocks noChangeAspect="1" noChangeArrowheads="1"/>
+          </p:cNvPicPr>
+          <p:nvPr/>
+        </p:nvPicPr>
+        <p:blipFill>
+          <a:blip r:embed="rId2">
+            <a:extLst>
+              <a:ext uri="{28A0092B-C50C-407E-A947-70E740481C1C}">
+                <a14:useLocalDpi xmlns:a14="http://schemas.microsoft.com/office/drawing/2010/main" val="0"/>
+              </a:ext>
+            </a:extLst>
+          </a:blip>
+          <a:srcRect/>
+          <a:stretch>
+            <a:fillRect/>
+          </a:stretch>
+        </p:blipFill>
+        <p:spPr bwMode="auto">
+          <a:xfrm>
+            <a:off x="1394127" y="2008698"/>
+            <a:ext cx="6096000" cy="3429000"/>
+          </a:xfrm>
+          <a:prstGeom prst="rect">
+            <a:avLst/>
+          </a:prstGeom>
+          <a:noFill/>
+          <a:extLst>
+            <a:ext uri="{909E8E84-426E-40DD-AFC4-6F175D3DCCD1}">
+              <a14:hiddenFill xmlns:a14="http://schemas.microsoft.com/office/drawing/2010/main">
+                <a:solidFill>
+                  <a:srgbClr val="FFFFFF"/>
+                </a:solidFill>
+              </a14:hiddenFill>
+            </a:ext>
+          </a:extLst>
+        </p:spPr>
+      </p:pic>
+    </p:spTree>
+    <p:extLst>
+      <p:ext uri="{BB962C8B-B14F-4D97-AF65-F5344CB8AC3E}">
+        <p14:creationId xmlns:p14="http://schemas.microsoft.com/office/powerpoint/2010/main" val="202106783"/>
+      </p:ext>
+    </p:extLst>
+  </p:cSld>
+  <p:clrMapOvr>
+    <a:masterClrMapping/>
+  </p:clrMapOvr>
+</p:sld>
+</file>
+
+<file path=ppt/slides/slide11.xml><?xml version="1.0" encoding="utf-8"?>
+<p:sld xmlns:a="http://schemas.openxmlformats.org/drawingml/2006/main" xmlns:r="http://schemas.openxmlformats.org/officeDocument/2006/relationships" xmlns:p="http://schemas.openxmlformats.org/presentationml/2006/main">
+  <p:cSld>
+    <p:spTree>
+      <p:nvGrpSpPr>
+        <p:cNvPr id="1" name=""/>
+        <p:cNvGrpSpPr/>
+        <p:nvPr/>
+      </p:nvGrpSpPr>
+      <p:grpSpPr>
+        <a:xfrm>
+          <a:off x="0" y="0"/>
+          <a:ext cx="0" cy="0"/>
+          <a:chOff x="0" y="0"/>
+          <a:chExt cx="0" cy="0"/>
+        </a:xfrm>
+      </p:grpSpPr>
+      <p:sp>
+        <p:nvSpPr>
+          <p:cNvPr id="2" name="Title 1"/>
+          <p:cNvSpPr>
+            <a:spLocks noGrp="1"/>
+          </p:cNvSpPr>
+          <p:nvPr>
+            <p:ph type="title"/>
+          </p:nvPr>
+        </p:nvSpPr>
+        <p:spPr/>
+        <p:txBody>
+          <a:bodyPr/>
+          <a:lstStyle/>
+          <a:p>
+            <a:r>
+              <a:rPr lang="en-US" dirty="0"/>
+              <a:t>Questions</a:t>
+            </a:r>
+          </a:p>
+        </p:txBody>
+      </p:sp>
+      <p:pic>
+        <p:nvPicPr>
+          <p:cNvPr id="1026" name="Picture 2" descr="http://cliparts.co/cliparts/pi5/reG/pi5reG9yT.jpg"/>
+          <p:cNvPicPr>
+            <a:picLocks noChangeAspect="1" noChangeArrowheads="1"/>
+          </p:cNvPicPr>
+          <p:nvPr/>
+        </p:nvPicPr>
+        <p:blipFill>
+          <a:blip r:embed="rId2">
+            <a:extLst>
+              <a:ext uri="{28A0092B-C50C-407E-A947-70E740481C1C}">
+                <a14:useLocalDpi xmlns:a14="http://schemas.microsoft.com/office/drawing/2010/main" val="0"/>
+              </a:ext>
+            </a:extLst>
+          </a:blip>
+          <a:srcRect/>
+          <a:stretch>
+            <a:fillRect/>
+          </a:stretch>
+        </p:blipFill>
+        <p:spPr bwMode="auto">
+          <a:xfrm>
+            <a:off x="1280160" y="1523790"/>
+            <a:ext cx="5422789" cy="4739318"/>
+          </a:xfrm>
+          <a:prstGeom prst="rect">
+            <a:avLst/>
+          </a:prstGeom>
+          <a:noFill/>
+          <a:extLst>
+            <a:ext uri="{909E8E84-426E-40DD-AFC4-6F175D3DCCD1}">
+              <a14:hiddenFill xmlns:a14="http://schemas.microsoft.com/office/drawing/2010/main">
+                <a:solidFill>
+                  <a:srgbClr val="FFFFFF"/>
+                </a:solidFill>
+              </a14:hiddenFill>
+            </a:ext>
+          </a:extLst>
+        </p:spPr>
+      </p:pic>
+    </p:spTree>
+    <p:extLst>
+      <p:ext uri="{BB962C8B-B14F-4D97-AF65-F5344CB8AC3E}">
+        <p14:creationId xmlns:p14="http://schemas.microsoft.com/office/powerpoint/2010/main" val="2573739600"/>
+      </p:ext>
+    </p:extLst>
+  </p:cSld>
+  <p:clrMapOvr>
+    <a:masterClrMapping/>
+  </p:clrMapOvr>
 </p:sld>
 </file>
 
@@ -5968,9 +6164,10 @@
           </a:p>
           <a:p>
             <a:r>
-              <a:rPr lang="en-US" dirty="0"/>
-              <a:t>EPN System Analysis</a:t>
-            </a:r>
+              <a:rPr lang="en-US" dirty="0" smtClean="0"/>
+              <a:t>Insight Discovery</a:t>
+            </a:r>
+            <a:endParaRPr lang="en-US" dirty="0"/>
           </a:p>
           <a:p>
             <a:r>
@@ -6002,6 +6199,13 @@
   <p:clrMapOvr>
     <a:masterClrMapping/>
   </p:clrMapOvr>
+  <p:timing>
+    <p:tnLst>
+      <p:par>
+        <p:cTn id="1" dur="indefinite" restart="never" nodeType="tmRoot"/>
+      </p:par>
+    </p:tnLst>
+  </p:timing>
 </p:sld>
 </file>
 
@@ -6022,33 +6226,6 @@
           <a:chExt cx="0" cy="0"/>
         </a:xfrm>
       </p:grpSpPr>
-      <p:sp>
-        <p:nvSpPr>
-          <p:cNvPr id="2" name="Title 1"/>
-          <p:cNvSpPr>
-            <a:spLocks noGrp="1"/>
-          </p:cNvSpPr>
-          <p:nvPr>
-            <p:ph type="title"/>
-          </p:nvPr>
-        </p:nvSpPr>
-        <p:spPr>
-          <a:xfrm>
-            <a:off x="677334" y="609600"/>
-            <a:ext cx="8596668" cy="1020417"/>
-          </a:xfrm>
-        </p:spPr>
-        <p:txBody>
-          <a:bodyPr/>
-          <a:lstStyle/>
-          <a:p>
-            <a:r>
-              <a:rPr lang="en-US" dirty="0"/>
-              <a:t>Introduction</a:t>
-            </a:r>
-          </a:p>
-        </p:txBody>
-      </p:sp>
       <p:pic>
         <p:nvPicPr>
           <p:cNvPr id="6" name="Content Placeholder 5"/>
@@ -6067,11 +6244,38 @@
         </p:blipFill>
         <p:spPr>
           <a:xfrm>
-            <a:off x="479398" y="3386934"/>
-            <a:ext cx="4197964" cy="3358371"/>
+            <a:off x="479397" y="2920432"/>
+            <a:ext cx="5318975" cy="3824873"/>
           </a:xfrm>
         </p:spPr>
       </p:pic>
+      <p:sp>
+        <p:nvSpPr>
+          <p:cNvPr id="2" name="Title 1"/>
+          <p:cNvSpPr>
+            <a:spLocks noGrp="1"/>
+          </p:cNvSpPr>
+          <p:nvPr>
+            <p:ph type="title"/>
+          </p:nvPr>
+        </p:nvSpPr>
+        <p:spPr>
+          <a:xfrm>
+            <a:off x="677334" y="609600"/>
+            <a:ext cx="8596668" cy="1020417"/>
+          </a:xfrm>
+        </p:spPr>
+        <p:txBody>
+          <a:bodyPr/>
+          <a:lstStyle/>
+          <a:p>
+            <a:r>
+              <a:rPr lang="en-US" dirty="0"/>
+              <a:t>Introduction</a:t>
+            </a:r>
+          </a:p>
+        </p:txBody>
+      </p:sp>
       <p:pic>
         <p:nvPicPr>
           <p:cNvPr id="8" name="Picture 7"/>
@@ -6088,7 +6292,7 @@
         </p:blipFill>
         <p:spPr>
           <a:xfrm>
-            <a:off x="4669738" y="2540636"/>
+            <a:off x="5272167" y="2336240"/>
             <a:ext cx="5715000" cy="3648075"/>
           </a:xfrm>
           <a:prstGeom prst="rect">
@@ -6182,6 +6386,13 @@
   <p:clrMapOvr>
     <a:masterClrMapping/>
   </p:clrMapOvr>
+  <p:timing>
+    <p:tnLst>
+      <p:par>
+        <p:cTn id="1" dur="indefinite" restart="never" nodeType="tmRoot"/>
+      </p:par>
+    </p:tnLst>
+  </p:timing>
 </p:sld>
 </file>
 
@@ -6341,6 +6552,13 @@
   <p:clrMapOvr>
     <a:masterClrMapping/>
   </p:clrMapOvr>
+  <p:timing>
+    <p:tnLst>
+      <p:par>
+        <p:cTn id="1" dur="indefinite" restart="never" nodeType="tmRoot"/>
+      </p:par>
+    </p:tnLst>
+  </p:timing>
 </p:sld>
 </file>
 
@@ -6377,2884 +6595,128 @@
           <a:lstStyle/>
           <a:p>
             <a:r>
-              <a:rPr lang="en-US" dirty="0"/>
-              <a:t>EPN Design</a:t>
-            </a:r>
-          </a:p>
-        </p:txBody>
-      </p:sp>
-      <p:sp>
-        <p:nvSpPr>
-          <p:cNvPr id="104" name="Rectangle: Rounded Corners 103"/>
-          <p:cNvSpPr/>
+              <a:rPr lang="en-US" dirty="0" smtClean="0"/>
+              <a:t>Insight Discovery</a:t>
+            </a:r>
+            <a:endParaRPr lang="en-US" dirty="0"/>
+          </a:p>
+        </p:txBody>
+      </p:sp>
+      <p:sp>
+        <p:nvSpPr>
+          <p:cNvPr id="3" name="Content Placeholder 2"/>
+          <p:cNvSpPr>
+            <a:spLocks noGrp="1"/>
+          </p:cNvSpPr>
+          <p:nvPr>
+            <p:ph idx="1"/>
+          </p:nvPr>
+        </p:nvSpPr>
+        <p:spPr>
+          <a:xfrm>
+            <a:off x="184354" y="1793893"/>
+            <a:ext cx="8596668" cy="3880773"/>
+          </a:xfrm>
+        </p:spPr>
+        <p:txBody>
+          <a:bodyPr/>
+          <a:lstStyle/>
+          <a:p>
+            <a:pPr>
+              <a:buFont typeface="Wingdings" panose="05000000000000000000" pitchFamily="2" charset="2"/>
+              <a:buChar char="Ø"/>
+            </a:pPr>
+            <a:r>
+              <a:rPr lang="en-US" dirty="0" smtClean="0"/>
+              <a:t>Speed versus Road Incidents</a:t>
+            </a:r>
+          </a:p>
+          <a:p>
+            <a:pPr lvl="1">
+              <a:buFont typeface="Wingdings" panose="05000000000000000000" pitchFamily="2" charset="2"/>
+              <a:buChar char="Ø"/>
+            </a:pPr>
+            <a:r>
+              <a:rPr lang="en-US" dirty="0" smtClean="0"/>
+              <a:t>When is the worst traffic conditions?</a:t>
+            </a:r>
+            <a:endParaRPr lang="en-US" dirty="0"/>
+          </a:p>
+          <a:p>
+            <a:endParaRPr lang="en-US" dirty="0"/>
+          </a:p>
+        </p:txBody>
+      </p:sp>
+      <p:pic>
+        <p:nvPicPr>
+          <p:cNvPr id="5" name="Picture 4"/>
+          <p:cNvPicPr/>
           <p:nvPr/>
-        </p:nvSpPr>
-        <p:spPr>
-          <a:xfrm>
-            <a:off x="202110" y="2611664"/>
-            <a:ext cx="1068920" cy="566057"/>
-          </a:xfrm>
-          <a:prstGeom prst="roundRect">
-            <a:avLst/>
-          </a:prstGeom>
-          <a:noFill/>
-        </p:spPr>
-        <p:style>
-          <a:lnRef idx="2">
-            <a:schemeClr val="accent1">
-              <a:shade val="50000"/>
-            </a:schemeClr>
-          </a:lnRef>
-          <a:fillRef idx="1">
-            <a:schemeClr val="accent1"/>
-          </a:fillRef>
-          <a:effectRef idx="0">
-            <a:schemeClr val="accent1"/>
-          </a:effectRef>
-          <a:fontRef idx="minor">
-            <a:schemeClr val="lt1"/>
-          </a:fontRef>
-        </p:style>
-        <p:txBody>
-          <a:bodyPr rtlCol="0" anchor="ctr"/>
-          <a:lstStyle/>
-          <a:p>
-            <a:pPr algn="ctr"/>
-            <a:endParaRPr lang="en-SG"/>
-          </a:p>
-        </p:txBody>
-      </p:sp>
-      <p:sp>
-        <p:nvSpPr>
-          <p:cNvPr id="105" name="Isosceles Triangle 104"/>
-          <p:cNvSpPr/>
-          <p:nvPr/>
-        </p:nvSpPr>
-        <p:spPr>
-          <a:xfrm rot="5400000">
-            <a:off x="1157818" y="2802248"/>
-            <a:ext cx="226423" cy="184888"/>
-          </a:xfrm>
-          <a:prstGeom prst="triangle">
-            <a:avLst/>
-          </a:prstGeom>
-          <a:solidFill>
-            <a:srgbClr val="FFFF00"/>
-          </a:solidFill>
-        </p:spPr>
-        <p:style>
-          <a:lnRef idx="2">
-            <a:schemeClr val="accent1">
-              <a:shade val="50000"/>
-            </a:schemeClr>
-          </a:lnRef>
-          <a:fillRef idx="1">
-            <a:schemeClr val="accent1"/>
-          </a:fillRef>
-          <a:effectRef idx="0">
-            <a:schemeClr val="accent1"/>
-          </a:effectRef>
-          <a:fontRef idx="minor">
-            <a:schemeClr val="lt1"/>
-          </a:fontRef>
-        </p:style>
-        <p:txBody>
-          <a:bodyPr rtlCol="0" anchor="ctr"/>
-          <a:lstStyle/>
-          <a:p>
-            <a:pPr algn="ctr"/>
-            <a:endParaRPr lang="en-SG"/>
-          </a:p>
-        </p:txBody>
-      </p:sp>
-      <p:sp>
-        <p:nvSpPr>
-          <p:cNvPr id="106" name="TextBox 105"/>
-          <p:cNvSpPr txBox="1"/>
-          <p:nvPr/>
-        </p:nvSpPr>
-        <p:spPr>
-          <a:xfrm>
-            <a:off x="202110" y="2611664"/>
-            <a:ext cx="338554" cy="215444"/>
+        </p:nvPicPr>
+        <p:blipFill rotWithShape="1">
+          <a:blip r:embed="rId2"/>
+          <a:srcRect l="14887" t="10336" r="10588" b="11538"/>
+          <a:stretch/>
+        </p:blipFill>
+        <p:spPr>
+          <a:xfrm>
+            <a:off x="4582216" y="109545"/>
+            <a:ext cx="7246374" cy="3879576"/>
           </a:xfrm>
           <a:prstGeom prst="rect">
             <a:avLst/>
           </a:prstGeom>
-          <a:noFill/>
-        </p:spPr>
-        <p:txBody>
-          <a:bodyPr wrap="none" rtlCol="0">
-            <a:spAutoFit/>
-          </a:bodyPr>
-          <a:lstStyle/>
-          <a:p>
-            <a:r>
-              <a:rPr lang="en-US" sz="800" dirty="0"/>
-              <a:t>EP1</a:t>
-            </a:r>
-            <a:endParaRPr lang="en-SG" sz="800" dirty="0"/>
-          </a:p>
-        </p:txBody>
-      </p:sp>
-      <p:sp>
-        <p:nvSpPr>
-          <p:cNvPr id="107" name="TextBox 106"/>
-          <p:cNvSpPr txBox="1"/>
+          <a:ln w="3175">
+            <a:solidFill>
+              <a:schemeClr val="tx1"/>
+            </a:solidFill>
+          </a:ln>
+        </p:spPr>
+      </p:pic>
+      <p:pic>
+        <p:nvPicPr>
+          <p:cNvPr id="6" name="Picture 5"/>
+          <p:cNvPicPr/>
           <p:nvPr/>
-        </p:nvSpPr>
-        <p:spPr>
-          <a:xfrm>
-            <a:off x="228257" y="2781480"/>
-            <a:ext cx="950327" cy="400110"/>
+        </p:nvPicPr>
+        <p:blipFill>
+          <a:blip r:embed="rId3"/>
+          <a:stretch>
+            <a:fillRect/>
+          </a:stretch>
+        </p:blipFill>
+        <p:spPr>
+          <a:xfrm>
+            <a:off x="479566" y="2991474"/>
+            <a:ext cx="7308970" cy="3866526"/>
           </a:xfrm>
           <a:prstGeom prst="rect">
             <a:avLst/>
           </a:prstGeom>
-          <a:noFill/>
-        </p:spPr>
-        <p:txBody>
-          <a:bodyPr wrap="square" rtlCol="0">
-            <a:spAutoFit/>
-          </a:bodyPr>
-          <a:lstStyle/>
-          <a:p>
-            <a:r>
-              <a:rPr lang="en-US" sz="1000" dirty="0"/>
-              <a:t>Traffic Speed Bands</a:t>
-            </a:r>
-            <a:endParaRPr lang="en-SG" sz="1000" dirty="0"/>
-          </a:p>
-        </p:txBody>
-      </p:sp>
-      <p:sp>
-        <p:nvSpPr>
-          <p:cNvPr id="108" name="Rectangle: Rounded Corners 107"/>
-          <p:cNvSpPr/>
-          <p:nvPr/>
-        </p:nvSpPr>
-        <p:spPr>
-          <a:xfrm>
-            <a:off x="9508160" y="2902092"/>
-            <a:ext cx="1068920" cy="566057"/>
-          </a:xfrm>
-          <a:prstGeom prst="roundRect">
-            <a:avLst/>
-          </a:prstGeom>
-          <a:noFill/>
-        </p:spPr>
-        <p:style>
-          <a:lnRef idx="2">
-            <a:schemeClr val="accent1">
-              <a:shade val="50000"/>
-            </a:schemeClr>
-          </a:lnRef>
-          <a:fillRef idx="1">
-            <a:schemeClr val="accent1"/>
-          </a:fillRef>
-          <a:effectRef idx="0">
-            <a:schemeClr val="accent1"/>
-          </a:effectRef>
-          <a:fontRef idx="minor">
-            <a:schemeClr val="lt1"/>
-          </a:fontRef>
-        </p:style>
-        <p:txBody>
-          <a:bodyPr rtlCol="0" anchor="ctr"/>
-          <a:lstStyle/>
-          <a:p>
-            <a:pPr algn="ctr"/>
-            <a:endParaRPr lang="en-SG"/>
-          </a:p>
-        </p:txBody>
-      </p:sp>
-      <p:sp>
-        <p:nvSpPr>
-          <p:cNvPr id="109" name="Isosceles Triangle 108"/>
-          <p:cNvSpPr/>
-          <p:nvPr/>
-        </p:nvSpPr>
-        <p:spPr>
-          <a:xfrm rot="5400000">
-            <a:off x="9394947" y="3158830"/>
-            <a:ext cx="226423" cy="184888"/>
-          </a:xfrm>
-          <a:prstGeom prst="triangle">
-            <a:avLst/>
-          </a:prstGeom>
-          <a:solidFill>
-            <a:srgbClr val="FFFF00"/>
-          </a:solidFill>
-        </p:spPr>
-        <p:style>
-          <a:lnRef idx="2">
-            <a:schemeClr val="accent1">
-              <a:shade val="50000"/>
-            </a:schemeClr>
-          </a:lnRef>
-          <a:fillRef idx="1">
-            <a:schemeClr val="accent1"/>
-          </a:fillRef>
-          <a:effectRef idx="0">
-            <a:schemeClr val="accent1"/>
-          </a:effectRef>
-          <a:fontRef idx="minor">
-            <a:schemeClr val="lt1"/>
-          </a:fontRef>
-        </p:style>
-        <p:txBody>
-          <a:bodyPr rtlCol="0" anchor="ctr"/>
-          <a:lstStyle/>
-          <a:p>
-            <a:pPr algn="ctr"/>
-            <a:endParaRPr lang="en-SG"/>
-          </a:p>
-        </p:txBody>
-      </p:sp>
-      <p:sp>
-        <p:nvSpPr>
-          <p:cNvPr id="110" name="TextBox 109"/>
-          <p:cNvSpPr txBox="1"/>
-          <p:nvPr/>
-        </p:nvSpPr>
-        <p:spPr>
-          <a:xfrm>
-            <a:off x="9508160" y="2902092"/>
-            <a:ext cx="340158" cy="215444"/>
-          </a:xfrm>
-          <a:prstGeom prst="rect">
-            <a:avLst/>
-          </a:prstGeom>
-          <a:noFill/>
-        </p:spPr>
-        <p:txBody>
-          <a:bodyPr wrap="none" rtlCol="0">
-            <a:spAutoFit/>
-          </a:bodyPr>
-          <a:lstStyle/>
-          <a:p>
-            <a:r>
-              <a:rPr lang="en-US" sz="800" dirty="0"/>
-              <a:t>EC1</a:t>
-            </a:r>
-            <a:endParaRPr lang="en-SG" sz="800" dirty="0"/>
-          </a:p>
-        </p:txBody>
-      </p:sp>
-      <p:sp>
-        <p:nvSpPr>
-          <p:cNvPr id="111" name="Rectangle 110"/>
-          <p:cNvSpPr/>
-          <p:nvPr/>
-        </p:nvSpPr>
-        <p:spPr>
-          <a:xfrm>
-            <a:off x="9518647" y="3049318"/>
-            <a:ext cx="1287153" cy="461665"/>
-          </a:xfrm>
-          <a:prstGeom prst="rect">
-            <a:avLst/>
-          </a:prstGeom>
-        </p:spPr>
-        <p:txBody>
-          <a:bodyPr wrap="square">
-            <a:spAutoFit/>
-          </a:bodyPr>
-          <a:lstStyle/>
-          <a:p>
-            <a:r>
-              <a:rPr lang="en-SG" sz="800" dirty="0"/>
-              <a:t>Expressway Monitoring and Advisory System (EMAS)</a:t>
-            </a:r>
-          </a:p>
-        </p:txBody>
-      </p:sp>
-      <p:sp>
-        <p:nvSpPr>
-          <p:cNvPr id="112" name="Rectangle: Rounded Corners 111"/>
-          <p:cNvSpPr/>
-          <p:nvPr/>
-        </p:nvSpPr>
-        <p:spPr>
-          <a:xfrm>
-            <a:off x="3223183" y="1653642"/>
-            <a:ext cx="1632857" cy="885894"/>
-          </a:xfrm>
-          <a:prstGeom prst="roundRect">
-            <a:avLst/>
-          </a:prstGeom>
-          <a:noFill/>
-        </p:spPr>
-        <p:style>
-          <a:lnRef idx="2">
-            <a:schemeClr val="accent1">
-              <a:shade val="50000"/>
-            </a:schemeClr>
-          </a:lnRef>
-          <a:fillRef idx="1">
-            <a:schemeClr val="accent1"/>
-          </a:fillRef>
-          <a:effectRef idx="0">
-            <a:schemeClr val="accent1"/>
-          </a:effectRef>
-          <a:fontRef idx="minor">
-            <a:schemeClr val="lt1"/>
-          </a:fontRef>
-        </p:style>
-        <p:txBody>
-          <a:bodyPr rtlCol="0" anchor="ctr"/>
-          <a:lstStyle/>
-          <a:p>
-            <a:pPr algn="ctr"/>
-            <a:endParaRPr lang="en-SG"/>
-          </a:p>
-        </p:txBody>
-      </p:sp>
-      <p:sp>
-        <p:nvSpPr>
-          <p:cNvPr id="113" name="TextBox 112"/>
-          <p:cNvSpPr txBox="1"/>
-          <p:nvPr/>
-        </p:nvSpPr>
-        <p:spPr>
-          <a:xfrm>
-            <a:off x="3223184" y="1653642"/>
-            <a:ext cx="1236236" cy="215444"/>
-          </a:xfrm>
-          <a:prstGeom prst="rect">
-            <a:avLst/>
-          </a:prstGeom>
-          <a:noFill/>
-        </p:spPr>
-        <p:txBody>
-          <a:bodyPr wrap="none" rtlCol="0">
-            <a:spAutoFit/>
-          </a:bodyPr>
-          <a:lstStyle/>
-          <a:p>
-            <a:r>
-              <a:rPr lang="en-US" sz="800" dirty="0"/>
-              <a:t>EPA1: Pattern - Temporal</a:t>
-            </a:r>
-            <a:endParaRPr lang="en-SG" sz="800" dirty="0"/>
-          </a:p>
-        </p:txBody>
-      </p:sp>
-      <p:sp>
-        <p:nvSpPr>
-          <p:cNvPr id="114" name="Isosceles Triangle 113"/>
-          <p:cNvSpPr/>
-          <p:nvPr/>
-        </p:nvSpPr>
-        <p:spPr>
-          <a:xfrm rot="5400000">
-            <a:off x="3136119" y="1738635"/>
-            <a:ext cx="226423" cy="184888"/>
-          </a:xfrm>
-          <a:prstGeom prst="triangle">
-            <a:avLst/>
-          </a:prstGeom>
-          <a:solidFill>
-            <a:srgbClr val="FFFF00"/>
-          </a:solidFill>
-        </p:spPr>
-        <p:style>
-          <a:lnRef idx="2">
-            <a:schemeClr val="accent1">
-              <a:shade val="50000"/>
-            </a:schemeClr>
-          </a:lnRef>
-          <a:fillRef idx="1">
-            <a:schemeClr val="accent1"/>
-          </a:fillRef>
-          <a:effectRef idx="0">
-            <a:schemeClr val="accent1"/>
-          </a:effectRef>
-          <a:fontRef idx="minor">
-            <a:schemeClr val="lt1"/>
-          </a:fontRef>
-        </p:style>
-        <p:txBody>
-          <a:bodyPr rtlCol="0" anchor="ctr"/>
-          <a:lstStyle/>
-          <a:p>
-            <a:pPr algn="ctr"/>
-            <a:endParaRPr lang="en-SG"/>
-          </a:p>
-        </p:txBody>
-      </p:sp>
-      <p:cxnSp>
-        <p:nvCxnSpPr>
-          <p:cNvPr id="115" name="Straight Connector 114"/>
-          <p:cNvCxnSpPr>
-            <a:endCxn id="119" idx="3"/>
-          </p:cNvCxnSpPr>
-          <p:nvPr/>
-        </p:nvCxnSpPr>
-        <p:spPr>
-          <a:xfrm>
-            <a:off x="4995638" y="1823459"/>
-            <a:ext cx="1609040" cy="9370"/>
-          </a:xfrm>
-          <a:prstGeom prst="line">
-            <a:avLst/>
-          </a:prstGeom>
-        </p:spPr>
-        <p:style>
-          <a:lnRef idx="1">
-            <a:schemeClr val="accent1"/>
-          </a:lnRef>
-          <a:fillRef idx="0">
-            <a:schemeClr val="accent1"/>
-          </a:fillRef>
-          <a:effectRef idx="0">
-            <a:schemeClr val="accent1"/>
-          </a:effectRef>
-          <a:fontRef idx="minor">
-            <a:schemeClr val="tx1"/>
-          </a:fontRef>
-        </p:style>
-      </p:cxnSp>
-      <p:sp>
-        <p:nvSpPr>
-          <p:cNvPr id="116" name="Rectangle: Rounded Corners 115"/>
-          <p:cNvSpPr/>
-          <p:nvPr/>
-        </p:nvSpPr>
-        <p:spPr>
-          <a:xfrm>
-            <a:off x="6661981" y="1663012"/>
-            <a:ext cx="1632857" cy="885894"/>
-          </a:xfrm>
-          <a:prstGeom prst="roundRect">
-            <a:avLst/>
-          </a:prstGeom>
-          <a:noFill/>
-        </p:spPr>
-        <p:style>
-          <a:lnRef idx="2">
-            <a:schemeClr val="accent1">
-              <a:shade val="50000"/>
-            </a:schemeClr>
-          </a:lnRef>
-          <a:fillRef idx="1">
-            <a:schemeClr val="accent1"/>
-          </a:fillRef>
-          <a:effectRef idx="0">
-            <a:schemeClr val="accent1"/>
-          </a:effectRef>
-          <a:fontRef idx="minor">
-            <a:schemeClr val="lt1"/>
-          </a:fontRef>
-        </p:style>
-        <p:txBody>
-          <a:bodyPr rtlCol="0" anchor="ctr"/>
-          <a:lstStyle/>
-          <a:p>
-            <a:pPr algn="ctr"/>
-            <a:endParaRPr lang="en-SG"/>
-          </a:p>
-        </p:txBody>
-      </p:sp>
-      <p:sp>
-        <p:nvSpPr>
-          <p:cNvPr id="117" name="Isosceles Triangle 116"/>
-          <p:cNvSpPr/>
-          <p:nvPr/>
-        </p:nvSpPr>
-        <p:spPr>
-          <a:xfrm rot="5400000">
-            <a:off x="8228780" y="1740384"/>
-            <a:ext cx="226423" cy="184888"/>
-          </a:xfrm>
-          <a:prstGeom prst="triangle">
-            <a:avLst/>
-          </a:prstGeom>
-          <a:solidFill>
-            <a:srgbClr val="FFFF00"/>
-          </a:solidFill>
-        </p:spPr>
-        <p:style>
-          <a:lnRef idx="2">
-            <a:schemeClr val="accent1">
-              <a:shade val="50000"/>
-            </a:schemeClr>
-          </a:lnRef>
-          <a:fillRef idx="1">
-            <a:schemeClr val="accent1"/>
-          </a:fillRef>
-          <a:effectRef idx="0">
-            <a:schemeClr val="accent1"/>
-          </a:effectRef>
-          <a:fontRef idx="minor">
-            <a:schemeClr val="lt1"/>
-          </a:fontRef>
-        </p:style>
-        <p:txBody>
-          <a:bodyPr rtlCol="0" anchor="ctr"/>
-          <a:lstStyle/>
-          <a:p>
-            <a:pPr algn="ctr"/>
-            <a:endParaRPr lang="en-SG"/>
-          </a:p>
-        </p:txBody>
-      </p:sp>
-      <p:sp>
-        <p:nvSpPr>
-          <p:cNvPr id="118" name="TextBox 117"/>
-          <p:cNvSpPr txBox="1"/>
-          <p:nvPr/>
-        </p:nvSpPr>
-        <p:spPr>
-          <a:xfrm>
-            <a:off x="6661982" y="1663012"/>
-            <a:ext cx="835485" cy="215444"/>
-          </a:xfrm>
-          <a:prstGeom prst="rect">
-            <a:avLst/>
-          </a:prstGeom>
-          <a:noFill/>
-        </p:spPr>
-        <p:txBody>
-          <a:bodyPr wrap="none" rtlCol="0">
-            <a:spAutoFit/>
-          </a:bodyPr>
-          <a:lstStyle/>
-          <a:p>
-            <a:r>
-              <a:rPr lang="en-US" sz="800" dirty="0"/>
-              <a:t>EPA5: Translate</a:t>
-            </a:r>
-            <a:endParaRPr lang="en-SG" sz="800" dirty="0"/>
-          </a:p>
-        </p:txBody>
-      </p:sp>
-      <p:sp>
-        <p:nvSpPr>
-          <p:cNvPr id="119" name="Isosceles Triangle 118"/>
-          <p:cNvSpPr/>
-          <p:nvPr/>
-        </p:nvSpPr>
-        <p:spPr>
-          <a:xfrm rot="5400000">
-            <a:off x="6583910" y="1740384"/>
-            <a:ext cx="226423" cy="184888"/>
-          </a:xfrm>
-          <a:prstGeom prst="triangle">
-            <a:avLst/>
-          </a:prstGeom>
-          <a:solidFill>
-            <a:srgbClr val="FFFF00"/>
-          </a:solidFill>
-        </p:spPr>
-        <p:style>
-          <a:lnRef idx="2">
-            <a:schemeClr val="accent1">
-              <a:shade val="50000"/>
-            </a:schemeClr>
-          </a:lnRef>
-          <a:fillRef idx="1">
-            <a:schemeClr val="accent1"/>
-          </a:fillRef>
-          <a:effectRef idx="0">
-            <a:schemeClr val="accent1"/>
-          </a:effectRef>
-          <a:fontRef idx="minor">
-            <a:schemeClr val="lt1"/>
-          </a:fontRef>
-        </p:style>
-        <p:txBody>
-          <a:bodyPr rtlCol="0" anchor="ctr"/>
-          <a:lstStyle/>
-          <a:p>
-            <a:pPr algn="ctr"/>
-            <a:endParaRPr lang="en-SG"/>
-          </a:p>
-        </p:txBody>
-      </p:sp>
-      <p:sp>
-        <p:nvSpPr>
-          <p:cNvPr id="120" name="TextBox 119"/>
-          <p:cNvSpPr txBox="1"/>
-          <p:nvPr/>
-        </p:nvSpPr>
-        <p:spPr>
-          <a:xfrm>
-            <a:off x="6735424" y="1946692"/>
-            <a:ext cx="1387040" cy="507831"/>
-          </a:xfrm>
-          <a:prstGeom prst="rect">
-            <a:avLst/>
-          </a:prstGeom>
-          <a:noFill/>
-        </p:spPr>
-        <p:txBody>
-          <a:bodyPr wrap="square" rtlCol="0">
-            <a:spAutoFit/>
-          </a:bodyPr>
-          <a:lstStyle/>
-          <a:p>
-            <a:r>
-              <a:rPr lang="en-US" sz="900" dirty="0"/>
-              <a:t>message =“Major Jam at  </a:t>
-            </a:r>
-            <a:r>
-              <a:rPr lang="en-US" sz="900" dirty="0" err="1"/>
-              <a:t>RoadName</a:t>
-            </a:r>
-            <a:r>
-              <a:rPr lang="en-US" sz="900" dirty="0"/>
-              <a:t>”  exit at </a:t>
-            </a:r>
-            <a:r>
-              <a:rPr lang="en-US" sz="900" dirty="0" err="1"/>
-              <a:t>AlternativeRoad</a:t>
-            </a:r>
-            <a:endParaRPr lang="en-SG" sz="900" dirty="0"/>
-          </a:p>
-        </p:txBody>
-      </p:sp>
-      <p:sp>
-        <p:nvSpPr>
-          <p:cNvPr id="121" name="Rectangle: Rounded Corners 120"/>
-          <p:cNvSpPr/>
-          <p:nvPr/>
-        </p:nvSpPr>
-        <p:spPr>
-          <a:xfrm>
-            <a:off x="236172" y="4243028"/>
-            <a:ext cx="1068920" cy="566057"/>
-          </a:xfrm>
-          <a:prstGeom prst="roundRect">
-            <a:avLst/>
-          </a:prstGeom>
-          <a:noFill/>
-        </p:spPr>
-        <p:style>
-          <a:lnRef idx="2">
-            <a:schemeClr val="accent1">
-              <a:shade val="50000"/>
-            </a:schemeClr>
-          </a:lnRef>
-          <a:fillRef idx="1">
-            <a:schemeClr val="accent1"/>
-          </a:fillRef>
-          <a:effectRef idx="0">
-            <a:schemeClr val="accent1"/>
-          </a:effectRef>
-          <a:fontRef idx="minor">
-            <a:schemeClr val="lt1"/>
-          </a:fontRef>
-        </p:style>
-        <p:txBody>
-          <a:bodyPr rtlCol="0" anchor="ctr"/>
-          <a:lstStyle/>
-          <a:p>
-            <a:pPr algn="ctr"/>
-            <a:endParaRPr lang="en-SG"/>
-          </a:p>
-        </p:txBody>
-      </p:sp>
-      <p:sp>
-        <p:nvSpPr>
-          <p:cNvPr id="122" name="Isosceles Triangle 121"/>
-          <p:cNvSpPr/>
-          <p:nvPr/>
-        </p:nvSpPr>
-        <p:spPr>
-          <a:xfrm rot="5400000">
-            <a:off x="1191880" y="4433612"/>
-            <a:ext cx="226423" cy="184888"/>
-          </a:xfrm>
-          <a:prstGeom prst="triangle">
-            <a:avLst/>
-          </a:prstGeom>
-          <a:solidFill>
-            <a:srgbClr val="FFFF00"/>
-          </a:solidFill>
-        </p:spPr>
-        <p:style>
-          <a:lnRef idx="2">
-            <a:schemeClr val="accent1">
-              <a:shade val="50000"/>
-            </a:schemeClr>
-          </a:lnRef>
-          <a:fillRef idx="1">
-            <a:schemeClr val="accent1"/>
-          </a:fillRef>
-          <a:effectRef idx="0">
-            <a:schemeClr val="accent1"/>
-          </a:effectRef>
-          <a:fontRef idx="minor">
-            <a:schemeClr val="lt1"/>
-          </a:fontRef>
-        </p:style>
-        <p:txBody>
-          <a:bodyPr rtlCol="0" anchor="ctr"/>
-          <a:lstStyle/>
-          <a:p>
-            <a:pPr algn="ctr"/>
-            <a:endParaRPr lang="en-SG"/>
-          </a:p>
-        </p:txBody>
-      </p:sp>
-      <p:sp>
-        <p:nvSpPr>
-          <p:cNvPr id="123" name="TextBox 122"/>
-          <p:cNvSpPr txBox="1"/>
-          <p:nvPr/>
-        </p:nvSpPr>
-        <p:spPr>
-          <a:xfrm>
-            <a:off x="236172" y="4243028"/>
-            <a:ext cx="338554" cy="215444"/>
-          </a:xfrm>
-          <a:prstGeom prst="rect">
-            <a:avLst/>
-          </a:prstGeom>
-          <a:noFill/>
-        </p:spPr>
-        <p:txBody>
-          <a:bodyPr wrap="none" rtlCol="0">
-            <a:spAutoFit/>
-          </a:bodyPr>
-          <a:lstStyle/>
-          <a:p>
-            <a:r>
-              <a:rPr lang="en-US" sz="800" dirty="0"/>
-              <a:t>EP2</a:t>
-            </a:r>
-            <a:endParaRPr lang="en-SG" sz="800" dirty="0"/>
-          </a:p>
-        </p:txBody>
-      </p:sp>
-      <p:sp>
-        <p:nvSpPr>
-          <p:cNvPr id="124" name="TextBox 123"/>
-          <p:cNvSpPr txBox="1"/>
-          <p:nvPr/>
-        </p:nvSpPr>
-        <p:spPr>
-          <a:xfrm>
-            <a:off x="262319" y="4412844"/>
-            <a:ext cx="950327" cy="400110"/>
-          </a:xfrm>
-          <a:prstGeom prst="rect">
-            <a:avLst/>
-          </a:prstGeom>
-          <a:noFill/>
-        </p:spPr>
-        <p:txBody>
-          <a:bodyPr wrap="square" rtlCol="0">
-            <a:spAutoFit/>
-          </a:bodyPr>
-          <a:lstStyle/>
-          <a:p>
-            <a:r>
-              <a:rPr lang="en-US" sz="1000" dirty="0"/>
-              <a:t>NEA 2-hr </a:t>
-            </a:r>
-            <a:r>
-              <a:rPr lang="en-US" sz="1000" dirty="0" err="1"/>
-              <a:t>NowCast</a:t>
-            </a:r>
-            <a:endParaRPr lang="en-SG" sz="1000" dirty="0"/>
-          </a:p>
-        </p:txBody>
-      </p:sp>
-      <p:sp>
-        <p:nvSpPr>
-          <p:cNvPr id="125" name="Rectangle 124"/>
-          <p:cNvSpPr/>
-          <p:nvPr/>
-        </p:nvSpPr>
-        <p:spPr>
-          <a:xfrm>
-            <a:off x="6793782" y="3042168"/>
-            <a:ext cx="1384685" cy="507831"/>
-          </a:xfrm>
-          <a:prstGeom prst="rect">
-            <a:avLst/>
-          </a:prstGeom>
-        </p:spPr>
-        <p:txBody>
-          <a:bodyPr wrap="square">
-            <a:spAutoFit/>
-          </a:bodyPr>
-          <a:lstStyle/>
-          <a:p>
-            <a:r>
-              <a:rPr lang="en-SG" sz="900" dirty="0"/>
-              <a:t>message  =  “Traffic building at” </a:t>
-            </a:r>
-            <a:r>
-              <a:rPr lang="en-SG" sz="900" dirty="0" err="1"/>
-              <a:t>Roadname</a:t>
-            </a:r>
-            <a:r>
-              <a:rPr lang="en-SG" sz="900" dirty="0"/>
-              <a:t>. “exit at” </a:t>
-            </a:r>
-            <a:r>
-              <a:rPr lang="en-SG" sz="900" dirty="0" err="1"/>
-              <a:t>AlternativeRoad</a:t>
-            </a:r>
-            <a:endParaRPr lang="en-SG" sz="900" dirty="0"/>
-          </a:p>
-        </p:txBody>
-      </p:sp>
-      <p:sp>
-        <p:nvSpPr>
-          <p:cNvPr id="126" name="Hexagon 125"/>
-          <p:cNvSpPr/>
-          <p:nvPr/>
-        </p:nvSpPr>
-        <p:spPr>
-          <a:xfrm>
-            <a:off x="1650464" y="2663094"/>
-            <a:ext cx="774943" cy="467052"/>
-          </a:xfrm>
-          <a:prstGeom prst="hexagon">
-            <a:avLst/>
-          </a:prstGeom>
-          <a:noFill/>
-        </p:spPr>
-        <p:style>
-          <a:lnRef idx="2">
-            <a:schemeClr val="accent1">
-              <a:shade val="50000"/>
-            </a:schemeClr>
-          </a:lnRef>
-          <a:fillRef idx="1">
-            <a:schemeClr val="accent1"/>
-          </a:fillRef>
-          <a:effectRef idx="0">
-            <a:schemeClr val="accent1"/>
-          </a:effectRef>
-          <a:fontRef idx="minor">
-            <a:schemeClr val="lt1"/>
-          </a:fontRef>
-        </p:style>
-        <p:txBody>
-          <a:bodyPr rtlCol="0" anchor="ctr"/>
-          <a:lstStyle/>
-          <a:p>
-            <a:pPr algn="ctr"/>
-            <a:endParaRPr lang="en-SG"/>
-          </a:p>
-        </p:txBody>
-      </p:sp>
-      <p:cxnSp>
-        <p:nvCxnSpPr>
-          <p:cNvPr id="127" name="Straight Connector 126"/>
-          <p:cNvCxnSpPr>
-            <a:stCxn id="105" idx="0"/>
-          </p:cNvCxnSpPr>
-          <p:nvPr/>
-        </p:nvCxnSpPr>
-        <p:spPr>
-          <a:xfrm>
-            <a:off x="1363474" y="2894693"/>
-            <a:ext cx="290614" cy="1895"/>
-          </a:xfrm>
-          <a:prstGeom prst="line">
-            <a:avLst/>
-          </a:prstGeom>
-        </p:spPr>
-        <p:style>
-          <a:lnRef idx="1">
-            <a:schemeClr val="accent1"/>
-          </a:lnRef>
-          <a:fillRef idx="0">
-            <a:schemeClr val="accent1"/>
-          </a:fillRef>
-          <a:effectRef idx="0">
-            <a:schemeClr val="accent1"/>
-          </a:effectRef>
-          <a:fontRef idx="minor">
-            <a:schemeClr val="tx1"/>
-          </a:fontRef>
-        </p:style>
-      </p:cxnSp>
-      <p:cxnSp>
-        <p:nvCxnSpPr>
-          <p:cNvPr id="128" name="Connector: Elbow 127"/>
-          <p:cNvCxnSpPr>
-            <a:stCxn id="126" idx="0"/>
-            <a:endCxn id="114" idx="3"/>
-          </p:cNvCxnSpPr>
-          <p:nvPr/>
-        </p:nvCxnSpPr>
-        <p:spPr>
-          <a:xfrm flipV="1">
-            <a:off x="2425407" y="1831080"/>
-            <a:ext cx="731480" cy="1065540"/>
-          </a:xfrm>
-          <a:prstGeom prst="bentConnector3">
-            <a:avLst>
-              <a:gd name="adj1" fmla="val 50000"/>
-            </a:avLst>
-          </a:prstGeom>
-        </p:spPr>
-        <p:style>
-          <a:lnRef idx="1">
-            <a:schemeClr val="accent1"/>
-          </a:lnRef>
-          <a:fillRef idx="0">
-            <a:schemeClr val="accent1"/>
-          </a:fillRef>
-          <a:effectRef idx="0">
-            <a:schemeClr val="accent1"/>
-          </a:effectRef>
-          <a:fontRef idx="minor">
-            <a:schemeClr val="tx1"/>
-          </a:fontRef>
-        </p:style>
-      </p:cxnSp>
-      <p:sp>
-        <p:nvSpPr>
-          <p:cNvPr id="129" name="TextBox 128"/>
-          <p:cNvSpPr txBox="1"/>
-          <p:nvPr/>
-        </p:nvSpPr>
-        <p:spPr>
-          <a:xfrm>
-            <a:off x="1753956" y="2786286"/>
-            <a:ext cx="579005" cy="215444"/>
-          </a:xfrm>
-          <a:prstGeom prst="rect">
-            <a:avLst/>
-          </a:prstGeom>
-          <a:noFill/>
-        </p:spPr>
-        <p:txBody>
-          <a:bodyPr wrap="none" rtlCol="0">
-            <a:spAutoFit/>
-          </a:bodyPr>
-          <a:lstStyle/>
-          <a:p>
-            <a:r>
-              <a:rPr lang="en-US" sz="800" dirty="0"/>
-              <a:t>Channel1</a:t>
-            </a:r>
-            <a:endParaRPr lang="en-SG" sz="800" dirty="0"/>
-          </a:p>
-        </p:txBody>
-      </p:sp>
-      <p:cxnSp>
-        <p:nvCxnSpPr>
-          <p:cNvPr id="130" name="Connector: Elbow 129"/>
-          <p:cNvCxnSpPr>
-            <a:stCxn id="117" idx="0"/>
-            <a:endCxn id="109" idx="3"/>
-          </p:cNvCxnSpPr>
-          <p:nvPr/>
-        </p:nvCxnSpPr>
-        <p:spPr>
-          <a:xfrm>
-            <a:off x="8434436" y="1832829"/>
-            <a:ext cx="981279" cy="1418446"/>
-          </a:xfrm>
-          <a:prstGeom prst="bentConnector3">
-            <a:avLst/>
-          </a:prstGeom>
-        </p:spPr>
-        <p:style>
-          <a:lnRef idx="1">
-            <a:schemeClr val="accent1"/>
-          </a:lnRef>
-          <a:fillRef idx="0">
-            <a:schemeClr val="accent1"/>
-          </a:fillRef>
-          <a:effectRef idx="0">
-            <a:schemeClr val="accent1"/>
-          </a:effectRef>
-          <a:fontRef idx="minor">
-            <a:schemeClr val="tx1"/>
-          </a:fontRef>
-        </p:style>
-      </p:cxnSp>
-      <p:sp>
-        <p:nvSpPr>
-          <p:cNvPr id="131" name="Rectangle: Rounded Corners 130"/>
-          <p:cNvSpPr/>
-          <p:nvPr/>
-        </p:nvSpPr>
-        <p:spPr>
-          <a:xfrm>
-            <a:off x="6683347" y="2817635"/>
-            <a:ext cx="1632857" cy="885894"/>
-          </a:xfrm>
-          <a:prstGeom prst="roundRect">
-            <a:avLst/>
-          </a:prstGeom>
-          <a:noFill/>
-        </p:spPr>
-        <p:style>
-          <a:lnRef idx="2">
-            <a:schemeClr val="accent1">
-              <a:shade val="50000"/>
-            </a:schemeClr>
-          </a:lnRef>
-          <a:fillRef idx="1">
-            <a:schemeClr val="accent1"/>
-          </a:fillRef>
-          <a:effectRef idx="0">
-            <a:schemeClr val="accent1"/>
-          </a:effectRef>
-          <a:fontRef idx="minor">
-            <a:schemeClr val="lt1"/>
-          </a:fontRef>
-        </p:style>
-        <p:txBody>
-          <a:bodyPr rtlCol="0" anchor="ctr"/>
-          <a:lstStyle/>
-          <a:p>
-            <a:pPr algn="ctr"/>
-            <a:endParaRPr lang="en-SG"/>
-          </a:p>
-        </p:txBody>
-      </p:sp>
-      <p:sp>
-        <p:nvSpPr>
-          <p:cNvPr id="132" name="Isosceles Triangle 131"/>
-          <p:cNvSpPr/>
-          <p:nvPr/>
-        </p:nvSpPr>
-        <p:spPr>
-          <a:xfrm rot="5400000">
-            <a:off x="8250146" y="2895007"/>
-            <a:ext cx="226423" cy="184888"/>
-          </a:xfrm>
-          <a:prstGeom prst="triangle">
-            <a:avLst/>
-          </a:prstGeom>
-          <a:solidFill>
-            <a:srgbClr val="FFFF00"/>
-          </a:solidFill>
-        </p:spPr>
-        <p:style>
-          <a:lnRef idx="2">
-            <a:schemeClr val="accent1">
-              <a:shade val="50000"/>
-            </a:schemeClr>
-          </a:lnRef>
-          <a:fillRef idx="1">
-            <a:schemeClr val="accent1"/>
-          </a:fillRef>
-          <a:effectRef idx="0">
-            <a:schemeClr val="accent1"/>
-          </a:effectRef>
-          <a:fontRef idx="minor">
-            <a:schemeClr val="lt1"/>
-          </a:fontRef>
-        </p:style>
-        <p:txBody>
-          <a:bodyPr rtlCol="0" anchor="ctr"/>
-          <a:lstStyle/>
-          <a:p>
-            <a:pPr algn="ctr"/>
-            <a:endParaRPr lang="en-SG"/>
-          </a:p>
-        </p:txBody>
-      </p:sp>
-      <p:sp>
-        <p:nvSpPr>
-          <p:cNvPr id="133" name="TextBox 132"/>
-          <p:cNvSpPr txBox="1"/>
-          <p:nvPr/>
-        </p:nvSpPr>
-        <p:spPr>
-          <a:xfrm>
-            <a:off x="6683348" y="2817635"/>
-            <a:ext cx="835485" cy="215444"/>
-          </a:xfrm>
-          <a:prstGeom prst="rect">
-            <a:avLst/>
-          </a:prstGeom>
-          <a:noFill/>
-        </p:spPr>
-        <p:txBody>
-          <a:bodyPr wrap="none" rtlCol="0">
-            <a:spAutoFit/>
-          </a:bodyPr>
-          <a:lstStyle/>
-          <a:p>
-            <a:r>
-              <a:rPr lang="en-US" sz="800" dirty="0"/>
-              <a:t>EPA6: Translate</a:t>
-            </a:r>
-            <a:endParaRPr lang="en-SG" sz="800" dirty="0"/>
-          </a:p>
-        </p:txBody>
-      </p:sp>
-      <p:sp>
-        <p:nvSpPr>
-          <p:cNvPr id="134" name="Isosceles Triangle 133"/>
-          <p:cNvSpPr/>
-          <p:nvPr/>
-        </p:nvSpPr>
-        <p:spPr>
-          <a:xfrm rot="5400000">
-            <a:off x="6605276" y="2921134"/>
-            <a:ext cx="226423" cy="184888"/>
-          </a:xfrm>
-          <a:prstGeom prst="triangle">
-            <a:avLst/>
-          </a:prstGeom>
-          <a:solidFill>
-            <a:srgbClr val="FFFF00"/>
-          </a:solidFill>
-        </p:spPr>
-        <p:style>
-          <a:lnRef idx="2">
-            <a:schemeClr val="accent1">
-              <a:shade val="50000"/>
-            </a:schemeClr>
-          </a:lnRef>
-          <a:fillRef idx="1">
-            <a:schemeClr val="accent1"/>
-          </a:fillRef>
-          <a:effectRef idx="0">
-            <a:schemeClr val="accent1"/>
-          </a:effectRef>
-          <a:fontRef idx="minor">
-            <a:schemeClr val="lt1"/>
-          </a:fontRef>
-        </p:style>
-        <p:txBody>
-          <a:bodyPr rtlCol="0" anchor="ctr"/>
-          <a:lstStyle/>
-          <a:p>
-            <a:pPr algn="ctr"/>
-            <a:endParaRPr lang="en-SG"/>
-          </a:p>
-        </p:txBody>
-      </p:sp>
-      <p:cxnSp>
-        <p:nvCxnSpPr>
-          <p:cNvPr id="135" name="Connector: Elbow 134"/>
-          <p:cNvCxnSpPr>
-            <a:stCxn id="132" idx="0"/>
-            <a:endCxn id="109" idx="3"/>
-          </p:cNvCxnSpPr>
-          <p:nvPr/>
-        </p:nvCxnSpPr>
-        <p:spPr>
-          <a:xfrm>
-            <a:off x="8455802" y="2987452"/>
-            <a:ext cx="959913" cy="263823"/>
-          </a:xfrm>
-          <a:prstGeom prst="bentConnector3">
-            <a:avLst>
-              <a:gd name="adj1" fmla="val 50000"/>
-            </a:avLst>
-          </a:prstGeom>
-        </p:spPr>
-        <p:style>
-          <a:lnRef idx="1">
-            <a:schemeClr val="accent1"/>
-          </a:lnRef>
-          <a:fillRef idx="0">
-            <a:schemeClr val="accent1"/>
-          </a:fillRef>
-          <a:effectRef idx="0">
-            <a:schemeClr val="accent1"/>
-          </a:effectRef>
-          <a:fontRef idx="minor">
-            <a:schemeClr val="tx1"/>
-          </a:fontRef>
-        </p:style>
-      </p:cxnSp>
-      <p:sp>
-        <p:nvSpPr>
-          <p:cNvPr id="136" name="Rectangle: Rounded Corners 135"/>
-          <p:cNvSpPr/>
-          <p:nvPr/>
-        </p:nvSpPr>
-        <p:spPr>
-          <a:xfrm>
-            <a:off x="3227394" y="2768680"/>
-            <a:ext cx="1632857" cy="885894"/>
-          </a:xfrm>
-          <a:prstGeom prst="roundRect">
-            <a:avLst/>
-          </a:prstGeom>
-          <a:noFill/>
-        </p:spPr>
-        <p:style>
-          <a:lnRef idx="2">
-            <a:schemeClr val="accent1">
-              <a:shade val="50000"/>
-            </a:schemeClr>
-          </a:lnRef>
-          <a:fillRef idx="1">
-            <a:schemeClr val="accent1"/>
-          </a:fillRef>
-          <a:effectRef idx="0">
-            <a:schemeClr val="accent1"/>
-          </a:effectRef>
-          <a:fontRef idx="minor">
-            <a:schemeClr val="lt1"/>
-          </a:fontRef>
-        </p:style>
-        <p:txBody>
-          <a:bodyPr rtlCol="0" anchor="ctr"/>
-          <a:lstStyle/>
-          <a:p>
-            <a:pPr algn="ctr"/>
-            <a:endParaRPr lang="en-SG"/>
-          </a:p>
-        </p:txBody>
-      </p:sp>
-      <p:sp>
-        <p:nvSpPr>
-          <p:cNvPr id="137" name="TextBox 136"/>
-          <p:cNvSpPr txBox="1"/>
-          <p:nvPr/>
-        </p:nvSpPr>
-        <p:spPr>
-          <a:xfrm>
-            <a:off x="3275557" y="2814959"/>
-            <a:ext cx="1236236" cy="215444"/>
-          </a:xfrm>
-          <a:prstGeom prst="rect">
-            <a:avLst/>
-          </a:prstGeom>
-          <a:noFill/>
-        </p:spPr>
-        <p:txBody>
-          <a:bodyPr wrap="none" rtlCol="0">
-            <a:spAutoFit/>
-          </a:bodyPr>
-          <a:lstStyle/>
-          <a:p>
-            <a:r>
-              <a:rPr lang="en-US" sz="800" dirty="0"/>
-              <a:t>EPA3: Pattern - Temporal</a:t>
-            </a:r>
-            <a:endParaRPr lang="en-SG" sz="800" dirty="0"/>
-          </a:p>
-        </p:txBody>
-      </p:sp>
-      <p:sp>
-        <p:nvSpPr>
-          <p:cNvPr id="138" name="Isosceles Triangle 137"/>
-          <p:cNvSpPr/>
-          <p:nvPr/>
-        </p:nvSpPr>
-        <p:spPr>
-          <a:xfrm rot="5400000">
-            <a:off x="3145961" y="2928247"/>
-            <a:ext cx="226423" cy="184888"/>
-          </a:xfrm>
-          <a:prstGeom prst="triangle">
-            <a:avLst/>
-          </a:prstGeom>
-          <a:solidFill>
-            <a:srgbClr val="FFFF00"/>
-          </a:solidFill>
-        </p:spPr>
-        <p:style>
-          <a:lnRef idx="2">
-            <a:schemeClr val="accent1">
-              <a:shade val="50000"/>
-            </a:schemeClr>
-          </a:lnRef>
-          <a:fillRef idx="1">
-            <a:schemeClr val="accent1"/>
-          </a:fillRef>
-          <a:effectRef idx="0">
-            <a:schemeClr val="accent1"/>
-          </a:effectRef>
-          <a:fontRef idx="minor">
-            <a:schemeClr val="lt1"/>
-          </a:fontRef>
-        </p:style>
-        <p:txBody>
-          <a:bodyPr rtlCol="0" anchor="ctr"/>
-          <a:lstStyle/>
-          <a:p>
-            <a:pPr algn="ctr"/>
-            <a:endParaRPr lang="en-SG"/>
-          </a:p>
-        </p:txBody>
-      </p:sp>
-      <p:sp>
-        <p:nvSpPr>
-          <p:cNvPr id="139" name="Isosceles Triangle 138"/>
-          <p:cNvSpPr/>
-          <p:nvPr/>
-        </p:nvSpPr>
-        <p:spPr>
-          <a:xfrm rot="5400000">
-            <a:off x="4791655" y="2922165"/>
-            <a:ext cx="226423" cy="184888"/>
-          </a:xfrm>
-          <a:prstGeom prst="triangle">
-            <a:avLst/>
-          </a:prstGeom>
-          <a:solidFill>
-            <a:srgbClr val="FFFF00"/>
-          </a:solidFill>
-        </p:spPr>
-        <p:style>
-          <a:lnRef idx="2">
-            <a:schemeClr val="accent1">
-              <a:shade val="50000"/>
-            </a:schemeClr>
-          </a:lnRef>
-          <a:fillRef idx="1">
-            <a:schemeClr val="accent1"/>
-          </a:fillRef>
-          <a:effectRef idx="0">
-            <a:schemeClr val="accent1"/>
-          </a:effectRef>
-          <a:fontRef idx="minor">
-            <a:schemeClr val="lt1"/>
-          </a:fontRef>
-        </p:style>
-        <p:txBody>
-          <a:bodyPr rtlCol="0" anchor="ctr"/>
-          <a:lstStyle/>
-          <a:p>
-            <a:pPr algn="ctr"/>
-            <a:endParaRPr lang="en-SG"/>
-          </a:p>
-        </p:txBody>
-      </p:sp>
-      <p:cxnSp>
-        <p:nvCxnSpPr>
-          <p:cNvPr id="140" name="Connector: Elbow 139"/>
-          <p:cNvCxnSpPr>
-            <a:stCxn id="126" idx="0"/>
-            <a:endCxn id="138" idx="3"/>
-          </p:cNvCxnSpPr>
-          <p:nvPr/>
-        </p:nvCxnSpPr>
-        <p:spPr>
-          <a:xfrm>
-            <a:off x="2425407" y="2896620"/>
-            <a:ext cx="741322" cy="124072"/>
-          </a:xfrm>
-          <a:prstGeom prst="bentConnector3">
-            <a:avLst>
-              <a:gd name="adj1" fmla="val 50000"/>
-            </a:avLst>
-          </a:prstGeom>
-        </p:spPr>
-        <p:style>
-          <a:lnRef idx="1">
-            <a:schemeClr val="accent1"/>
-          </a:lnRef>
-          <a:fillRef idx="0">
-            <a:schemeClr val="accent1"/>
-          </a:fillRef>
-          <a:effectRef idx="0">
-            <a:schemeClr val="accent1"/>
-          </a:effectRef>
-          <a:fontRef idx="minor">
-            <a:schemeClr val="tx1"/>
-          </a:fontRef>
-        </p:style>
-      </p:cxnSp>
-      <p:sp>
-        <p:nvSpPr>
-          <p:cNvPr id="141" name="Rectangle 140"/>
-          <p:cNvSpPr/>
-          <p:nvPr/>
-        </p:nvSpPr>
-        <p:spPr>
-          <a:xfrm>
-            <a:off x="3345837" y="2998839"/>
-            <a:ext cx="1722405" cy="507831"/>
-          </a:xfrm>
-          <a:prstGeom prst="rect">
-            <a:avLst/>
-          </a:prstGeom>
-        </p:spPr>
-        <p:txBody>
-          <a:bodyPr wrap="square">
-            <a:spAutoFit/>
-          </a:bodyPr>
-          <a:lstStyle/>
-          <a:p>
-            <a:r>
-              <a:rPr lang="en-SG" sz="900" dirty="0"/>
-              <a:t>road category =  C/B &amp;</a:t>
-            </a:r>
-          </a:p>
-          <a:p>
-            <a:r>
-              <a:rPr lang="en-SG" sz="900" dirty="0"/>
-              <a:t>previous speed band = 3 &amp;</a:t>
-            </a:r>
-          </a:p>
-          <a:p>
-            <a:r>
-              <a:rPr lang="en-SG" sz="900" dirty="0"/>
-              <a:t>current speed band = 2</a:t>
-            </a:r>
-          </a:p>
-        </p:txBody>
-      </p:sp>
-      <p:cxnSp>
-        <p:nvCxnSpPr>
-          <p:cNvPr id="142" name="Straight Connector 141"/>
-          <p:cNvCxnSpPr>
-            <a:stCxn id="139" idx="0"/>
-            <a:endCxn id="134" idx="3"/>
-          </p:cNvCxnSpPr>
-          <p:nvPr/>
-        </p:nvCxnSpPr>
-        <p:spPr>
-          <a:xfrm flipV="1">
-            <a:off x="4997311" y="3013579"/>
-            <a:ext cx="1628733" cy="1031"/>
-          </a:xfrm>
-          <a:prstGeom prst="line">
-            <a:avLst/>
-          </a:prstGeom>
-        </p:spPr>
-        <p:style>
-          <a:lnRef idx="1">
-            <a:schemeClr val="accent1"/>
-          </a:lnRef>
-          <a:fillRef idx="0">
-            <a:schemeClr val="accent1"/>
-          </a:fillRef>
-          <a:effectRef idx="0">
-            <a:schemeClr val="accent1"/>
-          </a:effectRef>
-          <a:fontRef idx="minor">
-            <a:schemeClr val="tx1"/>
-          </a:fontRef>
-        </p:style>
-      </p:cxnSp>
-      <p:cxnSp>
-        <p:nvCxnSpPr>
-          <p:cNvPr id="143" name="Connector: Elbow 142"/>
-          <p:cNvCxnSpPr>
-            <a:stCxn id="156" idx="3"/>
-            <a:endCxn id="109" idx="3"/>
-          </p:cNvCxnSpPr>
-          <p:nvPr/>
-        </p:nvCxnSpPr>
-        <p:spPr>
-          <a:xfrm flipV="1">
-            <a:off x="8329978" y="3251275"/>
-            <a:ext cx="1085737" cy="1153664"/>
-          </a:xfrm>
-          <a:prstGeom prst="bentConnector3">
-            <a:avLst>
-              <a:gd name="adj1" fmla="val 56591"/>
-            </a:avLst>
-          </a:prstGeom>
-        </p:spPr>
-        <p:style>
-          <a:lnRef idx="1">
-            <a:schemeClr val="accent1"/>
-          </a:lnRef>
-          <a:fillRef idx="0">
-            <a:schemeClr val="accent1"/>
-          </a:fillRef>
-          <a:effectRef idx="0">
-            <a:schemeClr val="accent1"/>
-          </a:effectRef>
-          <a:fontRef idx="minor">
-            <a:schemeClr val="tx1"/>
-          </a:fontRef>
-        </p:style>
-      </p:cxnSp>
-      <p:cxnSp>
-        <p:nvCxnSpPr>
-          <p:cNvPr id="144" name="Connector: Elbow 143"/>
-          <p:cNvCxnSpPr>
-            <a:stCxn id="172" idx="0"/>
-            <a:endCxn id="109" idx="3"/>
-          </p:cNvCxnSpPr>
-          <p:nvPr/>
-        </p:nvCxnSpPr>
-        <p:spPr>
-          <a:xfrm flipV="1">
-            <a:off x="8455802" y="3251275"/>
-            <a:ext cx="959913" cy="2419070"/>
-          </a:xfrm>
-          <a:prstGeom prst="bentConnector3">
-            <a:avLst/>
-          </a:prstGeom>
-        </p:spPr>
-        <p:style>
-          <a:lnRef idx="1">
-            <a:schemeClr val="accent1"/>
-          </a:lnRef>
-          <a:fillRef idx="0">
-            <a:schemeClr val="accent1"/>
-          </a:fillRef>
-          <a:effectRef idx="0">
-            <a:schemeClr val="accent1"/>
-          </a:effectRef>
-          <a:fontRef idx="minor">
-            <a:schemeClr val="tx1"/>
-          </a:fontRef>
-        </p:style>
-      </p:cxnSp>
-      <p:sp>
-        <p:nvSpPr>
-          <p:cNvPr id="145" name="Rectangle 144"/>
-          <p:cNvSpPr/>
-          <p:nvPr/>
-        </p:nvSpPr>
-        <p:spPr>
-          <a:xfrm>
-            <a:off x="3354526" y="1875728"/>
-            <a:ext cx="1722405" cy="507831"/>
-          </a:xfrm>
-          <a:prstGeom prst="rect">
-            <a:avLst/>
-          </a:prstGeom>
-        </p:spPr>
-        <p:txBody>
-          <a:bodyPr wrap="square">
-            <a:spAutoFit/>
-          </a:bodyPr>
-          <a:lstStyle/>
-          <a:p>
-            <a:r>
-              <a:rPr lang="en-SG" sz="900" dirty="0"/>
-              <a:t>road category =  C/B &amp;</a:t>
-            </a:r>
-          </a:p>
-          <a:p>
-            <a:r>
-              <a:rPr lang="en-SG" sz="900" dirty="0"/>
-              <a:t>previous speed band = 2 &amp;</a:t>
-            </a:r>
-          </a:p>
-          <a:p>
-            <a:r>
-              <a:rPr lang="en-SG" sz="900" dirty="0"/>
-              <a:t>current speed band = 1</a:t>
-            </a:r>
-          </a:p>
-        </p:txBody>
-      </p:sp>
-      <p:sp>
-        <p:nvSpPr>
-          <p:cNvPr id="146" name="Isosceles Triangle 145"/>
-          <p:cNvSpPr/>
-          <p:nvPr/>
-        </p:nvSpPr>
-        <p:spPr>
-          <a:xfrm rot="5400000">
-            <a:off x="4791926" y="1738178"/>
-            <a:ext cx="226423" cy="184888"/>
-          </a:xfrm>
-          <a:prstGeom prst="triangle">
-            <a:avLst/>
-          </a:prstGeom>
-          <a:solidFill>
-            <a:srgbClr val="FFFF00"/>
-          </a:solidFill>
-        </p:spPr>
-        <p:style>
-          <a:lnRef idx="2">
-            <a:schemeClr val="accent1">
-              <a:shade val="50000"/>
-            </a:schemeClr>
-          </a:lnRef>
-          <a:fillRef idx="1">
-            <a:schemeClr val="accent1"/>
-          </a:fillRef>
-          <a:effectRef idx="0">
-            <a:schemeClr val="accent1"/>
-          </a:effectRef>
-          <a:fontRef idx="minor">
-            <a:schemeClr val="lt1"/>
-          </a:fontRef>
-        </p:style>
-        <p:txBody>
-          <a:bodyPr rtlCol="0" anchor="ctr"/>
-          <a:lstStyle/>
-          <a:p>
-            <a:pPr algn="ctr"/>
-            <a:endParaRPr lang="en-SG"/>
-          </a:p>
-        </p:txBody>
-      </p:sp>
-      <p:cxnSp>
-        <p:nvCxnSpPr>
-          <p:cNvPr id="147" name="Straight Connector 146"/>
-          <p:cNvCxnSpPr>
-            <a:stCxn id="122" idx="0"/>
-            <a:endCxn id="150" idx="3"/>
-          </p:cNvCxnSpPr>
-          <p:nvPr/>
-        </p:nvCxnSpPr>
-        <p:spPr>
-          <a:xfrm>
-            <a:off x="1397536" y="4526057"/>
-            <a:ext cx="1755928" cy="6293"/>
-          </a:xfrm>
-          <a:prstGeom prst="line">
-            <a:avLst/>
-          </a:prstGeom>
-        </p:spPr>
-        <p:style>
-          <a:lnRef idx="1">
-            <a:schemeClr val="accent1"/>
-          </a:lnRef>
-          <a:fillRef idx="0">
-            <a:schemeClr val="accent1"/>
-          </a:fillRef>
-          <a:effectRef idx="0">
-            <a:schemeClr val="accent1"/>
-          </a:effectRef>
-          <a:fontRef idx="minor">
-            <a:schemeClr val="tx1"/>
-          </a:fontRef>
-        </p:style>
-      </p:cxnSp>
-      <p:sp>
-        <p:nvSpPr>
-          <p:cNvPr id="148" name="Rectangle: Rounded Corners 147"/>
-          <p:cNvSpPr/>
-          <p:nvPr/>
-        </p:nvSpPr>
-        <p:spPr>
-          <a:xfrm>
-            <a:off x="3212003" y="3905253"/>
-            <a:ext cx="1632857" cy="885894"/>
-          </a:xfrm>
-          <a:prstGeom prst="roundRect">
-            <a:avLst/>
-          </a:prstGeom>
-          <a:noFill/>
-        </p:spPr>
-        <p:style>
-          <a:lnRef idx="2">
-            <a:schemeClr val="accent1">
-              <a:shade val="50000"/>
-            </a:schemeClr>
-          </a:lnRef>
-          <a:fillRef idx="1">
-            <a:schemeClr val="accent1"/>
-          </a:fillRef>
-          <a:effectRef idx="0">
-            <a:schemeClr val="accent1"/>
-          </a:effectRef>
-          <a:fontRef idx="minor">
-            <a:schemeClr val="lt1"/>
-          </a:fontRef>
-        </p:style>
-        <p:txBody>
-          <a:bodyPr rtlCol="0" anchor="ctr"/>
-          <a:lstStyle/>
-          <a:p>
-            <a:pPr algn="ctr"/>
-            <a:endParaRPr lang="en-SG"/>
-          </a:p>
-        </p:txBody>
-      </p:sp>
-      <p:sp>
-        <p:nvSpPr>
-          <p:cNvPr id="149" name="TextBox 148"/>
-          <p:cNvSpPr txBox="1"/>
-          <p:nvPr/>
-        </p:nvSpPr>
-        <p:spPr>
-          <a:xfrm>
-            <a:off x="3260166" y="3951532"/>
-            <a:ext cx="1117614" cy="215444"/>
-          </a:xfrm>
-          <a:prstGeom prst="rect">
-            <a:avLst/>
-          </a:prstGeom>
-          <a:noFill/>
-        </p:spPr>
-        <p:txBody>
-          <a:bodyPr wrap="none" rtlCol="0">
-            <a:spAutoFit/>
-          </a:bodyPr>
-          <a:lstStyle/>
-          <a:p>
-            <a:r>
-              <a:rPr lang="en-US" sz="800" dirty="0"/>
-              <a:t>EPA3: Pattern - Spatial</a:t>
-            </a:r>
-            <a:endParaRPr lang="en-SG" sz="800" dirty="0"/>
-          </a:p>
-        </p:txBody>
-      </p:sp>
-      <p:sp>
-        <p:nvSpPr>
-          <p:cNvPr id="150" name="Isosceles Triangle 149"/>
-          <p:cNvSpPr/>
-          <p:nvPr/>
-        </p:nvSpPr>
-        <p:spPr>
-          <a:xfrm rot="5400000">
-            <a:off x="3132696" y="4439905"/>
-            <a:ext cx="226423" cy="184888"/>
-          </a:xfrm>
-          <a:prstGeom prst="triangle">
-            <a:avLst/>
-          </a:prstGeom>
-          <a:solidFill>
-            <a:srgbClr val="FFFF00"/>
-          </a:solidFill>
-        </p:spPr>
-        <p:style>
-          <a:lnRef idx="2">
-            <a:schemeClr val="accent1">
-              <a:shade val="50000"/>
-            </a:schemeClr>
-          </a:lnRef>
-          <a:fillRef idx="1">
-            <a:schemeClr val="accent1"/>
-          </a:fillRef>
-          <a:effectRef idx="0">
-            <a:schemeClr val="accent1"/>
-          </a:effectRef>
-          <a:fontRef idx="minor">
-            <a:schemeClr val="lt1"/>
-          </a:fontRef>
-        </p:style>
-        <p:txBody>
-          <a:bodyPr rtlCol="0" anchor="ctr"/>
-          <a:lstStyle/>
-          <a:p>
-            <a:pPr algn="ctr"/>
-            <a:endParaRPr lang="en-SG"/>
-          </a:p>
-        </p:txBody>
-      </p:sp>
-      <p:sp>
-        <p:nvSpPr>
-          <p:cNvPr id="151" name="Isosceles Triangle 150"/>
-          <p:cNvSpPr/>
-          <p:nvPr/>
-        </p:nvSpPr>
-        <p:spPr>
-          <a:xfrm rot="5400000">
-            <a:off x="4776264" y="4058738"/>
-            <a:ext cx="226423" cy="184888"/>
-          </a:xfrm>
-          <a:prstGeom prst="triangle">
-            <a:avLst/>
-          </a:prstGeom>
-          <a:solidFill>
-            <a:srgbClr val="FFFF00"/>
-          </a:solidFill>
-        </p:spPr>
-        <p:style>
-          <a:lnRef idx="2">
-            <a:schemeClr val="accent1">
-              <a:shade val="50000"/>
-            </a:schemeClr>
-          </a:lnRef>
-          <a:fillRef idx="1">
-            <a:schemeClr val="accent1"/>
-          </a:fillRef>
-          <a:effectRef idx="0">
-            <a:schemeClr val="accent1"/>
-          </a:effectRef>
-          <a:fontRef idx="minor">
-            <a:schemeClr val="lt1"/>
-          </a:fontRef>
-        </p:style>
-        <p:txBody>
-          <a:bodyPr rtlCol="0" anchor="ctr"/>
-          <a:lstStyle/>
-          <a:p>
-            <a:pPr algn="ctr"/>
-            <a:endParaRPr lang="en-SG"/>
-          </a:p>
-        </p:txBody>
-      </p:sp>
-      <p:sp>
-        <p:nvSpPr>
-          <p:cNvPr id="152" name="Rectangle 151"/>
-          <p:cNvSpPr/>
-          <p:nvPr/>
-        </p:nvSpPr>
-        <p:spPr>
-          <a:xfrm>
-            <a:off x="3330446" y="4135412"/>
-            <a:ext cx="1722405" cy="507831"/>
-          </a:xfrm>
-          <a:prstGeom prst="rect">
-            <a:avLst/>
-          </a:prstGeom>
-        </p:spPr>
-        <p:txBody>
-          <a:bodyPr wrap="square">
-            <a:spAutoFit/>
-          </a:bodyPr>
-          <a:lstStyle/>
-          <a:p>
-            <a:r>
-              <a:rPr lang="en-SG" sz="900" dirty="0"/>
-              <a:t>road category =  C/B &amp;</a:t>
-            </a:r>
-          </a:p>
-          <a:p>
-            <a:r>
-              <a:rPr lang="en-SG" sz="900" dirty="0"/>
-              <a:t>current speed band = 2/3 &amp;</a:t>
-            </a:r>
-          </a:p>
-          <a:p>
-            <a:r>
-              <a:rPr lang="en-SG" sz="900" dirty="0"/>
-              <a:t>Forecast in area =HG/HR/HS/HT </a:t>
-            </a:r>
-          </a:p>
-        </p:txBody>
-      </p:sp>
-      <p:sp>
-        <p:nvSpPr>
-          <p:cNvPr id="153" name="Isosceles Triangle 152"/>
-          <p:cNvSpPr/>
-          <p:nvPr/>
-        </p:nvSpPr>
-        <p:spPr>
-          <a:xfrm rot="5400000">
-            <a:off x="3115393" y="4038474"/>
-            <a:ext cx="226423" cy="184888"/>
-          </a:xfrm>
-          <a:prstGeom prst="triangle">
-            <a:avLst/>
-          </a:prstGeom>
-          <a:solidFill>
-            <a:srgbClr val="FFFF00"/>
-          </a:solidFill>
-        </p:spPr>
-        <p:style>
-          <a:lnRef idx="2">
-            <a:schemeClr val="accent1">
-              <a:shade val="50000"/>
-            </a:schemeClr>
-          </a:lnRef>
-          <a:fillRef idx="1">
-            <a:schemeClr val="accent1"/>
-          </a:fillRef>
-          <a:effectRef idx="0">
-            <a:schemeClr val="accent1"/>
-          </a:effectRef>
-          <a:fontRef idx="minor">
-            <a:schemeClr val="lt1"/>
-          </a:fontRef>
-        </p:style>
-        <p:txBody>
-          <a:bodyPr rtlCol="0" anchor="ctr"/>
-          <a:lstStyle/>
-          <a:p>
-            <a:pPr algn="ctr"/>
-            <a:endParaRPr lang="en-SG"/>
-          </a:p>
-        </p:txBody>
-      </p:sp>
-      <p:cxnSp>
-        <p:nvCxnSpPr>
-          <p:cNvPr id="154" name="Connector: Elbow 153"/>
-          <p:cNvCxnSpPr>
-            <a:stCxn id="126" idx="0"/>
-            <a:endCxn id="153" idx="3"/>
-          </p:cNvCxnSpPr>
-          <p:nvPr/>
-        </p:nvCxnSpPr>
-        <p:spPr>
-          <a:xfrm>
-            <a:off x="2425407" y="2896620"/>
-            <a:ext cx="710754" cy="1234299"/>
-          </a:xfrm>
-          <a:prstGeom prst="bentConnector3">
-            <a:avLst>
-              <a:gd name="adj1" fmla="val 50000"/>
-            </a:avLst>
-          </a:prstGeom>
-        </p:spPr>
-        <p:style>
-          <a:lnRef idx="1">
-            <a:schemeClr val="accent1"/>
-          </a:lnRef>
-          <a:fillRef idx="0">
-            <a:schemeClr val="accent1"/>
-          </a:fillRef>
-          <a:effectRef idx="0">
-            <a:schemeClr val="accent1"/>
-          </a:effectRef>
-          <a:fontRef idx="minor">
-            <a:schemeClr val="tx1"/>
-          </a:fontRef>
-        </p:style>
-      </p:cxnSp>
-      <p:sp>
-        <p:nvSpPr>
-          <p:cNvPr id="155" name="Rectangle 154"/>
-          <p:cNvSpPr/>
-          <p:nvPr/>
-        </p:nvSpPr>
-        <p:spPr>
-          <a:xfrm>
-            <a:off x="6807556" y="4186525"/>
-            <a:ext cx="1326513" cy="507831"/>
-          </a:xfrm>
-          <a:prstGeom prst="rect">
-            <a:avLst/>
-          </a:prstGeom>
-        </p:spPr>
-        <p:txBody>
-          <a:bodyPr wrap="square">
-            <a:spAutoFit/>
-          </a:bodyPr>
-          <a:lstStyle/>
-          <a:p>
-            <a:r>
-              <a:rPr lang="en-SG" sz="900" dirty="0"/>
-              <a:t>message  =  “Heavy Rain expect in” Area.  Drive with caution”</a:t>
-            </a:r>
-          </a:p>
-        </p:txBody>
-      </p:sp>
-      <p:sp>
-        <p:nvSpPr>
-          <p:cNvPr id="156" name="Rectangle: Rounded Corners 155"/>
-          <p:cNvSpPr/>
-          <p:nvPr/>
-        </p:nvSpPr>
-        <p:spPr>
-          <a:xfrm>
-            <a:off x="6697121" y="3961992"/>
-            <a:ext cx="1632857" cy="885894"/>
-          </a:xfrm>
-          <a:prstGeom prst="roundRect">
-            <a:avLst/>
-          </a:prstGeom>
-          <a:noFill/>
-        </p:spPr>
-        <p:style>
-          <a:lnRef idx="2">
-            <a:schemeClr val="accent1">
-              <a:shade val="50000"/>
-            </a:schemeClr>
-          </a:lnRef>
-          <a:fillRef idx="1">
-            <a:schemeClr val="accent1"/>
-          </a:fillRef>
-          <a:effectRef idx="0">
-            <a:schemeClr val="accent1"/>
-          </a:effectRef>
-          <a:fontRef idx="minor">
-            <a:schemeClr val="lt1"/>
-          </a:fontRef>
-        </p:style>
-        <p:txBody>
-          <a:bodyPr rtlCol="0" anchor="ctr"/>
-          <a:lstStyle/>
-          <a:p>
-            <a:pPr algn="ctr"/>
-            <a:endParaRPr lang="en-SG"/>
-          </a:p>
-        </p:txBody>
-      </p:sp>
-      <p:sp>
-        <p:nvSpPr>
-          <p:cNvPr id="157" name="Isosceles Triangle 156"/>
-          <p:cNvSpPr/>
-          <p:nvPr/>
-        </p:nvSpPr>
-        <p:spPr>
-          <a:xfrm rot="5400000">
-            <a:off x="8263920" y="4039364"/>
-            <a:ext cx="226423" cy="184888"/>
-          </a:xfrm>
-          <a:prstGeom prst="triangle">
-            <a:avLst/>
-          </a:prstGeom>
-          <a:solidFill>
-            <a:srgbClr val="FFFF00"/>
-          </a:solidFill>
-        </p:spPr>
-        <p:style>
-          <a:lnRef idx="2">
-            <a:schemeClr val="accent1">
-              <a:shade val="50000"/>
-            </a:schemeClr>
-          </a:lnRef>
-          <a:fillRef idx="1">
-            <a:schemeClr val="accent1"/>
-          </a:fillRef>
-          <a:effectRef idx="0">
-            <a:schemeClr val="accent1"/>
-          </a:effectRef>
-          <a:fontRef idx="minor">
-            <a:schemeClr val="lt1"/>
-          </a:fontRef>
-        </p:style>
-        <p:txBody>
-          <a:bodyPr rtlCol="0" anchor="ctr"/>
-          <a:lstStyle/>
-          <a:p>
-            <a:pPr algn="ctr"/>
-            <a:endParaRPr lang="en-SG"/>
-          </a:p>
-        </p:txBody>
-      </p:sp>
-      <p:sp>
-        <p:nvSpPr>
-          <p:cNvPr id="158" name="TextBox 157"/>
-          <p:cNvSpPr txBox="1"/>
-          <p:nvPr/>
-        </p:nvSpPr>
-        <p:spPr>
-          <a:xfrm>
-            <a:off x="6697122" y="3961992"/>
-            <a:ext cx="835485" cy="215444"/>
-          </a:xfrm>
-          <a:prstGeom prst="rect">
-            <a:avLst/>
-          </a:prstGeom>
-          <a:noFill/>
-        </p:spPr>
-        <p:txBody>
-          <a:bodyPr wrap="none" rtlCol="0">
-            <a:spAutoFit/>
-          </a:bodyPr>
-          <a:lstStyle/>
-          <a:p>
-            <a:r>
-              <a:rPr lang="en-US" sz="800" dirty="0"/>
-              <a:t>EPA7: Translate</a:t>
-            </a:r>
-            <a:endParaRPr lang="en-SG" sz="800" dirty="0"/>
-          </a:p>
-        </p:txBody>
-      </p:sp>
-      <p:sp>
-        <p:nvSpPr>
-          <p:cNvPr id="159" name="Isosceles Triangle 158"/>
-          <p:cNvSpPr/>
-          <p:nvPr/>
-        </p:nvSpPr>
-        <p:spPr>
-          <a:xfrm rot="5400000">
-            <a:off x="6619050" y="4065491"/>
-            <a:ext cx="226423" cy="184888"/>
-          </a:xfrm>
-          <a:prstGeom prst="triangle">
-            <a:avLst/>
-          </a:prstGeom>
-          <a:solidFill>
-            <a:srgbClr val="FFFF00"/>
-          </a:solidFill>
-        </p:spPr>
-        <p:style>
-          <a:lnRef idx="2">
-            <a:schemeClr val="accent1">
-              <a:shade val="50000"/>
-            </a:schemeClr>
-          </a:lnRef>
-          <a:fillRef idx="1">
-            <a:schemeClr val="accent1"/>
-          </a:fillRef>
-          <a:effectRef idx="0">
-            <a:schemeClr val="accent1"/>
-          </a:effectRef>
-          <a:fontRef idx="minor">
-            <a:schemeClr val="lt1"/>
-          </a:fontRef>
-        </p:style>
-        <p:txBody>
-          <a:bodyPr rtlCol="0" anchor="ctr"/>
-          <a:lstStyle/>
-          <a:p>
-            <a:pPr algn="ctr"/>
-            <a:endParaRPr lang="en-SG"/>
-          </a:p>
-        </p:txBody>
-      </p:sp>
-      <p:cxnSp>
-        <p:nvCxnSpPr>
-          <p:cNvPr id="160" name="Straight Connector 159"/>
-          <p:cNvCxnSpPr>
-            <a:stCxn id="151" idx="0"/>
-            <a:endCxn id="159" idx="3"/>
-          </p:cNvCxnSpPr>
-          <p:nvPr/>
-        </p:nvCxnSpPr>
-        <p:spPr>
-          <a:xfrm>
-            <a:off x="4981920" y="4151183"/>
-            <a:ext cx="1657898" cy="6753"/>
-          </a:xfrm>
-          <a:prstGeom prst="line">
-            <a:avLst/>
-          </a:prstGeom>
-        </p:spPr>
-        <p:style>
-          <a:lnRef idx="1">
-            <a:schemeClr val="accent1"/>
-          </a:lnRef>
-          <a:fillRef idx="0">
-            <a:schemeClr val="accent1"/>
-          </a:fillRef>
-          <a:effectRef idx="0">
-            <a:schemeClr val="accent1"/>
-          </a:effectRef>
-          <a:fontRef idx="minor">
-            <a:schemeClr val="tx1"/>
-          </a:fontRef>
-        </p:style>
-      </p:cxnSp>
-      <p:sp>
-        <p:nvSpPr>
-          <p:cNvPr id="161" name="Rectangle: Rounded Corners 160"/>
-          <p:cNvSpPr/>
-          <p:nvPr/>
-        </p:nvSpPr>
-        <p:spPr>
-          <a:xfrm>
-            <a:off x="248324" y="5457306"/>
-            <a:ext cx="1068920" cy="566057"/>
-          </a:xfrm>
-          <a:prstGeom prst="roundRect">
-            <a:avLst/>
-          </a:prstGeom>
-          <a:noFill/>
-        </p:spPr>
-        <p:style>
-          <a:lnRef idx="2">
-            <a:schemeClr val="accent1">
-              <a:shade val="50000"/>
-            </a:schemeClr>
-          </a:lnRef>
-          <a:fillRef idx="1">
-            <a:schemeClr val="accent1"/>
-          </a:fillRef>
-          <a:effectRef idx="0">
-            <a:schemeClr val="accent1"/>
-          </a:effectRef>
-          <a:fontRef idx="minor">
-            <a:schemeClr val="lt1"/>
-          </a:fontRef>
-        </p:style>
-        <p:txBody>
-          <a:bodyPr rtlCol="0" anchor="ctr"/>
-          <a:lstStyle/>
-          <a:p>
-            <a:pPr algn="ctr"/>
-            <a:endParaRPr lang="en-SG"/>
-          </a:p>
-        </p:txBody>
-      </p:sp>
-      <p:sp>
-        <p:nvSpPr>
-          <p:cNvPr id="162" name="Isosceles Triangle 161"/>
-          <p:cNvSpPr/>
-          <p:nvPr/>
-        </p:nvSpPr>
-        <p:spPr>
-          <a:xfrm rot="5400000">
-            <a:off x="1204032" y="5647890"/>
-            <a:ext cx="226423" cy="184888"/>
-          </a:xfrm>
-          <a:prstGeom prst="triangle">
-            <a:avLst/>
-          </a:prstGeom>
-          <a:solidFill>
-            <a:srgbClr val="FFFF00"/>
-          </a:solidFill>
-        </p:spPr>
-        <p:style>
-          <a:lnRef idx="2">
-            <a:schemeClr val="accent1">
-              <a:shade val="50000"/>
-            </a:schemeClr>
-          </a:lnRef>
-          <a:fillRef idx="1">
-            <a:schemeClr val="accent1"/>
-          </a:fillRef>
-          <a:effectRef idx="0">
-            <a:schemeClr val="accent1"/>
-          </a:effectRef>
-          <a:fontRef idx="minor">
-            <a:schemeClr val="lt1"/>
-          </a:fontRef>
-        </p:style>
-        <p:txBody>
-          <a:bodyPr rtlCol="0" anchor="ctr"/>
-          <a:lstStyle/>
-          <a:p>
-            <a:pPr algn="ctr"/>
-            <a:endParaRPr lang="en-SG"/>
-          </a:p>
-        </p:txBody>
-      </p:sp>
-      <p:sp>
-        <p:nvSpPr>
-          <p:cNvPr id="163" name="TextBox 162"/>
-          <p:cNvSpPr txBox="1"/>
-          <p:nvPr/>
-        </p:nvSpPr>
-        <p:spPr>
-          <a:xfrm>
-            <a:off x="248324" y="5457306"/>
-            <a:ext cx="338554" cy="215444"/>
-          </a:xfrm>
-          <a:prstGeom prst="rect">
-            <a:avLst/>
-          </a:prstGeom>
-          <a:noFill/>
-        </p:spPr>
-        <p:txBody>
-          <a:bodyPr wrap="none" rtlCol="0">
-            <a:spAutoFit/>
-          </a:bodyPr>
-          <a:lstStyle/>
-          <a:p>
-            <a:r>
-              <a:rPr lang="en-US" sz="800" dirty="0"/>
-              <a:t>EP3</a:t>
-            </a:r>
-            <a:endParaRPr lang="en-SG" sz="800" dirty="0"/>
-          </a:p>
-        </p:txBody>
-      </p:sp>
-      <p:sp>
-        <p:nvSpPr>
-          <p:cNvPr id="164" name="TextBox 163"/>
-          <p:cNvSpPr txBox="1"/>
-          <p:nvPr/>
-        </p:nvSpPr>
-        <p:spPr>
-          <a:xfrm>
-            <a:off x="274471" y="5627122"/>
-            <a:ext cx="1016625" cy="246221"/>
-          </a:xfrm>
-          <a:prstGeom prst="rect">
-            <a:avLst/>
-          </a:prstGeom>
-          <a:noFill/>
-        </p:spPr>
-        <p:txBody>
-          <a:bodyPr wrap="none" rtlCol="0">
-            <a:spAutoFit/>
-          </a:bodyPr>
-          <a:lstStyle/>
-          <a:p>
-            <a:r>
-              <a:rPr lang="en-US" sz="1000" dirty="0"/>
-              <a:t>Traffic Incidents</a:t>
-            </a:r>
-            <a:endParaRPr lang="en-SG" sz="1000" dirty="0"/>
-          </a:p>
-        </p:txBody>
-      </p:sp>
-      <p:cxnSp>
-        <p:nvCxnSpPr>
-          <p:cNvPr id="165" name="Straight Connector 164"/>
-          <p:cNvCxnSpPr>
-            <a:stCxn id="162" idx="0"/>
-            <a:endCxn id="168" idx="3"/>
-          </p:cNvCxnSpPr>
-          <p:nvPr/>
-        </p:nvCxnSpPr>
-        <p:spPr>
-          <a:xfrm>
-            <a:off x="1409688" y="5740335"/>
-            <a:ext cx="1726473" cy="13969"/>
-          </a:xfrm>
-          <a:prstGeom prst="line">
-            <a:avLst/>
-          </a:prstGeom>
-        </p:spPr>
-        <p:style>
-          <a:lnRef idx="1">
-            <a:schemeClr val="accent1"/>
-          </a:lnRef>
-          <a:fillRef idx="0">
-            <a:schemeClr val="accent1"/>
-          </a:fillRef>
-          <a:effectRef idx="0">
-            <a:schemeClr val="accent1"/>
-          </a:effectRef>
-          <a:fontRef idx="minor">
-            <a:schemeClr val="tx1"/>
-          </a:fontRef>
-        </p:style>
-      </p:cxnSp>
-      <p:sp>
-        <p:nvSpPr>
-          <p:cNvPr id="166" name="Rectangle: Rounded Corners 165"/>
-          <p:cNvSpPr/>
-          <p:nvPr/>
-        </p:nvSpPr>
-        <p:spPr>
-          <a:xfrm>
-            <a:off x="3212003" y="5528638"/>
-            <a:ext cx="1632857" cy="885894"/>
-          </a:xfrm>
-          <a:prstGeom prst="roundRect">
-            <a:avLst/>
-          </a:prstGeom>
-          <a:noFill/>
-        </p:spPr>
-        <p:style>
-          <a:lnRef idx="2">
-            <a:schemeClr val="accent1">
-              <a:shade val="50000"/>
-            </a:schemeClr>
-          </a:lnRef>
-          <a:fillRef idx="1">
-            <a:schemeClr val="accent1"/>
-          </a:fillRef>
-          <a:effectRef idx="0">
-            <a:schemeClr val="accent1"/>
-          </a:effectRef>
-          <a:fontRef idx="minor">
-            <a:schemeClr val="lt1"/>
-          </a:fontRef>
-        </p:style>
-        <p:txBody>
-          <a:bodyPr rtlCol="0" anchor="ctr"/>
-          <a:lstStyle/>
-          <a:p>
-            <a:pPr algn="ctr"/>
-            <a:endParaRPr lang="en-SG"/>
-          </a:p>
-        </p:txBody>
-      </p:sp>
-      <p:sp>
-        <p:nvSpPr>
-          <p:cNvPr id="167" name="TextBox 166"/>
-          <p:cNvSpPr txBox="1"/>
-          <p:nvPr/>
-        </p:nvSpPr>
-        <p:spPr>
-          <a:xfrm>
-            <a:off x="3260166" y="5574917"/>
-            <a:ext cx="662361" cy="215444"/>
-          </a:xfrm>
-          <a:prstGeom prst="rect">
-            <a:avLst/>
-          </a:prstGeom>
-          <a:noFill/>
-        </p:spPr>
-        <p:txBody>
-          <a:bodyPr wrap="none" rtlCol="0">
-            <a:spAutoFit/>
-          </a:bodyPr>
-          <a:lstStyle/>
-          <a:p>
-            <a:r>
-              <a:rPr lang="en-US" sz="800" dirty="0"/>
-              <a:t>EPA4: Filter</a:t>
-            </a:r>
-            <a:endParaRPr lang="en-SG" sz="800" dirty="0"/>
-          </a:p>
-        </p:txBody>
-      </p:sp>
-      <p:sp>
-        <p:nvSpPr>
-          <p:cNvPr id="168" name="Isosceles Triangle 167"/>
-          <p:cNvSpPr/>
-          <p:nvPr/>
-        </p:nvSpPr>
-        <p:spPr>
-          <a:xfrm rot="5400000">
-            <a:off x="3115393" y="5661859"/>
-            <a:ext cx="226423" cy="184888"/>
-          </a:xfrm>
-          <a:prstGeom prst="triangle">
-            <a:avLst/>
-          </a:prstGeom>
-          <a:solidFill>
-            <a:srgbClr val="FFFF00"/>
-          </a:solidFill>
-        </p:spPr>
-        <p:style>
-          <a:lnRef idx="2">
-            <a:schemeClr val="accent1">
-              <a:shade val="50000"/>
-            </a:schemeClr>
-          </a:lnRef>
-          <a:fillRef idx="1">
-            <a:schemeClr val="accent1"/>
-          </a:fillRef>
-          <a:effectRef idx="0">
-            <a:schemeClr val="accent1"/>
-          </a:effectRef>
-          <a:fontRef idx="minor">
-            <a:schemeClr val="lt1"/>
-          </a:fontRef>
-        </p:style>
-        <p:txBody>
-          <a:bodyPr rtlCol="0" anchor="ctr"/>
-          <a:lstStyle/>
-          <a:p>
-            <a:pPr algn="ctr"/>
-            <a:endParaRPr lang="en-SG"/>
-          </a:p>
-        </p:txBody>
-      </p:sp>
-      <p:sp>
-        <p:nvSpPr>
-          <p:cNvPr id="169" name="Isosceles Triangle 168"/>
-          <p:cNvSpPr/>
-          <p:nvPr/>
-        </p:nvSpPr>
-        <p:spPr>
-          <a:xfrm rot="5400000">
-            <a:off x="4761591" y="5584706"/>
-            <a:ext cx="226423" cy="184888"/>
-          </a:xfrm>
-          <a:prstGeom prst="triangle">
-            <a:avLst/>
-          </a:prstGeom>
-          <a:solidFill>
-            <a:srgbClr val="FFFF00"/>
-          </a:solidFill>
-        </p:spPr>
-        <p:style>
-          <a:lnRef idx="2">
-            <a:schemeClr val="accent1">
-              <a:shade val="50000"/>
-            </a:schemeClr>
-          </a:lnRef>
-          <a:fillRef idx="1">
-            <a:schemeClr val="accent1"/>
-          </a:fillRef>
-          <a:effectRef idx="0">
-            <a:schemeClr val="accent1"/>
-          </a:effectRef>
-          <a:fontRef idx="minor">
-            <a:schemeClr val="lt1"/>
-          </a:fontRef>
-        </p:style>
-        <p:txBody>
-          <a:bodyPr rtlCol="0" anchor="ctr"/>
-          <a:lstStyle/>
-          <a:p>
-            <a:pPr algn="ctr"/>
-            <a:endParaRPr lang="en-SG"/>
-          </a:p>
-        </p:txBody>
-      </p:sp>
-      <p:sp>
-        <p:nvSpPr>
-          <p:cNvPr id="170" name="Rectangle 169"/>
-          <p:cNvSpPr/>
-          <p:nvPr/>
-        </p:nvSpPr>
-        <p:spPr>
-          <a:xfrm>
-            <a:off x="6793782" y="5725061"/>
-            <a:ext cx="1326513" cy="507831"/>
-          </a:xfrm>
-          <a:prstGeom prst="rect">
-            <a:avLst/>
-          </a:prstGeom>
-        </p:spPr>
-        <p:txBody>
-          <a:bodyPr wrap="square">
-            <a:spAutoFit/>
-          </a:bodyPr>
-          <a:lstStyle/>
-          <a:p>
-            <a:r>
-              <a:rPr lang="en-SG" sz="900" dirty="0"/>
-              <a:t>message  =  “Heavy Rain expect in” Area.  Drive with caution”</a:t>
-            </a:r>
-          </a:p>
-        </p:txBody>
-      </p:sp>
-      <p:sp>
-        <p:nvSpPr>
-          <p:cNvPr id="171" name="Rectangle: Rounded Corners 170"/>
-          <p:cNvSpPr/>
-          <p:nvPr/>
-        </p:nvSpPr>
-        <p:spPr>
-          <a:xfrm>
-            <a:off x="6683347" y="5500528"/>
-            <a:ext cx="1632857" cy="885894"/>
-          </a:xfrm>
-          <a:prstGeom prst="roundRect">
-            <a:avLst/>
-          </a:prstGeom>
-          <a:noFill/>
-        </p:spPr>
-        <p:style>
-          <a:lnRef idx="2">
-            <a:schemeClr val="accent1">
-              <a:shade val="50000"/>
-            </a:schemeClr>
-          </a:lnRef>
-          <a:fillRef idx="1">
-            <a:schemeClr val="accent1"/>
-          </a:fillRef>
-          <a:effectRef idx="0">
-            <a:schemeClr val="accent1"/>
-          </a:effectRef>
-          <a:fontRef idx="minor">
-            <a:schemeClr val="lt1"/>
-          </a:fontRef>
-        </p:style>
-        <p:txBody>
-          <a:bodyPr rtlCol="0" anchor="ctr"/>
-          <a:lstStyle/>
-          <a:p>
-            <a:pPr algn="ctr"/>
-            <a:endParaRPr lang="en-SG"/>
-          </a:p>
-        </p:txBody>
-      </p:sp>
-      <p:sp>
-        <p:nvSpPr>
-          <p:cNvPr id="172" name="Isosceles Triangle 171"/>
-          <p:cNvSpPr/>
-          <p:nvPr/>
-        </p:nvSpPr>
-        <p:spPr>
-          <a:xfrm rot="5400000">
-            <a:off x="8250146" y="5577900"/>
-            <a:ext cx="226423" cy="184888"/>
-          </a:xfrm>
-          <a:prstGeom prst="triangle">
-            <a:avLst/>
-          </a:prstGeom>
-          <a:solidFill>
-            <a:srgbClr val="FFFF00"/>
-          </a:solidFill>
-        </p:spPr>
-        <p:style>
-          <a:lnRef idx="2">
-            <a:schemeClr val="accent1">
-              <a:shade val="50000"/>
-            </a:schemeClr>
-          </a:lnRef>
-          <a:fillRef idx="1">
-            <a:schemeClr val="accent1"/>
-          </a:fillRef>
-          <a:effectRef idx="0">
-            <a:schemeClr val="accent1"/>
-          </a:effectRef>
-          <a:fontRef idx="minor">
-            <a:schemeClr val="lt1"/>
-          </a:fontRef>
-        </p:style>
-        <p:txBody>
-          <a:bodyPr rtlCol="0" anchor="ctr"/>
-          <a:lstStyle/>
-          <a:p>
-            <a:pPr algn="ctr"/>
-            <a:endParaRPr lang="en-SG"/>
-          </a:p>
-        </p:txBody>
-      </p:sp>
-      <p:sp>
-        <p:nvSpPr>
-          <p:cNvPr id="173" name="TextBox 172"/>
-          <p:cNvSpPr txBox="1"/>
-          <p:nvPr/>
-        </p:nvSpPr>
-        <p:spPr>
-          <a:xfrm>
-            <a:off x="6683348" y="5500528"/>
-            <a:ext cx="835485" cy="215444"/>
-          </a:xfrm>
-          <a:prstGeom prst="rect">
-            <a:avLst/>
-          </a:prstGeom>
-          <a:noFill/>
-        </p:spPr>
-        <p:txBody>
-          <a:bodyPr wrap="none" rtlCol="0">
-            <a:spAutoFit/>
-          </a:bodyPr>
-          <a:lstStyle/>
-          <a:p>
-            <a:r>
-              <a:rPr lang="en-US" sz="800" dirty="0"/>
-              <a:t>EPA8: Translate</a:t>
-            </a:r>
-            <a:endParaRPr lang="en-SG" sz="800" dirty="0"/>
-          </a:p>
-        </p:txBody>
-      </p:sp>
-      <p:sp>
-        <p:nvSpPr>
-          <p:cNvPr id="174" name="Isosceles Triangle 173"/>
-          <p:cNvSpPr/>
-          <p:nvPr/>
-        </p:nvSpPr>
-        <p:spPr>
-          <a:xfrm rot="5400000">
-            <a:off x="6605276" y="5604027"/>
-            <a:ext cx="226423" cy="184888"/>
-          </a:xfrm>
-          <a:prstGeom prst="triangle">
-            <a:avLst/>
-          </a:prstGeom>
-          <a:solidFill>
-            <a:srgbClr val="FFFF00"/>
-          </a:solidFill>
-        </p:spPr>
-        <p:style>
-          <a:lnRef idx="2">
-            <a:schemeClr val="accent1">
-              <a:shade val="50000"/>
-            </a:schemeClr>
-          </a:lnRef>
-          <a:fillRef idx="1">
-            <a:schemeClr val="accent1"/>
-          </a:fillRef>
-          <a:effectRef idx="0">
-            <a:schemeClr val="accent1"/>
-          </a:effectRef>
-          <a:fontRef idx="minor">
-            <a:schemeClr val="lt1"/>
-          </a:fontRef>
-        </p:style>
-        <p:txBody>
-          <a:bodyPr rtlCol="0" anchor="ctr"/>
-          <a:lstStyle/>
-          <a:p>
-            <a:pPr algn="ctr"/>
-            <a:endParaRPr lang="en-SG"/>
-          </a:p>
-        </p:txBody>
-      </p:sp>
-      <p:sp>
-        <p:nvSpPr>
-          <p:cNvPr id="175" name="Rectangle 174"/>
-          <p:cNvSpPr/>
-          <p:nvPr/>
-        </p:nvSpPr>
-        <p:spPr>
-          <a:xfrm>
-            <a:off x="3307120" y="5820010"/>
-            <a:ext cx="1722405" cy="369332"/>
-          </a:xfrm>
-          <a:prstGeom prst="rect">
-            <a:avLst/>
-          </a:prstGeom>
-        </p:spPr>
-        <p:txBody>
-          <a:bodyPr wrap="square">
-            <a:spAutoFit/>
-          </a:bodyPr>
-          <a:lstStyle/>
-          <a:p>
-            <a:r>
-              <a:rPr lang="en-SG" sz="900" dirty="0"/>
-              <a:t>Type = accident/vehicle breakdown/unattended vehicle</a:t>
-            </a:r>
-          </a:p>
-        </p:txBody>
-      </p:sp>
-      <p:cxnSp>
-        <p:nvCxnSpPr>
-          <p:cNvPr id="176" name="Straight Connector 175"/>
-          <p:cNvCxnSpPr>
-            <a:stCxn id="169" idx="0"/>
-            <a:endCxn id="174" idx="3"/>
-          </p:cNvCxnSpPr>
-          <p:nvPr/>
-        </p:nvCxnSpPr>
-        <p:spPr>
-          <a:xfrm>
-            <a:off x="4967247" y="5677151"/>
-            <a:ext cx="1658797" cy="19321"/>
-          </a:xfrm>
-          <a:prstGeom prst="line">
-            <a:avLst/>
-          </a:prstGeom>
-        </p:spPr>
-        <p:style>
-          <a:lnRef idx="1">
-            <a:schemeClr val="accent1"/>
-          </a:lnRef>
-          <a:fillRef idx="0">
-            <a:schemeClr val="accent1"/>
-          </a:fillRef>
-          <a:effectRef idx="0">
-            <a:schemeClr val="accent1"/>
-          </a:effectRef>
-          <a:fontRef idx="minor">
-            <a:schemeClr val="tx1"/>
-          </a:fontRef>
-        </p:style>
-      </p:cxnSp>
-      <p:sp>
-        <p:nvSpPr>
-          <p:cNvPr id="177" name="Cylinder 176"/>
-          <p:cNvSpPr/>
-          <p:nvPr/>
-        </p:nvSpPr>
-        <p:spPr>
-          <a:xfrm>
-            <a:off x="5649602" y="4506994"/>
-            <a:ext cx="615863" cy="804643"/>
-          </a:xfrm>
-          <a:prstGeom prst="can">
-            <a:avLst/>
-          </a:prstGeom>
-          <a:noFill/>
-        </p:spPr>
-        <p:style>
-          <a:lnRef idx="2">
-            <a:schemeClr val="accent1">
-              <a:shade val="50000"/>
-            </a:schemeClr>
-          </a:lnRef>
-          <a:fillRef idx="1">
-            <a:schemeClr val="accent1"/>
-          </a:fillRef>
-          <a:effectRef idx="0">
-            <a:schemeClr val="accent1"/>
-          </a:effectRef>
-          <a:fontRef idx="minor">
-            <a:schemeClr val="lt1"/>
-          </a:fontRef>
-        </p:style>
-        <p:txBody>
-          <a:bodyPr rtlCol="0" anchor="ctr"/>
-          <a:lstStyle/>
-          <a:p>
-            <a:pPr algn="ctr"/>
-            <a:endParaRPr lang="en-SG"/>
-          </a:p>
-        </p:txBody>
-      </p:sp>
-      <p:sp>
-        <p:nvSpPr>
-          <p:cNvPr id="178" name="TextBox 177"/>
-          <p:cNvSpPr txBox="1"/>
-          <p:nvPr/>
-        </p:nvSpPr>
-        <p:spPr>
-          <a:xfrm>
-            <a:off x="5635164" y="4721237"/>
-            <a:ext cx="630301" cy="461665"/>
-          </a:xfrm>
-          <a:prstGeom prst="rect">
-            <a:avLst/>
-          </a:prstGeom>
-          <a:noFill/>
-        </p:spPr>
-        <p:txBody>
-          <a:bodyPr wrap="none" rtlCol="0">
-            <a:spAutoFit/>
-          </a:bodyPr>
-          <a:lstStyle/>
-          <a:p>
-            <a:r>
-              <a:rPr lang="en-US" sz="800" dirty="0"/>
-              <a:t>Singapore</a:t>
-            </a:r>
-          </a:p>
-          <a:p>
-            <a:r>
-              <a:rPr lang="en-US" sz="800" dirty="0"/>
-              <a:t>Geospatial</a:t>
-            </a:r>
-          </a:p>
-          <a:p>
-            <a:r>
-              <a:rPr lang="en-US" sz="800" dirty="0"/>
-              <a:t>Database</a:t>
-            </a:r>
-            <a:endParaRPr lang="en-SG" sz="800" dirty="0"/>
-          </a:p>
-        </p:txBody>
-      </p:sp>
-      <p:cxnSp>
-        <p:nvCxnSpPr>
-          <p:cNvPr id="179" name="Connector: Elbow 178"/>
-          <p:cNvCxnSpPr>
-            <a:stCxn id="177" idx="0"/>
-            <a:endCxn id="131" idx="1"/>
-          </p:cNvCxnSpPr>
-          <p:nvPr/>
-        </p:nvCxnSpPr>
-        <p:spPr>
-          <a:xfrm rot="5400000" flipH="1" flipV="1">
-            <a:off x="5620251" y="3597865"/>
-            <a:ext cx="1400378" cy="725813"/>
-          </a:xfrm>
-          <a:prstGeom prst="bentConnector2">
-            <a:avLst/>
-          </a:prstGeom>
           <a:ln>
-            <a:prstDash val="dash"/>
-            <a:tailEnd type="triangle"/>
+            <a:solidFill>
+              <a:schemeClr val="tx1"/>
+            </a:solidFill>
           </a:ln>
         </p:spPr>
-        <p:style>
-          <a:lnRef idx="1">
-            <a:schemeClr val="accent1"/>
-          </a:lnRef>
-          <a:fillRef idx="0">
-            <a:schemeClr val="accent1"/>
-          </a:fillRef>
-          <a:effectRef idx="0">
-            <a:schemeClr val="accent1"/>
-          </a:effectRef>
-          <a:fontRef idx="minor">
-            <a:schemeClr val="tx1"/>
-          </a:fontRef>
-        </p:style>
-      </p:cxnSp>
-      <p:cxnSp>
-        <p:nvCxnSpPr>
-          <p:cNvPr id="180" name="Connector: Elbow 179"/>
-          <p:cNvCxnSpPr>
-            <a:stCxn id="177" idx="0"/>
-            <a:endCxn id="116" idx="1"/>
-          </p:cNvCxnSpPr>
-          <p:nvPr/>
-        </p:nvCxnSpPr>
-        <p:spPr>
-          <a:xfrm rot="5400000" flipH="1" flipV="1">
-            <a:off x="5032257" y="3031237"/>
-            <a:ext cx="2555001" cy="704447"/>
-          </a:xfrm>
-          <a:prstGeom prst="bentConnector2">
-            <a:avLst/>
-          </a:prstGeom>
-          <a:ln>
-            <a:prstDash val="dash"/>
-            <a:tailEnd type="triangle"/>
-          </a:ln>
-        </p:spPr>
-        <p:style>
-          <a:lnRef idx="1">
-            <a:schemeClr val="accent1"/>
-          </a:lnRef>
-          <a:fillRef idx="0">
-            <a:schemeClr val="accent1"/>
-          </a:fillRef>
-          <a:effectRef idx="0">
-            <a:schemeClr val="accent1"/>
-          </a:effectRef>
-          <a:fontRef idx="minor">
-            <a:schemeClr val="tx1"/>
-          </a:fontRef>
-        </p:style>
-      </p:cxnSp>
+      </p:pic>
     </p:spTree>
     <p:extLst>
       <p:ext uri="{BB962C8B-B14F-4D97-AF65-F5344CB8AC3E}">
-        <p14:creationId xmlns:p14="http://schemas.microsoft.com/office/powerpoint/2010/main" val="2596329936"/>
+        <p14:creationId xmlns:p14="http://schemas.microsoft.com/office/powerpoint/2010/main" val="1705675212"/>
       </p:ext>
     </p:extLst>
   </p:cSld>
   <p:clrMapOvr>
     <a:masterClrMapping/>
   </p:clrMapOvr>
+  <p:timing>
+    <p:tnLst>
+      <p:par>
+        <p:cTn id="1" dur="indefinite" restart="never" nodeType="tmRoot"/>
+      </p:par>
+    </p:tnLst>
+  </p:timing>
 </p:sld>
 </file>
 
@@ -9291,6 +6753,3227 @@
           <a:lstStyle/>
           <a:p>
             <a:r>
+              <a:rPr lang="en-US" dirty="0" smtClean="0"/>
+              <a:t>Insight Discovery</a:t>
+            </a:r>
+            <a:endParaRPr lang="en-US" dirty="0"/>
+          </a:p>
+        </p:txBody>
+      </p:sp>
+      <p:sp>
+        <p:nvSpPr>
+          <p:cNvPr id="3" name="Content Placeholder 2"/>
+          <p:cNvSpPr>
+            <a:spLocks noGrp="1"/>
+          </p:cNvSpPr>
+          <p:nvPr>
+            <p:ph idx="1"/>
+          </p:nvPr>
+        </p:nvSpPr>
+        <p:spPr>
+          <a:xfrm>
+            <a:off x="216627" y="1460406"/>
+            <a:ext cx="8596668" cy="3880773"/>
+          </a:xfrm>
+        </p:spPr>
+        <p:txBody>
+          <a:bodyPr/>
+          <a:lstStyle/>
+          <a:p>
+            <a:pPr>
+              <a:buFont typeface="Wingdings" panose="05000000000000000000" pitchFamily="2" charset="2"/>
+              <a:buChar char="Ø"/>
+            </a:pPr>
+            <a:r>
+              <a:rPr lang="en-US" dirty="0" smtClean="0"/>
+              <a:t>Traffic conditions at all arterial roads</a:t>
+            </a:r>
+            <a:endParaRPr lang="en-US" dirty="0"/>
+          </a:p>
+          <a:p>
+            <a:endParaRPr lang="en-US" dirty="0"/>
+          </a:p>
+        </p:txBody>
+      </p:sp>
+      <p:pic>
+        <p:nvPicPr>
+          <p:cNvPr id="7" name="Picture 6"/>
+          <p:cNvPicPr/>
+          <p:nvPr/>
+        </p:nvPicPr>
+        <p:blipFill>
+          <a:blip r:embed="rId2">
+            <a:extLst>
+              <a:ext uri="{28A0092B-C50C-407E-A947-70E740481C1C}">
+                <a14:useLocalDpi xmlns:a14="http://schemas.microsoft.com/office/drawing/2010/main" val="0"/>
+              </a:ext>
+            </a:extLst>
+          </a:blip>
+          <a:srcRect/>
+          <a:stretch>
+            <a:fillRect/>
+          </a:stretch>
+        </p:blipFill>
+        <p:spPr bwMode="auto">
+          <a:xfrm>
+            <a:off x="2447689" y="1930400"/>
+            <a:ext cx="7287020" cy="4871851"/>
+          </a:xfrm>
+          <a:prstGeom prst="rect">
+            <a:avLst/>
+          </a:prstGeom>
+          <a:noFill/>
+          <a:ln>
+            <a:solidFill>
+              <a:schemeClr val="tx1"/>
+            </a:solidFill>
+          </a:ln>
+        </p:spPr>
+      </p:pic>
+    </p:spTree>
+    <p:extLst>
+      <p:ext uri="{BB962C8B-B14F-4D97-AF65-F5344CB8AC3E}">
+        <p14:creationId xmlns:p14="http://schemas.microsoft.com/office/powerpoint/2010/main" val="2390656002"/>
+      </p:ext>
+    </p:extLst>
+  </p:cSld>
+  <p:clrMapOvr>
+    <a:masterClrMapping/>
+  </p:clrMapOvr>
+  <p:timing>
+    <p:tnLst>
+      <p:par>
+        <p:cTn id="1" dur="indefinite" restart="never" nodeType="tmRoot"/>
+      </p:par>
+    </p:tnLst>
+  </p:timing>
+</p:sld>
+</file>
+
+<file path=ppt/slides/slide7.xml><?xml version="1.0" encoding="utf-8"?>
+<p:sld xmlns:a="http://schemas.openxmlformats.org/drawingml/2006/main" xmlns:r="http://schemas.openxmlformats.org/officeDocument/2006/relationships" xmlns:p="http://schemas.openxmlformats.org/presentationml/2006/main">
+  <p:cSld>
+    <p:spTree>
+      <p:nvGrpSpPr>
+        <p:cNvPr id="1" name=""/>
+        <p:cNvGrpSpPr/>
+        <p:nvPr/>
+      </p:nvGrpSpPr>
+      <p:grpSpPr>
+        <a:xfrm>
+          <a:off x="0" y="0"/>
+          <a:ext cx="0" cy="0"/>
+          <a:chOff x="0" y="0"/>
+          <a:chExt cx="0" cy="0"/>
+        </a:xfrm>
+      </p:grpSpPr>
+      <p:sp>
+        <p:nvSpPr>
+          <p:cNvPr id="2" name="Title 1"/>
+          <p:cNvSpPr>
+            <a:spLocks noGrp="1"/>
+          </p:cNvSpPr>
+          <p:nvPr>
+            <p:ph type="title"/>
+          </p:nvPr>
+        </p:nvSpPr>
+        <p:spPr/>
+        <p:txBody>
+          <a:bodyPr/>
+          <a:lstStyle/>
+          <a:p>
+            <a:r>
+              <a:rPr lang="en-US" dirty="0" smtClean="0"/>
+              <a:t>Insight Discovery</a:t>
+            </a:r>
+            <a:endParaRPr lang="en-US" dirty="0"/>
+          </a:p>
+        </p:txBody>
+      </p:sp>
+      <p:sp>
+        <p:nvSpPr>
+          <p:cNvPr id="3" name="Content Placeholder 2"/>
+          <p:cNvSpPr>
+            <a:spLocks noGrp="1"/>
+          </p:cNvSpPr>
+          <p:nvPr>
+            <p:ph idx="1"/>
+          </p:nvPr>
+        </p:nvSpPr>
+        <p:spPr>
+          <a:xfrm>
+            <a:off x="184354" y="1793893"/>
+            <a:ext cx="8596668" cy="3880773"/>
+          </a:xfrm>
+        </p:spPr>
+        <p:txBody>
+          <a:bodyPr/>
+          <a:lstStyle/>
+          <a:p>
+            <a:pPr>
+              <a:buFont typeface="Wingdings" panose="05000000000000000000" pitchFamily="2" charset="2"/>
+              <a:buChar char="Ø"/>
+            </a:pPr>
+            <a:r>
+              <a:rPr lang="en-SG" dirty="0" smtClean="0"/>
+              <a:t>Traffic </a:t>
+            </a:r>
+            <a:r>
+              <a:rPr lang="en-SG" dirty="0"/>
+              <a:t>Condition versus Weather </a:t>
+            </a:r>
+            <a:r>
+              <a:rPr lang="en-SG" dirty="0" smtClean="0"/>
+              <a:t>Condition</a:t>
+            </a:r>
+            <a:endParaRPr lang="en-US" dirty="0"/>
+          </a:p>
+        </p:txBody>
+      </p:sp>
+      <p:pic>
+        <p:nvPicPr>
+          <p:cNvPr id="5" name="Picture 4"/>
+          <p:cNvPicPr/>
+          <p:nvPr/>
+        </p:nvPicPr>
+        <p:blipFill rotWithShape="1">
+          <a:blip r:embed="rId2"/>
+          <a:srcRect l="15836" t="21823" r="11132" b="10337"/>
+          <a:stretch/>
+        </p:blipFill>
+        <p:spPr bwMode="auto">
+          <a:xfrm>
+            <a:off x="5159484" y="0"/>
+            <a:ext cx="6899837" cy="4173967"/>
+          </a:xfrm>
+          <a:prstGeom prst="rect">
+            <a:avLst/>
+          </a:prstGeom>
+          <a:ln w="9525" cap="flat" cmpd="sng" algn="ctr">
+            <a:solidFill>
+              <a:sysClr val="windowText" lastClr="000000"/>
+            </a:solidFill>
+            <a:prstDash val="solid"/>
+            <a:round/>
+            <a:headEnd type="none" w="med" len="med"/>
+            <a:tailEnd type="none" w="med" len="med"/>
+          </a:ln>
+          <a:extLst>
+            <a:ext uri="{53640926-AAD7-44D8-BBD7-CCE9431645EC}">
+              <a14:shadowObscured xmlns:a14="http://schemas.microsoft.com/office/drawing/2010/main"/>
+            </a:ext>
+          </a:extLst>
+        </p:spPr>
+      </p:pic>
+      <p:pic>
+        <p:nvPicPr>
+          <p:cNvPr id="6" name="Picture 5"/>
+          <p:cNvPicPr/>
+          <p:nvPr/>
+        </p:nvPicPr>
+        <p:blipFill>
+          <a:blip r:embed="rId3">
+            <a:extLst>
+              <a:ext uri="{28A0092B-C50C-407E-A947-70E740481C1C}">
+                <a14:useLocalDpi xmlns:a14="http://schemas.microsoft.com/office/drawing/2010/main" val="0"/>
+              </a:ext>
+            </a:extLst>
+          </a:blip>
+          <a:srcRect/>
+          <a:stretch>
+            <a:fillRect/>
+          </a:stretch>
+        </p:blipFill>
+        <p:spPr bwMode="auto">
+          <a:xfrm>
+            <a:off x="386877" y="2977415"/>
+            <a:ext cx="7594993" cy="3880585"/>
+          </a:xfrm>
+          <a:prstGeom prst="rect">
+            <a:avLst/>
+          </a:prstGeom>
+          <a:noFill/>
+          <a:ln>
+            <a:solidFill>
+              <a:schemeClr val="tx1"/>
+            </a:solidFill>
+          </a:ln>
+        </p:spPr>
+      </p:pic>
+    </p:spTree>
+    <p:extLst>
+      <p:ext uri="{BB962C8B-B14F-4D97-AF65-F5344CB8AC3E}">
+        <p14:creationId xmlns:p14="http://schemas.microsoft.com/office/powerpoint/2010/main" val="3753599435"/>
+      </p:ext>
+    </p:extLst>
+  </p:cSld>
+  <p:clrMapOvr>
+    <a:masterClrMapping/>
+  </p:clrMapOvr>
+  <p:timing>
+    <p:tnLst>
+      <p:par>
+        <p:cTn id="1" dur="indefinite" restart="never" nodeType="tmRoot"/>
+      </p:par>
+    </p:tnLst>
+  </p:timing>
+</p:sld>
+</file>
+
+<file path=ppt/slides/slide8.xml><?xml version="1.0" encoding="utf-8"?>
+<p:sld xmlns:a="http://schemas.openxmlformats.org/drawingml/2006/main" xmlns:r="http://schemas.openxmlformats.org/officeDocument/2006/relationships" xmlns:p="http://schemas.openxmlformats.org/presentationml/2006/main">
+  <p:cSld>
+    <p:spTree>
+      <p:nvGrpSpPr>
+        <p:cNvPr id="1" name=""/>
+        <p:cNvGrpSpPr/>
+        <p:nvPr/>
+      </p:nvGrpSpPr>
+      <p:grpSpPr>
+        <a:xfrm>
+          <a:off x="0" y="0"/>
+          <a:ext cx="0" cy="0"/>
+          <a:chOff x="0" y="0"/>
+          <a:chExt cx="0" cy="0"/>
+        </a:xfrm>
+      </p:grpSpPr>
+      <p:sp>
+        <p:nvSpPr>
+          <p:cNvPr id="2" name="Title 1"/>
+          <p:cNvSpPr>
+            <a:spLocks noGrp="1"/>
+          </p:cNvSpPr>
+          <p:nvPr>
+            <p:ph type="title"/>
+          </p:nvPr>
+        </p:nvSpPr>
+        <p:spPr/>
+        <p:txBody>
+          <a:bodyPr/>
+          <a:lstStyle/>
+          <a:p>
+            <a:r>
+              <a:rPr lang="en-US" dirty="0"/>
+              <a:t>EPN Design</a:t>
+            </a:r>
+          </a:p>
+        </p:txBody>
+      </p:sp>
+      <p:sp>
+        <p:nvSpPr>
+          <p:cNvPr id="104" name="Rectangle: Rounded Corners 103"/>
+          <p:cNvSpPr/>
+          <p:nvPr/>
+        </p:nvSpPr>
+        <p:spPr>
+          <a:xfrm>
+            <a:off x="202110" y="2611664"/>
+            <a:ext cx="1068920" cy="566057"/>
+          </a:xfrm>
+          <a:prstGeom prst="roundRect">
+            <a:avLst/>
+          </a:prstGeom>
+          <a:noFill/>
+        </p:spPr>
+        <p:style>
+          <a:lnRef idx="2">
+            <a:schemeClr val="accent1">
+              <a:shade val="50000"/>
+            </a:schemeClr>
+          </a:lnRef>
+          <a:fillRef idx="1">
+            <a:schemeClr val="accent1"/>
+          </a:fillRef>
+          <a:effectRef idx="0">
+            <a:schemeClr val="accent1"/>
+          </a:effectRef>
+          <a:fontRef idx="minor">
+            <a:schemeClr val="lt1"/>
+          </a:fontRef>
+        </p:style>
+        <p:txBody>
+          <a:bodyPr rtlCol="0" anchor="ctr"/>
+          <a:lstStyle/>
+          <a:p>
+            <a:pPr algn="ctr"/>
+            <a:endParaRPr lang="en-SG"/>
+          </a:p>
+        </p:txBody>
+      </p:sp>
+      <p:sp>
+        <p:nvSpPr>
+          <p:cNvPr id="105" name="Isosceles Triangle 104"/>
+          <p:cNvSpPr/>
+          <p:nvPr/>
+        </p:nvSpPr>
+        <p:spPr>
+          <a:xfrm rot="5400000">
+            <a:off x="1157818" y="2802248"/>
+            <a:ext cx="226423" cy="184888"/>
+          </a:xfrm>
+          <a:prstGeom prst="triangle">
+            <a:avLst/>
+          </a:prstGeom>
+          <a:solidFill>
+            <a:srgbClr val="FFFF00"/>
+          </a:solidFill>
+        </p:spPr>
+        <p:style>
+          <a:lnRef idx="2">
+            <a:schemeClr val="accent1">
+              <a:shade val="50000"/>
+            </a:schemeClr>
+          </a:lnRef>
+          <a:fillRef idx="1">
+            <a:schemeClr val="accent1"/>
+          </a:fillRef>
+          <a:effectRef idx="0">
+            <a:schemeClr val="accent1"/>
+          </a:effectRef>
+          <a:fontRef idx="minor">
+            <a:schemeClr val="lt1"/>
+          </a:fontRef>
+        </p:style>
+        <p:txBody>
+          <a:bodyPr rtlCol="0" anchor="ctr"/>
+          <a:lstStyle/>
+          <a:p>
+            <a:pPr algn="ctr"/>
+            <a:endParaRPr lang="en-SG"/>
+          </a:p>
+        </p:txBody>
+      </p:sp>
+      <p:sp>
+        <p:nvSpPr>
+          <p:cNvPr id="106" name="TextBox 105"/>
+          <p:cNvSpPr txBox="1"/>
+          <p:nvPr/>
+        </p:nvSpPr>
+        <p:spPr>
+          <a:xfrm>
+            <a:off x="202110" y="2611664"/>
+            <a:ext cx="338554" cy="215444"/>
+          </a:xfrm>
+          <a:prstGeom prst="rect">
+            <a:avLst/>
+          </a:prstGeom>
+          <a:noFill/>
+        </p:spPr>
+        <p:txBody>
+          <a:bodyPr wrap="none" rtlCol="0">
+            <a:spAutoFit/>
+          </a:bodyPr>
+          <a:lstStyle/>
+          <a:p>
+            <a:r>
+              <a:rPr lang="en-US" sz="800" dirty="0"/>
+              <a:t>EP1</a:t>
+            </a:r>
+            <a:endParaRPr lang="en-SG" sz="800" dirty="0"/>
+          </a:p>
+        </p:txBody>
+      </p:sp>
+      <p:sp>
+        <p:nvSpPr>
+          <p:cNvPr id="107" name="TextBox 106"/>
+          <p:cNvSpPr txBox="1"/>
+          <p:nvPr/>
+        </p:nvSpPr>
+        <p:spPr>
+          <a:xfrm>
+            <a:off x="228257" y="2781480"/>
+            <a:ext cx="950327" cy="400110"/>
+          </a:xfrm>
+          <a:prstGeom prst="rect">
+            <a:avLst/>
+          </a:prstGeom>
+          <a:noFill/>
+        </p:spPr>
+        <p:txBody>
+          <a:bodyPr wrap="square" rtlCol="0">
+            <a:spAutoFit/>
+          </a:bodyPr>
+          <a:lstStyle/>
+          <a:p>
+            <a:r>
+              <a:rPr lang="en-US" sz="1000" dirty="0"/>
+              <a:t>Traffic Speed Bands</a:t>
+            </a:r>
+            <a:endParaRPr lang="en-SG" sz="1000" dirty="0"/>
+          </a:p>
+        </p:txBody>
+      </p:sp>
+      <p:sp>
+        <p:nvSpPr>
+          <p:cNvPr id="108" name="Rectangle: Rounded Corners 107"/>
+          <p:cNvSpPr/>
+          <p:nvPr/>
+        </p:nvSpPr>
+        <p:spPr>
+          <a:xfrm>
+            <a:off x="9508160" y="2902092"/>
+            <a:ext cx="1068920" cy="566057"/>
+          </a:xfrm>
+          <a:prstGeom prst="roundRect">
+            <a:avLst/>
+          </a:prstGeom>
+          <a:noFill/>
+        </p:spPr>
+        <p:style>
+          <a:lnRef idx="2">
+            <a:schemeClr val="accent1">
+              <a:shade val="50000"/>
+            </a:schemeClr>
+          </a:lnRef>
+          <a:fillRef idx="1">
+            <a:schemeClr val="accent1"/>
+          </a:fillRef>
+          <a:effectRef idx="0">
+            <a:schemeClr val="accent1"/>
+          </a:effectRef>
+          <a:fontRef idx="minor">
+            <a:schemeClr val="lt1"/>
+          </a:fontRef>
+        </p:style>
+        <p:txBody>
+          <a:bodyPr rtlCol="0" anchor="ctr"/>
+          <a:lstStyle/>
+          <a:p>
+            <a:pPr algn="ctr"/>
+            <a:endParaRPr lang="en-SG"/>
+          </a:p>
+        </p:txBody>
+      </p:sp>
+      <p:sp>
+        <p:nvSpPr>
+          <p:cNvPr id="109" name="Isosceles Triangle 108"/>
+          <p:cNvSpPr/>
+          <p:nvPr/>
+        </p:nvSpPr>
+        <p:spPr>
+          <a:xfrm rot="5400000">
+            <a:off x="9394947" y="3158830"/>
+            <a:ext cx="226423" cy="184888"/>
+          </a:xfrm>
+          <a:prstGeom prst="triangle">
+            <a:avLst/>
+          </a:prstGeom>
+          <a:solidFill>
+            <a:srgbClr val="FFFF00"/>
+          </a:solidFill>
+        </p:spPr>
+        <p:style>
+          <a:lnRef idx="2">
+            <a:schemeClr val="accent1">
+              <a:shade val="50000"/>
+            </a:schemeClr>
+          </a:lnRef>
+          <a:fillRef idx="1">
+            <a:schemeClr val="accent1"/>
+          </a:fillRef>
+          <a:effectRef idx="0">
+            <a:schemeClr val="accent1"/>
+          </a:effectRef>
+          <a:fontRef idx="minor">
+            <a:schemeClr val="lt1"/>
+          </a:fontRef>
+        </p:style>
+        <p:txBody>
+          <a:bodyPr rtlCol="0" anchor="ctr"/>
+          <a:lstStyle/>
+          <a:p>
+            <a:pPr algn="ctr"/>
+            <a:endParaRPr lang="en-SG"/>
+          </a:p>
+        </p:txBody>
+      </p:sp>
+      <p:sp>
+        <p:nvSpPr>
+          <p:cNvPr id="110" name="TextBox 109"/>
+          <p:cNvSpPr txBox="1"/>
+          <p:nvPr/>
+        </p:nvSpPr>
+        <p:spPr>
+          <a:xfrm>
+            <a:off x="9508160" y="2902092"/>
+            <a:ext cx="340158" cy="215444"/>
+          </a:xfrm>
+          <a:prstGeom prst="rect">
+            <a:avLst/>
+          </a:prstGeom>
+          <a:noFill/>
+        </p:spPr>
+        <p:txBody>
+          <a:bodyPr wrap="none" rtlCol="0">
+            <a:spAutoFit/>
+          </a:bodyPr>
+          <a:lstStyle/>
+          <a:p>
+            <a:r>
+              <a:rPr lang="en-US" sz="800" dirty="0"/>
+              <a:t>EC1</a:t>
+            </a:r>
+            <a:endParaRPr lang="en-SG" sz="800" dirty="0"/>
+          </a:p>
+        </p:txBody>
+      </p:sp>
+      <p:sp>
+        <p:nvSpPr>
+          <p:cNvPr id="111" name="Rectangle 110"/>
+          <p:cNvSpPr/>
+          <p:nvPr/>
+        </p:nvSpPr>
+        <p:spPr>
+          <a:xfrm>
+            <a:off x="9518647" y="3049318"/>
+            <a:ext cx="1287153" cy="461665"/>
+          </a:xfrm>
+          <a:prstGeom prst="rect">
+            <a:avLst/>
+          </a:prstGeom>
+        </p:spPr>
+        <p:txBody>
+          <a:bodyPr wrap="square">
+            <a:spAutoFit/>
+          </a:bodyPr>
+          <a:lstStyle/>
+          <a:p>
+            <a:r>
+              <a:rPr lang="en-SG" sz="800" dirty="0"/>
+              <a:t>Expressway Monitoring and Advisory System (EMAS)</a:t>
+            </a:r>
+          </a:p>
+        </p:txBody>
+      </p:sp>
+      <p:sp>
+        <p:nvSpPr>
+          <p:cNvPr id="112" name="Rectangle: Rounded Corners 111"/>
+          <p:cNvSpPr/>
+          <p:nvPr/>
+        </p:nvSpPr>
+        <p:spPr>
+          <a:xfrm>
+            <a:off x="3223183" y="1653642"/>
+            <a:ext cx="1632857" cy="885894"/>
+          </a:xfrm>
+          <a:prstGeom prst="roundRect">
+            <a:avLst/>
+          </a:prstGeom>
+          <a:noFill/>
+        </p:spPr>
+        <p:style>
+          <a:lnRef idx="2">
+            <a:schemeClr val="accent1">
+              <a:shade val="50000"/>
+            </a:schemeClr>
+          </a:lnRef>
+          <a:fillRef idx="1">
+            <a:schemeClr val="accent1"/>
+          </a:fillRef>
+          <a:effectRef idx="0">
+            <a:schemeClr val="accent1"/>
+          </a:effectRef>
+          <a:fontRef idx="minor">
+            <a:schemeClr val="lt1"/>
+          </a:fontRef>
+        </p:style>
+        <p:txBody>
+          <a:bodyPr rtlCol="0" anchor="ctr"/>
+          <a:lstStyle/>
+          <a:p>
+            <a:pPr algn="ctr"/>
+            <a:endParaRPr lang="en-SG"/>
+          </a:p>
+        </p:txBody>
+      </p:sp>
+      <p:sp>
+        <p:nvSpPr>
+          <p:cNvPr id="113" name="TextBox 112"/>
+          <p:cNvSpPr txBox="1"/>
+          <p:nvPr/>
+        </p:nvSpPr>
+        <p:spPr>
+          <a:xfrm>
+            <a:off x="3223184" y="1653642"/>
+            <a:ext cx="1236236" cy="215444"/>
+          </a:xfrm>
+          <a:prstGeom prst="rect">
+            <a:avLst/>
+          </a:prstGeom>
+          <a:noFill/>
+        </p:spPr>
+        <p:txBody>
+          <a:bodyPr wrap="none" rtlCol="0">
+            <a:spAutoFit/>
+          </a:bodyPr>
+          <a:lstStyle/>
+          <a:p>
+            <a:r>
+              <a:rPr lang="en-US" sz="800" dirty="0"/>
+              <a:t>EPA1: Pattern - Temporal</a:t>
+            </a:r>
+            <a:endParaRPr lang="en-SG" sz="800" dirty="0"/>
+          </a:p>
+        </p:txBody>
+      </p:sp>
+      <p:sp>
+        <p:nvSpPr>
+          <p:cNvPr id="114" name="Isosceles Triangle 113"/>
+          <p:cNvSpPr/>
+          <p:nvPr/>
+        </p:nvSpPr>
+        <p:spPr>
+          <a:xfrm rot="5400000">
+            <a:off x="3136119" y="1738635"/>
+            <a:ext cx="226423" cy="184888"/>
+          </a:xfrm>
+          <a:prstGeom prst="triangle">
+            <a:avLst/>
+          </a:prstGeom>
+          <a:solidFill>
+            <a:srgbClr val="FFFF00"/>
+          </a:solidFill>
+        </p:spPr>
+        <p:style>
+          <a:lnRef idx="2">
+            <a:schemeClr val="accent1">
+              <a:shade val="50000"/>
+            </a:schemeClr>
+          </a:lnRef>
+          <a:fillRef idx="1">
+            <a:schemeClr val="accent1"/>
+          </a:fillRef>
+          <a:effectRef idx="0">
+            <a:schemeClr val="accent1"/>
+          </a:effectRef>
+          <a:fontRef idx="minor">
+            <a:schemeClr val="lt1"/>
+          </a:fontRef>
+        </p:style>
+        <p:txBody>
+          <a:bodyPr rtlCol="0" anchor="ctr"/>
+          <a:lstStyle/>
+          <a:p>
+            <a:pPr algn="ctr"/>
+            <a:endParaRPr lang="en-SG"/>
+          </a:p>
+        </p:txBody>
+      </p:sp>
+      <p:cxnSp>
+        <p:nvCxnSpPr>
+          <p:cNvPr id="115" name="Straight Connector 114"/>
+          <p:cNvCxnSpPr>
+            <a:endCxn id="119" idx="3"/>
+          </p:cNvCxnSpPr>
+          <p:nvPr/>
+        </p:nvCxnSpPr>
+        <p:spPr>
+          <a:xfrm>
+            <a:off x="4995638" y="1823459"/>
+            <a:ext cx="1609040" cy="9370"/>
+          </a:xfrm>
+          <a:prstGeom prst="line">
+            <a:avLst/>
+          </a:prstGeom>
+        </p:spPr>
+        <p:style>
+          <a:lnRef idx="1">
+            <a:schemeClr val="accent1"/>
+          </a:lnRef>
+          <a:fillRef idx="0">
+            <a:schemeClr val="accent1"/>
+          </a:fillRef>
+          <a:effectRef idx="0">
+            <a:schemeClr val="accent1"/>
+          </a:effectRef>
+          <a:fontRef idx="minor">
+            <a:schemeClr val="tx1"/>
+          </a:fontRef>
+        </p:style>
+      </p:cxnSp>
+      <p:sp>
+        <p:nvSpPr>
+          <p:cNvPr id="116" name="Rectangle: Rounded Corners 115"/>
+          <p:cNvSpPr/>
+          <p:nvPr/>
+        </p:nvSpPr>
+        <p:spPr>
+          <a:xfrm>
+            <a:off x="6661981" y="1663012"/>
+            <a:ext cx="1632857" cy="885894"/>
+          </a:xfrm>
+          <a:prstGeom prst="roundRect">
+            <a:avLst/>
+          </a:prstGeom>
+          <a:noFill/>
+        </p:spPr>
+        <p:style>
+          <a:lnRef idx="2">
+            <a:schemeClr val="accent1">
+              <a:shade val="50000"/>
+            </a:schemeClr>
+          </a:lnRef>
+          <a:fillRef idx="1">
+            <a:schemeClr val="accent1"/>
+          </a:fillRef>
+          <a:effectRef idx="0">
+            <a:schemeClr val="accent1"/>
+          </a:effectRef>
+          <a:fontRef idx="minor">
+            <a:schemeClr val="lt1"/>
+          </a:fontRef>
+        </p:style>
+        <p:txBody>
+          <a:bodyPr rtlCol="0" anchor="ctr"/>
+          <a:lstStyle/>
+          <a:p>
+            <a:pPr algn="ctr"/>
+            <a:endParaRPr lang="en-SG"/>
+          </a:p>
+        </p:txBody>
+      </p:sp>
+      <p:sp>
+        <p:nvSpPr>
+          <p:cNvPr id="117" name="Isosceles Triangle 116"/>
+          <p:cNvSpPr/>
+          <p:nvPr/>
+        </p:nvSpPr>
+        <p:spPr>
+          <a:xfrm rot="5400000">
+            <a:off x="8228780" y="1740384"/>
+            <a:ext cx="226423" cy="184888"/>
+          </a:xfrm>
+          <a:prstGeom prst="triangle">
+            <a:avLst/>
+          </a:prstGeom>
+          <a:solidFill>
+            <a:srgbClr val="FFFF00"/>
+          </a:solidFill>
+        </p:spPr>
+        <p:style>
+          <a:lnRef idx="2">
+            <a:schemeClr val="accent1">
+              <a:shade val="50000"/>
+            </a:schemeClr>
+          </a:lnRef>
+          <a:fillRef idx="1">
+            <a:schemeClr val="accent1"/>
+          </a:fillRef>
+          <a:effectRef idx="0">
+            <a:schemeClr val="accent1"/>
+          </a:effectRef>
+          <a:fontRef idx="minor">
+            <a:schemeClr val="lt1"/>
+          </a:fontRef>
+        </p:style>
+        <p:txBody>
+          <a:bodyPr rtlCol="0" anchor="ctr"/>
+          <a:lstStyle/>
+          <a:p>
+            <a:pPr algn="ctr"/>
+            <a:endParaRPr lang="en-SG"/>
+          </a:p>
+        </p:txBody>
+      </p:sp>
+      <p:sp>
+        <p:nvSpPr>
+          <p:cNvPr id="118" name="TextBox 117"/>
+          <p:cNvSpPr txBox="1"/>
+          <p:nvPr/>
+        </p:nvSpPr>
+        <p:spPr>
+          <a:xfrm>
+            <a:off x="6661982" y="1663012"/>
+            <a:ext cx="835485" cy="215444"/>
+          </a:xfrm>
+          <a:prstGeom prst="rect">
+            <a:avLst/>
+          </a:prstGeom>
+          <a:noFill/>
+        </p:spPr>
+        <p:txBody>
+          <a:bodyPr wrap="none" rtlCol="0">
+            <a:spAutoFit/>
+          </a:bodyPr>
+          <a:lstStyle/>
+          <a:p>
+            <a:r>
+              <a:rPr lang="en-US" sz="800" dirty="0"/>
+              <a:t>EPA5: Translate</a:t>
+            </a:r>
+            <a:endParaRPr lang="en-SG" sz="800" dirty="0"/>
+          </a:p>
+        </p:txBody>
+      </p:sp>
+      <p:sp>
+        <p:nvSpPr>
+          <p:cNvPr id="119" name="Isosceles Triangle 118"/>
+          <p:cNvSpPr/>
+          <p:nvPr/>
+        </p:nvSpPr>
+        <p:spPr>
+          <a:xfrm rot="5400000">
+            <a:off x="6583910" y="1740384"/>
+            <a:ext cx="226423" cy="184888"/>
+          </a:xfrm>
+          <a:prstGeom prst="triangle">
+            <a:avLst/>
+          </a:prstGeom>
+          <a:solidFill>
+            <a:srgbClr val="FFFF00"/>
+          </a:solidFill>
+        </p:spPr>
+        <p:style>
+          <a:lnRef idx="2">
+            <a:schemeClr val="accent1">
+              <a:shade val="50000"/>
+            </a:schemeClr>
+          </a:lnRef>
+          <a:fillRef idx="1">
+            <a:schemeClr val="accent1"/>
+          </a:fillRef>
+          <a:effectRef idx="0">
+            <a:schemeClr val="accent1"/>
+          </a:effectRef>
+          <a:fontRef idx="minor">
+            <a:schemeClr val="lt1"/>
+          </a:fontRef>
+        </p:style>
+        <p:txBody>
+          <a:bodyPr rtlCol="0" anchor="ctr"/>
+          <a:lstStyle/>
+          <a:p>
+            <a:pPr algn="ctr"/>
+            <a:endParaRPr lang="en-SG"/>
+          </a:p>
+        </p:txBody>
+      </p:sp>
+      <p:sp>
+        <p:nvSpPr>
+          <p:cNvPr id="120" name="TextBox 119"/>
+          <p:cNvSpPr txBox="1"/>
+          <p:nvPr/>
+        </p:nvSpPr>
+        <p:spPr>
+          <a:xfrm>
+            <a:off x="6735424" y="1946692"/>
+            <a:ext cx="1387040" cy="507831"/>
+          </a:xfrm>
+          <a:prstGeom prst="rect">
+            <a:avLst/>
+          </a:prstGeom>
+          <a:noFill/>
+        </p:spPr>
+        <p:txBody>
+          <a:bodyPr wrap="square" rtlCol="0">
+            <a:spAutoFit/>
+          </a:bodyPr>
+          <a:lstStyle/>
+          <a:p>
+            <a:r>
+              <a:rPr lang="en-US" sz="900" dirty="0"/>
+              <a:t>message =“Major Jam at  </a:t>
+            </a:r>
+            <a:r>
+              <a:rPr lang="en-US" sz="900" dirty="0" err="1"/>
+              <a:t>RoadName</a:t>
+            </a:r>
+            <a:r>
+              <a:rPr lang="en-US" sz="900" dirty="0"/>
+              <a:t>”  exit at </a:t>
+            </a:r>
+            <a:r>
+              <a:rPr lang="en-US" sz="900" dirty="0" err="1"/>
+              <a:t>AlternativeRoad</a:t>
+            </a:r>
+            <a:endParaRPr lang="en-SG" sz="900" dirty="0"/>
+          </a:p>
+        </p:txBody>
+      </p:sp>
+      <p:sp>
+        <p:nvSpPr>
+          <p:cNvPr id="121" name="Rectangle: Rounded Corners 120"/>
+          <p:cNvSpPr/>
+          <p:nvPr/>
+        </p:nvSpPr>
+        <p:spPr>
+          <a:xfrm>
+            <a:off x="236172" y="4243028"/>
+            <a:ext cx="1068920" cy="566057"/>
+          </a:xfrm>
+          <a:prstGeom prst="roundRect">
+            <a:avLst/>
+          </a:prstGeom>
+          <a:noFill/>
+        </p:spPr>
+        <p:style>
+          <a:lnRef idx="2">
+            <a:schemeClr val="accent1">
+              <a:shade val="50000"/>
+            </a:schemeClr>
+          </a:lnRef>
+          <a:fillRef idx="1">
+            <a:schemeClr val="accent1"/>
+          </a:fillRef>
+          <a:effectRef idx="0">
+            <a:schemeClr val="accent1"/>
+          </a:effectRef>
+          <a:fontRef idx="minor">
+            <a:schemeClr val="lt1"/>
+          </a:fontRef>
+        </p:style>
+        <p:txBody>
+          <a:bodyPr rtlCol="0" anchor="ctr"/>
+          <a:lstStyle/>
+          <a:p>
+            <a:pPr algn="ctr"/>
+            <a:endParaRPr lang="en-SG"/>
+          </a:p>
+        </p:txBody>
+      </p:sp>
+      <p:sp>
+        <p:nvSpPr>
+          <p:cNvPr id="122" name="Isosceles Triangle 121"/>
+          <p:cNvSpPr/>
+          <p:nvPr/>
+        </p:nvSpPr>
+        <p:spPr>
+          <a:xfrm rot="5400000">
+            <a:off x="1191880" y="4433612"/>
+            <a:ext cx="226423" cy="184888"/>
+          </a:xfrm>
+          <a:prstGeom prst="triangle">
+            <a:avLst/>
+          </a:prstGeom>
+          <a:solidFill>
+            <a:srgbClr val="FFFF00"/>
+          </a:solidFill>
+        </p:spPr>
+        <p:style>
+          <a:lnRef idx="2">
+            <a:schemeClr val="accent1">
+              <a:shade val="50000"/>
+            </a:schemeClr>
+          </a:lnRef>
+          <a:fillRef idx="1">
+            <a:schemeClr val="accent1"/>
+          </a:fillRef>
+          <a:effectRef idx="0">
+            <a:schemeClr val="accent1"/>
+          </a:effectRef>
+          <a:fontRef idx="minor">
+            <a:schemeClr val="lt1"/>
+          </a:fontRef>
+        </p:style>
+        <p:txBody>
+          <a:bodyPr rtlCol="0" anchor="ctr"/>
+          <a:lstStyle/>
+          <a:p>
+            <a:pPr algn="ctr"/>
+            <a:endParaRPr lang="en-SG"/>
+          </a:p>
+        </p:txBody>
+      </p:sp>
+      <p:sp>
+        <p:nvSpPr>
+          <p:cNvPr id="123" name="TextBox 122"/>
+          <p:cNvSpPr txBox="1"/>
+          <p:nvPr/>
+        </p:nvSpPr>
+        <p:spPr>
+          <a:xfrm>
+            <a:off x="236172" y="4243028"/>
+            <a:ext cx="338554" cy="215444"/>
+          </a:xfrm>
+          <a:prstGeom prst="rect">
+            <a:avLst/>
+          </a:prstGeom>
+          <a:noFill/>
+        </p:spPr>
+        <p:txBody>
+          <a:bodyPr wrap="none" rtlCol="0">
+            <a:spAutoFit/>
+          </a:bodyPr>
+          <a:lstStyle/>
+          <a:p>
+            <a:r>
+              <a:rPr lang="en-US" sz="800" dirty="0"/>
+              <a:t>EP2</a:t>
+            </a:r>
+            <a:endParaRPr lang="en-SG" sz="800" dirty="0"/>
+          </a:p>
+        </p:txBody>
+      </p:sp>
+      <p:sp>
+        <p:nvSpPr>
+          <p:cNvPr id="124" name="TextBox 123"/>
+          <p:cNvSpPr txBox="1"/>
+          <p:nvPr/>
+        </p:nvSpPr>
+        <p:spPr>
+          <a:xfrm>
+            <a:off x="262319" y="4412844"/>
+            <a:ext cx="950327" cy="400110"/>
+          </a:xfrm>
+          <a:prstGeom prst="rect">
+            <a:avLst/>
+          </a:prstGeom>
+          <a:noFill/>
+        </p:spPr>
+        <p:txBody>
+          <a:bodyPr wrap="square" rtlCol="0">
+            <a:spAutoFit/>
+          </a:bodyPr>
+          <a:lstStyle/>
+          <a:p>
+            <a:r>
+              <a:rPr lang="en-US" sz="1000" dirty="0"/>
+              <a:t>NEA 2-hr </a:t>
+            </a:r>
+            <a:r>
+              <a:rPr lang="en-US" sz="1000" dirty="0" err="1"/>
+              <a:t>NowCast</a:t>
+            </a:r>
+            <a:endParaRPr lang="en-SG" sz="1000" dirty="0"/>
+          </a:p>
+        </p:txBody>
+      </p:sp>
+      <p:sp>
+        <p:nvSpPr>
+          <p:cNvPr id="125" name="Rectangle 124"/>
+          <p:cNvSpPr/>
+          <p:nvPr/>
+        </p:nvSpPr>
+        <p:spPr>
+          <a:xfrm>
+            <a:off x="6793782" y="3042168"/>
+            <a:ext cx="1384685" cy="507831"/>
+          </a:xfrm>
+          <a:prstGeom prst="rect">
+            <a:avLst/>
+          </a:prstGeom>
+        </p:spPr>
+        <p:txBody>
+          <a:bodyPr wrap="square">
+            <a:spAutoFit/>
+          </a:bodyPr>
+          <a:lstStyle/>
+          <a:p>
+            <a:r>
+              <a:rPr lang="en-SG" sz="900" dirty="0"/>
+              <a:t>message  =  “Traffic building at” </a:t>
+            </a:r>
+            <a:r>
+              <a:rPr lang="en-SG" sz="900" dirty="0" err="1"/>
+              <a:t>Roadname</a:t>
+            </a:r>
+            <a:r>
+              <a:rPr lang="en-SG" sz="900" dirty="0"/>
+              <a:t>. “exit at” </a:t>
+            </a:r>
+            <a:r>
+              <a:rPr lang="en-SG" sz="900" dirty="0" err="1"/>
+              <a:t>AlternativeRoad</a:t>
+            </a:r>
+            <a:endParaRPr lang="en-SG" sz="900" dirty="0"/>
+          </a:p>
+        </p:txBody>
+      </p:sp>
+      <p:sp>
+        <p:nvSpPr>
+          <p:cNvPr id="126" name="Hexagon 125"/>
+          <p:cNvSpPr/>
+          <p:nvPr/>
+        </p:nvSpPr>
+        <p:spPr>
+          <a:xfrm>
+            <a:off x="1650464" y="2663094"/>
+            <a:ext cx="774943" cy="467052"/>
+          </a:xfrm>
+          <a:prstGeom prst="hexagon">
+            <a:avLst/>
+          </a:prstGeom>
+          <a:noFill/>
+        </p:spPr>
+        <p:style>
+          <a:lnRef idx="2">
+            <a:schemeClr val="accent1">
+              <a:shade val="50000"/>
+            </a:schemeClr>
+          </a:lnRef>
+          <a:fillRef idx="1">
+            <a:schemeClr val="accent1"/>
+          </a:fillRef>
+          <a:effectRef idx="0">
+            <a:schemeClr val="accent1"/>
+          </a:effectRef>
+          <a:fontRef idx="minor">
+            <a:schemeClr val="lt1"/>
+          </a:fontRef>
+        </p:style>
+        <p:txBody>
+          <a:bodyPr rtlCol="0" anchor="ctr"/>
+          <a:lstStyle/>
+          <a:p>
+            <a:pPr algn="ctr"/>
+            <a:endParaRPr lang="en-SG"/>
+          </a:p>
+        </p:txBody>
+      </p:sp>
+      <p:cxnSp>
+        <p:nvCxnSpPr>
+          <p:cNvPr id="127" name="Straight Connector 126"/>
+          <p:cNvCxnSpPr>
+            <a:stCxn id="105" idx="0"/>
+          </p:cNvCxnSpPr>
+          <p:nvPr/>
+        </p:nvCxnSpPr>
+        <p:spPr>
+          <a:xfrm>
+            <a:off x="1363474" y="2894693"/>
+            <a:ext cx="290614" cy="1895"/>
+          </a:xfrm>
+          <a:prstGeom prst="line">
+            <a:avLst/>
+          </a:prstGeom>
+        </p:spPr>
+        <p:style>
+          <a:lnRef idx="1">
+            <a:schemeClr val="accent1"/>
+          </a:lnRef>
+          <a:fillRef idx="0">
+            <a:schemeClr val="accent1"/>
+          </a:fillRef>
+          <a:effectRef idx="0">
+            <a:schemeClr val="accent1"/>
+          </a:effectRef>
+          <a:fontRef idx="minor">
+            <a:schemeClr val="tx1"/>
+          </a:fontRef>
+        </p:style>
+      </p:cxnSp>
+      <p:cxnSp>
+        <p:nvCxnSpPr>
+          <p:cNvPr id="128" name="Connector: Elbow 127"/>
+          <p:cNvCxnSpPr>
+            <a:stCxn id="126" idx="0"/>
+            <a:endCxn id="114" idx="3"/>
+          </p:cNvCxnSpPr>
+          <p:nvPr/>
+        </p:nvCxnSpPr>
+        <p:spPr>
+          <a:xfrm flipV="1">
+            <a:off x="2425407" y="1831080"/>
+            <a:ext cx="731480" cy="1065540"/>
+          </a:xfrm>
+          <a:prstGeom prst="bentConnector3">
+            <a:avLst>
+              <a:gd name="adj1" fmla="val 50000"/>
+            </a:avLst>
+          </a:prstGeom>
+        </p:spPr>
+        <p:style>
+          <a:lnRef idx="1">
+            <a:schemeClr val="accent1"/>
+          </a:lnRef>
+          <a:fillRef idx="0">
+            <a:schemeClr val="accent1"/>
+          </a:fillRef>
+          <a:effectRef idx="0">
+            <a:schemeClr val="accent1"/>
+          </a:effectRef>
+          <a:fontRef idx="minor">
+            <a:schemeClr val="tx1"/>
+          </a:fontRef>
+        </p:style>
+      </p:cxnSp>
+      <p:sp>
+        <p:nvSpPr>
+          <p:cNvPr id="129" name="TextBox 128"/>
+          <p:cNvSpPr txBox="1"/>
+          <p:nvPr/>
+        </p:nvSpPr>
+        <p:spPr>
+          <a:xfrm>
+            <a:off x="1753956" y="2786286"/>
+            <a:ext cx="579005" cy="215444"/>
+          </a:xfrm>
+          <a:prstGeom prst="rect">
+            <a:avLst/>
+          </a:prstGeom>
+          <a:noFill/>
+        </p:spPr>
+        <p:txBody>
+          <a:bodyPr wrap="none" rtlCol="0">
+            <a:spAutoFit/>
+          </a:bodyPr>
+          <a:lstStyle/>
+          <a:p>
+            <a:r>
+              <a:rPr lang="en-US" sz="800" dirty="0"/>
+              <a:t>Channel1</a:t>
+            </a:r>
+            <a:endParaRPr lang="en-SG" sz="800" dirty="0"/>
+          </a:p>
+        </p:txBody>
+      </p:sp>
+      <p:cxnSp>
+        <p:nvCxnSpPr>
+          <p:cNvPr id="130" name="Connector: Elbow 129"/>
+          <p:cNvCxnSpPr>
+            <a:stCxn id="117" idx="0"/>
+            <a:endCxn id="109" idx="3"/>
+          </p:cNvCxnSpPr>
+          <p:nvPr/>
+        </p:nvCxnSpPr>
+        <p:spPr>
+          <a:xfrm>
+            <a:off x="8434436" y="1832829"/>
+            <a:ext cx="981279" cy="1418446"/>
+          </a:xfrm>
+          <a:prstGeom prst="bentConnector3">
+            <a:avLst/>
+          </a:prstGeom>
+        </p:spPr>
+        <p:style>
+          <a:lnRef idx="1">
+            <a:schemeClr val="accent1"/>
+          </a:lnRef>
+          <a:fillRef idx="0">
+            <a:schemeClr val="accent1"/>
+          </a:fillRef>
+          <a:effectRef idx="0">
+            <a:schemeClr val="accent1"/>
+          </a:effectRef>
+          <a:fontRef idx="minor">
+            <a:schemeClr val="tx1"/>
+          </a:fontRef>
+        </p:style>
+      </p:cxnSp>
+      <p:sp>
+        <p:nvSpPr>
+          <p:cNvPr id="131" name="Rectangle: Rounded Corners 130"/>
+          <p:cNvSpPr/>
+          <p:nvPr/>
+        </p:nvSpPr>
+        <p:spPr>
+          <a:xfrm>
+            <a:off x="6683347" y="2817635"/>
+            <a:ext cx="1632857" cy="885894"/>
+          </a:xfrm>
+          <a:prstGeom prst="roundRect">
+            <a:avLst/>
+          </a:prstGeom>
+          <a:noFill/>
+        </p:spPr>
+        <p:style>
+          <a:lnRef idx="2">
+            <a:schemeClr val="accent1">
+              <a:shade val="50000"/>
+            </a:schemeClr>
+          </a:lnRef>
+          <a:fillRef idx="1">
+            <a:schemeClr val="accent1"/>
+          </a:fillRef>
+          <a:effectRef idx="0">
+            <a:schemeClr val="accent1"/>
+          </a:effectRef>
+          <a:fontRef idx="minor">
+            <a:schemeClr val="lt1"/>
+          </a:fontRef>
+        </p:style>
+        <p:txBody>
+          <a:bodyPr rtlCol="0" anchor="ctr"/>
+          <a:lstStyle/>
+          <a:p>
+            <a:pPr algn="ctr"/>
+            <a:endParaRPr lang="en-SG"/>
+          </a:p>
+        </p:txBody>
+      </p:sp>
+      <p:sp>
+        <p:nvSpPr>
+          <p:cNvPr id="132" name="Isosceles Triangle 131"/>
+          <p:cNvSpPr/>
+          <p:nvPr/>
+        </p:nvSpPr>
+        <p:spPr>
+          <a:xfrm rot="5400000">
+            <a:off x="8250146" y="2895007"/>
+            <a:ext cx="226423" cy="184888"/>
+          </a:xfrm>
+          <a:prstGeom prst="triangle">
+            <a:avLst/>
+          </a:prstGeom>
+          <a:solidFill>
+            <a:srgbClr val="FFFF00"/>
+          </a:solidFill>
+        </p:spPr>
+        <p:style>
+          <a:lnRef idx="2">
+            <a:schemeClr val="accent1">
+              <a:shade val="50000"/>
+            </a:schemeClr>
+          </a:lnRef>
+          <a:fillRef idx="1">
+            <a:schemeClr val="accent1"/>
+          </a:fillRef>
+          <a:effectRef idx="0">
+            <a:schemeClr val="accent1"/>
+          </a:effectRef>
+          <a:fontRef idx="minor">
+            <a:schemeClr val="lt1"/>
+          </a:fontRef>
+        </p:style>
+        <p:txBody>
+          <a:bodyPr rtlCol="0" anchor="ctr"/>
+          <a:lstStyle/>
+          <a:p>
+            <a:pPr algn="ctr"/>
+            <a:endParaRPr lang="en-SG"/>
+          </a:p>
+        </p:txBody>
+      </p:sp>
+      <p:sp>
+        <p:nvSpPr>
+          <p:cNvPr id="133" name="TextBox 132"/>
+          <p:cNvSpPr txBox="1"/>
+          <p:nvPr/>
+        </p:nvSpPr>
+        <p:spPr>
+          <a:xfrm>
+            <a:off x="6683348" y="2817635"/>
+            <a:ext cx="835485" cy="215444"/>
+          </a:xfrm>
+          <a:prstGeom prst="rect">
+            <a:avLst/>
+          </a:prstGeom>
+          <a:noFill/>
+        </p:spPr>
+        <p:txBody>
+          <a:bodyPr wrap="none" rtlCol="0">
+            <a:spAutoFit/>
+          </a:bodyPr>
+          <a:lstStyle/>
+          <a:p>
+            <a:r>
+              <a:rPr lang="en-US" sz="800" dirty="0"/>
+              <a:t>EPA6: Translate</a:t>
+            </a:r>
+            <a:endParaRPr lang="en-SG" sz="800" dirty="0"/>
+          </a:p>
+        </p:txBody>
+      </p:sp>
+      <p:sp>
+        <p:nvSpPr>
+          <p:cNvPr id="134" name="Isosceles Triangle 133"/>
+          <p:cNvSpPr/>
+          <p:nvPr/>
+        </p:nvSpPr>
+        <p:spPr>
+          <a:xfrm rot="5400000">
+            <a:off x="6605276" y="2921134"/>
+            <a:ext cx="226423" cy="184888"/>
+          </a:xfrm>
+          <a:prstGeom prst="triangle">
+            <a:avLst/>
+          </a:prstGeom>
+          <a:solidFill>
+            <a:srgbClr val="FFFF00"/>
+          </a:solidFill>
+        </p:spPr>
+        <p:style>
+          <a:lnRef idx="2">
+            <a:schemeClr val="accent1">
+              <a:shade val="50000"/>
+            </a:schemeClr>
+          </a:lnRef>
+          <a:fillRef idx="1">
+            <a:schemeClr val="accent1"/>
+          </a:fillRef>
+          <a:effectRef idx="0">
+            <a:schemeClr val="accent1"/>
+          </a:effectRef>
+          <a:fontRef idx="minor">
+            <a:schemeClr val="lt1"/>
+          </a:fontRef>
+        </p:style>
+        <p:txBody>
+          <a:bodyPr rtlCol="0" anchor="ctr"/>
+          <a:lstStyle/>
+          <a:p>
+            <a:pPr algn="ctr"/>
+            <a:endParaRPr lang="en-SG"/>
+          </a:p>
+        </p:txBody>
+      </p:sp>
+      <p:cxnSp>
+        <p:nvCxnSpPr>
+          <p:cNvPr id="135" name="Connector: Elbow 134"/>
+          <p:cNvCxnSpPr>
+            <a:stCxn id="132" idx="0"/>
+            <a:endCxn id="109" idx="3"/>
+          </p:cNvCxnSpPr>
+          <p:nvPr/>
+        </p:nvCxnSpPr>
+        <p:spPr>
+          <a:xfrm>
+            <a:off x="8455802" y="2987452"/>
+            <a:ext cx="959913" cy="263823"/>
+          </a:xfrm>
+          <a:prstGeom prst="bentConnector3">
+            <a:avLst>
+              <a:gd name="adj1" fmla="val 50000"/>
+            </a:avLst>
+          </a:prstGeom>
+        </p:spPr>
+        <p:style>
+          <a:lnRef idx="1">
+            <a:schemeClr val="accent1"/>
+          </a:lnRef>
+          <a:fillRef idx="0">
+            <a:schemeClr val="accent1"/>
+          </a:fillRef>
+          <a:effectRef idx="0">
+            <a:schemeClr val="accent1"/>
+          </a:effectRef>
+          <a:fontRef idx="minor">
+            <a:schemeClr val="tx1"/>
+          </a:fontRef>
+        </p:style>
+      </p:cxnSp>
+      <p:sp>
+        <p:nvSpPr>
+          <p:cNvPr id="136" name="Rectangle: Rounded Corners 135"/>
+          <p:cNvSpPr/>
+          <p:nvPr/>
+        </p:nvSpPr>
+        <p:spPr>
+          <a:xfrm>
+            <a:off x="3227394" y="2768680"/>
+            <a:ext cx="1632857" cy="885894"/>
+          </a:xfrm>
+          <a:prstGeom prst="roundRect">
+            <a:avLst/>
+          </a:prstGeom>
+          <a:noFill/>
+        </p:spPr>
+        <p:style>
+          <a:lnRef idx="2">
+            <a:schemeClr val="accent1">
+              <a:shade val="50000"/>
+            </a:schemeClr>
+          </a:lnRef>
+          <a:fillRef idx="1">
+            <a:schemeClr val="accent1"/>
+          </a:fillRef>
+          <a:effectRef idx="0">
+            <a:schemeClr val="accent1"/>
+          </a:effectRef>
+          <a:fontRef idx="minor">
+            <a:schemeClr val="lt1"/>
+          </a:fontRef>
+        </p:style>
+        <p:txBody>
+          <a:bodyPr rtlCol="0" anchor="ctr"/>
+          <a:lstStyle/>
+          <a:p>
+            <a:pPr algn="ctr"/>
+            <a:endParaRPr lang="en-SG"/>
+          </a:p>
+        </p:txBody>
+      </p:sp>
+      <p:sp>
+        <p:nvSpPr>
+          <p:cNvPr id="137" name="TextBox 136"/>
+          <p:cNvSpPr txBox="1"/>
+          <p:nvPr/>
+        </p:nvSpPr>
+        <p:spPr>
+          <a:xfrm>
+            <a:off x="3275557" y="2814959"/>
+            <a:ext cx="1236236" cy="215444"/>
+          </a:xfrm>
+          <a:prstGeom prst="rect">
+            <a:avLst/>
+          </a:prstGeom>
+          <a:noFill/>
+        </p:spPr>
+        <p:txBody>
+          <a:bodyPr wrap="none" rtlCol="0">
+            <a:spAutoFit/>
+          </a:bodyPr>
+          <a:lstStyle/>
+          <a:p>
+            <a:r>
+              <a:rPr lang="en-US" sz="800" dirty="0"/>
+              <a:t>EPA3: Pattern - Temporal</a:t>
+            </a:r>
+            <a:endParaRPr lang="en-SG" sz="800" dirty="0"/>
+          </a:p>
+        </p:txBody>
+      </p:sp>
+      <p:sp>
+        <p:nvSpPr>
+          <p:cNvPr id="138" name="Isosceles Triangle 137"/>
+          <p:cNvSpPr/>
+          <p:nvPr/>
+        </p:nvSpPr>
+        <p:spPr>
+          <a:xfrm rot="5400000">
+            <a:off x="3145961" y="2928247"/>
+            <a:ext cx="226423" cy="184888"/>
+          </a:xfrm>
+          <a:prstGeom prst="triangle">
+            <a:avLst/>
+          </a:prstGeom>
+          <a:solidFill>
+            <a:srgbClr val="FFFF00"/>
+          </a:solidFill>
+        </p:spPr>
+        <p:style>
+          <a:lnRef idx="2">
+            <a:schemeClr val="accent1">
+              <a:shade val="50000"/>
+            </a:schemeClr>
+          </a:lnRef>
+          <a:fillRef idx="1">
+            <a:schemeClr val="accent1"/>
+          </a:fillRef>
+          <a:effectRef idx="0">
+            <a:schemeClr val="accent1"/>
+          </a:effectRef>
+          <a:fontRef idx="minor">
+            <a:schemeClr val="lt1"/>
+          </a:fontRef>
+        </p:style>
+        <p:txBody>
+          <a:bodyPr rtlCol="0" anchor="ctr"/>
+          <a:lstStyle/>
+          <a:p>
+            <a:pPr algn="ctr"/>
+            <a:endParaRPr lang="en-SG"/>
+          </a:p>
+        </p:txBody>
+      </p:sp>
+      <p:sp>
+        <p:nvSpPr>
+          <p:cNvPr id="139" name="Isosceles Triangle 138"/>
+          <p:cNvSpPr/>
+          <p:nvPr/>
+        </p:nvSpPr>
+        <p:spPr>
+          <a:xfrm rot="5400000">
+            <a:off x="4791655" y="2922165"/>
+            <a:ext cx="226423" cy="184888"/>
+          </a:xfrm>
+          <a:prstGeom prst="triangle">
+            <a:avLst/>
+          </a:prstGeom>
+          <a:solidFill>
+            <a:srgbClr val="FFFF00"/>
+          </a:solidFill>
+        </p:spPr>
+        <p:style>
+          <a:lnRef idx="2">
+            <a:schemeClr val="accent1">
+              <a:shade val="50000"/>
+            </a:schemeClr>
+          </a:lnRef>
+          <a:fillRef idx="1">
+            <a:schemeClr val="accent1"/>
+          </a:fillRef>
+          <a:effectRef idx="0">
+            <a:schemeClr val="accent1"/>
+          </a:effectRef>
+          <a:fontRef idx="minor">
+            <a:schemeClr val="lt1"/>
+          </a:fontRef>
+        </p:style>
+        <p:txBody>
+          <a:bodyPr rtlCol="0" anchor="ctr"/>
+          <a:lstStyle/>
+          <a:p>
+            <a:pPr algn="ctr"/>
+            <a:endParaRPr lang="en-SG"/>
+          </a:p>
+        </p:txBody>
+      </p:sp>
+      <p:cxnSp>
+        <p:nvCxnSpPr>
+          <p:cNvPr id="140" name="Connector: Elbow 139"/>
+          <p:cNvCxnSpPr>
+            <a:stCxn id="126" idx="0"/>
+            <a:endCxn id="138" idx="3"/>
+          </p:cNvCxnSpPr>
+          <p:nvPr/>
+        </p:nvCxnSpPr>
+        <p:spPr>
+          <a:xfrm>
+            <a:off x="2425407" y="2896620"/>
+            <a:ext cx="741322" cy="124072"/>
+          </a:xfrm>
+          <a:prstGeom prst="bentConnector3">
+            <a:avLst>
+              <a:gd name="adj1" fmla="val 50000"/>
+            </a:avLst>
+          </a:prstGeom>
+        </p:spPr>
+        <p:style>
+          <a:lnRef idx="1">
+            <a:schemeClr val="accent1"/>
+          </a:lnRef>
+          <a:fillRef idx="0">
+            <a:schemeClr val="accent1"/>
+          </a:fillRef>
+          <a:effectRef idx="0">
+            <a:schemeClr val="accent1"/>
+          </a:effectRef>
+          <a:fontRef idx="minor">
+            <a:schemeClr val="tx1"/>
+          </a:fontRef>
+        </p:style>
+      </p:cxnSp>
+      <p:sp>
+        <p:nvSpPr>
+          <p:cNvPr id="141" name="Rectangle 140"/>
+          <p:cNvSpPr/>
+          <p:nvPr/>
+        </p:nvSpPr>
+        <p:spPr>
+          <a:xfrm>
+            <a:off x="3345837" y="2998839"/>
+            <a:ext cx="1722405" cy="507831"/>
+          </a:xfrm>
+          <a:prstGeom prst="rect">
+            <a:avLst/>
+          </a:prstGeom>
+        </p:spPr>
+        <p:txBody>
+          <a:bodyPr wrap="square">
+            <a:spAutoFit/>
+          </a:bodyPr>
+          <a:lstStyle/>
+          <a:p>
+            <a:r>
+              <a:rPr lang="en-SG" sz="900" dirty="0"/>
+              <a:t>road category =  C/B &amp;</a:t>
+            </a:r>
+          </a:p>
+          <a:p>
+            <a:r>
+              <a:rPr lang="en-SG" sz="900" dirty="0"/>
+              <a:t>previous speed band = 3 &amp;</a:t>
+            </a:r>
+          </a:p>
+          <a:p>
+            <a:r>
+              <a:rPr lang="en-SG" sz="900" dirty="0"/>
+              <a:t>current speed band = 2</a:t>
+            </a:r>
+          </a:p>
+        </p:txBody>
+      </p:sp>
+      <p:cxnSp>
+        <p:nvCxnSpPr>
+          <p:cNvPr id="142" name="Straight Connector 141"/>
+          <p:cNvCxnSpPr>
+            <a:stCxn id="139" idx="0"/>
+            <a:endCxn id="134" idx="3"/>
+          </p:cNvCxnSpPr>
+          <p:nvPr/>
+        </p:nvCxnSpPr>
+        <p:spPr>
+          <a:xfrm flipV="1">
+            <a:off x="4997311" y="3013579"/>
+            <a:ext cx="1628733" cy="1031"/>
+          </a:xfrm>
+          <a:prstGeom prst="line">
+            <a:avLst/>
+          </a:prstGeom>
+        </p:spPr>
+        <p:style>
+          <a:lnRef idx="1">
+            <a:schemeClr val="accent1"/>
+          </a:lnRef>
+          <a:fillRef idx="0">
+            <a:schemeClr val="accent1"/>
+          </a:fillRef>
+          <a:effectRef idx="0">
+            <a:schemeClr val="accent1"/>
+          </a:effectRef>
+          <a:fontRef idx="minor">
+            <a:schemeClr val="tx1"/>
+          </a:fontRef>
+        </p:style>
+      </p:cxnSp>
+      <p:cxnSp>
+        <p:nvCxnSpPr>
+          <p:cNvPr id="143" name="Connector: Elbow 142"/>
+          <p:cNvCxnSpPr>
+            <a:stCxn id="156" idx="3"/>
+            <a:endCxn id="109" idx="3"/>
+          </p:cNvCxnSpPr>
+          <p:nvPr/>
+        </p:nvCxnSpPr>
+        <p:spPr>
+          <a:xfrm flipV="1">
+            <a:off x="8329978" y="3251275"/>
+            <a:ext cx="1085737" cy="1153664"/>
+          </a:xfrm>
+          <a:prstGeom prst="bentConnector3">
+            <a:avLst>
+              <a:gd name="adj1" fmla="val 56591"/>
+            </a:avLst>
+          </a:prstGeom>
+        </p:spPr>
+        <p:style>
+          <a:lnRef idx="1">
+            <a:schemeClr val="accent1"/>
+          </a:lnRef>
+          <a:fillRef idx="0">
+            <a:schemeClr val="accent1"/>
+          </a:fillRef>
+          <a:effectRef idx="0">
+            <a:schemeClr val="accent1"/>
+          </a:effectRef>
+          <a:fontRef idx="minor">
+            <a:schemeClr val="tx1"/>
+          </a:fontRef>
+        </p:style>
+      </p:cxnSp>
+      <p:cxnSp>
+        <p:nvCxnSpPr>
+          <p:cNvPr id="144" name="Connector: Elbow 143"/>
+          <p:cNvCxnSpPr>
+            <a:stCxn id="172" idx="0"/>
+            <a:endCxn id="109" idx="3"/>
+          </p:cNvCxnSpPr>
+          <p:nvPr/>
+        </p:nvCxnSpPr>
+        <p:spPr>
+          <a:xfrm flipV="1">
+            <a:off x="8455802" y="3251275"/>
+            <a:ext cx="959913" cy="2419070"/>
+          </a:xfrm>
+          <a:prstGeom prst="bentConnector3">
+            <a:avLst/>
+          </a:prstGeom>
+        </p:spPr>
+        <p:style>
+          <a:lnRef idx="1">
+            <a:schemeClr val="accent1"/>
+          </a:lnRef>
+          <a:fillRef idx="0">
+            <a:schemeClr val="accent1"/>
+          </a:fillRef>
+          <a:effectRef idx="0">
+            <a:schemeClr val="accent1"/>
+          </a:effectRef>
+          <a:fontRef idx="minor">
+            <a:schemeClr val="tx1"/>
+          </a:fontRef>
+        </p:style>
+      </p:cxnSp>
+      <p:sp>
+        <p:nvSpPr>
+          <p:cNvPr id="145" name="Rectangle 144"/>
+          <p:cNvSpPr/>
+          <p:nvPr/>
+        </p:nvSpPr>
+        <p:spPr>
+          <a:xfrm>
+            <a:off x="3354526" y="1875728"/>
+            <a:ext cx="1722405" cy="507831"/>
+          </a:xfrm>
+          <a:prstGeom prst="rect">
+            <a:avLst/>
+          </a:prstGeom>
+        </p:spPr>
+        <p:txBody>
+          <a:bodyPr wrap="square">
+            <a:spAutoFit/>
+          </a:bodyPr>
+          <a:lstStyle/>
+          <a:p>
+            <a:r>
+              <a:rPr lang="en-SG" sz="900" dirty="0"/>
+              <a:t>road category =  C/B &amp;</a:t>
+            </a:r>
+          </a:p>
+          <a:p>
+            <a:r>
+              <a:rPr lang="en-SG" sz="900" dirty="0"/>
+              <a:t>previous speed band = 2 &amp;</a:t>
+            </a:r>
+          </a:p>
+          <a:p>
+            <a:r>
+              <a:rPr lang="en-SG" sz="900" dirty="0"/>
+              <a:t>current speed band = 1</a:t>
+            </a:r>
+          </a:p>
+        </p:txBody>
+      </p:sp>
+      <p:sp>
+        <p:nvSpPr>
+          <p:cNvPr id="146" name="Isosceles Triangle 145"/>
+          <p:cNvSpPr/>
+          <p:nvPr/>
+        </p:nvSpPr>
+        <p:spPr>
+          <a:xfrm rot="5400000">
+            <a:off x="4791926" y="1738178"/>
+            <a:ext cx="226423" cy="184888"/>
+          </a:xfrm>
+          <a:prstGeom prst="triangle">
+            <a:avLst/>
+          </a:prstGeom>
+          <a:solidFill>
+            <a:srgbClr val="FFFF00"/>
+          </a:solidFill>
+        </p:spPr>
+        <p:style>
+          <a:lnRef idx="2">
+            <a:schemeClr val="accent1">
+              <a:shade val="50000"/>
+            </a:schemeClr>
+          </a:lnRef>
+          <a:fillRef idx="1">
+            <a:schemeClr val="accent1"/>
+          </a:fillRef>
+          <a:effectRef idx="0">
+            <a:schemeClr val="accent1"/>
+          </a:effectRef>
+          <a:fontRef idx="minor">
+            <a:schemeClr val="lt1"/>
+          </a:fontRef>
+        </p:style>
+        <p:txBody>
+          <a:bodyPr rtlCol="0" anchor="ctr"/>
+          <a:lstStyle/>
+          <a:p>
+            <a:pPr algn="ctr"/>
+            <a:endParaRPr lang="en-SG"/>
+          </a:p>
+        </p:txBody>
+      </p:sp>
+      <p:cxnSp>
+        <p:nvCxnSpPr>
+          <p:cNvPr id="147" name="Straight Connector 146"/>
+          <p:cNvCxnSpPr>
+            <a:stCxn id="122" idx="0"/>
+            <a:endCxn id="150" idx="3"/>
+          </p:cNvCxnSpPr>
+          <p:nvPr/>
+        </p:nvCxnSpPr>
+        <p:spPr>
+          <a:xfrm>
+            <a:off x="1397536" y="4526057"/>
+            <a:ext cx="1755928" cy="6293"/>
+          </a:xfrm>
+          <a:prstGeom prst="line">
+            <a:avLst/>
+          </a:prstGeom>
+        </p:spPr>
+        <p:style>
+          <a:lnRef idx="1">
+            <a:schemeClr val="accent1"/>
+          </a:lnRef>
+          <a:fillRef idx="0">
+            <a:schemeClr val="accent1"/>
+          </a:fillRef>
+          <a:effectRef idx="0">
+            <a:schemeClr val="accent1"/>
+          </a:effectRef>
+          <a:fontRef idx="minor">
+            <a:schemeClr val="tx1"/>
+          </a:fontRef>
+        </p:style>
+      </p:cxnSp>
+      <p:sp>
+        <p:nvSpPr>
+          <p:cNvPr id="148" name="Rectangle: Rounded Corners 147"/>
+          <p:cNvSpPr/>
+          <p:nvPr/>
+        </p:nvSpPr>
+        <p:spPr>
+          <a:xfrm>
+            <a:off x="3212003" y="3905253"/>
+            <a:ext cx="1632857" cy="885894"/>
+          </a:xfrm>
+          <a:prstGeom prst="roundRect">
+            <a:avLst/>
+          </a:prstGeom>
+          <a:noFill/>
+        </p:spPr>
+        <p:style>
+          <a:lnRef idx="2">
+            <a:schemeClr val="accent1">
+              <a:shade val="50000"/>
+            </a:schemeClr>
+          </a:lnRef>
+          <a:fillRef idx="1">
+            <a:schemeClr val="accent1"/>
+          </a:fillRef>
+          <a:effectRef idx="0">
+            <a:schemeClr val="accent1"/>
+          </a:effectRef>
+          <a:fontRef idx="minor">
+            <a:schemeClr val="lt1"/>
+          </a:fontRef>
+        </p:style>
+        <p:txBody>
+          <a:bodyPr rtlCol="0" anchor="ctr"/>
+          <a:lstStyle/>
+          <a:p>
+            <a:pPr algn="ctr"/>
+            <a:endParaRPr lang="en-SG"/>
+          </a:p>
+        </p:txBody>
+      </p:sp>
+      <p:sp>
+        <p:nvSpPr>
+          <p:cNvPr id="149" name="TextBox 148"/>
+          <p:cNvSpPr txBox="1"/>
+          <p:nvPr/>
+        </p:nvSpPr>
+        <p:spPr>
+          <a:xfrm>
+            <a:off x="3260166" y="3951532"/>
+            <a:ext cx="1117614" cy="215444"/>
+          </a:xfrm>
+          <a:prstGeom prst="rect">
+            <a:avLst/>
+          </a:prstGeom>
+          <a:noFill/>
+        </p:spPr>
+        <p:txBody>
+          <a:bodyPr wrap="none" rtlCol="0">
+            <a:spAutoFit/>
+          </a:bodyPr>
+          <a:lstStyle/>
+          <a:p>
+            <a:r>
+              <a:rPr lang="en-US" sz="800" dirty="0"/>
+              <a:t>EPA3: Pattern - Spatial</a:t>
+            </a:r>
+            <a:endParaRPr lang="en-SG" sz="800" dirty="0"/>
+          </a:p>
+        </p:txBody>
+      </p:sp>
+      <p:sp>
+        <p:nvSpPr>
+          <p:cNvPr id="150" name="Isosceles Triangle 149"/>
+          <p:cNvSpPr/>
+          <p:nvPr/>
+        </p:nvSpPr>
+        <p:spPr>
+          <a:xfrm rot="5400000">
+            <a:off x="3132696" y="4439905"/>
+            <a:ext cx="226423" cy="184888"/>
+          </a:xfrm>
+          <a:prstGeom prst="triangle">
+            <a:avLst/>
+          </a:prstGeom>
+          <a:solidFill>
+            <a:srgbClr val="FFFF00"/>
+          </a:solidFill>
+        </p:spPr>
+        <p:style>
+          <a:lnRef idx="2">
+            <a:schemeClr val="accent1">
+              <a:shade val="50000"/>
+            </a:schemeClr>
+          </a:lnRef>
+          <a:fillRef idx="1">
+            <a:schemeClr val="accent1"/>
+          </a:fillRef>
+          <a:effectRef idx="0">
+            <a:schemeClr val="accent1"/>
+          </a:effectRef>
+          <a:fontRef idx="minor">
+            <a:schemeClr val="lt1"/>
+          </a:fontRef>
+        </p:style>
+        <p:txBody>
+          <a:bodyPr rtlCol="0" anchor="ctr"/>
+          <a:lstStyle/>
+          <a:p>
+            <a:pPr algn="ctr"/>
+            <a:endParaRPr lang="en-SG"/>
+          </a:p>
+        </p:txBody>
+      </p:sp>
+      <p:sp>
+        <p:nvSpPr>
+          <p:cNvPr id="151" name="Isosceles Triangle 150"/>
+          <p:cNvSpPr/>
+          <p:nvPr/>
+        </p:nvSpPr>
+        <p:spPr>
+          <a:xfrm rot="5400000">
+            <a:off x="4776264" y="4058738"/>
+            <a:ext cx="226423" cy="184888"/>
+          </a:xfrm>
+          <a:prstGeom prst="triangle">
+            <a:avLst/>
+          </a:prstGeom>
+          <a:solidFill>
+            <a:srgbClr val="FFFF00"/>
+          </a:solidFill>
+        </p:spPr>
+        <p:style>
+          <a:lnRef idx="2">
+            <a:schemeClr val="accent1">
+              <a:shade val="50000"/>
+            </a:schemeClr>
+          </a:lnRef>
+          <a:fillRef idx="1">
+            <a:schemeClr val="accent1"/>
+          </a:fillRef>
+          <a:effectRef idx="0">
+            <a:schemeClr val="accent1"/>
+          </a:effectRef>
+          <a:fontRef idx="minor">
+            <a:schemeClr val="lt1"/>
+          </a:fontRef>
+        </p:style>
+        <p:txBody>
+          <a:bodyPr rtlCol="0" anchor="ctr"/>
+          <a:lstStyle/>
+          <a:p>
+            <a:pPr algn="ctr"/>
+            <a:endParaRPr lang="en-SG"/>
+          </a:p>
+        </p:txBody>
+      </p:sp>
+      <p:sp>
+        <p:nvSpPr>
+          <p:cNvPr id="152" name="Rectangle 151"/>
+          <p:cNvSpPr/>
+          <p:nvPr/>
+        </p:nvSpPr>
+        <p:spPr>
+          <a:xfrm>
+            <a:off x="3330446" y="4135412"/>
+            <a:ext cx="1722405" cy="507831"/>
+          </a:xfrm>
+          <a:prstGeom prst="rect">
+            <a:avLst/>
+          </a:prstGeom>
+        </p:spPr>
+        <p:txBody>
+          <a:bodyPr wrap="square">
+            <a:spAutoFit/>
+          </a:bodyPr>
+          <a:lstStyle/>
+          <a:p>
+            <a:r>
+              <a:rPr lang="en-SG" sz="900" dirty="0"/>
+              <a:t>road category =  C/B &amp;</a:t>
+            </a:r>
+          </a:p>
+          <a:p>
+            <a:r>
+              <a:rPr lang="en-SG" sz="900" dirty="0"/>
+              <a:t>current speed band = 2/3 &amp;</a:t>
+            </a:r>
+          </a:p>
+          <a:p>
+            <a:r>
+              <a:rPr lang="en-SG" sz="900" dirty="0"/>
+              <a:t>Forecast in area =HG/HR/HS/HT </a:t>
+            </a:r>
+          </a:p>
+        </p:txBody>
+      </p:sp>
+      <p:sp>
+        <p:nvSpPr>
+          <p:cNvPr id="153" name="Isosceles Triangle 152"/>
+          <p:cNvSpPr/>
+          <p:nvPr/>
+        </p:nvSpPr>
+        <p:spPr>
+          <a:xfrm rot="5400000">
+            <a:off x="3115393" y="4038474"/>
+            <a:ext cx="226423" cy="184888"/>
+          </a:xfrm>
+          <a:prstGeom prst="triangle">
+            <a:avLst/>
+          </a:prstGeom>
+          <a:solidFill>
+            <a:srgbClr val="FFFF00"/>
+          </a:solidFill>
+        </p:spPr>
+        <p:style>
+          <a:lnRef idx="2">
+            <a:schemeClr val="accent1">
+              <a:shade val="50000"/>
+            </a:schemeClr>
+          </a:lnRef>
+          <a:fillRef idx="1">
+            <a:schemeClr val="accent1"/>
+          </a:fillRef>
+          <a:effectRef idx="0">
+            <a:schemeClr val="accent1"/>
+          </a:effectRef>
+          <a:fontRef idx="minor">
+            <a:schemeClr val="lt1"/>
+          </a:fontRef>
+        </p:style>
+        <p:txBody>
+          <a:bodyPr rtlCol="0" anchor="ctr"/>
+          <a:lstStyle/>
+          <a:p>
+            <a:pPr algn="ctr"/>
+            <a:endParaRPr lang="en-SG"/>
+          </a:p>
+        </p:txBody>
+      </p:sp>
+      <p:cxnSp>
+        <p:nvCxnSpPr>
+          <p:cNvPr id="154" name="Connector: Elbow 153"/>
+          <p:cNvCxnSpPr>
+            <a:stCxn id="126" idx="0"/>
+            <a:endCxn id="153" idx="3"/>
+          </p:cNvCxnSpPr>
+          <p:nvPr/>
+        </p:nvCxnSpPr>
+        <p:spPr>
+          <a:xfrm>
+            <a:off x="2425407" y="2896620"/>
+            <a:ext cx="710754" cy="1234299"/>
+          </a:xfrm>
+          <a:prstGeom prst="bentConnector3">
+            <a:avLst>
+              <a:gd name="adj1" fmla="val 50000"/>
+            </a:avLst>
+          </a:prstGeom>
+        </p:spPr>
+        <p:style>
+          <a:lnRef idx="1">
+            <a:schemeClr val="accent1"/>
+          </a:lnRef>
+          <a:fillRef idx="0">
+            <a:schemeClr val="accent1"/>
+          </a:fillRef>
+          <a:effectRef idx="0">
+            <a:schemeClr val="accent1"/>
+          </a:effectRef>
+          <a:fontRef idx="minor">
+            <a:schemeClr val="tx1"/>
+          </a:fontRef>
+        </p:style>
+      </p:cxnSp>
+      <p:sp>
+        <p:nvSpPr>
+          <p:cNvPr id="155" name="Rectangle 154"/>
+          <p:cNvSpPr/>
+          <p:nvPr/>
+        </p:nvSpPr>
+        <p:spPr>
+          <a:xfrm>
+            <a:off x="6807556" y="4186525"/>
+            <a:ext cx="1326513" cy="507831"/>
+          </a:xfrm>
+          <a:prstGeom prst="rect">
+            <a:avLst/>
+          </a:prstGeom>
+        </p:spPr>
+        <p:txBody>
+          <a:bodyPr wrap="square">
+            <a:spAutoFit/>
+          </a:bodyPr>
+          <a:lstStyle/>
+          <a:p>
+            <a:r>
+              <a:rPr lang="en-SG" sz="900" dirty="0"/>
+              <a:t>message  =  “Heavy Rain expect in” Area.  Drive with caution”</a:t>
+            </a:r>
+          </a:p>
+        </p:txBody>
+      </p:sp>
+      <p:sp>
+        <p:nvSpPr>
+          <p:cNvPr id="156" name="Rectangle: Rounded Corners 155"/>
+          <p:cNvSpPr/>
+          <p:nvPr/>
+        </p:nvSpPr>
+        <p:spPr>
+          <a:xfrm>
+            <a:off x="6697121" y="3961992"/>
+            <a:ext cx="1632857" cy="885894"/>
+          </a:xfrm>
+          <a:prstGeom prst="roundRect">
+            <a:avLst/>
+          </a:prstGeom>
+          <a:noFill/>
+        </p:spPr>
+        <p:style>
+          <a:lnRef idx="2">
+            <a:schemeClr val="accent1">
+              <a:shade val="50000"/>
+            </a:schemeClr>
+          </a:lnRef>
+          <a:fillRef idx="1">
+            <a:schemeClr val="accent1"/>
+          </a:fillRef>
+          <a:effectRef idx="0">
+            <a:schemeClr val="accent1"/>
+          </a:effectRef>
+          <a:fontRef idx="minor">
+            <a:schemeClr val="lt1"/>
+          </a:fontRef>
+        </p:style>
+        <p:txBody>
+          <a:bodyPr rtlCol="0" anchor="ctr"/>
+          <a:lstStyle/>
+          <a:p>
+            <a:pPr algn="ctr"/>
+            <a:endParaRPr lang="en-SG"/>
+          </a:p>
+        </p:txBody>
+      </p:sp>
+      <p:sp>
+        <p:nvSpPr>
+          <p:cNvPr id="157" name="Isosceles Triangle 156"/>
+          <p:cNvSpPr/>
+          <p:nvPr/>
+        </p:nvSpPr>
+        <p:spPr>
+          <a:xfrm rot="5400000">
+            <a:off x="8263920" y="4039364"/>
+            <a:ext cx="226423" cy="184888"/>
+          </a:xfrm>
+          <a:prstGeom prst="triangle">
+            <a:avLst/>
+          </a:prstGeom>
+          <a:solidFill>
+            <a:srgbClr val="FFFF00"/>
+          </a:solidFill>
+        </p:spPr>
+        <p:style>
+          <a:lnRef idx="2">
+            <a:schemeClr val="accent1">
+              <a:shade val="50000"/>
+            </a:schemeClr>
+          </a:lnRef>
+          <a:fillRef idx="1">
+            <a:schemeClr val="accent1"/>
+          </a:fillRef>
+          <a:effectRef idx="0">
+            <a:schemeClr val="accent1"/>
+          </a:effectRef>
+          <a:fontRef idx="minor">
+            <a:schemeClr val="lt1"/>
+          </a:fontRef>
+        </p:style>
+        <p:txBody>
+          <a:bodyPr rtlCol="0" anchor="ctr"/>
+          <a:lstStyle/>
+          <a:p>
+            <a:pPr algn="ctr"/>
+            <a:endParaRPr lang="en-SG"/>
+          </a:p>
+        </p:txBody>
+      </p:sp>
+      <p:sp>
+        <p:nvSpPr>
+          <p:cNvPr id="158" name="TextBox 157"/>
+          <p:cNvSpPr txBox="1"/>
+          <p:nvPr/>
+        </p:nvSpPr>
+        <p:spPr>
+          <a:xfrm>
+            <a:off x="6697122" y="3961992"/>
+            <a:ext cx="835485" cy="215444"/>
+          </a:xfrm>
+          <a:prstGeom prst="rect">
+            <a:avLst/>
+          </a:prstGeom>
+          <a:noFill/>
+        </p:spPr>
+        <p:txBody>
+          <a:bodyPr wrap="none" rtlCol="0">
+            <a:spAutoFit/>
+          </a:bodyPr>
+          <a:lstStyle/>
+          <a:p>
+            <a:r>
+              <a:rPr lang="en-US" sz="800" dirty="0"/>
+              <a:t>EPA7: Translate</a:t>
+            </a:r>
+            <a:endParaRPr lang="en-SG" sz="800" dirty="0"/>
+          </a:p>
+        </p:txBody>
+      </p:sp>
+      <p:sp>
+        <p:nvSpPr>
+          <p:cNvPr id="159" name="Isosceles Triangle 158"/>
+          <p:cNvSpPr/>
+          <p:nvPr/>
+        </p:nvSpPr>
+        <p:spPr>
+          <a:xfrm rot="5400000">
+            <a:off x="6619050" y="4065491"/>
+            <a:ext cx="226423" cy="184888"/>
+          </a:xfrm>
+          <a:prstGeom prst="triangle">
+            <a:avLst/>
+          </a:prstGeom>
+          <a:solidFill>
+            <a:srgbClr val="FFFF00"/>
+          </a:solidFill>
+        </p:spPr>
+        <p:style>
+          <a:lnRef idx="2">
+            <a:schemeClr val="accent1">
+              <a:shade val="50000"/>
+            </a:schemeClr>
+          </a:lnRef>
+          <a:fillRef idx="1">
+            <a:schemeClr val="accent1"/>
+          </a:fillRef>
+          <a:effectRef idx="0">
+            <a:schemeClr val="accent1"/>
+          </a:effectRef>
+          <a:fontRef idx="minor">
+            <a:schemeClr val="lt1"/>
+          </a:fontRef>
+        </p:style>
+        <p:txBody>
+          <a:bodyPr rtlCol="0" anchor="ctr"/>
+          <a:lstStyle/>
+          <a:p>
+            <a:pPr algn="ctr"/>
+            <a:endParaRPr lang="en-SG"/>
+          </a:p>
+        </p:txBody>
+      </p:sp>
+      <p:cxnSp>
+        <p:nvCxnSpPr>
+          <p:cNvPr id="160" name="Straight Connector 159"/>
+          <p:cNvCxnSpPr>
+            <a:stCxn id="151" idx="0"/>
+            <a:endCxn id="159" idx="3"/>
+          </p:cNvCxnSpPr>
+          <p:nvPr/>
+        </p:nvCxnSpPr>
+        <p:spPr>
+          <a:xfrm>
+            <a:off x="4981920" y="4151183"/>
+            <a:ext cx="1657898" cy="6753"/>
+          </a:xfrm>
+          <a:prstGeom prst="line">
+            <a:avLst/>
+          </a:prstGeom>
+        </p:spPr>
+        <p:style>
+          <a:lnRef idx="1">
+            <a:schemeClr val="accent1"/>
+          </a:lnRef>
+          <a:fillRef idx="0">
+            <a:schemeClr val="accent1"/>
+          </a:fillRef>
+          <a:effectRef idx="0">
+            <a:schemeClr val="accent1"/>
+          </a:effectRef>
+          <a:fontRef idx="minor">
+            <a:schemeClr val="tx1"/>
+          </a:fontRef>
+        </p:style>
+      </p:cxnSp>
+      <p:sp>
+        <p:nvSpPr>
+          <p:cNvPr id="161" name="Rectangle: Rounded Corners 160"/>
+          <p:cNvSpPr/>
+          <p:nvPr/>
+        </p:nvSpPr>
+        <p:spPr>
+          <a:xfrm>
+            <a:off x="248324" y="5457306"/>
+            <a:ext cx="1068920" cy="566057"/>
+          </a:xfrm>
+          <a:prstGeom prst="roundRect">
+            <a:avLst/>
+          </a:prstGeom>
+          <a:noFill/>
+        </p:spPr>
+        <p:style>
+          <a:lnRef idx="2">
+            <a:schemeClr val="accent1">
+              <a:shade val="50000"/>
+            </a:schemeClr>
+          </a:lnRef>
+          <a:fillRef idx="1">
+            <a:schemeClr val="accent1"/>
+          </a:fillRef>
+          <a:effectRef idx="0">
+            <a:schemeClr val="accent1"/>
+          </a:effectRef>
+          <a:fontRef idx="minor">
+            <a:schemeClr val="lt1"/>
+          </a:fontRef>
+        </p:style>
+        <p:txBody>
+          <a:bodyPr rtlCol="0" anchor="ctr"/>
+          <a:lstStyle/>
+          <a:p>
+            <a:pPr algn="ctr"/>
+            <a:endParaRPr lang="en-SG"/>
+          </a:p>
+        </p:txBody>
+      </p:sp>
+      <p:sp>
+        <p:nvSpPr>
+          <p:cNvPr id="162" name="Isosceles Triangle 161"/>
+          <p:cNvSpPr/>
+          <p:nvPr/>
+        </p:nvSpPr>
+        <p:spPr>
+          <a:xfrm rot="5400000">
+            <a:off x="1204032" y="5647890"/>
+            <a:ext cx="226423" cy="184888"/>
+          </a:xfrm>
+          <a:prstGeom prst="triangle">
+            <a:avLst/>
+          </a:prstGeom>
+          <a:solidFill>
+            <a:srgbClr val="FFFF00"/>
+          </a:solidFill>
+        </p:spPr>
+        <p:style>
+          <a:lnRef idx="2">
+            <a:schemeClr val="accent1">
+              <a:shade val="50000"/>
+            </a:schemeClr>
+          </a:lnRef>
+          <a:fillRef idx="1">
+            <a:schemeClr val="accent1"/>
+          </a:fillRef>
+          <a:effectRef idx="0">
+            <a:schemeClr val="accent1"/>
+          </a:effectRef>
+          <a:fontRef idx="minor">
+            <a:schemeClr val="lt1"/>
+          </a:fontRef>
+        </p:style>
+        <p:txBody>
+          <a:bodyPr rtlCol="0" anchor="ctr"/>
+          <a:lstStyle/>
+          <a:p>
+            <a:pPr algn="ctr"/>
+            <a:endParaRPr lang="en-SG"/>
+          </a:p>
+        </p:txBody>
+      </p:sp>
+      <p:sp>
+        <p:nvSpPr>
+          <p:cNvPr id="163" name="TextBox 162"/>
+          <p:cNvSpPr txBox="1"/>
+          <p:nvPr/>
+        </p:nvSpPr>
+        <p:spPr>
+          <a:xfrm>
+            <a:off x="248324" y="5457306"/>
+            <a:ext cx="338554" cy="215444"/>
+          </a:xfrm>
+          <a:prstGeom prst="rect">
+            <a:avLst/>
+          </a:prstGeom>
+          <a:noFill/>
+        </p:spPr>
+        <p:txBody>
+          <a:bodyPr wrap="none" rtlCol="0">
+            <a:spAutoFit/>
+          </a:bodyPr>
+          <a:lstStyle/>
+          <a:p>
+            <a:r>
+              <a:rPr lang="en-US" sz="800" dirty="0"/>
+              <a:t>EP3</a:t>
+            </a:r>
+            <a:endParaRPr lang="en-SG" sz="800" dirty="0"/>
+          </a:p>
+        </p:txBody>
+      </p:sp>
+      <p:sp>
+        <p:nvSpPr>
+          <p:cNvPr id="164" name="TextBox 163"/>
+          <p:cNvSpPr txBox="1"/>
+          <p:nvPr/>
+        </p:nvSpPr>
+        <p:spPr>
+          <a:xfrm>
+            <a:off x="274471" y="5627122"/>
+            <a:ext cx="1016625" cy="246221"/>
+          </a:xfrm>
+          <a:prstGeom prst="rect">
+            <a:avLst/>
+          </a:prstGeom>
+          <a:noFill/>
+        </p:spPr>
+        <p:txBody>
+          <a:bodyPr wrap="none" rtlCol="0">
+            <a:spAutoFit/>
+          </a:bodyPr>
+          <a:lstStyle/>
+          <a:p>
+            <a:r>
+              <a:rPr lang="en-US" sz="1000" dirty="0"/>
+              <a:t>Traffic Incidents</a:t>
+            </a:r>
+            <a:endParaRPr lang="en-SG" sz="1000" dirty="0"/>
+          </a:p>
+        </p:txBody>
+      </p:sp>
+      <p:cxnSp>
+        <p:nvCxnSpPr>
+          <p:cNvPr id="165" name="Straight Connector 164"/>
+          <p:cNvCxnSpPr>
+            <a:stCxn id="162" idx="0"/>
+            <a:endCxn id="168" idx="3"/>
+          </p:cNvCxnSpPr>
+          <p:nvPr/>
+        </p:nvCxnSpPr>
+        <p:spPr>
+          <a:xfrm>
+            <a:off x="1409688" y="5740335"/>
+            <a:ext cx="1726473" cy="13969"/>
+          </a:xfrm>
+          <a:prstGeom prst="line">
+            <a:avLst/>
+          </a:prstGeom>
+        </p:spPr>
+        <p:style>
+          <a:lnRef idx="1">
+            <a:schemeClr val="accent1"/>
+          </a:lnRef>
+          <a:fillRef idx="0">
+            <a:schemeClr val="accent1"/>
+          </a:fillRef>
+          <a:effectRef idx="0">
+            <a:schemeClr val="accent1"/>
+          </a:effectRef>
+          <a:fontRef idx="minor">
+            <a:schemeClr val="tx1"/>
+          </a:fontRef>
+        </p:style>
+      </p:cxnSp>
+      <p:sp>
+        <p:nvSpPr>
+          <p:cNvPr id="166" name="Rectangle: Rounded Corners 165"/>
+          <p:cNvSpPr/>
+          <p:nvPr/>
+        </p:nvSpPr>
+        <p:spPr>
+          <a:xfrm>
+            <a:off x="3212003" y="5528638"/>
+            <a:ext cx="1632857" cy="885894"/>
+          </a:xfrm>
+          <a:prstGeom prst="roundRect">
+            <a:avLst/>
+          </a:prstGeom>
+          <a:noFill/>
+        </p:spPr>
+        <p:style>
+          <a:lnRef idx="2">
+            <a:schemeClr val="accent1">
+              <a:shade val="50000"/>
+            </a:schemeClr>
+          </a:lnRef>
+          <a:fillRef idx="1">
+            <a:schemeClr val="accent1"/>
+          </a:fillRef>
+          <a:effectRef idx="0">
+            <a:schemeClr val="accent1"/>
+          </a:effectRef>
+          <a:fontRef idx="minor">
+            <a:schemeClr val="lt1"/>
+          </a:fontRef>
+        </p:style>
+        <p:txBody>
+          <a:bodyPr rtlCol="0" anchor="ctr"/>
+          <a:lstStyle/>
+          <a:p>
+            <a:pPr algn="ctr"/>
+            <a:endParaRPr lang="en-SG"/>
+          </a:p>
+        </p:txBody>
+      </p:sp>
+      <p:sp>
+        <p:nvSpPr>
+          <p:cNvPr id="167" name="TextBox 166"/>
+          <p:cNvSpPr txBox="1"/>
+          <p:nvPr/>
+        </p:nvSpPr>
+        <p:spPr>
+          <a:xfrm>
+            <a:off x="3260166" y="5574917"/>
+            <a:ext cx="662361" cy="215444"/>
+          </a:xfrm>
+          <a:prstGeom prst="rect">
+            <a:avLst/>
+          </a:prstGeom>
+          <a:noFill/>
+        </p:spPr>
+        <p:txBody>
+          <a:bodyPr wrap="none" rtlCol="0">
+            <a:spAutoFit/>
+          </a:bodyPr>
+          <a:lstStyle/>
+          <a:p>
+            <a:r>
+              <a:rPr lang="en-US" sz="800" dirty="0"/>
+              <a:t>EPA4: Filter</a:t>
+            </a:r>
+            <a:endParaRPr lang="en-SG" sz="800" dirty="0"/>
+          </a:p>
+        </p:txBody>
+      </p:sp>
+      <p:sp>
+        <p:nvSpPr>
+          <p:cNvPr id="168" name="Isosceles Triangle 167"/>
+          <p:cNvSpPr/>
+          <p:nvPr/>
+        </p:nvSpPr>
+        <p:spPr>
+          <a:xfrm rot="5400000">
+            <a:off x="3115393" y="5661859"/>
+            <a:ext cx="226423" cy="184888"/>
+          </a:xfrm>
+          <a:prstGeom prst="triangle">
+            <a:avLst/>
+          </a:prstGeom>
+          <a:solidFill>
+            <a:srgbClr val="FFFF00"/>
+          </a:solidFill>
+        </p:spPr>
+        <p:style>
+          <a:lnRef idx="2">
+            <a:schemeClr val="accent1">
+              <a:shade val="50000"/>
+            </a:schemeClr>
+          </a:lnRef>
+          <a:fillRef idx="1">
+            <a:schemeClr val="accent1"/>
+          </a:fillRef>
+          <a:effectRef idx="0">
+            <a:schemeClr val="accent1"/>
+          </a:effectRef>
+          <a:fontRef idx="minor">
+            <a:schemeClr val="lt1"/>
+          </a:fontRef>
+        </p:style>
+        <p:txBody>
+          <a:bodyPr rtlCol="0" anchor="ctr"/>
+          <a:lstStyle/>
+          <a:p>
+            <a:pPr algn="ctr"/>
+            <a:endParaRPr lang="en-SG"/>
+          </a:p>
+        </p:txBody>
+      </p:sp>
+      <p:sp>
+        <p:nvSpPr>
+          <p:cNvPr id="169" name="Isosceles Triangle 168"/>
+          <p:cNvSpPr/>
+          <p:nvPr/>
+        </p:nvSpPr>
+        <p:spPr>
+          <a:xfrm rot="5400000">
+            <a:off x="4761591" y="5584706"/>
+            <a:ext cx="226423" cy="184888"/>
+          </a:xfrm>
+          <a:prstGeom prst="triangle">
+            <a:avLst/>
+          </a:prstGeom>
+          <a:solidFill>
+            <a:srgbClr val="FFFF00"/>
+          </a:solidFill>
+        </p:spPr>
+        <p:style>
+          <a:lnRef idx="2">
+            <a:schemeClr val="accent1">
+              <a:shade val="50000"/>
+            </a:schemeClr>
+          </a:lnRef>
+          <a:fillRef idx="1">
+            <a:schemeClr val="accent1"/>
+          </a:fillRef>
+          <a:effectRef idx="0">
+            <a:schemeClr val="accent1"/>
+          </a:effectRef>
+          <a:fontRef idx="minor">
+            <a:schemeClr val="lt1"/>
+          </a:fontRef>
+        </p:style>
+        <p:txBody>
+          <a:bodyPr rtlCol="0" anchor="ctr"/>
+          <a:lstStyle/>
+          <a:p>
+            <a:pPr algn="ctr"/>
+            <a:endParaRPr lang="en-SG"/>
+          </a:p>
+        </p:txBody>
+      </p:sp>
+      <p:sp>
+        <p:nvSpPr>
+          <p:cNvPr id="170" name="Rectangle 169"/>
+          <p:cNvSpPr/>
+          <p:nvPr/>
+        </p:nvSpPr>
+        <p:spPr>
+          <a:xfrm>
+            <a:off x="6793782" y="5725061"/>
+            <a:ext cx="1326513" cy="507831"/>
+          </a:xfrm>
+          <a:prstGeom prst="rect">
+            <a:avLst/>
+          </a:prstGeom>
+        </p:spPr>
+        <p:txBody>
+          <a:bodyPr wrap="square">
+            <a:spAutoFit/>
+          </a:bodyPr>
+          <a:lstStyle/>
+          <a:p>
+            <a:r>
+              <a:rPr lang="en-SG" sz="900" dirty="0"/>
+              <a:t>message  =  “Heavy Rain expect in” Area.  Drive with caution”</a:t>
+            </a:r>
+          </a:p>
+        </p:txBody>
+      </p:sp>
+      <p:sp>
+        <p:nvSpPr>
+          <p:cNvPr id="171" name="Rectangle: Rounded Corners 170"/>
+          <p:cNvSpPr/>
+          <p:nvPr/>
+        </p:nvSpPr>
+        <p:spPr>
+          <a:xfrm>
+            <a:off x="6683347" y="5500528"/>
+            <a:ext cx="1632857" cy="885894"/>
+          </a:xfrm>
+          <a:prstGeom prst="roundRect">
+            <a:avLst/>
+          </a:prstGeom>
+          <a:noFill/>
+        </p:spPr>
+        <p:style>
+          <a:lnRef idx="2">
+            <a:schemeClr val="accent1">
+              <a:shade val="50000"/>
+            </a:schemeClr>
+          </a:lnRef>
+          <a:fillRef idx="1">
+            <a:schemeClr val="accent1"/>
+          </a:fillRef>
+          <a:effectRef idx="0">
+            <a:schemeClr val="accent1"/>
+          </a:effectRef>
+          <a:fontRef idx="minor">
+            <a:schemeClr val="lt1"/>
+          </a:fontRef>
+        </p:style>
+        <p:txBody>
+          <a:bodyPr rtlCol="0" anchor="ctr"/>
+          <a:lstStyle/>
+          <a:p>
+            <a:pPr algn="ctr"/>
+            <a:endParaRPr lang="en-SG"/>
+          </a:p>
+        </p:txBody>
+      </p:sp>
+      <p:sp>
+        <p:nvSpPr>
+          <p:cNvPr id="172" name="Isosceles Triangle 171"/>
+          <p:cNvSpPr/>
+          <p:nvPr/>
+        </p:nvSpPr>
+        <p:spPr>
+          <a:xfrm rot="5400000">
+            <a:off x="8250146" y="5577900"/>
+            <a:ext cx="226423" cy="184888"/>
+          </a:xfrm>
+          <a:prstGeom prst="triangle">
+            <a:avLst/>
+          </a:prstGeom>
+          <a:solidFill>
+            <a:srgbClr val="FFFF00"/>
+          </a:solidFill>
+        </p:spPr>
+        <p:style>
+          <a:lnRef idx="2">
+            <a:schemeClr val="accent1">
+              <a:shade val="50000"/>
+            </a:schemeClr>
+          </a:lnRef>
+          <a:fillRef idx="1">
+            <a:schemeClr val="accent1"/>
+          </a:fillRef>
+          <a:effectRef idx="0">
+            <a:schemeClr val="accent1"/>
+          </a:effectRef>
+          <a:fontRef idx="minor">
+            <a:schemeClr val="lt1"/>
+          </a:fontRef>
+        </p:style>
+        <p:txBody>
+          <a:bodyPr rtlCol="0" anchor="ctr"/>
+          <a:lstStyle/>
+          <a:p>
+            <a:pPr algn="ctr"/>
+            <a:endParaRPr lang="en-SG"/>
+          </a:p>
+        </p:txBody>
+      </p:sp>
+      <p:sp>
+        <p:nvSpPr>
+          <p:cNvPr id="173" name="TextBox 172"/>
+          <p:cNvSpPr txBox="1"/>
+          <p:nvPr/>
+        </p:nvSpPr>
+        <p:spPr>
+          <a:xfrm>
+            <a:off x="6683348" y="5500528"/>
+            <a:ext cx="835485" cy="215444"/>
+          </a:xfrm>
+          <a:prstGeom prst="rect">
+            <a:avLst/>
+          </a:prstGeom>
+          <a:noFill/>
+        </p:spPr>
+        <p:txBody>
+          <a:bodyPr wrap="none" rtlCol="0">
+            <a:spAutoFit/>
+          </a:bodyPr>
+          <a:lstStyle/>
+          <a:p>
+            <a:r>
+              <a:rPr lang="en-US" sz="800" dirty="0"/>
+              <a:t>EPA8: Translate</a:t>
+            </a:r>
+            <a:endParaRPr lang="en-SG" sz="800" dirty="0"/>
+          </a:p>
+        </p:txBody>
+      </p:sp>
+      <p:sp>
+        <p:nvSpPr>
+          <p:cNvPr id="174" name="Isosceles Triangle 173"/>
+          <p:cNvSpPr/>
+          <p:nvPr/>
+        </p:nvSpPr>
+        <p:spPr>
+          <a:xfrm rot="5400000">
+            <a:off x="6605276" y="5604027"/>
+            <a:ext cx="226423" cy="184888"/>
+          </a:xfrm>
+          <a:prstGeom prst="triangle">
+            <a:avLst/>
+          </a:prstGeom>
+          <a:solidFill>
+            <a:srgbClr val="FFFF00"/>
+          </a:solidFill>
+        </p:spPr>
+        <p:style>
+          <a:lnRef idx="2">
+            <a:schemeClr val="accent1">
+              <a:shade val="50000"/>
+            </a:schemeClr>
+          </a:lnRef>
+          <a:fillRef idx="1">
+            <a:schemeClr val="accent1"/>
+          </a:fillRef>
+          <a:effectRef idx="0">
+            <a:schemeClr val="accent1"/>
+          </a:effectRef>
+          <a:fontRef idx="minor">
+            <a:schemeClr val="lt1"/>
+          </a:fontRef>
+        </p:style>
+        <p:txBody>
+          <a:bodyPr rtlCol="0" anchor="ctr"/>
+          <a:lstStyle/>
+          <a:p>
+            <a:pPr algn="ctr"/>
+            <a:endParaRPr lang="en-SG"/>
+          </a:p>
+        </p:txBody>
+      </p:sp>
+      <p:sp>
+        <p:nvSpPr>
+          <p:cNvPr id="175" name="Rectangle 174"/>
+          <p:cNvSpPr/>
+          <p:nvPr/>
+        </p:nvSpPr>
+        <p:spPr>
+          <a:xfrm>
+            <a:off x="3307120" y="5820010"/>
+            <a:ext cx="1722405" cy="369332"/>
+          </a:xfrm>
+          <a:prstGeom prst="rect">
+            <a:avLst/>
+          </a:prstGeom>
+        </p:spPr>
+        <p:txBody>
+          <a:bodyPr wrap="square">
+            <a:spAutoFit/>
+          </a:bodyPr>
+          <a:lstStyle/>
+          <a:p>
+            <a:r>
+              <a:rPr lang="en-SG" sz="900" dirty="0"/>
+              <a:t>Type = accident/vehicle breakdown/unattended vehicle</a:t>
+            </a:r>
+          </a:p>
+        </p:txBody>
+      </p:sp>
+      <p:cxnSp>
+        <p:nvCxnSpPr>
+          <p:cNvPr id="176" name="Straight Connector 175"/>
+          <p:cNvCxnSpPr>
+            <a:stCxn id="169" idx="0"/>
+            <a:endCxn id="174" idx="3"/>
+          </p:cNvCxnSpPr>
+          <p:nvPr/>
+        </p:nvCxnSpPr>
+        <p:spPr>
+          <a:xfrm>
+            <a:off x="4967247" y="5677151"/>
+            <a:ext cx="1658797" cy="19321"/>
+          </a:xfrm>
+          <a:prstGeom prst="line">
+            <a:avLst/>
+          </a:prstGeom>
+        </p:spPr>
+        <p:style>
+          <a:lnRef idx="1">
+            <a:schemeClr val="accent1"/>
+          </a:lnRef>
+          <a:fillRef idx="0">
+            <a:schemeClr val="accent1"/>
+          </a:fillRef>
+          <a:effectRef idx="0">
+            <a:schemeClr val="accent1"/>
+          </a:effectRef>
+          <a:fontRef idx="minor">
+            <a:schemeClr val="tx1"/>
+          </a:fontRef>
+        </p:style>
+      </p:cxnSp>
+      <p:sp>
+        <p:nvSpPr>
+          <p:cNvPr id="177" name="Cylinder 176"/>
+          <p:cNvSpPr/>
+          <p:nvPr/>
+        </p:nvSpPr>
+        <p:spPr>
+          <a:xfrm>
+            <a:off x="5649602" y="4506994"/>
+            <a:ext cx="615863" cy="804643"/>
+          </a:xfrm>
+          <a:prstGeom prst="can">
+            <a:avLst/>
+          </a:prstGeom>
+          <a:noFill/>
+        </p:spPr>
+        <p:style>
+          <a:lnRef idx="2">
+            <a:schemeClr val="accent1">
+              <a:shade val="50000"/>
+            </a:schemeClr>
+          </a:lnRef>
+          <a:fillRef idx="1">
+            <a:schemeClr val="accent1"/>
+          </a:fillRef>
+          <a:effectRef idx="0">
+            <a:schemeClr val="accent1"/>
+          </a:effectRef>
+          <a:fontRef idx="minor">
+            <a:schemeClr val="lt1"/>
+          </a:fontRef>
+        </p:style>
+        <p:txBody>
+          <a:bodyPr rtlCol="0" anchor="ctr"/>
+          <a:lstStyle/>
+          <a:p>
+            <a:pPr algn="ctr"/>
+            <a:endParaRPr lang="en-SG"/>
+          </a:p>
+        </p:txBody>
+      </p:sp>
+      <p:sp>
+        <p:nvSpPr>
+          <p:cNvPr id="178" name="TextBox 177"/>
+          <p:cNvSpPr txBox="1"/>
+          <p:nvPr/>
+        </p:nvSpPr>
+        <p:spPr>
+          <a:xfrm>
+            <a:off x="5635164" y="4721237"/>
+            <a:ext cx="630301" cy="461665"/>
+          </a:xfrm>
+          <a:prstGeom prst="rect">
+            <a:avLst/>
+          </a:prstGeom>
+          <a:noFill/>
+        </p:spPr>
+        <p:txBody>
+          <a:bodyPr wrap="none" rtlCol="0">
+            <a:spAutoFit/>
+          </a:bodyPr>
+          <a:lstStyle/>
+          <a:p>
+            <a:r>
+              <a:rPr lang="en-US" sz="800" dirty="0"/>
+              <a:t>Singapore</a:t>
+            </a:r>
+          </a:p>
+          <a:p>
+            <a:r>
+              <a:rPr lang="en-US" sz="800" dirty="0"/>
+              <a:t>Geospatial</a:t>
+            </a:r>
+          </a:p>
+          <a:p>
+            <a:r>
+              <a:rPr lang="en-US" sz="800" dirty="0"/>
+              <a:t>Database</a:t>
+            </a:r>
+            <a:endParaRPr lang="en-SG" sz="800" dirty="0"/>
+          </a:p>
+        </p:txBody>
+      </p:sp>
+      <p:cxnSp>
+        <p:nvCxnSpPr>
+          <p:cNvPr id="179" name="Connector: Elbow 178"/>
+          <p:cNvCxnSpPr>
+            <a:stCxn id="177" idx="0"/>
+            <a:endCxn id="131" idx="1"/>
+          </p:cNvCxnSpPr>
+          <p:nvPr/>
+        </p:nvCxnSpPr>
+        <p:spPr>
+          <a:xfrm rot="5400000" flipH="1" flipV="1">
+            <a:off x="5620251" y="3597865"/>
+            <a:ext cx="1400378" cy="725813"/>
+          </a:xfrm>
+          <a:prstGeom prst="bentConnector2">
+            <a:avLst/>
+          </a:prstGeom>
+          <a:ln>
+            <a:prstDash val="dash"/>
+            <a:tailEnd type="triangle"/>
+          </a:ln>
+        </p:spPr>
+        <p:style>
+          <a:lnRef idx="1">
+            <a:schemeClr val="accent1"/>
+          </a:lnRef>
+          <a:fillRef idx="0">
+            <a:schemeClr val="accent1"/>
+          </a:fillRef>
+          <a:effectRef idx="0">
+            <a:schemeClr val="accent1"/>
+          </a:effectRef>
+          <a:fontRef idx="minor">
+            <a:schemeClr val="tx1"/>
+          </a:fontRef>
+        </p:style>
+      </p:cxnSp>
+      <p:cxnSp>
+        <p:nvCxnSpPr>
+          <p:cNvPr id="180" name="Connector: Elbow 179"/>
+          <p:cNvCxnSpPr>
+            <a:stCxn id="177" idx="0"/>
+            <a:endCxn id="116" idx="1"/>
+          </p:cNvCxnSpPr>
+          <p:nvPr/>
+        </p:nvCxnSpPr>
+        <p:spPr>
+          <a:xfrm rot="5400000" flipH="1" flipV="1">
+            <a:off x="5032257" y="3031237"/>
+            <a:ext cx="2555001" cy="704447"/>
+          </a:xfrm>
+          <a:prstGeom prst="bentConnector2">
+            <a:avLst/>
+          </a:prstGeom>
+          <a:ln>
+            <a:prstDash val="dash"/>
+            <a:tailEnd type="triangle"/>
+          </a:ln>
+        </p:spPr>
+        <p:style>
+          <a:lnRef idx="1">
+            <a:schemeClr val="accent1"/>
+          </a:lnRef>
+          <a:fillRef idx="0">
+            <a:schemeClr val="accent1"/>
+          </a:fillRef>
+          <a:effectRef idx="0">
+            <a:schemeClr val="accent1"/>
+          </a:effectRef>
+          <a:fontRef idx="minor">
+            <a:schemeClr val="tx1"/>
+          </a:fontRef>
+        </p:style>
+      </p:cxnSp>
+    </p:spTree>
+    <p:extLst>
+      <p:ext uri="{BB962C8B-B14F-4D97-AF65-F5344CB8AC3E}">
+        <p14:creationId xmlns:p14="http://schemas.microsoft.com/office/powerpoint/2010/main" val="2596329936"/>
+      </p:ext>
+    </p:extLst>
+  </p:cSld>
+  <p:clrMapOvr>
+    <a:masterClrMapping/>
+  </p:clrMapOvr>
+  <p:timing>
+    <p:tnLst>
+      <p:par>
+        <p:cTn id="1" dur="indefinite" restart="never" nodeType="tmRoot"/>
+      </p:par>
+    </p:tnLst>
+  </p:timing>
+</p:sld>
+</file>
+
+<file path=ppt/slides/slide9.xml><?xml version="1.0" encoding="utf-8"?>
+<p:sld xmlns:a="http://schemas.openxmlformats.org/drawingml/2006/main" xmlns:r="http://schemas.openxmlformats.org/officeDocument/2006/relationships" xmlns:p="http://schemas.openxmlformats.org/presentationml/2006/main">
+  <p:cSld>
+    <p:spTree>
+      <p:nvGrpSpPr>
+        <p:cNvPr id="1" name=""/>
+        <p:cNvGrpSpPr/>
+        <p:nvPr/>
+      </p:nvGrpSpPr>
+      <p:grpSpPr>
+        <a:xfrm>
+          <a:off x="0" y="0"/>
+          <a:ext cx="0" cy="0"/>
+          <a:chOff x="0" y="0"/>
+          <a:chExt cx="0" cy="0"/>
+        </a:xfrm>
+      </p:grpSpPr>
+      <p:sp>
+        <p:nvSpPr>
+          <p:cNvPr id="2" name="Title 1"/>
+          <p:cNvSpPr>
+            <a:spLocks noGrp="1"/>
+          </p:cNvSpPr>
+          <p:nvPr>
+            <p:ph type="title"/>
+          </p:nvPr>
+        </p:nvSpPr>
+        <p:spPr/>
+        <p:txBody>
+          <a:bodyPr/>
+          <a:lstStyle/>
+          <a:p>
+            <a:r>
               <a:rPr lang="en-US" dirty="0"/>
               <a:t>EPN Evaluation &amp; Conclusion</a:t>
             </a:r>
@@ -9394,7 +10077,7 @@
                 <a:gridCol w="3371353">
                   <a:extLst>
                     <a:ext uri="{9D8B030D-6E8A-4147-A177-3AD203B41FA5}">
-                      <a16:colId xmlns:a16="http://schemas.microsoft.com/office/drawing/2014/main" val="2006457569"/>
+                      <a16:colId xmlns:a16="http://schemas.microsoft.com/office/drawing/2014/main" xmlns="" val="2006457569"/>
                     </a:ext>
                   </a:extLst>
                 </a:gridCol>
@@ -9420,7 +10103,7 @@
                 </a:tc>
                 <a:extLst>
                   <a:ext uri="{0D108BD9-81ED-4DB2-BD59-A6C34878D82A}">
-                    <a16:rowId xmlns:a16="http://schemas.microsoft.com/office/drawing/2014/main" val="3251592014"/>
+                    <a16:rowId xmlns:a16="http://schemas.microsoft.com/office/drawing/2014/main" xmlns="" val="3251592014"/>
                   </a:ext>
                 </a:extLst>
               </a:tr>
@@ -9440,7 +10123,7 @@
                 </a:tc>
                 <a:extLst>
                   <a:ext uri="{0D108BD9-81ED-4DB2-BD59-A6C34878D82A}">
-                    <a16:rowId xmlns:a16="http://schemas.microsoft.com/office/drawing/2014/main" val="588817463"/>
+                    <a16:rowId xmlns:a16="http://schemas.microsoft.com/office/drawing/2014/main" xmlns="" val="588817463"/>
                   </a:ext>
                 </a:extLst>
               </a:tr>
@@ -9460,7 +10143,7 @@
                 </a:tc>
                 <a:extLst>
                   <a:ext uri="{0D108BD9-81ED-4DB2-BD59-A6C34878D82A}">
-                    <a16:rowId xmlns:a16="http://schemas.microsoft.com/office/drawing/2014/main" val="3701001408"/>
+                    <a16:rowId xmlns:a16="http://schemas.microsoft.com/office/drawing/2014/main" xmlns="" val="3701001408"/>
                   </a:ext>
                 </a:extLst>
               </a:tr>
@@ -9472,11 +10155,7 @@
                     <a:p>
                       <a:r>
                         <a:rPr lang="en-US" dirty="0"/>
-                        <a:t>Event </a:t>
-                      </a:r>
-                      <a:r>
-                        <a:rPr lang="en-US" dirty="0"/>
-                        <a:t>Consumer</a:t>
+                        <a:t>Event Consumer</a:t>
                       </a:r>
                       <a:r>
                         <a:rPr lang="en-US" baseline="0" dirty="0"/>
@@ -9489,7 +10168,7 @@
                 </a:tc>
                 <a:extLst>
                   <a:ext uri="{0D108BD9-81ED-4DB2-BD59-A6C34878D82A}">
-                    <a16:rowId xmlns:a16="http://schemas.microsoft.com/office/drawing/2014/main" val="1851136439"/>
+                    <a16:rowId xmlns:a16="http://schemas.microsoft.com/office/drawing/2014/main" xmlns="" val="1851136439"/>
                   </a:ext>
                 </a:extLst>
               </a:tr>
@@ -9514,7 +10193,7 @@
                 </a:tc>
                 <a:extLst>
                   <a:ext uri="{0D108BD9-81ED-4DB2-BD59-A6C34878D82A}">
-                    <a16:rowId xmlns:a16="http://schemas.microsoft.com/office/drawing/2014/main" val="3570257451"/>
+                    <a16:rowId xmlns:a16="http://schemas.microsoft.com/office/drawing/2014/main" xmlns="" val="3570257451"/>
                   </a:ext>
                 </a:extLst>
               </a:tr>
@@ -9534,7 +10213,7 @@
                 </a:tc>
                 <a:extLst>
                   <a:ext uri="{0D108BD9-81ED-4DB2-BD59-A6C34878D82A}">
-                    <a16:rowId xmlns:a16="http://schemas.microsoft.com/office/drawing/2014/main" val="2928617718"/>
+                    <a16:rowId xmlns:a16="http://schemas.microsoft.com/office/drawing/2014/main" xmlns="" val="2928617718"/>
                   </a:ext>
                 </a:extLst>
               </a:tr>
@@ -9554,7 +10233,7 @@
                 </a:tc>
                 <a:extLst>
                   <a:ext uri="{0D108BD9-81ED-4DB2-BD59-A6C34878D82A}">
-                    <a16:rowId xmlns:a16="http://schemas.microsoft.com/office/drawing/2014/main" val="617809366"/>
+                    <a16:rowId xmlns:a16="http://schemas.microsoft.com/office/drawing/2014/main" xmlns="" val="617809366"/>
                   </a:ext>
                 </a:extLst>
               </a:tr>
@@ -9579,7 +10258,7 @@
                 </a:tc>
                 <a:extLst>
                   <a:ext uri="{0D108BD9-81ED-4DB2-BD59-A6C34878D82A}">
-                    <a16:rowId xmlns:a16="http://schemas.microsoft.com/office/drawing/2014/main" val="2328178047"/>
+                    <a16:rowId xmlns:a16="http://schemas.microsoft.com/office/drawing/2014/main" xmlns="" val="2328178047"/>
                   </a:ext>
                 </a:extLst>
               </a:tr>
@@ -9597,192 +10276,13 @@
   <p:clrMapOvr>
     <a:masterClrMapping/>
   </p:clrMapOvr>
-</p:sld>
-</file>
-
-<file path=ppt/slides/slide7.xml><?xml version="1.0" encoding="utf-8"?>
-<p:sld xmlns:a="http://schemas.openxmlformats.org/drawingml/2006/main" xmlns:r="http://schemas.openxmlformats.org/officeDocument/2006/relationships" xmlns:p="http://schemas.openxmlformats.org/presentationml/2006/main">
-  <p:cSld>
-    <p:spTree>
-      <p:nvGrpSpPr>
-        <p:cNvPr id="1" name=""/>
-        <p:cNvGrpSpPr/>
-        <p:nvPr/>
-      </p:nvGrpSpPr>
-      <p:grpSpPr>
-        <a:xfrm>
-          <a:off x="0" y="0"/>
-          <a:ext cx="0" cy="0"/>
-          <a:chOff x="0" y="0"/>
-          <a:chExt cx="0" cy="0"/>
-        </a:xfrm>
-      </p:grpSpPr>
-      <p:sp>
-        <p:nvSpPr>
-          <p:cNvPr id="2" name="Title 1"/>
-          <p:cNvSpPr>
-            <a:spLocks noGrp="1"/>
-          </p:cNvSpPr>
-          <p:nvPr>
-            <p:ph type="title"/>
-          </p:nvPr>
-        </p:nvSpPr>
-        <p:spPr/>
-        <p:txBody>
-          <a:bodyPr/>
-          <a:lstStyle/>
-          <a:p>
-            <a:r>
-              <a:rPr lang="en-US" dirty="0"/>
-              <a:t>Demo</a:t>
-            </a:r>
-          </a:p>
-        </p:txBody>
-      </p:sp>
-      <p:pic>
-        <p:nvPicPr>
-          <p:cNvPr id="4" name="Picture 2" descr="demo4"/>
-          <p:cNvPicPr>
-            <a:picLocks noChangeAspect="1" noChangeArrowheads="1"/>
-          </p:cNvPicPr>
-          <p:nvPr/>
-        </p:nvPicPr>
-        <p:blipFill>
-          <a:blip r:embed="rId2">
-            <a:extLst>
-              <a:ext uri="{28A0092B-C50C-407E-A947-70E740481C1C}">
-                <a14:useLocalDpi xmlns:a14="http://schemas.microsoft.com/office/drawing/2010/main" val="0"/>
-              </a:ext>
-            </a:extLst>
-          </a:blip>
-          <a:srcRect/>
-          <a:stretch>
-            <a:fillRect/>
-          </a:stretch>
-        </p:blipFill>
-        <p:spPr bwMode="auto">
-          <a:xfrm>
-            <a:off x="1394127" y="2008698"/>
-            <a:ext cx="6096000" cy="3429000"/>
-          </a:xfrm>
-          <a:prstGeom prst="rect">
-            <a:avLst/>
-          </a:prstGeom>
-          <a:noFill/>
-          <a:extLst>
-            <a:ext uri="{909E8E84-426E-40DD-AFC4-6F175D3DCCD1}">
-              <a14:hiddenFill xmlns:a14="http://schemas.microsoft.com/office/drawing/2010/main">
-                <a:solidFill>
-                  <a:srgbClr val="FFFFFF"/>
-                </a:solidFill>
-              </a14:hiddenFill>
-            </a:ext>
-          </a:extLst>
-        </p:spPr>
-      </p:pic>
-    </p:spTree>
-    <p:extLst>
-      <p:ext uri="{BB962C8B-B14F-4D97-AF65-F5344CB8AC3E}">
-        <p14:creationId xmlns:p14="http://schemas.microsoft.com/office/powerpoint/2010/main" val="202106783"/>
-      </p:ext>
-    </p:extLst>
-  </p:cSld>
-  <p:clrMapOvr>
-    <a:masterClrMapping/>
-  </p:clrMapOvr>
-</p:sld>
-</file>
-
-<file path=ppt/slides/slide8.xml><?xml version="1.0" encoding="utf-8"?>
-<p:sld xmlns:a="http://schemas.openxmlformats.org/drawingml/2006/main" xmlns:r="http://schemas.openxmlformats.org/officeDocument/2006/relationships" xmlns:p="http://schemas.openxmlformats.org/presentationml/2006/main">
-  <p:cSld>
-    <p:spTree>
-      <p:nvGrpSpPr>
-        <p:cNvPr id="1" name=""/>
-        <p:cNvGrpSpPr/>
-        <p:nvPr/>
-      </p:nvGrpSpPr>
-      <p:grpSpPr>
-        <a:xfrm>
-          <a:off x="0" y="0"/>
-          <a:ext cx="0" cy="0"/>
-          <a:chOff x="0" y="0"/>
-          <a:chExt cx="0" cy="0"/>
-        </a:xfrm>
-      </p:grpSpPr>
-      <p:sp>
-        <p:nvSpPr>
-          <p:cNvPr id="2" name="Title 1"/>
-          <p:cNvSpPr>
-            <a:spLocks noGrp="1"/>
-          </p:cNvSpPr>
-          <p:nvPr>
-            <p:ph type="title"/>
-          </p:nvPr>
-        </p:nvSpPr>
-        <p:spPr/>
-        <p:txBody>
-          <a:bodyPr/>
-          <a:lstStyle/>
-          <a:p>
-            <a:r>
-              <a:rPr lang="en-US" dirty="0"/>
-              <a:t>Questions</a:t>
-            </a:r>
-          </a:p>
-        </p:txBody>
-      </p:sp>
-      <p:pic>
-        <p:nvPicPr>
-          <p:cNvPr id="1026" name="Picture 2" descr="http://cliparts.co/cliparts/pi5/reG/pi5reG9yT.jpg"/>
-          <p:cNvPicPr>
-            <a:picLocks noChangeAspect="1" noChangeArrowheads="1"/>
-          </p:cNvPicPr>
-          <p:nvPr/>
-        </p:nvPicPr>
-        <p:blipFill>
-          <a:blip r:embed="rId2">
-            <a:extLst>
-              <a:ext uri="{28A0092B-C50C-407E-A947-70E740481C1C}">
-                <a14:useLocalDpi xmlns:a14="http://schemas.microsoft.com/office/drawing/2010/main" val="0"/>
-              </a:ext>
-            </a:extLst>
-          </a:blip>
-          <a:srcRect/>
-          <a:stretch>
-            <a:fillRect/>
-          </a:stretch>
-        </p:blipFill>
-        <p:spPr bwMode="auto">
-          <a:xfrm>
-            <a:off x="1280160" y="1523790"/>
-            <a:ext cx="5422789" cy="4739318"/>
-          </a:xfrm>
-          <a:prstGeom prst="rect">
-            <a:avLst/>
-          </a:prstGeom>
-          <a:noFill/>
-          <a:extLst>
-            <a:ext uri="{909E8E84-426E-40DD-AFC4-6F175D3DCCD1}">
-              <a14:hiddenFill xmlns:a14="http://schemas.microsoft.com/office/drawing/2010/main">
-                <a:solidFill>
-                  <a:srgbClr val="FFFFFF"/>
-                </a:solidFill>
-              </a14:hiddenFill>
-            </a:ext>
-          </a:extLst>
-        </p:spPr>
-      </p:pic>
-    </p:spTree>
-    <p:extLst>
-      <p:ext uri="{BB962C8B-B14F-4D97-AF65-F5344CB8AC3E}">
-        <p14:creationId xmlns:p14="http://schemas.microsoft.com/office/powerpoint/2010/main" val="2573739600"/>
-      </p:ext>
-    </p:extLst>
-  </p:cSld>
-  <p:clrMapOvr>
-    <a:masterClrMapping/>
-  </p:clrMapOvr>
+  <p:timing>
+    <p:tnLst>
+      <p:par>
+        <p:cTn id="1" dur="indefinite" restart="never" nodeType="tmRoot"/>
+      </p:par>
+    </p:tnLst>
+  </p:timing>
 </p:sld>
 </file>
 

--- a/reports/Traffic Jam Preventer System.pptx
+++ b/reports/Traffic Jam Preventer System.pptx
@@ -9,7 +9,7 @@
     <p:sldId id="263" r:id="rId3"/>
     <p:sldId id="257" r:id="rId4"/>
     <p:sldId id="258" r:id="rId5"/>
-    <p:sldId id="259" r:id="rId6"/>
+    <p:sldId id="264" r:id="rId6"/>
     <p:sldId id="261" r:id="rId7"/>
     <p:sldId id="262" r:id="rId8"/>
     <p:sldId id="260" r:id="rId9"/>
@@ -842,7 +842,7 @@
             <a:fld id="{B61BEF0D-F0BB-DE4B-95CE-6DB70DBA9567}" type="datetimeFigureOut">
               <a:rPr lang="en-US" dirty="0"/>
               <a:pPr/>
-              <a:t>11/11/2016</a:t>
+              <a:t>11/12/2016</a:t>
             </a:fld>
             <a:endParaRPr lang="en-US" dirty="0"/>
           </a:p>
@@ -1090,7 +1090,7 @@
             <a:fld id="{B61BEF0D-F0BB-DE4B-95CE-6DB70DBA9567}" type="datetimeFigureOut">
               <a:rPr lang="en-US" dirty="0"/>
               <a:pPr/>
-              <a:t>11/11/2016</a:t>
+              <a:t>11/12/2016</a:t>
             </a:fld>
             <a:endParaRPr lang="en-US" dirty="0"/>
           </a:p>
@@ -1401,7 +1401,7 @@
             <a:fld id="{B61BEF0D-F0BB-DE4B-95CE-6DB70DBA9567}" type="datetimeFigureOut">
               <a:rPr lang="en-US" dirty="0"/>
               <a:pPr/>
-              <a:t>11/11/2016</a:t>
+              <a:t>11/12/2016</a:t>
             </a:fld>
             <a:endParaRPr lang="en-US" dirty="0"/>
           </a:p>
@@ -1739,7 +1739,7 @@
             <a:fld id="{B61BEF0D-F0BB-DE4B-95CE-6DB70DBA9567}" type="datetimeFigureOut">
               <a:rPr lang="en-US" dirty="0"/>
               <a:pPr/>
-              <a:t>11/11/2016</a:t>
+              <a:t>11/12/2016</a:t>
             </a:fld>
             <a:endParaRPr lang="en-US" dirty="0"/>
           </a:p>
@@ -2050,7 +2050,7 @@
             <a:fld id="{B61BEF0D-F0BB-DE4B-95CE-6DB70DBA9567}" type="datetimeFigureOut">
               <a:rPr lang="en-US" dirty="0"/>
               <a:pPr/>
-              <a:t>11/11/2016</a:t>
+              <a:t>11/12/2016</a:t>
             </a:fld>
             <a:endParaRPr lang="en-US" dirty="0"/>
           </a:p>
@@ -2440,7 +2440,7 @@
             <a:fld id="{B61BEF0D-F0BB-DE4B-95CE-6DB70DBA9567}" type="datetimeFigureOut">
               <a:rPr lang="en-US" dirty="0"/>
               <a:pPr/>
-              <a:t>11/11/2016</a:t>
+              <a:t>11/12/2016</a:t>
             </a:fld>
             <a:endParaRPr lang="en-US" dirty="0"/>
           </a:p>
@@ -2606,7 +2606,7 @@
           <a:p>
             <a:fld id="{55C6B4A9-1611-4792-9094-5F34BCA07E0B}" type="datetimeFigureOut">
               <a:rPr lang="en-US" dirty="0"/>
-              <a:t>11/11/2016</a:t>
+              <a:t>11/12/2016</a:t>
             </a:fld>
             <a:endParaRPr lang="en-US" dirty="0"/>
           </a:p>
@@ -2782,7 +2782,7 @@
             <a:fld id="{B61BEF0D-F0BB-DE4B-95CE-6DB70DBA9567}" type="datetimeFigureOut">
               <a:rPr lang="en-US" dirty="0"/>
               <a:pPr/>
-              <a:t>11/11/2016</a:t>
+              <a:t>11/12/2016</a:t>
             </a:fld>
             <a:endParaRPr lang="en-US" dirty="0"/>
           </a:p>
@@ -2955,7 +2955,7 @@
             <a:fld id="{B61BEF0D-F0BB-DE4B-95CE-6DB70DBA9567}" type="datetimeFigureOut">
               <a:rPr lang="en-US" dirty="0"/>
               <a:pPr/>
-              <a:t>11/11/2016</a:t>
+              <a:t>11/12/2016</a:t>
             </a:fld>
             <a:endParaRPr lang="en-US" dirty="0"/>
           </a:p>
@@ -3199,7 +3199,7 @@
             <a:fld id="{B61BEF0D-F0BB-DE4B-95CE-6DB70DBA9567}" type="datetimeFigureOut">
               <a:rPr lang="en-US" dirty="0"/>
               <a:pPr/>
-              <a:t>11/11/2016</a:t>
+              <a:t>11/12/2016</a:t>
             </a:fld>
             <a:endParaRPr lang="en-US" dirty="0"/>
           </a:p>
@@ -3427,7 +3427,7 @@
           <a:p>
             <a:fld id="{EB712588-04B1-427B-82EE-E8DB90309F08}" type="datetimeFigureOut">
               <a:rPr lang="en-US" dirty="0"/>
-              <a:t>11/11/2016</a:t>
+              <a:t>11/12/2016</a:t>
             </a:fld>
             <a:endParaRPr lang="en-US" dirty="0"/>
           </a:p>
@@ -3797,7 +3797,7 @@
             <a:fld id="{B61BEF0D-F0BB-DE4B-95CE-6DB70DBA9567}" type="datetimeFigureOut">
               <a:rPr lang="en-US" dirty="0"/>
               <a:pPr/>
-              <a:t>11/11/2016</a:t>
+              <a:t>11/12/2016</a:t>
             </a:fld>
             <a:endParaRPr lang="en-US" dirty="0"/>
           </a:p>
@@ -3917,7 +3917,7 @@
             <a:fld id="{B61BEF0D-F0BB-DE4B-95CE-6DB70DBA9567}" type="datetimeFigureOut">
               <a:rPr lang="en-US" dirty="0"/>
               <a:pPr/>
-              <a:t>11/11/2016</a:t>
+              <a:t>11/12/2016</a:t>
             </a:fld>
             <a:endParaRPr lang="en-US" dirty="0"/>
           </a:p>
@@ -4009,7 +4009,7 @@
             <a:fld id="{B61BEF0D-F0BB-DE4B-95CE-6DB70DBA9567}" type="datetimeFigureOut">
               <a:rPr lang="en-US" dirty="0"/>
               <a:pPr/>
-              <a:t>11/11/2016</a:t>
+              <a:t>11/12/2016</a:t>
             </a:fld>
             <a:endParaRPr lang="en-US" dirty="0"/>
           </a:p>
@@ -4260,7 +4260,7 @@
           <a:p>
             <a:fld id="{42A54C80-263E-416B-A8E0-580EDEADCBDC}" type="datetimeFigureOut">
               <a:rPr lang="en-US" dirty="0"/>
-              <a:t>11/11/2016</a:t>
+              <a:t>11/12/2016</a:t>
             </a:fld>
             <a:endParaRPr lang="en-US" dirty="0"/>
           </a:p>
@@ -4519,7 +4519,7 @@
             <a:fld id="{B61BEF0D-F0BB-DE4B-95CE-6DB70DBA9567}" type="datetimeFigureOut">
               <a:rPr lang="en-US" dirty="0"/>
               <a:pPr/>
-              <a:t>11/11/2016</a:t>
+              <a:t>11/12/2016</a:t>
             </a:fld>
             <a:endParaRPr lang="en-US" dirty="0"/>
           </a:p>
@@ -5259,7 +5259,7 @@
             <a:fld id="{B61BEF0D-F0BB-DE4B-95CE-6DB70DBA9567}" type="datetimeFigureOut">
               <a:rPr lang="en-US" dirty="0"/>
               <a:pPr/>
-              <a:t>11/11/2016</a:t>
+              <a:t>11/12/2016</a:t>
             </a:fld>
             <a:endParaRPr lang="en-US" dirty="0"/>
           </a:p>
@@ -5789,14 +5789,26 @@
             <p:ph type="ctrTitle"/>
           </p:nvPr>
         </p:nvSpPr>
-        <p:spPr/>
+        <p:spPr>
+          <a:xfrm>
+            <a:off x="1158240" y="2404534"/>
+            <a:ext cx="8115764" cy="1646302"/>
+          </a:xfrm>
+        </p:spPr>
         <p:txBody>
           <a:bodyPr/>
           <a:lstStyle/>
           <a:p>
             <a:r>
               <a:rPr lang="en-US" dirty="0"/>
-              <a:t>Traffic Jam Preventer</a:t>
+              <a:t>Cloud9 </a:t>
+            </a:r>
+            <a:br>
+              <a:rPr lang="en-US" dirty="0"/>
+            </a:br>
+            <a:r>
+              <a:rPr lang="en-US" dirty="0"/>
+              <a:t>Efficient Traffic Network</a:t>
             </a:r>
             <a:br>
               <a:rPr lang="en-US" dirty="0"/>
@@ -6363,35 +6375,73 @@
       </p:grpSpPr>
       <p:sp>
         <p:nvSpPr>
-          <p:cNvPr id="2" name="Title 1"/>
-          <p:cNvSpPr>
-            <a:spLocks noGrp="1"/>
-          </p:cNvSpPr>
-          <p:nvPr>
-            <p:ph type="title"/>
-          </p:nvPr>
-        </p:nvSpPr>
-        <p:spPr/>
-        <p:txBody>
-          <a:bodyPr/>
+          <p:cNvPr id="4" name="TextBox 3"/>
+          <p:cNvSpPr txBox="1"/>
+          <p:nvPr/>
+        </p:nvSpPr>
+        <p:spPr>
+          <a:xfrm>
+            <a:off x="577449" y="504957"/>
+            <a:ext cx="1038554" cy="369332"/>
+          </a:xfrm>
+          <a:prstGeom prst="rect">
+            <a:avLst/>
+          </a:prstGeom>
+          <a:noFill/>
+        </p:spPr>
+        <p:txBody>
+          <a:bodyPr wrap="none" rtlCol="0">
+            <a:spAutoFit/>
+          </a:bodyPr>
           <a:lstStyle/>
           <a:p>
             <a:r>
               <a:rPr lang="en-US" dirty="0"/>
-              <a:t>EPN Design</a:t>
-            </a:r>
-          </a:p>
-        </p:txBody>
-      </p:sp>
-      <p:sp>
-        <p:nvSpPr>
-          <p:cNvPr id="104" name="Rectangle: Rounded Corners 103"/>
+              <a:t>Producer</a:t>
+            </a:r>
+            <a:endParaRPr lang="en-SG" dirty="0"/>
+          </a:p>
+        </p:txBody>
+      </p:sp>
+      <p:sp>
+        <p:nvSpPr>
+          <p:cNvPr id="5" name="TextBox 4"/>
+          <p:cNvSpPr txBox="1"/>
+          <p:nvPr/>
+        </p:nvSpPr>
+        <p:spPr>
+          <a:xfrm>
+            <a:off x="10393336" y="504957"/>
+            <a:ext cx="1143262" cy="369332"/>
+          </a:xfrm>
+          <a:prstGeom prst="rect">
+            <a:avLst/>
+          </a:prstGeom>
+          <a:noFill/>
+        </p:spPr>
+        <p:txBody>
+          <a:bodyPr wrap="none" rtlCol="0">
+            <a:spAutoFit/>
+          </a:bodyPr>
+          <a:lstStyle/>
+          <a:p>
+            <a:r>
+              <a:rPr lang="en-US" dirty="0"/>
+              <a:t>Consumer</a:t>
+            </a:r>
+            <a:endParaRPr lang="en-SG" dirty="0"/>
+          </a:p>
+        </p:txBody>
+      </p:sp>
+      <p:sp>
+        <p:nvSpPr>
+          <p:cNvPr id="7" name="Rectangle: Rounded Corners 6"/>
           <p:cNvSpPr/>
           <p:nvPr/>
         </p:nvSpPr>
         <p:spPr>
           <a:xfrm>
-            <a:off x="202110" y="2611664"/>
+            <a:off x="567872" y="2055070"/>
             <a:ext cx="1068920" cy="566057"/>
           </a:xfrm>
           <a:prstGeom prst="roundRect">
@@ -6426,13 +6476,13 @@
       </p:sp>
       <p:sp>
         <p:nvSpPr>
-          <p:cNvPr id="105" name="Isosceles Triangle 104"/>
+          <p:cNvPr id="8" name="Isosceles Triangle 7"/>
           <p:cNvSpPr/>
           <p:nvPr/>
         </p:nvSpPr>
         <p:spPr>
           <a:xfrm rot="5400000">
-            <a:off x="1157818" y="2802248"/>
+            <a:off x="1523580" y="2245654"/>
             <a:ext cx="226423" cy="184888"/>
           </a:xfrm>
           <a:prstGeom prst="triangle">
@@ -6469,13 +6519,13 @@
       </p:sp>
       <p:sp>
         <p:nvSpPr>
-          <p:cNvPr id="106" name="TextBox 105"/>
+          <p:cNvPr id="9" name="TextBox 8"/>
           <p:cNvSpPr txBox="1"/>
           <p:nvPr/>
         </p:nvSpPr>
         <p:spPr>
           <a:xfrm>
-            <a:off x="202110" y="2611664"/>
+            <a:off x="567872" y="2055070"/>
             <a:ext cx="338554" cy="215444"/>
           </a:xfrm>
           <a:prstGeom prst="rect">
@@ -6491,7 +6541,7 @@
           <a:p>
             <a:r>
               <a:rPr lang="en-US" sz="800" dirty="0"/>
-              <a:t>EP1</a:t>
+              <a:t>EP2</a:t>
             </a:r>
             <a:endParaRPr lang="en-SG" sz="800" dirty="0"/>
           </a:p>
@@ -6499,13 +6549,13 @@
       </p:sp>
       <p:sp>
         <p:nvSpPr>
-          <p:cNvPr id="107" name="TextBox 106"/>
+          <p:cNvPr id="10" name="TextBox 9"/>
           <p:cNvSpPr txBox="1"/>
           <p:nvPr/>
         </p:nvSpPr>
         <p:spPr>
           <a:xfrm>
-            <a:off x="228257" y="2781480"/>
+            <a:off x="594019" y="2224886"/>
             <a:ext cx="950327" cy="400110"/>
           </a:xfrm>
           <a:prstGeom prst="rect">
@@ -6529,13 +6579,13 @@
       </p:sp>
       <p:sp>
         <p:nvSpPr>
-          <p:cNvPr id="108" name="Rectangle: Rounded Corners 107"/>
+          <p:cNvPr id="11" name="Rectangle: Rounded Corners 10"/>
           <p:cNvSpPr/>
           <p:nvPr/>
         </p:nvSpPr>
         <p:spPr>
           <a:xfrm>
-            <a:off x="9508160" y="2902092"/>
+            <a:off x="10430507" y="2345498"/>
             <a:ext cx="1068920" cy="566057"/>
           </a:xfrm>
           <a:prstGeom prst="roundRect">
@@ -6570,13 +6620,13 @@
       </p:sp>
       <p:sp>
         <p:nvSpPr>
-          <p:cNvPr id="109" name="Isosceles Triangle 108"/>
+          <p:cNvPr id="12" name="Isosceles Triangle 11"/>
           <p:cNvSpPr/>
           <p:nvPr/>
         </p:nvSpPr>
         <p:spPr>
           <a:xfrm rot="5400000">
-            <a:off x="9394947" y="3158830"/>
+            <a:off x="10317294" y="2602236"/>
             <a:ext cx="226423" cy="184888"/>
           </a:xfrm>
           <a:prstGeom prst="triangle">
@@ -6613,13 +6663,13 @@
       </p:sp>
       <p:sp>
         <p:nvSpPr>
-          <p:cNvPr id="110" name="TextBox 109"/>
+          <p:cNvPr id="13" name="TextBox 12"/>
           <p:cNvSpPr txBox="1"/>
           <p:nvPr/>
         </p:nvSpPr>
         <p:spPr>
           <a:xfrm>
-            <a:off x="9508160" y="2902092"/>
+            <a:off x="10430507" y="2345498"/>
             <a:ext cx="340158" cy="215444"/>
           </a:xfrm>
           <a:prstGeom prst="rect">
@@ -6643,13 +6693,13 @@
       </p:sp>
       <p:sp>
         <p:nvSpPr>
-          <p:cNvPr id="111" name="Rectangle 110"/>
+          <p:cNvPr id="14" name="Rectangle 13"/>
           <p:cNvSpPr/>
           <p:nvPr/>
         </p:nvSpPr>
         <p:spPr>
           <a:xfrm>
-            <a:off x="9518647" y="3049318"/>
+            <a:off x="10462360" y="2930605"/>
             <a:ext cx="1287153" cy="461665"/>
           </a:xfrm>
           <a:prstGeom prst="rect">
@@ -6671,14 +6721,14 @@
       </p:sp>
       <p:sp>
         <p:nvSpPr>
-          <p:cNvPr id="112" name="Rectangle: Rounded Corners 111"/>
+          <p:cNvPr id="15" name="Rectangle: Rounded Corners 14"/>
           <p:cNvSpPr/>
           <p:nvPr/>
         </p:nvSpPr>
         <p:spPr>
           <a:xfrm>
-            <a:off x="3223183" y="1653642"/>
-            <a:ext cx="1632857" cy="885894"/>
+            <a:off x="3779769" y="944647"/>
+            <a:ext cx="1632857" cy="870525"/>
           </a:xfrm>
           <a:prstGeom prst="roundRect">
             <a:avLst/>
@@ -6712,13 +6762,13 @@
       </p:sp>
       <p:sp>
         <p:nvSpPr>
-          <p:cNvPr id="113" name="TextBox 112"/>
+          <p:cNvPr id="17" name="TextBox 16"/>
           <p:cNvSpPr txBox="1"/>
           <p:nvPr/>
         </p:nvSpPr>
         <p:spPr>
           <a:xfrm>
-            <a:off x="3223184" y="1653642"/>
+            <a:off x="3778338" y="940074"/>
             <a:ext cx="1236236" cy="215444"/>
           </a:xfrm>
           <a:prstGeom prst="rect">
@@ -6742,13 +6792,13 @@
       </p:sp>
       <p:sp>
         <p:nvSpPr>
-          <p:cNvPr id="114" name="Isosceles Triangle 113"/>
+          <p:cNvPr id="21" name="Isosceles Triangle 20"/>
           <p:cNvSpPr/>
           <p:nvPr/>
         </p:nvSpPr>
         <p:spPr>
           <a:xfrm rot="5400000">
-            <a:off x="3136119" y="1738635"/>
+            <a:off x="3692705" y="1182041"/>
             <a:ext cx="226423" cy="184888"/>
           </a:xfrm>
           <a:prstGeom prst="triangle">
@@ -6785,15 +6835,15 @@
       </p:sp>
       <p:cxnSp>
         <p:nvCxnSpPr>
-          <p:cNvPr id="115" name="Straight Connector 114"/>
+          <p:cNvPr id="26" name="Straight Connector 25"/>
           <p:cNvCxnSpPr>
-            <a:endCxn id="119" idx="3"/>
+            <a:endCxn id="32" idx="3"/>
           </p:cNvCxnSpPr>
           <p:nvPr/>
         </p:nvCxnSpPr>
         <p:spPr>
           <a:xfrm>
-            <a:off x="4995638" y="1823459"/>
+            <a:off x="5552224" y="1266865"/>
             <a:ext cx="1609040" cy="9370"/>
           </a:xfrm>
           <a:prstGeom prst="line">
@@ -6817,14 +6867,14 @@
       </p:cxnSp>
       <p:sp>
         <p:nvSpPr>
-          <p:cNvPr id="116" name="Rectangle: Rounded Corners 115"/>
+          <p:cNvPr id="27" name="Rectangle: Rounded Corners 26"/>
           <p:cNvSpPr/>
           <p:nvPr/>
         </p:nvSpPr>
         <p:spPr>
           <a:xfrm>
-            <a:off x="6661981" y="1663012"/>
-            <a:ext cx="1632857" cy="885894"/>
+            <a:off x="7218567" y="960518"/>
+            <a:ext cx="1632857" cy="882723"/>
           </a:xfrm>
           <a:prstGeom prst="roundRect">
             <a:avLst/>
@@ -6858,13 +6908,13 @@
       </p:sp>
       <p:sp>
         <p:nvSpPr>
-          <p:cNvPr id="117" name="Isosceles Triangle 116"/>
+          <p:cNvPr id="28" name="Isosceles Triangle 27"/>
           <p:cNvSpPr/>
           <p:nvPr/>
         </p:nvSpPr>
         <p:spPr>
           <a:xfrm rot="5400000">
-            <a:off x="8228780" y="1740384"/>
+            <a:off x="8785366" y="1183790"/>
             <a:ext cx="226423" cy="184888"/>
           </a:xfrm>
           <a:prstGeom prst="triangle">
@@ -6901,43 +6951,13 @@
       </p:sp>
       <p:sp>
         <p:nvSpPr>
-          <p:cNvPr id="118" name="TextBox 117"/>
-          <p:cNvSpPr txBox="1"/>
-          <p:nvPr/>
-        </p:nvSpPr>
-        <p:spPr>
-          <a:xfrm>
-            <a:off x="6661982" y="1663012"/>
-            <a:ext cx="835485" cy="215444"/>
-          </a:xfrm>
-          <a:prstGeom prst="rect">
-            <a:avLst/>
-          </a:prstGeom>
-          <a:noFill/>
-        </p:spPr>
-        <p:txBody>
-          <a:bodyPr wrap="none" rtlCol="0">
-            <a:spAutoFit/>
-          </a:bodyPr>
-          <a:lstStyle/>
-          <a:p>
-            <a:r>
-              <a:rPr lang="en-US" sz="800" dirty="0"/>
-              <a:t>EPA5: Translate</a:t>
-            </a:r>
-            <a:endParaRPr lang="en-SG" sz="800" dirty="0"/>
-          </a:p>
-        </p:txBody>
-      </p:sp>
-      <p:sp>
-        <p:nvSpPr>
-          <p:cNvPr id="119" name="Isosceles Triangle 118"/>
+          <p:cNvPr id="32" name="Isosceles Triangle 31"/>
           <p:cNvSpPr/>
           <p:nvPr/>
         </p:nvSpPr>
         <p:spPr>
           <a:xfrm rot="5400000">
-            <a:off x="6583910" y="1740384"/>
+            <a:off x="7140496" y="1183790"/>
             <a:ext cx="226423" cy="184888"/>
           </a:xfrm>
           <a:prstGeom prst="triangle">
@@ -6974,14 +6994,14 @@
       </p:sp>
       <p:sp>
         <p:nvSpPr>
-          <p:cNvPr id="120" name="TextBox 119"/>
+          <p:cNvPr id="42" name="TextBox 41"/>
           <p:cNvSpPr txBox="1"/>
           <p:nvPr/>
         </p:nvSpPr>
         <p:spPr>
           <a:xfrm>
-            <a:off x="6735424" y="1946692"/>
-            <a:ext cx="1387040" cy="507831"/>
+            <a:off x="7350276" y="2079237"/>
+            <a:ext cx="1387040" cy="1061829"/>
           </a:xfrm>
           <a:prstGeom prst="rect">
             <a:avLst/>
@@ -7010,19 +7030,41 @@
               <a:rPr lang="en-US" sz="900" dirty="0" err="1"/>
               <a:t>AlternativeRoad</a:t>
             </a:r>
+            <a:endParaRPr lang="en-US" sz="900" dirty="0"/>
+          </a:p>
+          <a:p>
+            <a:endParaRPr lang="en-US" sz="900" dirty="0"/>
+          </a:p>
+          <a:p>
+            <a:r>
+              <a:rPr lang="en-SG" sz="900" dirty="0"/>
+              <a:t>message  =  “Traffic building at” </a:t>
+            </a:r>
+            <a:r>
+              <a:rPr lang="en-SG" sz="900" dirty="0" err="1"/>
+              <a:t>Roadname</a:t>
+            </a:r>
+            <a:r>
+              <a:rPr lang="en-SG" sz="900" dirty="0"/>
+              <a:t>. “exit at” </a:t>
+            </a:r>
+            <a:r>
+              <a:rPr lang="en-SG" sz="900" dirty="0" err="1"/>
+              <a:t>AlternativeRoad</a:t>
+            </a:r>
             <a:endParaRPr lang="en-SG" sz="900" dirty="0"/>
           </a:p>
         </p:txBody>
       </p:sp>
       <p:sp>
         <p:nvSpPr>
-          <p:cNvPr id="121" name="Rectangle: Rounded Corners 120"/>
+          <p:cNvPr id="38" name="Rectangle: Rounded Corners 37"/>
           <p:cNvSpPr/>
           <p:nvPr/>
         </p:nvSpPr>
         <p:spPr>
           <a:xfrm>
-            <a:off x="236172" y="4243028"/>
+            <a:off x="562179" y="3686434"/>
             <a:ext cx="1068920" cy="566057"/>
           </a:xfrm>
           <a:prstGeom prst="roundRect">
@@ -7057,13 +7099,13 @@
       </p:sp>
       <p:sp>
         <p:nvSpPr>
-          <p:cNvPr id="122" name="Isosceles Triangle 121"/>
+          <p:cNvPr id="40" name="Isosceles Triangle 39"/>
           <p:cNvSpPr/>
           <p:nvPr/>
         </p:nvSpPr>
         <p:spPr>
           <a:xfrm rot="5400000">
-            <a:off x="1191880" y="4433612"/>
+            <a:off x="1517887" y="3877018"/>
             <a:ext cx="226423" cy="184888"/>
           </a:xfrm>
           <a:prstGeom prst="triangle">
@@ -7100,13 +7142,13 @@
       </p:sp>
       <p:sp>
         <p:nvSpPr>
-          <p:cNvPr id="123" name="TextBox 122"/>
+          <p:cNvPr id="41" name="TextBox 40"/>
           <p:cNvSpPr txBox="1"/>
           <p:nvPr/>
         </p:nvSpPr>
         <p:spPr>
           <a:xfrm>
-            <a:off x="236172" y="4243028"/>
+            <a:off x="562179" y="3686434"/>
             <a:ext cx="338554" cy="215444"/>
           </a:xfrm>
           <a:prstGeom prst="rect">
@@ -7130,13 +7172,13 @@
       </p:sp>
       <p:sp>
         <p:nvSpPr>
-          <p:cNvPr id="124" name="TextBox 123"/>
+          <p:cNvPr id="43" name="TextBox 42"/>
           <p:cNvSpPr txBox="1"/>
           <p:nvPr/>
         </p:nvSpPr>
         <p:spPr>
           <a:xfrm>
-            <a:off x="262319" y="4412844"/>
+            <a:off x="588326" y="3856250"/>
             <a:ext cx="950327" cy="400110"/>
           </a:xfrm>
           <a:prstGeom prst="rect">
@@ -7164,14 +7206,14 @@
       </p:sp>
       <p:sp>
         <p:nvSpPr>
-          <p:cNvPr id="125" name="Rectangle 124"/>
+          <p:cNvPr id="53" name="Rectangle 52"/>
           <p:cNvSpPr/>
           <p:nvPr/>
         </p:nvSpPr>
         <p:spPr>
           <a:xfrm>
-            <a:off x="6793782" y="3042168"/>
-            <a:ext cx="1384685" cy="507831"/>
+            <a:off x="7357377" y="1043906"/>
+            <a:ext cx="1455764" cy="784830"/>
           </a:xfrm>
           <a:prstGeom prst="rect">
             <a:avLst/>
@@ -7185,33 +7227,29 @@
           <a:p>
             <a:r>
               <a:rPr lang="en-SG" sz="900" dirty="0"/>
-              <a:t>message  =  “Traffic building at” </a:t>
-            </a:r>
-            <a:r>
-              <a:rPr lang="en-SG" sz="900" dirty="0" err="1"/>
-              <a:t>Roadname</a:t>
-            </a:r>
+              <a:t>message  =  “Lesser traffic” at road</a:t>
+            </a:r>
+          </a:p>
+          <a:p>
+            <a:endParaRPr lang="en-US" sz="900" dirty="0"/>
+          </a:p>
+          <a:p>
             <a:r>
               <a:rPr lang="en-SG" sz="900" dirty="0"/>
-              <a:t>. “exit at” </a:t>
-            </a:r>
-            <a:r>
-              <a:rPr lang="en-SG" sz="900" dirty="0" err="1"/>
-              <a:t>AlternativeRoad</a:t>
-            </a:r>
-            <a:endParaRPr lang="en-SG" sz="900" dirty="0"/>
-          </a:p>
-        </p:txBody>
-      </p:sp>
-      <p:sp>
-        <p:nvSpPr>
-          <p:cNvPr id="126" name="Hexagon 125"/>
+              <a:t>message  =  “slowdown” at road</a:t>
+            </a:r>
+          </a:p>
+        </p:txBody>
+      </p:sp>
+      <p:sp>
+        <p:nvSpPr>
+          <p:cNvPr id="55" name="Hexagon 54"/>
           <p:cNvSpPr/>
           <p:nvPr/>
         </p:nvSpPr>
         <p:spPr>
           <a:xfrm>
-            <a:off x="1650464" y="2663094"/>
+            <a:off x="1960560" y="2106500"/>
             <a:ext cx="774943" cy="467052"/>
           </a:xfrm>
           <a:prstGeom prst="hexagon">
@@ -7246,15 +7284,15 @@
       </p:sp>
       <p:cxnSp>
         <p:nvCxnSpPr>
-          <p:cNvPr id="127" name="Straight Connector 126"/>
+          <p:cNvPr id="57" name="Straight Connector 56"/>
           <p:cNvCxnSpPr>
-            <a:stCxn id="105" idx="0"/>
+            <a:stCxn id="8" idx="0"/>
           </p:cNvCxnSpPr>
           <p:nvPr/>
         </p:nvCxnSpPr>
         <p:spPr>
           <a:xfrm>
-            <a:off x="1363474" y="2894693"/>
+            <a:off x="1729236" y="2338099"/>
             <a:ext cx="290614" cy="1895"/>
           </a:xfrm>
           <a:prstGeom prst="line">
@@ -7278,17 +7316,17 @@
       </p:cxnSp>
       <p:cxnSp>
         <p:nvCxnSpPr>
-          <p:cNvPr id="128" name="Connector: Elbow 127"/>
+          <p:cNvPr id="59" name="Connector: Elbow 58"/>
           <p:cNvCxnSpPr>
-            <a:stCxn id="126" idx="0"/>
-            <a:endCxn id="114" idx="3"/>
+            <a:stCxn id="55" idx="0"/>
+            <a:endCxn id="21" idx="3"/>
           </p:cNvCxnSpPr>
           <p:nvPr/>
         </p:nvCxnSpPr>
         <p:spPr>
           <a:xfrm flipV="1">
-            <a:off x="2425407" y="1831080"/>
-            <a:ext cx="731480" cy="1065540"/>
+            <a:off x="2735503" y="1274486"/>
+            <a:ext cx="977970" cy="1065540"/>
           </a:xfrm>
           <a:prstGeom prst="bentConnector3">
             <a:avLst>
@@ -7313,13 +7351,13 @@
       </p:cxnSp>
       <p:sp>
         <p:nvSpPr>
-          <p:cNvPr id="129" name="TextBox 128"/>
+          <p:cNvPr id="61" name="TextBox 60"/>
           <p:cNvSpPr txBox="1"/>
           <p:nvPr/>
         </p:nvSpPr>
         <p:spPr>
           <a:xfrm>
-            <a:off x="1753956" y="2786286"/>
+            <a:off x="2064052" y="2229692"/>
             <a:ext cx="579005" cy="215444"/>
           </a:xfrm>
           <a:prstGeom prst="rect">
@@ -7343,17 +7381,17 @@
       </p:sp>
       <p:cxnSp>
         <p:nvCxnSpPr>
-          <p:cNvPr id="130" name="Connector: Elbow 129"/>
+          <p:cNvPr id="72" name="Connector: Elbow 71"/>
           <p:cNvCxnSpPr>
-            <a:stCxn id="117" idx="0"/>
-            <a:endCxn id="109" idx="3"/>
+            <a:stCxn id="28" idx="0"/>
+            <a:endCxn id="12" idx="3"/>
           </p:cNvCxnSpPr>
           <p:nvPr/>
         </p:nvCxnSpPr>
         <p:spPr>
           <a:xfrm>
-            <a:off x="8434436" y="1832829"/>
-            <a:ext cx="981279" cy="1418446"/>
+            <a:off x="8991022" y="1276235"/>
+            <a:ext cx="1347040" cy="1418446"/>
           </a:xfrm>
           <a:prstGeom prst="bentConnector3">
             <a:avLst/>
@@ -7376,14 +7414,14 @@
       </p:cxnSp>
       <p:sp>
         <p:nvSpPr>
-          <p:cNvPr id="131" name="Rectangle: Rounded Corners 130"/>
+          <p:cNvPr id="73" name="Rectangle: Rounded Corners 72"/>
           <p:cNvSpPr/>
           <p:nvPr/>
         </p:nvSpPr>
         <p:spPr>
           <a:xfrm>
-            <a:off x="6683347" y="2817635"/>
-            <a:ext cx="1632857" cy="885894"/>
+            <a:off x="7239933" y="2083079"/>
+            <a:ext cx="1632857" cy="1192934"/>
           </a:xfrm>
           <a:prstGeom prst="roundRect">
             <a:avLst/>
@@ -7417,13 +7455,13 @@
       </p:sp>
       <p:sp>
         <p:nvSpPr>
-          <p:cNvPr id="132" name="Isosceles Triangle 131"/>
+          <p:cNvPr id="74" name="Isosceles Triangle 73"/>
           <p:cNvSpPr/>
           <p:nvPr/>
         </p:nvSpPr>
         <p:spPr>
           <a:xfrm rot="5400000">
-            <a:off x="8250146" y="2895007"/>
+            <a:off x="8806732" y="2338413"/>
             <a:ext cx="226423" cy="184888"/>
           </a:xfrm>
           <a:prstGeom prst="triangle">
@@ -7460,43 +7498,13 @@
       </p:sp>
       <p:sp>
         <p:nvSpPr>
-          <p:cNvPr id="133" name="TextBox 132"/>
-          <p:cNvSpPr txBox="1"/>
-          <p:nvPr/>
-        </p:nvSpPr>
-        <p:spPr>
-          <a:xfrm>
-            <a:off x="6683348" y="2817635"/>
-            <a:ext cx="835485" cy="215444"/>
-          </a:xfrm>
-          <a:prstGeom prst="rect">
-            <a:avLst/>
-          </a:prstGeom>
-          <a:noFill/>
-        </p:spPr>
-        <p:txBody>
-          <a:bodyPr wrap="none" rtlCol="0">
-            <a:spAutoFit/>
-          </a:bodyPr>
-          <a:lstStyle/>
-          <a:p>
-            <a:r>
-              <a:rPr lang="en-US" sz="800" dirty="0"/>
-              <a:t>EPA6: Translate</a:t>
-            </a:r>
-            <a:endParaRPr lang="en-SG" sz="800" dirty="0"/>
-          </a:p>
-        </p:txBody>
-      </p:sp>
-      <p:sp>
-        <p:nvSpPr>
-          <p:cNvPr id="134" name="Isosceles Triangle 133"/>
+          <p:cNvPr id="77" name="Isosceles Triangle 76"/>
           <p:cNvSpPr/>
           <p:nvPr/>
         </p:nvSpPr>
         <p:spPr>
           <a:xfrm rot="5400000">
-            <a:off x="6605276" y="2921134"/>
+            <a:off x="7161862" y="2364540"/>
             <a:ext cx="226423" cy="184888"/>
           </a:xfrm>
           <a:prstGeom prst="triangle">
@@ -7533,17 +7541,17 @@
       </p:sp>
       <p:cxnSp>
         <p:nvCxnSpPr>
-          <p:cNvPr id="135" name="Connector: Elbow 134"/>
+          <p:cNvPr id="87" name="Connector: Elbow 86"/>
           <p:cNvCxnSpPr>
-            <a:stCxn id="132" idx="0"/>
-            <a:endCxn id="109" idx="3"/>
+            <a:stCxn id="74" idx="0"/>
+            <a:endCxn id="12" idx="3"/>
           </p:cNvCxnSpPr>
           <p:nvPr/>
         </p:nvCxnSpPr>
         <p:spPr>
           <a:xfrm>
-            <a:off x="8455802" y="2987452"/>
-            <a:ext cx="959913" cy="263823"/>
+            <a:off x="9012388" y="2430858"/>
+            <a:ext cx="1325674" cy="263823"/>
           </a:xfrm>
           <a:prstGeom prst="bentConnector3">
             <a:avLst>
@@ -7568,14 +7576,14 @@
       </p:cxnSp>
       <p:sp>
         <p:nvSpPr>
-          <p:cNvPr id="136" name="Rectangle: Rounded Corners 135"/>
+          <p:cNvPr id="92" name="Rectangle: Rounded Corners 91"/>
           <p:cNvSpPr/>
           <p:nvPr/>
         </p:nvSpPr>
         <p:spPr>
           <a:xfrm>
-            <a:off x="3227394" y="2768680"/>
-            <a:ext cx="1632857" cy="885894"/>
+            <a:off x="3783980" y="1999052"/>
+            <a:ext cx="1632857" cy="1246036"/>
           </a:xfrm>
           <a:prstGeom prst="roundRect">
             <a:avLst/>
@@ -7609,13 +7617,13 @@
       </p:sp>
       <p:sp>
         <p:nvSpPr>
-          <p:cNvPr id="137" name="TextBox 136"/>
+          <p:cNvPr id="93" name="TextBox 92"/>
           <p:cNvSpPr txBox="1"/>
           <p:nvPr/>
         </p:nvSpPr>
         <p:spPr>
           <a:xfrm>
-            <a:off x="3275557" y="2814959"/>
+            <a:off x="3840046" y="2021674"/>
             <a:ext cx="1236236" cy="215444"/>
           </a:xfrm>
           <a:prstGeom prst="rect">
@@ -7631,7 +7639,7 @@
           <a:p>
             <a:r>
               <a:rPr lang="en-US" sz="800" dirty="0"/>
-              <a:t>EPA3: Pattern - Temporal</a:t>
+              <a:t>EPA2: Pattern - Temporal</a:t>
             </a:r>
             <a:endParaRPr lang="en-SG" sz="800" dirty="0"/>
           </a:p>
@@ -7639,13 +7647,13 @@
       </p:sp>
       <p:sp>
         <p:nvSpPr>
-          <p:cNvPr id="138" name="Isosceles Triangle 137"/>
+          <p:cNvPr id="94" name="Isosceles Triangle 93"/>
           <p:cNvSpPr/>
           <p:nvPr/>
         </p:nvSpPr>
         <p:spPr>
           <a:xfrm rot="5400000">
-            <a:off x="3145961" y="2928247"/>
+            <a:off x="3702547" y="2371653"/>
             <a:ext cx="226423" cy="184888"/>
           </a:xfrm>
           <a:prstGeom prst="triangle">
@@ -7682,13 +7690,13 @@
       </p:sp>
       <p:sp>
         <p:nvSpPr>
-          <p:cNvPr id="139" name="Isosceles Triangle 138"/>
+          <p:cNvPr id="95" name="Isosceles Triangle 94"/>
           <p:cNvSpPr/>
           <p:nvPr/>
         </p:nvSpPr>
         <p:spPr>
           <a:xfrm rot="5400000">
-            <a:off x="4791655" y="2922165"/>
+            <a:off x="5348241" y="2365571"/>
             <a:ext cx="226423" cy="184888"/>
           </a:xfrm>
           <a:prstGeom prst="triangle">
@@ -7723,19 +7731,122 @@
           </a:p>
         </p:txBody>
       </p:sp>
+      <p:sp>
+        <p:nvSpPr>
+          <p:cNvPr id="96" name="Isosceles Triangle 95"/>
+          <p:cNvSpPr/>
+          <p:nvPr/>
+        </p:nvSpPr>
+        <p:spPr>
+          <a:xfrm rot="5400000">
+            <a:off x="5354821" y="2779547"/>
+            <a:ext cx="226423" cy="184888"/>
+          </a:xfrm>
+          <a:prstGeom prst="triangle">
+            <a:avLst/>
+          </a:prstGeom>
+          <a:solidFill>
+            <a:srgbClr val="FFFF00"/>
+          </a:solidFill>
+        </p:spPr>
+        <p:style>
+          <a:lnRef idx="2">
+            <a:schemeClr val="accent1">
+              <a:shade val="50000"/>
+            </a:schemeClr>
+          </a:lnRef>
+          <a:fillRef idx="1">
+            <a:schemeClr val="accent1"/>
+          </a:fillRef>
+          <a:effectRef idx="0">
+            <a:schemeClr val="accent1"/>
+          </a:effectRef>
+          <a:fontRef idx="minor">
+            <a:schemeClr val="lt1"/>
+          </a:fontRef>
+        </p:style>
+        <p:txBody>
+          <a:bodyPr rtlCol="0" anchor="ctr"/>
+          <a:lstStyle/>
+          <a:p>
+            <a:pPr algn="ctr"/>
+            <a:endParaRPr lang="en-SG"/>
+          </a:p>
+        </p:txBody>
+      </p:sp>
+      <p:sp>
+        <p:nvSpPr>
+          <p:cNvPr id="97" name="TextBox 96"/>
+          <p:cNvSpPr txBox="1"/>
+          <p:nvPr/>
+        </p:nvSpPr>
+        <p:spPr>
+          <a:xfrm>
+            <a:off x="5452083" y="2242188"/>
+            <a:ext cx="482824" cy="215444"/>
+          </a:xfrm>
+          <a:prstGeom prst="rect">
+            <a:avLst/>
+          </a:prstGeom>
+          <a:noFill/>
+        </p:spPr>
+        <p:txBody>
+          <a:bodyPr wrap="none" rtlCol="0">
+            <a:spAutoFit/>
+          </a:bodyPr>
+          <a:lstStyle/>
+          <a:p>
+            <a:r>
+              <a:rPr lang="en-US" sz="800" dirty="0"/>
+              <a:t>Output</a:t>
+            </a:r>
+            <a:endParaRPr lang="en-SG" sz="800" dirty="0"/>
+          </a:p>
+        </p:txBody>
+      </p:sp>
+      <p:sp>
+        <p:nvSpPr>
+          <p:cNvPr id="98" name="TextBox 97"/>
+          <p:cNvSpPr txBox="1"/>
+          <p:nvPr/>
+        </p:nvSpPr>
+        <p:spPr>
+          <a:xfrm>
+            <a:off x="5446780" y="2902861"/>
+            <a:ext cx="716863" cy="215444"/>
+          </a:xfrm>
+          <a:prstGeom prst="rect">
+            <a:avLst/>
+          </a:prstGeom>
+          <a:noFill/>
+        </p:spPr>
+        <p:txBody>
+          <a:bodyPr wrap="none" rtlCol="0">
+            <a:spAutoFit/>
+          </a:bodyPr>
+          <a:lstStyle/>
+          <a:p>
+            <a:r>
+              <a:rPr lang="en-US" sz="800" dirty="0"/>
+              <a:t>Not Selected</a:t>
+            </a:r>
+            <a:endParaRPr lang="en-SG" sz="800" dirty="0"/>
+          </a:p>
+        </p:txBody>
+      </p:sp>
       <p:cxnSp>
         <p:nvCxnSpPr>
-          <p:cNvPr id="140" name="Connector: Elbow 139"/>
+          <p:cNvPr id="105" name="Connector: Elbow 104"/>
           <p:cNvCxnSpPr>
-            <a:stCxn id="126" idx="0"/>
-            <a:endCxn id="138" idx="3"/>
+            <a:stCxn id="55" idx="0"/>
+            <a:endCxn id="94" idx="3"/>
           </p:cNvCxnSpPr>
           <p:nvPr/>
         </p:nvCxnSpPr>
         <p:spPr>
           <a:xfrm>
-            <a:off x="2425407" y="2896620"/>
-            <a:ext cx="741322" cy="124072"/>
+            <a:off x="2735503" y="2340026"/>
+            <a:ext cx="987812" cy="124072"/>
           </a:xfrm>
           <a:prstGeom prst="bentConnector3">
             <a:avLst>
@@ -7760,14 +7871,14 @@
       </p:cxnSp>
       <p:sp>
         <p:nvSpPr>
-          <p:cNvPr id="141" name="Rectangle 140"/>
+          <p:cNvPr id="109" name="Rectangle 108"/>
           <p:cNvSpPr/>
           <p:nvPr/>
         </p:nvSpPr>
         <p:spPr>
           <a:xfrm>
-            <a:off x="3345837" y="2998839"/>
-            <a:ext cx="1722405" cy="507831"/>
+            <a:off x="3939107" y="1136546"/>
+            <a:ext cx="1722405" cy="646331"/>
           </a:xfrm>
           <a:prstGeom prst="rect">
             <a:avLst/>
@@ -7780,36 +7891,38 @@
           <a:lstStyle/>
           <a:p>
             <a:r>
-              <a:rPr lang="en-SG" sz="900" dirty="0"/>
-              <a:t>road category =  C/B &amp;</a:t>
-            </a:r>
-          </a:p>
-          <a:p>
-            <a:r>
-              <a:rPr lang="en-SG" sz="900" dirty="0"/>
-              <a:t>previous speed band = 3 &amp;</a:t>
-            </a:r>
-          </a:p>
-          <a:p>
-            <a:r>
-              <a:rPr lang="en-SG" sz="900" dirty="0"/>
-              <a:t>current speed band = 2</a:t>
-            </a:r>
+              <a:rPr lang="en-US" sz="900" dirty="0"/>
+              <a:t>Estimated travel increase</a:t>
+            </a:r>
+            <a:endParaRPr lang="en-SG" sz="900" dirty="0"/>
+          </a:p>
+          <a:p>
+            <a:endParaRPr lang="en-US" sz="900" dirty="0"/>
+          </a:p>
+          <a:p>
+            <a:endParaRPr lang="en-US" sz="900" dirty="0"/>
+          </a:p>
+          <a:p>
+            <a:r>
+              <a:rPr lang="en-US" sz="900" dirty="0"/>
+              <a:t>Estimated travel decrease</a:t>
+            </a:r>
+            <a:endParaRPr lang="en-SG" sz="900" dirty="0"/>
           </a:p>
         </p:txBody>
       </p:sp>
       <p:cxnSp>
         <p:nvCxnSpPr>
-          <p:cNvPr id="142" name="Straight Connector 141"/>
+          <p:cNvPr id="118" name="Straight Connector 117"/>
           <p:cNvCxnSpPr>
-            <a:stCxn id="139" idx="0"/>
-            <a:endCxn id="134" idx="3"/>
+            <a:stCxn id="95" idx="0"/>
+            <a:endCxn id="77" idx="3"/>
           </p:cNvCxnSpPr>
           <p:nvPr/>
         </p:nvCxnSpPr>
         <p:spPr>
           <a:xfrm flipV="1">
-            <a:off x="4997311" y="3013579"/>
+            <a:off x="5553897" y="2456985"/>
             <a:ext cx="1628733" cy="1031"/>
           </a:xfrm>
           <a:prstGeom prst="line">
@@ -7833,22 +7946,19 @@
       </p:cxnSp>
       <p:cxnSp>
         <p:nvCxnSpPr>
-          <p:cNvPr id="143" name="Connector: Elbow 142"/>
+          <p:cNvPr id="120" name="Connector: Elbow 119"/>
           <p:cNvCxnSpPr>
-            <a:stCxn id="156" idx="3"/>
-            <a:endCxn id="109" idx="3"/>
+            <a:endCxn id="12" idx="3"/>
           </p:cNvCxnSpPr>
           <p:nvPr/>
         </p:nvCxnSpPr>
         <p:spPr>
           <a:xfrm flipV="1">
-            <a:off x="8329978" y="3251275"/>
-            <a:ext cx="1085737" cy="1153664"/>
+            <a:off x="8991826" y="2694681"/>
+            <a:ext cx="1346236" cy="999776"/>
           </a:xfrm>
           <a:prstGeom prst="bentConnector3">
-            <a:avLst>
-              <a:gd name="adj1" fmla="val 56591"/>
-            </a:avLst>
+            <a:avLst/>
           </a:prstGeom>
         </p:spPr>
         <p:style>
@@ -7868,17 +7978,17 @@
       </p:cxnSp>
       <p:cxnSp>
         <p:nvCxnSpPr>
-          <p:cNvPr id="144" name="Connector: Elbow 143"/>
+          <p:cNvPr id="163" name="Connector: Elbow 162"/>
           <p:cNvCxnSpPr>
-            <a:stCxn id="172" idx="0"/>
-            <a:endCxn id="109" idx="3"/>
+            <a:stCxn id="189" idx="0"/>
+            <a:endCxn id="12" idx="3"/>
           </p:cNvCxnSpPr>
           <p:nvPr/>
         </p:nvCxnSpPr>
         <p:spPr>
           <a:xfrm flipV="1">
-            <a:off x="8455802" y="3251275"/>
-            <a:ext cx="959913" cy="2419070"/>
+            <a:off x="9036312" y="2694681"/>
+            <a:ext cx="1301750" cy="3243645"/>
           </a:xfrm>
           <a:prstGeom prst="bentConnector3">
             <a:avLst/>
@@ -7901,14 +8011,14 @@
       </p:cxnSp>
       <p:sp>
         <p:nvSpPr>
-          <p:cNvPr id="145" name="Rectangle 144"/>
+          <p:cNvPr id="104" name="Rectangle 103"/>
           <p:cNvSpPr/>
           <p:nvPr/>
         </p:nvSpPr>
         <p:spPr>
           <a:xfrm>
-            <a:off x="3354526" y="1875728"/>
-            <a:ext cx="1722405" cy="507831"/>
+            <a:off x="3945570" y="2137312"/>
+            <a:ext cx="1722405" cy="1200329"/>
           </a:xfrm>
           <a:prstGeom prst="rect">
             <a:avLst/>
@@ -7937,17 +8047,41 @@
               <a:t>current speed band = 1</a:t>
             </a:r>
           </a:p>
-        </p:txBody>
-      </p:sp>
-      <p:sp>
-        <p:nvSpPr>
-          <p:cNvPr id="146" name="Isosceles Triangle 145"/>
+          <a:p>
+            <a:endParaRPr lang="en-US" sz="900" dirty="0"/>
+          </a:p>
+          <a:p>
+            <a:r>
+              <a:rPr lang="en-SG" sz="900" dirty="0"/>
+              <a:t>road category =  C/B &amp;</a:t>
+            </a:r>
+          </a:p>
+          <a:p>
+            <a:r>
+              <a:rPr lang="en-SG" sz="900" dirty="0"/>
+              <a:t>previous speed band = 3 &amp;</a:t>
+            </a:r>
+          </a:p>
+          <a:p>
+            <a:r>
+              <a:rPr lang="en-SG" sz="900" dirty="0"/>
+              <a:t>current speed band = 2</a:t>
+            </a:r>
+          </a:p>
+          <a:p>
+            <a:endParaRPr lang="en-SG" sz="900" dirty="0"/>
+          </a:p>
+        </p:txBody>
+      </p:sp>
+      <p:sp>
+        <p:nvSpPr>
+          <p:cNvPr id="106" name="Isosceles Triangle 105"/>
           <p:cNvSpPr/>
           <p:nvPr/>
         </p:nvSpPr>
         <p:spPr>
           <a:xfrm rot="5400000">
-            <a:off x="4791926" y="1738178"/>
+            <a:off x="5348512" y="1181584"/>
             <a:ext cx="226423" cy="184888"/>
           </a:xfrm>
           <a:prstGeom prst="triangle">
@@ -7982,54 +8116,23 @@
           </a:p>
         </p:txBody>
       </p:sp>
-      <p:cxnSp>
-        <p:nvCxnSpPr>
-          <p:cNvPr id="147" name="Straight Connector 146"/>
-          <p:cNvCxnSpPr>
-            <a:stCxn id="122" idx="0"/>
-            <a:endCxn id="150" idx="3"/>
-          </p:cNvCxnSpPr>
-          <p:nvPr/>
-        </p:nvCxnSpPr>
-        <p:spPr>
-          <a:xfrm>
-            <a:off x="1397536" y="4526057"/>
-            <a:ext cx="1755928" cy="6293"/>
-          </a:xfrm>
-          <a:prstGeom prst="line">
-            <a:avLst/>
-          </a:prstGeom>
-        </p:spPr>
-        <p:style>
-          <a:lnRef idx="1">
-            <a:schemeClr val="accent1"/>
-          </a:lnRef>
-          <a:fillRef idx="0">
-            <a:schemeClr val="accent1"/>
-          </a:fillRef>
-          <a:effectRef idx="0">
-            <a:schemeClr val="accent1"/>
-          </a:effectRef>
-          <a:fontRef idx="minor">
-            <a:schemeClr val="tx1"/>
-          </a:fontRef>
-        </p:style>
-      </p:cxnSp>
-      <p:sp>
-        <p:nvSpPr>
-          <p:cNvPr id="148" name="Rectangle: Rounded Corners 147"/>
+      <p:sp>
+        <p:nvSpPr>
+          <p:cNvPr id="107" name="Isosceles Triangle 106"/>
           <p:cNvSpPr/>
           <p:nvPr/>
         </p:nvSpPr>
         <p:spPr>
-          <a:xfrm>
-            <a:off x="3212003" y="3905253"/>
-            <a:ext cx="1632857" cy="885894"/>
-          </a:xfrm>
-          <a:prstGeom prst="roundRect">
+          <a:xfrm rot="5400000">
+            <a:off x="5355092" y="1595560"/>
+            <a:ext cx="226423" cy="184888"/>
+          </a:xfrm>
+          <a:prstGeom prst="triangle">
             <a:avLst/>
           </a:prstGeom>
-          <a:noFill/>
+          <a:solidFill>
+            <a:srgbClr val="FFFF00"/>
+          </a:solidFill>
         </p:spPr>
         <p:style>
           <a:lnRef idx="2">
@@ -8058,14 +8161,14 @@
       </p:sp>
       <p:sp>
         <p:nvSpPr>
-          <p:cNvPr id="149" name="TextBox 148"/>
+          <p:cNvPr id="108" name="TextBox 107"/>
           <p:cNvSpPr txBox="1"/>
           <p:nvPr/>
         </p:nvSpPr>
         <p:spPr>
           <a:xfrm>
-            <a:off x="3260166" y="3951532"/>
-            <a:ext cx="1117614" cy="215444"/>
+            <a:off x="5452354" y="1058201"/>
+            <a:ext cx="482824" cy="215444"/>
           </a:xfrm>
           <a:prstGeom prst="rect">
             <a:avLst/>
@@ -8080,7 +8183,7 @@
           <a:p>
             <a:r>
               <a:rPr lang="en-US" sz="800" dirty="0"/>
-              <a:t>EPA3: Pattern - Spatial</a:t>
+              <a:t>Output</a:t>
             </a:r>
             <a:endParaRPr lang="en-SG" sz="800" dirty="0"/>
           </a:p>
@@ -8088,21 +8191,82 @@
       </p:sp>
       <p:sp>
         <p:nvSpPr>
-          <p:cNvPr id="150" name="Isosceles Triangle 149"/>
+          <p:cNvPr id="116" name="TextBox 115"/>
+          <p:cNvSpPr txBox="1"/>
+          <p:nvPr/>
+        </p:nvSpPr>
+        <p:spPr>
+          <a:xfrm>
+            <a:off x="5447051" y="1718874"/>
+            <a:ext cx="716863" cy="215444"/>
+          </a:xfrm>
+          <a:prstGeom prst="rect">
+            <a:avLst/>
+          </a:prstGeom>
+          <a:noFill/>
+        </p:spPr>
+        <p:txBody>
+          <a:bodyPr wrap="none" rtlCol="0">
+            <a:spAutoFit/>
+          </a:bodyPr>
+          <a:lstStyle/>
+          <a:p>
+            <a:r>
+              <a:rPr lang="en-US" sz="800" dirty="0"/>
+              <a:t>Not Selected</a:t>
+            </a:r>
+            <a:endParaRPr lang="en-SG" sz="800" dirty="0"/>
+          </a:p>
+        </p:txBody>
+      </p:sp>
+      <p:cxnSp>
+        <p:nvCxnSpPr>
+          <p:cNvPr id="130" name="Straight Connector 129"/>
+          <p:cNvCxnSpPr>
+            <a:stCxn id="40" idx="0"/>
+            <a:endCxn id="133" idx="3"/>
+          </p:cNvCxnSpPr>
+          <p:nvPr/>
+        </p:nvCxnSpPr>
+        <p:spPr>
+          <a:xfrm>
+            <a:off x="1723543" y="3969463"/>
+            <a:ext cx="1986507" cy="6293"/>
+          </a:xfrm>
+          <a:prstGeom prst="line">
+            <a:avLst/>
+          </a:prstGeom>
+        </p:spPr>
+        <p:style>
+          <a:lnRef idx="1">
+            <a:schemeClr val="accent1"/>
+          </a:lnRef>
+          <a:fillRef idx="0">
+            <a:schemeClr val="accent1"/>
+          </a:fillRef>
+          <a:effectRef idx="0">
+            <a:schemeClr val="accent1"/>
+          </a:effectRef>
+          <a:fontRef idx="minor">
+            <a:schemeClr val="tx1"/>
+          </a:fontRef>
+        </p:style>
+      </p:cxnSp>
+      <p:sp>
+        <p:nvSpPr>
+          <p:cNvPr id="131" name="Rectangle: Rounded Corners 130"/>
           <p:cNvSpPr/>
           <p:nvPr/>
         </p:nvSpPr>
         <p:spPr>
-          <a:xfrm rot="5400000">
-            <a:off x="3132696" y="4439905"/>
-            <a:ext cx="226423" cy="184888"/>
-          </a:xfrm>
-          <a:prstGeom prst="triangle">
+          <a:xfrm>
+            <a:off x="3768589" y="3348659"/>
+            <a:ext cx="1632857" cy="885894"/>
+          </a:xfrm>
+          <a:prstGeom prst="roundRect">
             <a:avLst/>
           </a:prstGeom>
-          <a:solidFill>
-            <a:srgbClr val="FFFF00"/>
-          </a:solidFill>
+          <a:noFill/>
         </p:spPr>
         <p:style>
           <a:lnRef idx="2">
@@ -8131,13 +8295,43 @@
       </p:sp>
       <p:sp>
         <p:nvSpPr>
-          <p:cNvPr id="151" name="Isosceles Triangle 150"/>
+          <p:cNvPr id="132" name="TextBox 131"/>
+          <p:cNvSpPr txBox="1"/>
+          <p:nvPr/>
+        </p:nvSpPr>
+        <p:spPr>
+          <a:xfrm>
+            <a:off x="3816752" y="3394938"/>
+            <a:ext cx="1117614" cy="215444"/>
+          </a:xfrm>
+          <a:prstGeom prst="rect">
+            <a:avLst/>
+          </a:prstGeom>
+          <a:noFill/>
+        </p:spPr>
+        <p:txBody>
+          <a:bodyPr wrap="none" rtlCol="0">
+            <a:spAutoFit/>
+          </a:bodyPr>
+          <a:lstStyle/>
+          <a:p>
+            <a:r>
+              <a:rPr lang="en-US" sz="800" dirty="0"/>
+              <a:t>EPA3: Pattern - Spatial</a:t>
+            </a:r>
+            <a:endParaRPr lang="en-SG" sz="800" dirty="0"/>
+          </a:p>
+        </p:txBody>
+      </p:sp>
+      <p:sp>
+        <p:nvSpPr>
+          <p:cNvPr id="133" name="Isosceles Triangle 132"/>
           <p:cNvSpPr/>
           <p:nvPr/>
         </p:nvSpPr>
         <p:spPr>
           <a:xfrm rot="5400000">
-            <a:off x="4776264" y="4058738"/>
+            <a:off x="3689282" y="3883311"/>
             <a:ext cx="226423" cy="184888"/>
           </a:xfrm>
           <a:prstGeom prst="triangle">
@@ -8174,53 +8368,13 @@
       </p:sp>
       <p:sp>
         <p:nvSpPr>
-          <p:cNvPr id="152" name="Rectangle 151"/>
+          <p:cNvPr id="134" name="Isosceles Triangle 133"/>
           <p:cNvSpPr/>
           <p:nvPr/>
         </p:nvSpPr>
         <p:spPr>
-          <a:xfrm>
-            <a:off x="3330446" y="4135412"/>
-            <a:ext cx="1722405" cy="507831"/>
-          </a:xfrm>
-          <a:prstGeom prst="rect">
-            <a:avLst/>
-          </a:prstGeom>
-        </p:spPr>
-        <p:txBody>
-          <a:bodyPr wrap="square">
-            <a:spAutoFit/>
-          </a:bodyPr>
-          <a:lstStyle/>
-          <a:p>
-            <a:r>
-              <a:rPr lang="en-SG" sz="900" dirty="0"/>
-              <a:t>road category =  C/B &amp;</a:t>
-            </a:r>
-          </a:p>
-          <a:p>
-            <a:r>
-              <a:rPr lang="en-SG" sz="900" dirty="0"/>
-              <a:t>current speed band = 2/3 &amp;</a:t>
-            </a:r>
-          </a:p>
-          <a:p>
-            <a:r>
-              <a:rPr lang="en-SG" sz="900" dirty="0"/>
-              <a:t>Forecast in area =HG/HR/HS/HT </a:t>
-            </a:r>
-          </a:p>
-        </p:txBody>
-      </p:sp>
-      <p:sp>
-        <p:nvSpPr>
-          <p:cNvPr id="153" name="Isosceles Triangle 152"/>
-          <p:cNvSpPr/>
-          <p:nvPr/>
-        </p:nvSpPr>
-        <p:spPr>
           <a:xfrm rot="5400000">
-            <a:off x="3115393" y="4038474"/>
+            <a:off x="5332850" y="3502144"/>
             <a:ext cx="226423" cy="184888"/>
           </a:xfrm>
           <a:prstGeom prst="triangle">
@@ -8255,84 +8409,23 @@
           </a:p>
         </p:txBody>
       </p:sp>
-      <p:cxnSp>
-        <p:nvCxnSpPr>
-          <p:cNvPr id="154" name="Connector: Elbow 153"/>
-          <p:cNvCxnSpPr>
-            <a:stCxn id="126" idx="0"/>
-            <a:endCxn id="153" idx="3"/>
-          </p:cNvCxnSpPr>
-          <p:nvPr/>
-        </p:nvCxnSpPr>
-        <p:spPr>
-          <a:xfrm>
-            <a:off x="2425407" y="2896620"/>
-            <a:ext cx="710754" cy="1234299"/>
-          </a:xfrm>
-          <a:prstGeom prst="bentConnector3">
-            <a:avLst>
-              <a:gd name="adj1" fmla="val 50000"/>
-            </a:avLst>
-          </a:prstGeom>
-        </p:spPr>
-        <p:style>
-          <a:lnRef idx="1">
-            <a:schemeClr val="accent1"/>
-          </a:lnRef>
-          <a:fillRef idx="0">
-            <a:schemeClr val="accent1"/>
-          </a:fillRef>
-          <a:effectRef idx="0">
-            <a:schemeClr val="accent1"/>
-          </a:effectRef>
-          <a:fontRef idx="minor">
-            <a:schemeClr val="tx1"/>
-          </a:fontRef>
-        </p:style>
-      </p:cxnSp>
-      <p:sp>
-        <p:nvSpPr>
-          <p:cNvPr id="155" name="Rectangle 154"/>
+      <p:sp>
+        <p:nvSpPr>
+          <p:cNvPr id="135" name="Isosceles Triangle 134"/>
           <p:cNvSpPr/>
           <p:nvPr/>
         </p:nvSpPr>
         <p:spPr>
-          <a:xfrm>
-            <a:off x="6807556" y="4186525"/>
-            <a:ext cx="1326513" cy="507831"/>
-          </a:xfrm>
-          <a:prstGeom prst="rect">
+          <a:xfrm rot="5400000">
+            <a:off x="5339430" y="3916120"/>
+            <a:ext cx="226423" cy="184888"/>
+          </a:xfrm>
+          <a:prstGeom prst="triangle">
             <a:avLst/>
           </a:prstGeom>
-        </p:spPr>
-        <p:txBody>
-          <a:bodyPr wrap="square">
-            <a:spAutoFit/>
-          </a:bodyPr>
-          <a:lstStyle/>
-          <a:p>
-            <a:r>
-              <a:rPr lang="en-SG" sz="900" dirty="0"/>
-              <a:t>message  =  “Heavy Rain expect in” Area.  Drive with caution”</a:t>
-            </a:r>
-          </a:p>
-        </p:txBody>
-      </p:sp>
-      <p:sp>
-        <p:nvSpPr>
-          <p:cNvPr id="156" name="Rectangle: Rounded Corners 155"/>
-          <p:cNvSpPr/>
-          <p:nvPr/>
-        </p:nvSpPr>
-        <p:spPr>
-          <a:xfrm>
-            <a:off x="6697121" y="3961992"/>
-            <a:ext cx="1632857" cy="885894"/>
-          </a:xfrm>
-          <a:prstGeom prst="roundRect">
-            <a:avLst/>
-          </a:prstGeom>
-          <a:noFill/>
+          <a:solidFill>
+            <a:srgbClr val="FFFF00"/>
+          </a:solidFill>
         </p:spPr>
         <p:style>
           <a:lnRef idx="2">
@@ -8361,13 +8454,113 @@
       </p:sp>
       <p:sp>
         <p:nvSpPr>
-          <p:cNvPr id="157" name="Isosceles Triangle 156"/>
+          <p:cNvPr id="136" name="TextBox 135"/>
+          <p:cNvSpPr txBox="1"/>
+          <p:nvPr/>
+        </p:nvSpPr>
+        <p:spPr>
+          <a:xfrm>
+            <a:off x="5436692" y="3378761"/>
+            <a:ext cx="482824" cy="215444"/>
+          </a:xfrm>
+          <a:prstGeom prst="rect">
+            <a:avLst/>
+          </a:prstGeom>
+          <a:noFill/>
+        </p:spPr>
+        <p:txBody>
+          <a:bodyPr wrap="none" rtlCol="0">
+            <a:spAutoFit/>
+          </a:bodyPr>
+          <a:lstStyle/>
+          <a:p>
+            <a:r>
+              <a:rPr lang="en-US" sz="800" dirty="0"/>
+              <a:t>Output</a:t>
+            </a:r>
+            <a:endParaRPr lang="en-SG" sz="800" dirty="0"/>
+          </a:p>
+        </p:txBody>
+      </p:sp>
+      <p:sp>
+        <p:nvSpPr>
+          <p:cNvPr id="138" name="TextBox 137"/>
+          <p:cNvSpPr txBox="1"/>
+          <p:nvPr/>
+        </p:nvSpPr>
+        <p:spPr>
+          <a:xfrm>
+            <a:off x="5431389" y="4039434"/>
+            <a:ext cx="716863" cy="215444"/>
+          </a:xfrm>
+          <a:prstGeom prst="rect">
+            <a:avLst/>
+          </a:prstGeom>
+          <a:noFill/>
+        </p:spPr>
+        <p:txBody>
+          <a:bodyPr wrap="none" rtlCol="0">
+            <a:spAutoFit/>
+          </a:bodyPr>
+          <a:lstStyle/>
+          <a:p>
+            <a:r>
+              <a:rPr lang="en-US" sz="800" dirty="0"/>
+              <a:t>Not Selected</a:t>
+            </a:r>
+            <a:endParaRPr lang="en-SG" sz="800" dirty="0"/>
+          </a:p>
+        </p:txBody>
+      </p:sp>
+      <p:sp>
+        <p:nvSpPr>
+          <p:cNvPr id="139" name="Rectangle 138"/>
           <p:cNvSpPr/>
           <p:nvPr/>
         </p:nvSpPr>
         <p:spPr>
+          <a:xfrm>
+            <a:off x="3887032" y="3578818"/>
+            <a:ext cx="1722405" cy="507831"/>
+          </a:xfrm>
+          <a:prstGeom prst="rect">
+            <a:avLst/>
+          </a:prstGeom>
+        </p:spPr>
+        <p:txBody>
+          <a:bodyPr wrap="square">
+            <a:spAutoFit/>
+          </a:bodyPr>
+          <a:lstStyle/>
+          <a:p>
+            <a:r>
+              <a:rPr lang="en-SG" sz="900" dirty="0"/>
+              <a:t>road category =  C/B &amp;</a:t>
+            </a:r>
+          </a:p>
+          <a:p>
+            <a:r>
+              <a:rPr lang="en-SG" sz="900" dirty="0"/>
+              <a:t>current speed band = 2/3 &amp;</a:t>
+            </a:r>
+          </a:p>
+          <a:p>
+            <a:r>
+              <a:rPr lang="en-SG" sz="900" dirty="0"/>
+              <a:t>Forecast in area =HG/HR/HS/HT </a:t>
+            </a:r>
+          </a:p>
+        </p:txBody>
+      </p:sp>
+      <p:sp>
+        <p:nvSpPr>
+          <p:cNvPr id="140" name="Isosceles Triangle 139"/>
+          <p:cNvSpPr/>
+          <p:nvPr/>
+        </p:nvSpPr>
+        <p:spPr>
           <a:xfrm rot="5400000">
-            <a:off x="8263920" y="4039364"/>
+            <a:off x="3671979" y="3481880"/>
             <a:ext cx="226423" cy="184888"/>
           </a:xfrm>
           <a:prstGeom prst="triangle">
@@ -8402,53 +8595,84 @@
           </a:p>
         </p:txBody>
       </p:sp>
-      <p:sp>
-        <p:nvSpPr>
-          <p:cNvPr id="158" name="TextBox 157"/>
-          <p:cNvSpPr txBox="1"/>
+      <p:cxnSp>
+        <p:nvCxnSpPr>
+          <p:cNvPr id="69" name="Connector: Elbow 68"/>
+          <p:cNvCxnSpPr>
+            <a:stCxn id="55" idx="0"/>
+            <a:endCxn id="140" idx="3"/>
+          </p:cNvCxnSpPr>
           <p:nvPr/>
-        </p:nvSpPr>
-        <p:spPr>
-          <a:xfrm>
-            <a:off x="6697122" y="3961992"/>
-            <a:ext cx="835485" cy="215444"/>
+        </p:nvCxnSpPr>
+        <p:spPr>
+          <a:xfrm>
+            <a:off x="2735503" y="2340026"/>
+            <a:ext cx="957244" cy="1234299"/>
+          </a:xfrm>
+          <a:prstGeom prst="bentConnector3">
+            <a:avLst>
+              <a:gd name="adj1" fmla="val 50000"/>
+            </a:avLst>
+          </a:prstGeom>
+        </p:spPr>
+        <p:style>
+          <a:lnRef idx="1">
+            <a:schemeClr val="accent1"/>
+          </a:lnRef>
+          <a:fillRef idx="0">
+            <a:schemeClr val="accent1"/>
+          </a:fillRef>
+          <a:effectRef idx="0">
+            <a:schemeClr val="accent1"/>
+          </a:effectRef>
+          <a:fontRef idx="minor">
+            <a:schemeClr val="tx1"/>
+          </a:fontRef>
+        </p:style>
+      </p:cxnSp>
+      <p:sp>
+        <p:nvSpPr>
+          <p:cNvPr id="142" name="Rectangle 141"/>
+          <p:cNvSpPr/>
+          <p:nvPr/>
+        </p:nvSpPr>
+        <p:spPr>
+          <a:xfrm>
+            <a:off x="7364142" y="3629931"/>
+            <a:ext cx="1326513" cy="507831"/>
           </a:xfrm>
           <a:prstGeom prst="rect">
             <a:avLst/>
           </a:prstGeom>
-          <a:noFill/>
-        </p:spPr>
-        <p:txBody>
-          <a:bodyPr wrap="none" rtlCol="0">
+        </p:spPr>
+        <p:txBody>
+          <a:bodyPr wrap="square">
             <a:spAutoFit/>
           </a:bodyPr>
           <a:lstStyle/>
           <a:p>
             <a:r>
-              <a:rPr lang="en-US" sz="800" dirty="0"/>
-              <a:t>EPA7: Translate</a:t>
-            </a:r>
-            <a:endParaRPr lang="en-SG" sz="800" dirty="0"/>
-          </a:p>
-        </p:txBody>
-      </p:sp>
-      <p:sp>
-        <p:nvSpPr>
-          <p:cNvPr id="159" name="Isosceles Triangle 158"/>
+              <a:rPr lang="en-SG" sz="900" dirty="0"/>
+              <a:t>message  =  “Heavy Rain expect in” Area.  Drive with caution”</a:t>
+            </a:r>
+          </a:p>
+        </p:txBody>
+      </p:sp>
+      <p:sp>
+        <p:nvSpPr>
+          <p:cNvPr id="143" name="Rectangle: Rounded Corners 142"/>
           <p:cNvSpPr/>
           <p:nvPr/>
         </p:nvSpPr>
         <p:spPr>
-          <a:xfrm rot="5400000">
-            <a:off x="6619050" y="4065491"/>
-            <a:ext cx="226423" cy="184888"/>
-          </a:xfrm>
-          <a:prstGeom prst="triangle">
+          <a:xfrm>
+            <a:off x="7253707" y="3405398"/>
+            <a:ext cx="1632857" cy="885894"/>
+          </a:xfrm>
+          <a:prstGeom prst="roundRect">
             <a:avLst/>
           </a:prstGeom>
-          <a:solidFill>
-            <a:srgbClr val="FFFF00"/>
-          </a:solidFill>
+          <a:noFill/>
         </p:spPr>
         <p:style>
           <a:lnRef idx="2">
@@ -8475,54 +8699,23 @@
           </a:p>
         </p:txBody>
       </p:sp>
-      <p:cxnSp>
-        <p:nvCxnSpPr>
-          <p:cNvPr id="160" name="Straight Connector 159"/>
-          <p:cNvCxnSpPr>
-            <a:stCxn id="151" idx="0"/>
-            <a:endCxn id="159" idx="3"/>
-          </p:cNvCxnSpPr>
-          <p:nvPr/>
-        </p:nvCxnSpPr>
-        <p:spPr>
-          <a:xfrm>
-            <a:off x="4981920" y="4151183"/>
-            <a:ext cx="1657898" cy="6753"/>
-          </a:xfrm>
-          <a:prstGeom prst="line">
-            <a:avLst/>
-          </a:prstGeom>
-        </p:spPr>
-        <p:style>
-          <a:lnRef idx="1">
-            <a:schemeClr val="accent1"/>
-          </a:lnRef>
-          <a:fillRef idx="0">
-            <a:schemeClr val="accent1"/>
-          </a:fillRef>
-          <a:effectRef idx="0">
-            <a:schemeClr val="accent1"/>
-          </a:effectRef>
-          <a:fontRef idx="minor">
-            <a:schemeClr val="tx1"/>
-          </a:fontRef>
-        </p:style>
-      </p:cxnSp>
-      <p:sp>
-        <p:nvSpPr>
-          <p:cNvPr id="161" name="Rectangle: Rounded Corners 160"/>
+      <p:sp>
+        <p:nvSpPr>
+          <p:cNvPr id="144" name="Isosceles Triangle 143"/>
           <p:cNvSpPr/>
           <p:nvPr/>
         </p:nvSpPr>
         <p:spPr>
-          <a:xfrm>
-            <a:off x="248324" y="5457306"/>
-            <a:ext cx="1068920" cy="566057"/>
-          </a:xfrm>
-          <a:prstGeom prst="roundRect">
+          <a:xfrm rot="5400000">
+            <a:off x="8811052" y="3606248"/>
+            <a:ext cx="226423" cy="184888"/>
+          </a:xfrm>
+          <a:prstGeom prst="triangle">
             <a:avLst/>
           </a:prstGeom>
-          <a:noFill/>
+          <a:solidFill>
+            <a:srgbClr val="FFFF00"/>
+          </a:solidFill>
         </p:spPr>
         <p:style>
           <a:lnRef idx="2">
@@ -8551,13 +8744,13 @@
       </p:sp>
       <p:sp>
         <p:nvSpPr>
-          <p:cNvPr id="162" name="Isosceles Triangle 161"/>
+          <p:cNvPr id="148" name="Isosceles Triangle 147"/>
           <p:cNvSpPr/>
           <p:nvPr/>
         </p:nvSpPr>
         <p:spPr>
           <a:xfrm rot="5400000">
-            <a:off x="1204032" y="5647890"/>
+            <a:off x="7175636" y="3508897"/>
             <a:ext cx="226423" cy="184888"/>
           </a:xfrm>
           <a:prstGeom prst="triangle">
@@ -8592,79 +8785,19 @@
           </a:p>
         </p:txBody>
       </p:sp>
-      <p:sp>
-        <p:nvSpPr>
-          <p:cNvPr id="163" name="TextBox 162"/>
-          <p:cNvSpPr txBox="1"/>
-          <p:nvPr/>
-        </p:nvSpPr>
-        <p:spPr>
-          <a:xfrm>
-            <a:off x="248324" y="5457306"/>
-            <a:ext cx="338554" cy="215444"/>
-          </a:xfrm>
-          <a:prstGeom prst="rect">
-            <a:avLst/>
-          </a:prstGeom>
-          <a:noFill/>
-        </p:spPr>
-        <p:txBody>
-          <a:bodyPr wrap="none" rtlCol="0">
-            <a:spAutoFit/>
-          </a:bodyPr>
-          <a:lstStyle/>
-          <a:p>
-            <a:r>
-              <a:rPr lang="en-US" sz="800" dirty="0"/>
-              <a:t>EP3</a:t>
-            </a:r>
-            <a:endParaRPr lang="en-SG" sz="800" dirty="0"/>
-          </a:p>
-        </p:txBody>
-      </p:sp>
-      <p:sp>
-        <p:nvSpPr>
-          <p:cNvPr id="164" name="TextBox 163"/>
-          <p:cNvSpPr txBox="1"/>
-          <p:nvPr/>
-        </p:nvSpPr>
-        <p:spPr>
-          <a:xfrm>
-            <a:off x="274471" y="5627122"/>
-            <a:ext cx="1016625" cy="246221"/>
-          </a:xfrm>
-          <a:prstGeom prst="rect">
-            <a:avLst/>
-          </a:prstGeom>
-          <a:noFill/>
-        </p:spPr>
-        <p:txBody>
-          <a:bodyPr wrap="none" rtlCol="0">
-            <a:spAutoFit/>
-          </a:bodyPr>
-          <a:lstStyle/>
-          <a:p>
-            <a:r>
-              <a:rPr lang="en-US" sz="1000" dirty="0"/>
-              <a:t>Traffic Incidents</a:t>
-            </a:r>
-            <a:endParaRPr lang="en-SG" sz="1000" dirty="0"/>
-          </a:p>
-        </p:txBody>
-      </p:sp>
       <p:cxnSp>
         <p:nvCxnSpPr>
-          <p:cNvPr id="165" name="Straight Connector 164"/>
+          <p:cNvPr id="78" name="Straight Connector 77"/>
           <p:cNvCxnSpPr>
-            <a:stCxn id="162" idx="0"/>
-            <a:endCxn id="168" idx="3"/>
+            <a:stCxn id="134" idx="0"/>
+            <a:endCxn id="148" idx="3"/>
           </p:cNvCxnSpPr>
           <p:nvPr/>
         </p:nvCxnSpPr>
         <p:spPr>
           <a:xfrm>
-            <a:off x="1409688" y="5740335"/>
-            <a:ext cx="1726473" cy="13969"/>
+            <a:off x="5538506" y="3594589"/>
+            <a:ext cx="1657898" cy="6753"/>
           </a:xfrm>
           <a:prstGeom prst="line">
             <a:avLst/>
@@ -8687,14 +8820,14 @@
       </p:cxnSp>
       <p:sp>
         <p:nvSpPr>
-          <p:cNvPr id="166" name="Rectangle: Rounded Corners 165"/>
+          <p:cNvPr id="158" name="Rectangle: Rounded Corners 157"/>
           <p:cNvSpPr/>
           <p:nvPr/>
         </p:nvSpPr>
         <p:spPr>
           <a:xfrm>
-            <a:off x="3212003" y="5528638"/>
-            <a:ext cx="1632857" cy="885894"/>
+            <a:off x="566367" y="5552714"/>
+            <a:ext cx="1068920" cy="566057"/>
           </a:xfrm>
           <a:prstGeom prst="roundRect">
             <a:avLst/>
@@ -8728,43 +8861,13 @@
       </p:sp>
       <p:sp>
         <p:nvSpPr>
-          <p:cNvPr id="167" name="TextBox 166"/>
-          <p:cNvSpPr txBox="1"/>
-          <p:nvPr/>
-        </p:nvSpPr>
-        <p:spPr>
-          <a:xfrm>
-            <a:off x="3260166" y="5574917"/>
-            <a:ext cx="662361" cy="215444"/>
-          </a:xfrm>
-          <a:prstGeom prst="rect">
-            <a:avLst/>
-          </a:prstGeom>
-          <a:noFill/>
-        </p:spPr>
-        <p:txBody>
-          <a:bodyPr wrap="none" rtlCol="0">
-            <a:spAutoFit/>
-          </a:bodyPr>
-          <a:lstStyle/>
-          <a:p>
-            <a:r>
-              <a:rPr lang="en-US" sz="800" dirty="0"/>
-              <a:t>EPA4: Filter</a:t>
-            </a:r>
-            <a:endParaRPr lang="en-SG" sz="800" dirty="0"/>
-          </a:p>
-        </p:txBody>
-      </p:sp>
-      <p:sp>
-        <p:nvSpPr>
-          <p:cNvPr id="168" name="Isosceles Triangle 167"/>
+          <p:cNvPr id="160" name="Isosceles Triangle 159"/>
           <p:cNvSpPr/>
           <p:nvPr/>
         </p:nvSpPr>
         <p:spPr>
           <a:xfrm rot="5400000">
-            <a:off x="3115393" y="5661859"/>
+            <a:off x="1522075" y="5743298"/>
             <a:ext cx="226423" cy="184888"/>
           </a:xfrm>
           <a:prstGeom prst="triangle">
@@ -8801,21 +8904,112 @@
       </p:sp>
       <p:sp>
         <p:nvSpPr>
-          <p:cNvPr id="169" name="Isosceles Triangle 168"/>
+          <p:cNvPr id="161" name="TextBox 160"/>
+          <p:cNvSpPr txBox="1"/>
+          <p:nvPr/>
+        </p:nvSpPr>
+        <p:spPr>
+          <a:xfrm>
+            <a:off x="566367" y="5552714"/>
+            <a:ext cx="338554" cy="215444"/>
+          </a:xfrm>
+          <a:prstGeom prst="rect">
+            <a:avLst/>
+          </a:prstGeom>
+          <a:noFill/>
+        </p:spPr>
+        <p:txBody>
+          <a:bodyPr wrap="none" rtlCol="0">
+            <a:spAutoFit/>
+          </a:bodyPr>
+          <a:lstStyle/>
+          <a:p>
+            <a:r>
+              <a:rPr lang="en-US" sz="800" dirty="0"/>
+              <a:t>EP3</a:t>
+            </a:r>
+            <a:endParaRPr lang="en-SG" sz="800" dirty="0"/>
+          </a:p>
+        </p:txBody>
+      </p:sp>
+      <p:sp>
+        <p:nvSpPr>
+          <p:cNvPr id="162" name="TextBox 161"/>
+          <p:cNvSpPr txBox="1"/>
+          <p:nvPr/>
+        </p:nvSpPr>
+        <p:spPr>
+          <a:xfrm>
+            <a:off x="592514" y="5722530"/>
+            <a:ext cx="1016625" cy="246221"/>
+          </a:xfrm>
+          <a:prstGeom prst="rect">
+            <a:avLst/>
+          </a:prstGeom>
+          <a:noFill/>
+        </p:spPr>
+        <p:txBody>
+          <a:bodyPr wrap="none" rtlCol="0">
+            <a:spAutoFit/>
+          </a:bodyPr>
+          <a:lstStyle/>
+          <a:p>
+            <a:r>
+              <a:rPr lang="en-US" sz="1000" dirty="0"/>
+              <a:t>Traffic Incidents</a:t>
+            </a:r>
+            <a:endParaRPr lang="en-SG" sz="1000" dirty="0"/>
+          </a:p>
+        </p:txBody>
+      </p:sp>
+      <p:cxnSp>
+        <p:nvCxnSpPr>
+          <p:cNvPr id="168" name="Straight Connector 167"/>
+          <p:cNvCxnSpPr>
+            <a:stCxn id="160" idx="0"/>
+            <a:endCxn id="180" idx="3"/>
+          </p:cNvCxnSpPr>
+          <p:nvPr/>
+        </p:nvCxnSpPr>
+        <p:spPr>
+          <a:xfrm>
+            <a:off x="1727731" y="5835743"/>
+            <a:ext cx="1965016" cy="13969"/>
+          </a:xfrm>
+          <a:prstGeom prst="line">
+            <a:avLst/>
+          </a:prstGeom>
+        </p:spPr>
+        <p:style>
+          <a:lnRef idx="1">
+            <a:schemeClr val="accent1"/>
+          </a:lnRef>
+          <a:fillRef idx="0">
+            <a:schemeClr val="accent1"/>
+          </a:fillRef>
+          <a:effectRef idx="0">
+            <a:schemeClr val="accent1"/>
+          </a:effectRef>
+          <a:fontRef idx="minor">
+            <a:schemeClr val="tx1"/>
+          </a:fontRef>
+        </p:style>
+      </p:cxnSp>
+      <p:sp>
+        <p:nvSpPr>
+          <p:cNvPr id="169" name="Rectangle: Rounded Corners 168"/>
           <p:cNvSpPr/>
           <p:nvPr/>
         </p:nvSpPr>
         <p:spPr>
-          <a:xfrm rot="5400000">
-            <a:off x="4761591" y="5584706"/>
-            <a:ext cx="226423" cy="184888"/>
-          </a:xfrm>
-          <a:prstGeom prst="triangle">
+          <a:xfrm>
+            <a:off x="3768589" y="5624046"/>
+            <a:ext cx="1632857" cy="885894"/>
+          </a:xfrm>
+          <a:prstGeom prst="roundRect">
             <a:avLst/>
           </a:prstGeom>
-          <a:solidFill>
-            <a:srgbClr val="FFFF00"/>
-          </a:solidFill>
+          <a:noFill/>
         </p:spPr>
         <p:style>
           <a:lnRef idx="2">
@@ -8844,47 +9038,51 @@
       </p:sp>
       <p:sp>
         <p:nvSpPr>
-          <p:cNvPr id="170" name="Rectangle 169"/>
+          <p:cNvPr id="173" name="TextBox 172"/>
+          <p:cNvSpPr txBox="1"/>
+          <p:nvPr/>
+        </p:nvSpPr>
+        <p:spPr>
+          <a:xfrm>
+            <a:off x="3816752" y="5670325"/>
+            <a:ext cx="662361" cy="215444"/>
+          </a:xfrm>
+          <a:prstGeom prst="rect">
+            <a:avLst/>
+          </a:prstGeom>
+          <a:noFill/>
+        </p:spPr>
+        <p:txBody>
+          <a:bodyPr wrap="none" rtlCol="0">
+            <a:spAutoFit/>
+          </a:bodyPr>
+          <a:lstStyle/>
+          <a:p>
+            <a:r>
+              <a:rPr lang="en-US" sz="800" dirty="0"/>
+              <a:t>EPA4: Filter</a:t>
+            </a:r>
+            <a:endParaRPr lang="en-SG" sz="800" dirty="0"/>
+          </a:p>
+        </p:txBody>
+      </p:sp>
+      <p:sp>
+        <p:nvSpPr>
+          <p:cNvPr id="174" name="Isosceles Triangle 173"/>
           <p:cNvSpPr/>
           <p:nvPr/>
         </p:nvSpPr>
         <p:spPr>
-          <a:xfrm>
-            <a:off x="6793782" y="5725061"/>
-            <a:ext cx="1326513" cy="507831"/>
-          </a:xfrm>
-          <a:prstGeom prst="rect">
+          <a:xfrm rot="5400000">
+            <a:off x="3689282" y="6158698"/>
+            <a:ext cx="226423" cy="184888"/>
+          </a:xfrm>
+          <a:prstGeom prst="triangle">
             <a:avLst/>
           </a:prstGeom>
-        </p:spPr>
-        <p:txBody>
-          <a:bodyPr wrap="square">
-            <a:spAutoFit/>
-          </a:bodyPr>
-          <a:lstStyle/>
-          <a:p>
-            <a:r>
-              <a:rPr lang="en-SG" sz="900" dirty="0"/>
-              <a:t>message  =  “Heavy Rain expect in” Area.  Drive with caution”</a:t>
-            </a:r>
-          </a:p>
-        </p:txBody>
-      </p:sp>
-      <p:sp>
-        <p:nvSpPr>
-          <p:cNvPr id="171" name="Rectangle: Rounded Corners 170"/>
-          <p:cNvSpPr/>
-          <p:nvPr/>
-        </p:nvSpPr>
-        <p:spPr>
-          <a:xfrm>
-            <a:off x="6683347" y="5500528"/>
-            <a:ext cx="1632857" cy="885894"/>
-          </a:xfrm>
-          <a:prstGeom prst="roundRect">
-            <a:avLst/>
-          </a:prstGeom>
-          <a:noFill/>
+          <a:solidFill>
+            <a:srgbClr val="FFFF00"/>
+          </a:solidFill>
         </p:spPr>
         <p:style>
           <a:lnRef idx="2">
@@ -8913,13 +9111,13 @@
       </p:sp>
       <p:sp>
         <p:nvSpPr>
-          <p:cNvPr id="172" name="Isosceles Triangle 171"/>
+          <p:cNvPr id="180" name="Isosceles Triangle 179"/>
           <p:cNvSpPr/>
           <p:nvPr/>
         </p:nvSpPr>
         <p:spPr>
           <a:xfrm rot="5400000">
-            <a:off x="8250146" y="5577900"/>
+            <a:off x="3671979" y="5757267"/>
             <a:ext cx="226423" cy="184888"/>
           </a:xfrm>
           <a:prstGeom prst="triangle">
@@ -8956,43 +9154,13 @@
       </p:sp>
       <p:sp>
         <p:nvSpPr>
-          <p:cNvPr id="173" name="TextBox 172"/>
-          <p:cNvSpPr txBox="1"/>
-          <p:nvPr/>
-        </p:nvSpPr>
-        <p:spPr>
-          <a:xfrm>
-            <a:off x="6683348" y="5500528"/>
-            <a:ext cx="835485" cy="215444"/>
-          </a:xfrm>
-          <a:prstGeom prst="rect">
-            <a:avLst/>
-          </a:prstGeom>
-          <a:noFill/>
-        </p:spPr>
-        <p:txBody>
-          <a:bodyPr wrap="none" rtlCol="0">
-            <a:spAutoFit/>
-          </a:bodyPr>
-          <a:lstStyle/>
-          <a:p>
-            <a:r>
-              <a:rPr lang="en-US" sz="800" dirty="0"/>
-              <a:t>EPA8: Translate</a:t>
-            </a:r>
-            <a:endParaRPr lang="en-SG" sz="800" dirty="0"/>
-          </a:p>
-        </p:txBody>
-      </p:sp>
-      <p:sp>
-        <p:nvSpPr>
-          <p:cNvPr id="174" name="Isosceles Triangle 173"/>
+          <p:cNvPr id="181" name="Isosceles Triangle 180"/>
           <p:cNvSpPr/>
           <p:nvPr/>
         </p:nvSpPr>
         <p:spPr>
           <a:xfrm rot="5400000">
-            <a:off x="6605276" y="5604027"/>
+            <a:off x="5318177" y="5680114"/>
             <a:ext cx="226423" cy="184888"/>
           </a:xfrm>
           <a:prstGeom prst="triangle">
@@ -9029,80 +9197,21 @@
       </p:sp>
       <p:sp>
         <p:nvSpPr>
-          <p:cNvPr id="175" name="Rectangle 174"/>
+          <p:cNvPr id="182" name="Isosceles Triangle 181"/>
           <p:cNvSpPr/>
           <p:nvPr/>
         </p:nvSpPr>
         <p:spPr>
-          <a:xfrm>
-            <a:off x="3307120" y="5820010"/>
-            <a:ext cx="1722405" cy="369332"/>
-          </a:xfrm>
-          <a:prstGeom prst="rect">
+          <a:xfrm rot="5400000">
+            <a:off x="5329534" y="6016905"/>
+            <a:ext cx="226423" cy="184888"/>
+          </a:xfrm>
+          <a:prstGeom prst="triangle">
             <a:avLst/>
           </a:prstGeom>
-        </p:spPr>
-        <p:txBody>
-          <a:bodyPr wrap="square">
-            <a:spAutoFit/>
-          </a:bodyPr>
-          <a:lstStyle/>
-          <a:p>
-            <a:r>
-              <a:rPr lang="en-SG" sz="900" dirty="0"/>
-              <a:t>Type = accident/vehicle breakdown/unattended vehicle</a:t>
-            </a:r>
-          </a:p>
-        </p:txBody>
-      </p:sp>
-      <p:cxnSp>
-        <p:nvCxnSpPr>
-          <p:cNvPr id="176" name="Straight Connector 175"/>
-          <p:cNvCxnSpPr>
-            <a:stCxn id="169" idx="0"/>
-            <a:endCxn id="174" idx="3"/>
-          </p:cNvCxnSpPr>
-          <p:nvPr/>
-        </p:nvCxnSpPr>
-        <p:spPr>
-          <a:xfrm>
-            <a:off x="4967247" y="5677151"/>
-            <a:ext cx="1658797" cy="19321"/>
-          </a:xfrm>
-          <a:prstGeom prst="line">
-            <a:avLst/>
-          </a:prstGeom>
-        </p:spPr>
-        <p:style>
-          <a:lnRef idx="1">
-            <a:schemeClr val="accent1"/>
-          </a:lnRef>
-          <a:fillRef idx="0">
-            <a:schemeClr val="accent1"/>
-          </a:fillRef>
-          <a:effectRef idx="0">
-            <a:schemeClr val="accent1"/>
-          </a:effectRef>
-          <a:fontRef idx="minor">
-            <a:schemeClr val="tx1"/>
-          </a:fontRef>
-        </p:style>
-      </p:cxnSp>
-      <p:sp>
-        <p:nvSpPr>
-          <p:cNvPr id="177" name="Cylinder 176"/>
-          <p:cNvSpPr/>
-          <p:nvPr/>
-        </p:nvSpPr>
-        <p:spPr>
-          <a:xfrm>
-            <a:off x="5649602" y="4506994"/>
-            <a:ext cx="615863" cy="804643"/>
-          </a:xfrm>
-          <a:prstGeom prst="can">
-            <a:avLst/>
-          </a:prstGeom>
-          <a:noFill/>
+          <a:solidFill>
+            <a:srgbClr val="FFFF00"/>
+          </a:solidFill>
         </p:spPr>
         <p:style>
           <a:lnRef idx="2">
@@ -9131,14 +9240,57 @@
       </p:sp>
       <p:sp>
         <p:nvSpPr>
-          <p:cNvPr id="178" name="TextBox 177"/>
+          <p:cNvPr id="183" name="Isosceles Triangle 182"/>
+          <p:cNvSpPr/>
+          <p:nvPr/>
+        </p:nvSpPr>
+        <p:spPr>
+          <a:xfrm rot="5400000">
+            <a:off x="5318177" y="6336139"/>
+            <a:ext cx="226423" cy="184888"/>
+          </a:xfrm>
+          <a:prstGeom prst="triangle">
+            <a:avLst/>
+          </a:prstGeom>
+          <a:solidFill>
+            <a:srgbClr val="FFFF00"/>
+          </a:solidFill>
+        </p:spPr>
+        <p:style>
+          <a:lnRef idx="2">
+            <a:schemeClr val="accent1">
+              <a:shade val="50000"/>
+            </a:schemeClr>
+          </a:lnRef>
+          <a:fillRef idx="1">
+            <a:schemeClr val="accent1"/>
+          </a:fillRef>
+          <a:effectRef idx="0">
+            <a:schemeClr val="accent1"/>
+          </a:effectRef>
+          <a:fontRef idx="minor">
+            <a:schemeClr val="lt1"/>
+          </a:fontRef>
+        </p:style>
+        <p:txBody>
+          <a:bodyPr rtlCol="0" anchor="ctr"/>
+          <a:lstStyle/>
+          <a:p>
+            <a:pPr algn="ctr"/>
+            <a:endParaRPr lang="en-SG"/>
+          </a:p>
+        </p:txBody>
+      </p:sp>
+      <p:sp>
+        <p:nvSpPr>
+          <p:cNvPr id="184" name="TextBox 183"/>
           <p:cNvSpPr txBox="1"/>
           <p:nvPr/>
         </p:nvSpPr>
         <p:spPr>
           <a:xfrm>
-            <a:off x="5635164" y="4721237"/>
-            <a:ext cx="630301" cy="461665"/>
+            <a:off x="5427073" y="5520866"/>
+            <a:ext cx="502061" cy="215444"/>
           </a:xfrm>
           <a:prstGeom prst="rect">
             <a:avLst/>
@@ -9153,37 +9305,450 @@
           <a:p>
             <a:r>
               <a:rPr lang="en-US" sz="800" dirty="0"/>
-              <a:t>Singapore</a:t>
-            </a:r>
-          </a:p>
+              <a:t>Filter In</a:t>
+            </a:r>
+            <a:endParaRPr lang="en-SG" sz="800" dirty="0"/>
+          </a:p>
+        </p:txBody>
+      </p:sp>
+      <p:sp>
+        <p:nvSpPr>
+          <p:cNvPr id="185" name="TextBox 184"/>
+          <p:cNvSpPr txBox="1"/>
+          <p:nvPr/>
+        </p:nvSpPr>
+        <p:spPr>
+          <a:xfrm>
+            <a:off x="5432810" y="5903327"/>
+            <a:ext cx="577402" cy="215444"/>
+          </a:xfrm>
+          <a:prstGeom prst="rect">
+            <a:avLst/>
+          </a:prstGeom>
+          <a:noFill/>
+        </p:spPr>
+        <p:txBody>
+          <a:bodyPr wrap="none" rtlCol="0">
+            <a:spAutoFit/>
+          </a:bodyPr>
+          <a:lstStyle/>
           <a:p>
             <a:r>
               <a:rPr lang="en-US" sz="800" dirty="0"/>
-              <a:t>Geospatial</a:t>
-            </a:r>
-          </a:p>
+              <a:t>Filter Out</a:t>
+            </a:r>
+            <a:endParaRPr lang="en-SG" sz="800" dirty="0"/>
+          </a:p>
+        </p:txBody>
+      </p:sp>
+      <p:sp>
+        <p:nvSpPr>
+          <p:cNvPr id="186" name="TextBox 185"/>
+          <p:cNvSpPr txBox="1"/>
+          <p:nvPr/>
+        </p:nvSpPr>
+        <p:spPr>
+          <a:xfrm>
+            <a:off x="5386692" y="6461513"/>
+            <a:ext cx="771365" cy="215444"/>
+          </a:xfrm>
+          <a:prstGeom prst="rect">
+            <a:avLst/>
+          </a:prstGeom>
+          <a:noFill/>
+        </p:spPr>
+        <p:txBody>
+          <a:bodyPr wrap="none" rtlCol="0">
+            <a:spAutoFit/>
+          </a:bodyPr>
+          <a:lstStyle/>
           <a:p>
             <a:r>
               <a:rPr lang="en-US" sz="800" dirty="0"/>
-              <a:t>Database</a:t>
+              <a:t>Non-filterable</a:t>
             </a:r>
             <a:endParaRPr lang="en-SG" sz="800" dirty="0"/>
+          </a:p>
+        </p:txBody>
+      </p:sp>
+      <p:sp>
+        <p:nvSpPr>
+          <p:cNvPr id="187" name="Rectangle 186"/>
+          <p:cNvSpPr/>
+          <p:nvPr/>
+        </p:nvSpPr>
+        <p:spPr>
+          <a:xfrm>
+            <a:off x="7358579" y="5695727"/>
+            <a:ext cx="1326513" cy="646331"/>
+          </a:xfrm>
+          <a:prstGeom prst="rect">
+            <a:avLst/>
+          </a:prstGeom>
+        </p:spPr>
+        <p:txBody>
+          <a:bodyPr wrap="square">
+            <a:spAutoFit/>
+          </a:bodyPr>
+          <a:lstStyle/>
+          <a:p>
+            <a:r>
+              <a:rPr lang="en-SG" sz="900" dirty="0"/>
+              <a:t>message  =  Traffic accident at.</a:t>
+            </a:r>
+          </a:p>
+          <a:p>
+            <a:endParaRPr lang="en-US" sz="900" dirty="0"/>
+          </a:p>
+          <a:p>
+            <a:r>
+              <a:rPr lang="en-US" sz="900" dirty="0"/>
+              <a:t>message = roadworks at</a:t>
+            </a:r>
+            <a:endParaRPr lang="en-SG" sz="900" dirty="0"/>
+          </a:p>
+        </p:txBody>
+      </p:sp>
+      <p:sp>
+        <p:nvSpPr>
+          <p:cNvPr id="188" name="Rectangle: Rounded Corners 187"/>
+          <p:cNvSpPr/>
+          <p:nvPr/>
+        </p:nvSpPr>
+        <p:spPr>
+          <a:xfrm>
+            <a:off x="7239933" y="5595936"/>
+            <a:ext cx="1632857" cy="885894"/>
+          </a:xfrm>
+          <a:prstGeom prst="roundRect">
+            <a:avLst/>
+          </a:prstGeom>
+          <a:noFill/>
+        </p:spPr>
+        <p:style>
+          <a:lnRef idx="2">
+            <a:schemeClr val="accent1">
+              <a:shade val="50000"/>
+            </a:schemeClr>
+          </a:lnRef>
+          <a:fillRef idx="1">
+            <a:schemeClr val="accent1"/>
+          </a:fillRef>
+          <a:effectRef idx="0">
+            <a:schemeClr val="accent1"/>
+          </a:effectRef>
+          <a:fontRef idx="minor">
+            <a:schemeClr val="lt1"/>
+          </a:fontRef>
+        </p:style>
+        <p:txBody>
+          <a:bodyPr rtlCol="0" anchor="ctr"/>
+          <a:lstStyle/>
+          <a:p>
+            <a:pPr algn="ctr"/>
+            <a:endParaRPr lang="en-SG"/>
+          </a:p>
+        </p:txBody>
+      </p:sp>
+      <p:sp>
+        <p:nvSpPr>
+          <p:cNvPr id="189" name="Isosceles Triangle 188"/>
+          <p:cNvSpPr/>
+          <p:nvPr/>
+        </p:nvSpPr>
+        <p:spPr>
+          <a:xfrm rot="5400000">
+            <a:off x="8830656" y="5845881"/>
+            <a:ext cx="226423" cy="184888"/>
+          </a:xfrm>
+          <a:prstGeom prst="triangle">
+            <a:avLst/>
+          </a:prstGeom>
+          <a:solidFill>
+            <a:srgbClr val="FFFF00"/>
+          </a:solidFill>
+        </p:spPr>
+        <p:style>
+          <a:lnRef idx="2">
+            <a:schemeClr val="accent1">
+              <a:shade val="50000"/>
+            </a:schemeClr>
+          </a:lnRef>
+          <a:fillRef idx="1">
+            <a:schemeClr val="accent1"/>
+          </a:fillRef>
+          <a:effectRef idx="0">
+            <a:schemeClr val="accent1"/>
+          </a:effectRef>
+          <a:fontRef idx="minor">
+            <a:schemeClr val="lt1"/>
+          </a:fontRef>
+        </p:style>
+        <p:txBody>
+          <a:bodyPr rtlCol="0" anchor="ctr"/>
+          <a:lstStyle/>
+          <a:p>
+            <a:pPr algn="ctr"/>
+            <a:endParaRPr lang="en-SG"/>
+          </a:p>
+        </p:txBody>
+      </p:sp>
+      <p:sp>
+        <p:nvSpPr>
+          <p:cNvPr id="192" name="Isosceles Triangle 191"/>
+          <p:cNvSpPr/>
+          <p:nvPr/>
+        </p:nvSpPr>
+        <p:spPr>
+          <a:xfrm rot="5400000">
+            <a:off x="7161862" y="5699435"/>
+            <a:ext cx="226423" cy="184888"/>
+          </a:xfrm>
+          <a:prstGeom prst="triangle">
+            <a:avLst/>
+          </a:prstGeom>
+          <a:solidFill>
+            <a:srgbClr val="FFFF00"/>
+          </a:solidFill>
+        </p:spPr>
+        <p:style>
+          <a:lnRef idx="2">
+            <a:schemeClr val="accent1">
+              <a:shade val="50000"/>
+            </a:schemeClr>
+          </a:lnRef>
+          <a:fillRef idx="1">
+            <a:schemeClr val="accent1"/>
+          </a:fillRef>
+          <a:effectRef idx="0">
+            <a:schemeClr val="accent1"/>
+          </a:effectRef>
+          <a:fontRef idx="minor">
+            <a:schemeClr val="lt1"/>
+          </a:fontRef>
+        </p:style>
+        <p:txBody>
+          <a:bodyPr rtlCol="0" anchor="ctr"/>
+          <a:lstStyle/>
+          <a:p>
+            <a:pPr algn="ctr"/>
+            <a:endParaRPr lang="en-SG"/>
+          </a:p>
+        </p:txBody>
+      </p:sp>
+      <p:sp>
+        <p:nvSpPr>
+          <p:cNvPr id="195" name="Rectangle 194"/>
+          <p:cNvSpPr/>
+          <p:nvPr/>
+        </p:nvSpPr>
+        <p:spPr>
+          <a:xfrm>
+            <a:off x="3863706" y="5915418"/>
+            <a:ext cx="1722405" cy="369332"/>
+          </a:xfrm>
+          <a:prstGeom prst="rect">
+            <a:avLst/>
+          </a:prstGeom>
+        </p:spPr>
+        <p:txBody>
+          <a:bodyPr wrap="square">
+            <a:spAutoFit/>
+          </a:bodyPr>
+          <a:lstStyle/>
+          <a:p>
+            <a:r>
+              <a:rPr lang="en-SG" sz="900" dirty="0"/>
+              <a:t>Type = accident/vehicle breakdown/unattended vehicle</a:t>
+            </a:r>
           </a:p>
         </p:txBody>
       </p:sp>
       <p:cxnSp>
         <p:nvCxnSpPr>
-          <p:cNvPr id="179" name="Connector: Elbow 178"/>
+          <p:cNvPr id="88" name="Straight Connector 87"/>
           <p:cNvCxnSpPr>
-            <a:stCxn id="177" idx="0"/>
-            <a:endCxn id="131" idx="1"/>
+            <a:stCxn id="181" idx="0"/>
+            <a:endCxn id="192" idx="3"/>
           </p:cNvCxnSpPr>
           <p:nvPr/>
         </p:nvCxnSpPr>
         <p:spPr>
+          <a:xfrm>
+            <a:off x="5523833" y="5772559"/>
+            <a:ext cx="1658797" cy="19321"/>
+          </a:xfrm>
+          <a:prstGeom prst="line">
+            <a:avLst/>
+          </a:prstGeom>
+        </p:spPr>
+        <p:style>
+          <a:lnRef idx="1">
+            <a:schemeClr val="accent1"/>
+          </a:lnRef>
+          <a:fillRef idx="0">
+            <a:schemeClr val="accent1"/>
+          </a:fillRef>
+          <a:effectRef idx="0">
+            <a:schemeClr val="accent1"/>
+          </a:effectRef>
+          <a:fontRef idx="minor">
+            <a:schemeClr val="tx1"/>
+          </a:fontRef>
+        </p:style>
+      </p:cxnSp>
+      <p:sp>
+        <p:nvSpPr>
+          <p:cNvPr id="90" name="Rectangle 89"/>
+          <p:cNvSpPr/>
+          <p:nvPr/>
+        </p:nvSpPr>
+        <p:spPr>
+          <a:xfrm>
+            <a:off x="1874543" y="5057473"/>
+            <a:ext cx="5893306" cy="461665"/>
+          </a:xfrm>
+          <a:prstGeom prst="rect">
+            <a:avLst/>
+          </a:prstGeom>
+        </p:spPr>
+        <p:txBody>
+          <a:bodyPr wrap="square">
+            <a:spAutoFit/>
+          </a:bodyPr>
+          <a:lstStyle/>
+          <a:p>
+            <a:r>
+              <a:rPr lang="en-SG" sz="1200" dirty="0"/>
+              <a:t>Event Processing Network triggers the necessary assistance needed if there is an accident on the road.</a:t>
+            </a:r>
+          </a:p>
+        </p:txBody>
+      </p:sp>
+      <p:sp>
+        <p:nvSpPr>
+          <p:cNvPr id="99" name="Rectangle 98"/>
+          <p:cNvSpPr/>
+          <p:nvPr/>
+        </p:nvSpPr>
+        <p:spPr>
+          <a:xfrm>
+            <a:off x="1805353" y="437054"/>
+            <a:ext cx="7081212" cy="461665"/>
+          </a:xfrm>
+          <a:prstGeom prst="rect">
+            <a:avLst/>
+          </a:prstGeom>
+        </p:spPr>
+        <p:txBody>
+          <a:bodyPr wrap="square">
+            <a:spAutoFit/>
+          </a:bodyPr>
+          <a:lstStyle/>
+          <a:p>
+            <a:r>
+              <a:rPr lang="en-SG" sz="1200" dirty="0"/>
+              <a:t>Event Processing Network triggers the messages at each of the individual arterial roads so as to improve road conditions at major expressways.</a:t>
+            </a:r>
+          </a:p>
+        </p:txBody>
+      </p:sp>
+      <p:sp>
+        <p:nvSpPr>
+          <p:cNvPr id="110" name="Cylinder 109"/>
+          <p:cNvSpPr/>
+          <p:nvPr/>
+        </p:nvSpPr>
+        <p:spPr>
+          <a:xfrm>
+            <a:off x="6206188" y="4196890"/>
+            <a:ext cx="615863" cy="804643"/>
+          </a:xfrm>
+          <a:prstGeom prst="can">
+            <a:avLst/>
+          </a:prstGeom>
+          <a:noFill/>
+        </p:spPr>
+        <p:style>
+          <a:lnRef idx="2">
+            <a:schemeClr val="accent1">
+              <a:shade val="50000"/>
+            </a:schemeClr>
+          </a:lnRef>
+          <a:fillRef idx="1">
+            <a:schemeClr val="accent1"/>
+          </a:fillRef>
+          <a:effectRef idx="0">
+            <a:schemeClr val="accent1"/>
+          </a:effectRef>
+          <a:fontRef idx="minor">
+            <a:schemeClr val="lt1"/>
+          </a:fontRef>
+        </p:style>
+        <p:txBody>
+          <a:bodyPr rtlCol="0" anchor="ctr"/>
+          <a:lstStyle/>
+          <a:p>
+            <a:pPr algn="ctr"/>
+            <a:endParaRPr lang="en-SG"/>
+          </a:p>
+        </p:txBody>
+      </p:sp>
+      <p:sp>
+        <p:nvSpPr>
+          <p:cNvPr id="111" name="TextBox 110"/>
+          <p:cNvSpPr txBox="1"/>
+          <p:nvPr/>
+        </p:nvSpPr>
+        <p:spPr>
+          <a:xfrm>
+            <a:off x="6191750" y="4379328"/>
+            <a:ext cx="630301" cy="461665"/>
+          </a:xfrm>
+          <a:prstGeom prst="rect">
+            <a:avLst/>
+          </a:prstGeom>
+          <a:noFill/>
+        </p:spPr>
+        <p:txBody>
+          <a:bodyPr wrap="none" rtlCol="0">
+            <a:spAutoFit/>
+          </a:bodyPr>
+          <a:lstStyle/>
+          <a:p>
+            <a:r>
+              <a:rPr lang="en-US" sz="800" dirty="0"/>
+              <a:t>Singapore</a:t>
+            </a:r>
+          </a:p>
+          <a:p>
+            <a:r>
+              <a:rPr lang="en-US" sz="800" dirty="0"/>
+              <a:t>Geospatial</a:t>
+            </a:r>
+          </a:p>
+          <a:p>
+            <a:r>
+              <a:rPr lang="en-US" sz="800" dirty="0"/>
+              <a:t>Database</a:t>
+            </a:r>
+            <a:endParaRPr lang="en-SG" sz="800" dirty="0"/>
+          </a:p>
+        </p:txBody>
+      </p:sp>
+      <p:cxnSp>
+        <p:nvCxnSpPr>
+          <p:cNvPr id="16" name="Connector: Elbow 15"/>
+          <p:cNvCxnSpPr>
+            <a:stCxn id="110" idx="0"/>
+            <a:endCxn id="73" idx="1"/>
+          </p:cNvCxnSpPr>
+          <p:nvPr/>
+        </p:nvCxnSpPr>
+        <p:spPr>
           <a:xfrm rot="5400000" flipH="1" flipV="1">
-            <a:off x="5620251" y="3597865"/>
-            <a:ext cx="1400378" cy="725813"/>
+            <a:off x="6041371" y="3152295"/>
+            <a:ext cx="1671310" cy="725813"/>
           </a:xfrm>
           <a:prstGeom prst="bentConnector2">
             <a:avLst/>
@@ -9210,17 +9775,17 @@
       </p:cxnSp>
       <p:cxnSp>
         <p:nvCxnSpPr>
-          <p:cNvPr id="180" name="Connector: Elbow 179"/>
+          <p:cNvPr id="22" name="Connector: Elbow 21"/>
           <p:cNvCxnSpPr>
-            <a:stCxn id="177" idx="0"/>
-            <a:endCxn id="116" idx="1"/>
+            <a:stCxn id="110" idx="0"/>
+            <a:endCxn id="27" idx="1"/>
           </p:cNvCxnSpPr>
           <p:nvPr/>
         </p:nvCxnSpPr>
         <p:spPr>
           <a:xfrm rot="5400000" flipH="1" flipV="1">
-            <a:off x="5032257" y="3031237"/>
-            <a:ext cx="2555001" cy="704447"/>
+            <a:off x="5391855" y="2524145"/>
+            <a:ext cx="2948976" cy="704447"/>
           </a:xfrm>
           <a:prstGeom prst="bentConnector2">
             <a:avLst/>
@@ -9245,10 +9810,230 @@
           </a:fontRef>
         </p:style>
       </p:cxnSp>
+      <p:sp>
+        <p:nvSpPr>
+          <p:cNvPr id="115" name="Rectangle: Rounded Corners 6"/>
+          <p:cNvSpPr/>
+          <p:nvPr/>
+        </p:nvSpPr>
+        <p:spPr>
+          <a:xfrm>
+            <a:off x="589965" y="1085849"/>
+            <a:ext cx="1068920" cy="566057"/>
+          </a:xfrm>
+          <a:prstGeom prst="roundRect">
+            <a:avLst/>
+          </a:prstGeom>
+          <a:noFill/>
+        </p:spPr>
+        <p:style>
+          <a:lnRef idx="2">
+            <a:schemeClr val="accent1">
+              <a:shade val="50000"/>
+            </a:schemeClr>
+          </a:lnRef>
+          <a:fillRef idx="1">
+            <a:schemeClr val="accent1"/>
+          </a:fillRef>
+          <a:effectRef idx="0">
+            <a:schemeClr val="accent1"/>
+          </a:effectRef>
+          <a:fontRef idx="minor">
+            <a:schemeClr val="lt1"/>
+          </a:fontRef>
+        </p:style>
+        <p:txBody>
+          <a:bodyPr rtlCol="0" anchor="ctr"/>
+          <a:lstStyle/>
+          <a:p>
+            <a:pPr algn="ctr"/>
+            <a:endParaRPr lang="en-SG"/>
+          </a:p>
+        </p:txBody>
+      </p:sp>
+      <p:sp>
+        <p:nvSpPr>
+          <p:cNvPr id="117" name="Isosceles Triangle 116"/>
+          <p:cNvSpPr/>
+          <p:nvPr/>
+        </p:nvSpPr>
+        <p:spPr>
+          <a:xfrm rot="5400000">
+            <a:off x="1610772" y="1164654"/>
+            <a:ext cx="226423" cy="184888"/>
+          </a:xfrm>
+          <a:prstGeom prst="triangle">
+            <a:avLst/>
+          </a:prstGeom>
+          <a:solidFill>
+            <a:srgbClr val="FFFF00"/>
+          </a:solidFill>
+        </p:spPr>
+        <p:style>
+          <a:lnRef idx="2">
+            <a:schemeClr val="accent1">
+              <a:shade val="50000"/>
+            </a:schemeClr>
+          </a:lnRef>
+          <a:fillRef idx="1">
+            <a:schemeClr val="accent1"/>
+          </a:fillRef>
+          <a:effectRef idx="0">
+            <a:schemeClr val="accent1"/>
+          </a:effectRef>
+          <a:fontRef idx="minor">
+            <a:schemeClr val="lt1"/>
+          </a:fontRef>
+        </p:style>
+        <p:txBody>
+          <a:bodyPr rtlCol="0" anchor="ctr"/>
+          <a:lstStyle/>
+          <a:p>
+            <a:pPr algn="ctr"/>
+            <a:endParaRPr lang="en-SG"/>
+          </a:p>
+        </p:txBody>
+      </p:sp>
+      <p:cxnSp>
+        <p:nvCxnSpPr>
+          <p:cNvPr id="119" name="Straight Connector 118"/>
+          <p:cNvCxnSpPr>
+            <a:stCxn id="117" idx="0"/>
+            <a:endCxn id="121" idx="3"/>
+          </p:cNvCxnSpPr>
+          <p:nvPr/>
+        </p:nvCxnSpPr>
+        <p:spPr>
+          <a:xfrm>
+            <a:off x="1816428" y="1257099"/>
+            <a:ext cx="1882795" cy="34388"/>
+          </a:xfrm>
+          <a:prstGeom prst="line">
+            <a:avLst/>
+          </a:prstGeom>
+        </p:spPr>
+        <p:style>
+          <a:lnRef idx="1">
+            <a:schemeClr val="accent1"/>
+          </a:lnRef>
+          <a:fillRef idx="0">
+            <a:schemeClr val="accent1"/>
+          </a:fillRef>
+          <a:effectRef idx="0">
+            <a:schemeClr val="accent1"/>
+          </a:effectRef>
+          <a:fontRef idx="minor">
+            <a:schemeClr val="tx1"/>
+          </a:fontRef>
+        </p:style>
+      </p:cxnSp>
+      <p:sp>
+        <p:nvSpPr>
+          <p:cNvPr id="121" name="Isosceles Triangle 120"/>
+          <p:cNvSpPr/>
+          <p:nvPr/>
+        </p:nvSpPr>
+        <p:spPr>
+          <a:xfrm rot="5400000">
+            <a:off x="3678455" y="1199042"/>
+            <a:ext cx="226423" cy="184888"/>
+          </a:xfrm>
+          <a:prstGeom prst="triangle">
+            <a:avLst/>
+          </a:prstGeom>
+          <a:solidFill>
+            <a:srgbClr val="FFFF00"/>
+          </a:solidFill>
+        </p:spPr>
+        <p:style>
+          <a:lnRef idx="2">
+            <a:schemeClr val="accent1">
+              <a:shade val="50000"/>
+            </a:schemeClr>
+          </a:lnRef>
+          <a:fillRef idx="1">
+            <a:schemeClr val="accent1"/>
+          </a:fillRef>
+          <a:effectRef idx="0">
+            <a:schemeClr val="accent1"/>
+          </a:effectRef>
+          <a:fontRef idx="minor">
+            <a:schemeClr val="lt1"/>
+          </a:fontRef>
+        </p:style>
+        <p:txBody>
+          <a:bodyPr rtlCol="0" anchor="ctr"/>
+          <a:lstStyle/>
+          <a:p>
+            <a:pPr algn="ctr"/>
+            <a:endParaRPr lang="en-SG"/>
+          </a:p>
+        </p:txBody>
+      </p:sp>
+      <p:sp>
+        <p:nvSpPr>
+          <p:cNvPr id="122" name="TextBox 121"/>
+          <p:cNvSpPr txBox="1"/>
+          <p:nvPr/>
+        </p:nvSpPr>
+        <p:spPr>
+          <a:xfrm>
+            <a:off x="601335" y="1087283"/>
+            <a:ext cx="338554" cy="215444"/>
+          </a:xfrm>
+          <a:prstGeom prst="rect">
+            <a:avLst/>
+          </a:prstGeom>
+          <a:noFill/>
+        </p:spPr>
+        <p:txBody>
+          <a:bodyPr wrap="none" rtlCol="0">
+            <a:spAutoFit/>
+          </a:bodyPr>
+          <a:lstStyle/>
+          <a:p>
+            <a:r>
+              <a:rPr lang="en-US" sz="800" dirty="0"/>
+              <a:t>EP1</a:t>
+            </a:r>
+            <a:endParaRPr lang="en-SG" sz="800" dirty="0"/>
+          </a:p>
+        </p:txBody>
+      </p:sp>
+      <p:sp>
+        <p:nvSpPr>
+          <p:cNvPr id="123" name="TextBox 122"/>
+          <p:cNvSpPr txBox="1"/>
+          <p:nvPr/>
+        </p:nvSpPr>
+        <p:spPr>
+          <a:xfrm>
+            <a:off x="627482" y="1257099"/>
+            <a:ext cx="950327" cy="400110"/>
+          </a:xfrm>
+          <a:prstGeom prst="rect">
+            <a:avLst/>
+          </a:prstGeom>
+          <a:noFill/>
+        </p:spPr>
+        <p:txBody>
+          <a:bodyPr wrap="square" rtlCol="0">
+            <a:spAutoFit/>
+          </a:bodyPr>
+          <a:lstStyle/>
+          <a:p>
+            <a:r>
+              <a:rPr lang="en-US" sz="1000" dirty="0"/>
+              <a:t>Estimated Travel Time</a:t>
+            </a:r>
+            <a:endParaRPr lang="en-SG" sz="1000" dirty="0"/>
+          </a:p>
+        </p:txBody>
+      </p:sp>
     </p:spTree>
     <p:extLst>
       <p:ext uri="{BB962C8B-B14F-4D97-AF65-F5344CB8AC3E}">
-        <p14:creationId xmlns:p14="http://schemas.microsoft.com/office/powerpoint/2010/main" val="2596329936"/>
+        <p14:creationId xmlns:p14="http://schemas.microsoft.com/office/powerpoint/2010/main" val="2197370676"/>
       </p:ext>
     </p:extLst>
   </p:cSld>
@@ -9472,11 +10257,7 @@
                     <a:p>
                       <a:r>
                         <a:rPr lang="en-US" dirty="0"/>
-                        <a:t>Event </a:t>
-                      </a:r>
-                      <a:r>
-                        <a:rPr lang="en-US" dirty="0"/>
-                        <a:t>Consumer</a:t>
+                        <a:t>Event Consumer</a:t>
                       </a:r>
                       <a:r>
                         <a:rPr lang="en-US" baseline="0" dirty="0"/>

--- a/reports/Traffic Jam Preventer System.pptx
+++ b/reports/Traffic Jam Preventer System.pptx
@@ -5999,7 +5999,7 @@
           <a:p>
             <a:r>
               <a:rPr lang="en-US" dirty="0"/>
-              <a:t>Demo &amp; Qs</a:t>
+              <a:t>Demo &amp; QAs</a:t>
             </a:r>
           </a:p>
         </p:txBody>
@@ -10508,7 +10508,7 @@
           <a:p>
             <a:r>
               <a:rPr lang="en-US" dirty="0"/>
-              <a:t>Questions</a:t>
+              <a:t>Q&amp;As</a:t>
             </a:r>
           </a:p>
         </p:txBody>

--- a/reports/Traffic Jam Preventer System.pptx
+++ b/reports/Traffic Jam Preventer System.pptx
@@ -9,7 +9,7 @@
     <p:sldId id="263" r:id="rId3"/>
     <p:sldId id="257" r:id="rId4"/>
     <p:sldId id="258" r:id="rId5"/>
-    <p:sldId id="264" r:id="rId6"/>
+    <p:sldId id="265" r:id="rId6"/>
     <p:sldId id="261" r:id="rId7"/>
     <p:sldId id="262" r:id="rId8"/>
     <p:sldId id="260" r:id="rId9"/>
@@ -6441,7 +6441,7 @@
         </p:nvSpPr>
         <p:spPr>
           <a:xfrm>
-            <a:off x="567872" y="2055070"/>
+            <a:off x="567872" y="1907019"/>
             <a:ext cx="1068920" cy="566057"/>
           </a:xfrm>
           <a:prstGeom prst="roundRect">
@@ -6482,7 +6482,7 @@
         </p:nvSpPr>
         <p:spPr>
           <a:xfrm rot="5400000">
-            <a:off x="1523580" y="2245654"/>
+            <a:off x="1523580" y="2097603"/>
             <a:ext cx="226423" cy="184888"/>
           </a:xfrm>
           <a:prstGeom prst="triangle">
@@ -6525,7 +6525,7 @@
         </p:nvSpPr>
         <p:spPr>
           <a:xfrm>
-            <a:off x="567872" y="2055070"/>
+            <a:off x="567872" y="1907019"/>
             <a:ext cx="338554" cy="215444"/>
           </a:xfrm>
           <a:prstGeom prst="rect">
@@ -6555,7 +6555,7 @@
         </p:nvSpPr>
         <p:spPr>
           <a:xfrm>
-            <a:off x="594019" y="2224886"/>
+            <a:off x="594019" y="2076835"/>
             <a:ext cx="950327" cy="400110"/>
           </a:xfrm>
           <a:prstGeom prst="rect">
@@ -6727,7 +6727,7 @@
         </p:nvSpPr>
         <p:spPr>
           <a:xfrm>
-            <a:off x="3779769" y="944647"/>
+            <a:off x="3779769" y="796596"/>
             <a:ext cx="1632857" cy="870525"/>
           </a:xfrm>
           <a:prstGeom prst="roundRect">
@@ -6768,7 +6768,7 @@
         </p:nvSpPr>
         <p:spPr>
           <a:xfrm>
-            <a:off x="3778338" y="940074"/>
+            <a:off x="3778338" y="792023"/>
             <a:ext cx="1236236" cy="215444"/>
           </a:xfrm>
           <a:prstGeom prst="rect">
@@ -6798,7 +6798,7 @@
         </p:nvSpPr>
         <p:spPr>
           <a:xfrm rot="5400000">
-            <a:off x="3692705" y="1182041"/>
+            <a:off x="3692705" y="1033990"/>
             <a:ext cx="226423" cy="184888"/>
           </a:xfrm>
           <a:prstGeom prst="triangle">
@@ -6843,7 +6843,7 @@
         </p:nvCxnSpPr>
         <p:spPr>
           <a:xfrm>
-            <a:off x="5552224" y="1266865"/>
+            <a:off x="5552224" y="1118814"/>
             <a:ext cx="1609040" cy="9370"/>
           </a:xfrm>
           <a:prstGeom prst="line">
@@ -6873,7 +6873,7 @@
         </p:nvSpPr>
         <p:spPr>
           <a:xfrm>
-            <a:off x="7218567" y="960518"/>
+            <a:off x="7218567" y="812467"/>
             <a:ext cx="1632857" cy="882723"/>
           </a:xfrm>
           <a:prstGeom prst="roundRect">
@@ -6914,7 +6914,7 @@
         </p:nvSpPr>
         <p:spPr>
           <a:xfrm rot="5400000">
-            <a:off x="8785366" y="1183790"/>
+            <a:off x="8785366" y="1035739"/>
             <a:ext cx="226423" cy="184888"/>
           </a:xfrm>
           <a:prstGeom prst="triangle">
@@ -6957,7 +6957,7 @@
         </p:nvSpPr>
         <p:spPr>
           <a:xfrm rot="5400000">
-            <a:off x="7140496" y="1183790"/>
+            <a:off x="7140496" y="1035739"/>
             <a:ext cx="226423" cy="184888"/>
           </a:xfrm>
           <a:prstGeom prst="triangle">
@@ -7000,7 +7000,7 @@
         </p:nvSpPr>
         <p:spPr>
           <a:xfrm>
-            <a:off x="7350276" y="2079237"/>
+            <a:off x="7369239" y="2028920"/>
             <a:ext cx="1387040" cy="1061829"/>
           </a:xfrm>
           <a:prstGeom prst="rect">
@@ -7064,7 +7064,7 @@
         </p:nvSpPr>
         <p:spPr>
           <a:xfrm>
-            <a:off x="562179" y="3686434"/>
+            <a:off x="562179" y="3538383"/>
             <a:ext cx="1068920" cy="566057"/>
           </a:xfrm>
           <a:prstGeom prst="roundRect">
@@ -7105,7 +7105,7 @@
         </p:nvSpPr>
         <p:spPr>
           <a:xfrm rot="5400000">
-            <a:off x="1517887" y="3877018"/>
+            <a:off x="1517887" y="3728967"/>
             <a:ext cx="226423" cy="184888"/>
           </a:xfrm>
           <a:prstGeom prst="triangle">
@@ -7148,7 +7148,7 @@
         </p:nvSpPr>
         <p:spPr>
           <a:xfrm>
-            <a:off x="562179" y="3686434"/>
+            <a:off x="562179" y="3538383"/>
             <a:ext cx="338554" cy="215444"/>
           </a:xfrm>
           <a:prstGeom prst="rect">
@@ -7164,7 +7164,7 @@
           <a:p>
             <a:r>
               <a:rPr lang="en-US" sz="800" dirty="0"/>
-              <a:t>EP2</a:t>
+              <a:t>EP3</a:t>
             </a:r>
             <a:endParaRPr lang="en-SG" sz="800" dirty="0"/>
           </a:p>
@@ -7178,7 +7178,7 @@
         </p:nvSpPr>
         <p:spPr>
           <a:xfrm>
-            <a:off x="588326" y="3856250"/>
+            <a:off x="588326" y="3708199"/>
             <a:ext cx="950327" cy="400110"/>
           </a:xfrm>
           <a:prstGeom prst="rect">
@@ -7212,7 +7212,7 @@
         </p:nvSpPr>
         <p:spPr>
           <a:xfrm>
-            <a:off x="7357377" y="1043906"/>
+            <a:off x="7357377" y="895855"/>
             <a:ext cx="1455764" cy="784830"/>
           </a:xfrm>
           <a:prstGeom prst="rect">
@@ -7249,7 +7249,7 @@
         </p:nvSpPr>
         <p:spPr>
           <a:xfrm>
-            <a:off x="1960560" y="2106500"/>
+            <a:off x="1960560" y="1958449"/>
             <a:ext cx="774943" cy="467052"/>
           </a:xfrm>
           <a:prstGeom prst="hexagon">
@@ -7292,7 +7292,7 @@
         </p:nvCxnSpPr>
         <p:spPr>
           <a:xfrm>
-            <a:off x="1729236" y="2338099"/>
+            <a:off x="1729236" y="2190048"/>
             <a:ext cx="290614" cy="1895"/>
           </a:xfrm>
           <a:prstGeom prst="line">
@@ -7314,41 +7314,6 @@
           </a:fontRef>
         </p:style>
       </p:cxnSp>
-      <p:cxnSp>
-        <p:nvCxnSpPr>
-          <p:cNvPr id="59" name="Connector: Elbow 58"/>
-          <p:cNvCxnSpPr>
-            <a:stCxn id="55" idx="0"/>
-            <a:endCxn id="21" idx="3"/>
-          </p:cNvCxnSpPr>
-          <p:nvPr/>
-        </p:nvCxnSpPr>
-        <p:spPr>
-          <a:xfrm flipV="1">
-            <a:off x="2735503" y="1274486"/>
-            <a:ext cx="977970" cy="1065540"/>
-          </a:xfrm>
-          <a:prstGeom prst="bentConnector3">
-            <a:avLst>
-              <a:gd name="adj1" fmla="val 50000"/>
-            </a:avLst>
-          </a:prstGeom>
-        </p:spPr>
-        <p:style>
-          <a:lnRef idx="1">
-            <a:schemeClr val="accent1"/>
-          </a:lnRef>
-          <a:fillRef idx="0">
-            <a:schemeClr val="accent1"/>
-          </a:fillRef>
-          <a:effectRef idx="0">
-            <a:schemeClr val="accent1"/>
-          </a:effectRef>
-          <a:fontRef idx="minor">
-            <a:schemeClr val="tx1"/>
-          </a:fontRef>
-        </p:style>
-      </p:cxnSp>
       <p:sp>
         <p:nvSpPr>
           <p:cNvPr id="61" name="TextBox 60"/>
@@ -7357,7 +7322,7 @@
         </p:nvSpPr>
         <p:spPr>
           <a:xfrm>
-            <a:off x="2064052" y="2229692"/>
+            <a:off x="2064052" y="2081641"/>
             <a:ext cx="579005" cy="215444"/>
           </a:xfrm>
           <a:prstGeom prst="rect">
@@ -7390,8 +7355,8 @@
         </p:nvCxnSpPr>
         <p:spPr>
           <a:xfrm>
-            <a:off x="8991022" y="1276235"/>
-            <a:ext cx="1347040" cy="1418446"/>
+            <a:off x="8991022" y="1128184"/>
+            <a:ext cx="1347040" cy="1566497"/>
           </a:xfrm>
           <a:prstGeom prst="bentConnector3">
             <a:avLst/>
@@ -7420,7 +7385,7 @@
         </p:nvSpPr>
         <p:spPr>
           <a:xfrm>
-            <a:off x="7239933" y="2083079"/>
+            <a:off x="7239933" y="1935028"/>
             <a:ext cx="1632857" cy="1192934"/>
           </a:xfrm>
           <a:prstGeom prst="roundRect">
@@ -7461,7 +7426,7 @@
         </p:nvSpPr>
         <p:spPr>
           <a:xfrm rot="5400000">
-            <a:off x="8806732" y="2338413"/>
+            <a:off x="8806732" y="2190362"/>
             <a:ext cx="226423" cy="184888"/>
           </a:xfrm>
           <a:prstGeom prst="triangle">
@@ -7504,7 +7469,7 @@
         </p:nvSpPr>
         <p:spPr>
           <a:xfrm rot="5400000">
-            <a:off x="7161862" y="2364540"/>
+            <a:off x="7161862" y="2216489"/>
             <a:ext cx="226423" cy="184888"/>
           </a:xfrm>
           <a:prstGeom prst="triangle">
@@ -7550,8 +7515,8 @@
         </p:nvCxnSpPr>
         <p:spPr>
           <a:xfrm>
-            <a:off x="9012388" y="2430858"/>
-            <a:ext cx="1325674" cy="263823"/>
+            <a:off x="9012388" y="2282807"/>
+            <a:ext cx="1325674" cy="411874"/>
           </a:xfrm>
           <a:prstGeom prst="bentConnector3">
             <a:avLst>
@@ -7582,7 +7547,7 @@
         </p:nvSpPr>
         <p:spPr>
           <a:xfrm>
-            <a:off x="3783980" y="1999052"/>
+            <a:off x="3740435" y="1851001"/>
             <a:ext cx="1632857" cy="1246036"/>
           </a:xfrm>
           <a:prstGeom prst="roundRect">
@@ -7623,7 +7588,7 @@
         </p:nvSpPr>
         <p:spPr>
           <a:xfrm>
-            <a:off x="3840046" y="2021674"/>
+            <a:off x="3796501" y="1873623"/>
             <a:ext cx="1236236" cy="215444"/>
           </a:xfrm>
           <a:prstGeom prst="rect">
@@ -7653,7 +7618,7 @@
         </p:nvSpPr>
         <p:spPr>
           <a:xfrm rot="5400000">
-            <a:off x="3702547" y="2371653"/>
+            <a:off x="3659002" y="2223602"/>
             <a:ext cx="226423" cy="184888"/>
           </a:xfrm>
           <a:prstGeom prst="triangle">
@@ -7696,7 +7661,7 @@
         </p:nvSpPr>
         <p:spPr>
           <a:xfrm rot="5400000">
-            <a:off x="5348241" y="2365571"/>
+            <a:off x="5304696" y="2217520"/>
             <a:ext cx="226423" cy="184888"/>
           </a:xfrm>
           <a:prstGeom prst="triangle">
@@ -7733,56 +7698,13 @@
       </p:sp>
       <p:sp>
         <p:nvSpPr>
-          <p:cNvPr id="96" name="Isosceles Triangle 95"/>
-          <p:cNvSpPr/>
-          <p:nvPr/>
-        </p:nvSpPr>
-        <p:spPr>
-          <a:xfrm rot="5400000">
-            <a:off x="5354821" y="2779547"/>
-            <a:ext cx="226423" cy="184888"/>
-          </a:xfrm>
-          <a:prstGeom prst="triangle">
-            <a:avLst/>
-          </a:prstGeom>
-          <a:solidFill>
-            <a:srgbClr val="FFFF00"/>
-          </a:solidFill>
-        </p:spPr>
-        <p:style>
-          <a:lnRef idx="2">
-            <a:schemeClr val="accent1">
-              <a:shade val="50000"/>
-            </a:schemeClr>
-          </a:lnRef>
-          <a:fillRef idx="1">
-            <a:schemeClr val="accent1"/>
-          </a:fillRef>
-          <a:effectRef idx="0">
-            <a:schemeClr val="accent1"/>
-          </a:effectRef>
-          <a:fontRef idx="minor">
-            <a:schemeClr val="lt1"/>
-          </a:fontRef>
-        </p:style>
-        <p:txBody>
-          <a:bodyPr rtlCol="0" anchor="ctr"/>
-          <a:lstStyle/>
-          <a:p>
-            <a:pPr algn="ctr"/>
-            <a:endParaRPr lang="en-SG"/>
-          </a:p>
-        </p:txBody>
-      </p:sp>
-      <p:sp>
-        <p:nvSpPr>
           <p:cNvPr id="97" name="TextBox 96"/>
           <p:cNvSpPr txBox="1"/>
           <p:nvPr/>
         </p:nvSpPr>
         <p:spPr>
           <a:xfrm>
-            <a:off x="5452083" y="2242188"/>
+            <a:off x="5408538" y="2094137"/>
             <a:ext cx="482824" cy="215444"/>
           </a:xfrm>
           <a:prstGeom prst="rect">
@@ -7799,36 +7721,6 @@
             <a:r>
               <a:rPr lang="en-US" sz="800" dirty="0"/>
               <a:t>Output</a:t>
-            </a:r>
-            <a:endParaRPr lang="en-SG" sz="800" dirty="0"/>
-          </a:p>
-        </p:txBody>
-      </p:sp>
-      <p:sp>
-        <p:nvSpPr>
-          <p:cNvPr id="98" name="TextBox 97"/>
-          <p:cNvSpPr txBox="1"/>
-          <p:nvPr/>
-        </p:nvSpPr>
-        <p:spPr>
-          <a:xfrm>
-            <a:off x="5446780" y="2902861"/>
-            <a:ext cx="716863" cy="215444"/>
-          </a:xfrm>
-          <a:prstGeom prst="rect">
-            <a:avLst/>
-          </a:prstGeom>
-          <a:noFill/>
-        </p:spPr>
-        <p:txBody>
-          <a:bodyPr wrap="none" rtlCol="0">
-            <a:spAutoFit/>
-          </a:bodyPr>
-          <a:lstStyle/>
-          <a:p>
-            <a:r>
-              <a:rPr lang="en-US" sz="800" dirty="0"/>
-              <a:t>Not Selected</a:t>
             </a:r>
             <a:endParaRPr lang="en-SG" sz="800" dirty="0"/>
           </a:p>
@@ -7845,8 +7737,8 @@
         </p:nvCxnSpPr>
         <p:spPr>
           <a:xfrm>
-            <a:off x="2735503" y="2340026"/>
-            <a:ext cx="987812" cy="124072"/>
+            <a:off x="2735503" y="2191975"/>
+            <a:ext cx="944267" cy="124072"/>
           </a:xfrm>
           <a:prstGeom prst="bentConnector3">
             <a:avLst>
@@ -7877,7 +7769,7 @@
         </p:nvSpPr>
         <p:spPr>
           <a:xfrm>
-            <a:off x="3939107" y="1136546"/>
+            <a:off x="3939107" y="988495"/>
             <a:ext cx="1722405" cy="646331"/>
           </a:xfrm>
           <a:prstGeom prst="rect">
@@ -7922,8 +7814,8 @@
         </p:nvCxnSpPr>
         <p:spPr>
           <a:xfrm flipV="1">
-            <a:off x="5553897" y="2456985"/>
-            <a:ext cx="1628733" cy="1031"/>
+            <a:off x="5510352" y="2308934"/>
+            <a:ext cx="1672278" cy="1031"/>
           </a:xfrm>
           <a:prstGeom prst="line">
             <a:avLst/>
@@ -7948,14 +7840,15 @@
         <p:nvCxnSpPr>
           <p:cNvPr id="120" name="Connector: Elbow 119"/>
           <p:cNvCxnSpPr>
+            <a:stCxn id="144" idx="0"/>
             <a:endCxn id="12" idx="3"/>
           </p:cNvCxnSpPr>
           <p:nvPr/>
         </p:nvCxnSpPr>
         <p:spPr>
           <a:xfrm flipV="1">
-            <a:off x="8991826" y="2694681"/>
-            <a:ext cx="1346236" cy="999776"/>
+            <a:off x="9016708" y="2694681"/>
+            <a:ext cx="1321354" cy="855961"/>
           </a:xfrm>
           <a:prstGeom prst="bentConnector3">
             <a:avLst/>
@@ -8017,7 +7910,7 @@
         </p:nvSpPr>
         <p:spPr>
           <a:xfrm>
-            <a:off x="3945570" y="2137312"/>
+            <a:off x="3945570" y="1989261"/>
             <a:ext cx="1722405" cy="1200329"/>
           </a:xfrm>
           <a:prstGeom prst="rect">
@@ -8081,7 +7974,7 @@
         </p:nvSpPr>
         <p:spPr>
           <a:xfrm rot="5400000">
-            <a:off x="5348512" y="1181584"/>
+            <a:off x="5348512" y="1033533"/>
             <a:ext cx="226423" cy="184888"/>
           </a:xfrm>
           <a:prstGeom prst="triangle">
@@ -8124,7 +8017,7 @@
         </p:nvSpPr>
         <p:spPr>
           <a:xfrm rot="5400000">
-            <a:off x="5355092" y="1595560"/>
+            <a:off x="5310029" y="2675102"/>
             <a:ext cx="226423" cy="184888"/>
           </a:xfrm>
           <a:prstGeom prst="triangle">
@@ -8167,7 +8060,7 @@
         </p:nvSpPr>
         <p:spPr>
           <a:xfrm>
-            <a:off x="5452354" y="1058201"/>
+            <a:off x="5452354" y="910150"/>
             <a:ext cx="482824" cy="215444"/>
           </a:xfrm>
           <a:prstGeom prst="rect">
@@ -8197,7 +8090,7 @@
         </p:nvSpPr>
         <p:spPr>
           <a:xfrm>
-            <a:off x="5447051" y="1718874"/>
+            <a:off x="5401988" y="2798416"/>
             <a:ext cx="716863" cy="215444"/>
           </a:xfrm>
           <a:prstGeom prst="rect">
@@ -8230,7 +8123,7 @@
         </p:nvCxnSpPr>
         <p:spPr>
           <a:xfrm>
-            <a:off x="1723543" y="3969463"/>
+            <a:off x="1723543" y="3821412"/>
             <a:ext cx="1986507" cy="6293"/>
           </a:xfrm>
           <a:prstGeom prst="line">
@@ -8260,7 +8153,7 @@
         </p:nvSpPr>
         <p:spPr>
           <a:xfrm>
-            <a:off x="3768589" y="3348659"/>
+            <a:off x="3768589" y="3200608"/>
             <a:ext cx="1632857" cy="885894"/>
           </a:xfrm>
           <a:prstGeom prst="roundRect">
@@ -8301,7 +8194,7 @@
         </p:nvSpPr>
         <p:spPr>
           <a:xfrm>
-            <a:off x="3816752" y="3394938"/>
+            <a:off x="3816752" y="3246887"/>
             <a:ext cx="1117614" cy="215444"/>
           </a:xfrm>
           <a:prstGeom prst="rect">
@@ -8331,7 +8224,7 @@
         </p:nvSpPr>
         <p:spPr>
           <a:xfrm rot="5400000">
-            <a:off x="3689282" y="3883311"/>
+            <a:off x="3689282" y="3735260"/>
             <a:ext cx="226423" cy="184888"/>
           </a:xfrm>
           <a:prstGeom prst="triangle">
@@ -8374,7 +8267,7 @@
         </p:nvSpPr>
         <p:spPr>
           <a:xfrm rot="5400000">
-            <a:off x="5332850" y="3502144"/>
+            <a:off x="5332850" y="3354093"/>
             <a:ext cx="226423" cy="184888"/>
           </a:xfrm>
           <a:prstGeom prst="triangle">
@@ -8417,7 +8310,7 @@
         </p:nvSpPr>
         <p:spPr>
           <a:xfrm rot="5400000">
-            <a:off x="5339430" y="3916120"/>
+            <a:off x="5339430" y="3768069"/>
             <a:ext cx="226423" cy="184888"/>
           </a:xfrm>
           <a:prstGeom prst="triangle">
@@ -8460,7 +8353,7 @@
         </p:nvSpPr>
         <p:spPr>
           <a:xfrm>
-            <a:off x="5436692" y="3378761"/>
+            <a:off x="5436692" y="3230710"/>
             <a:ext cx="482824" cy="215444"/>
           </a:xfrm>
           <a:prstGeom prst="rect">
@@ -8490,7 +8383,7 @@
         </p:nvSpPr>
         <p:spPr>
           <a:xfrm>
-            <a:off x="5431389" y="4039434"/>
+            <a:off x="5431389" y="3891383"/>
             <a:ext cx="716863" cy="215444"/>
           </a:xfrm>
           <a:prstGeom prst="rect">
@@ -8520,7 +8413,7 @@
         </p:nvSpPr>
         <p:spPr>
           <a:xfrm>
-            <a:off x="3887032" y="3578818"/>
+            <a:off x="3887032" y="3430767"/>
             <a:ext cx="1722405" cy="507831"/>
           </a:xfrm>
           <a:prstGeom prst="rect">
@@ -8560,7 +8453,7 @@
         </p:nvSpPr>
         <p:spPr>
           <a:xfrm rot="5400000">
-            <a:off x="3671979" y="3481880"/>
+            <a:off x="3671979" y="3333829"/>
             <a:ext cx="226423" cy="184888"/>
           </a:xfrm>
           <a:prstGeom prst="triangle">
@@ -8606,7 +8499,7 @@
         </p:nvCxnSpPr>
         <p:spPr>
           <a:xfrm>
-            <a:off x="2735503" y="2340026"/>
+            <a:off x="2735503" y="2191975"/>
             <a:ext cx="957244" cy="1234299"/>
           </a:xfrm>
           <a:prstGeom prst="bentConnector3">
@@ -8638,7 +8531,7 @@
         </p:nvSpPr>
         <p:spPr>
           <a:xfrm>
-            <a:off x="7364142" y="3629931"/>
+            <a:off x="7364142" y="3481880"/>
             <a:ext cx="1326513" cy="507831"/>
           </a:xfrm>
           <a:prstGeom prst="rect">
@@ -8666,7 +8559,7 @@
         </p:nvSpPr>
         <p:spPr>
           <a:xfrm>
-            <a:off x="7253707" y="3405398"/>
+            <a:off x="7253707" y="3257347"/>
             <a:ext cx="1632857" cy="885894"/>
           </a:xfrm>
           <a:prstGeom prst="roundRect">
@@ -8707,7 +8600,7 @@
         </p:nvSpPr>
         <p:spPr>
           <a:xfrm rot="5400000">
-            <a:off x="8811052" y="3606248"/>
+            <a:off x="8811052" y="3458197"/>
             <a:ext cx="226423" cy="184888"/>
           </a:xfrm>
           <a:prstGeom prst="triangle">
@@ -8750,7 +8643,7 @@
         </p:nvSpPr>
         <p:spPr>
           <a:xfrm rot="5400000">
-            <a:off x="7175636" y="3508897"/>
+            <a:off x="7175636" y="3360846"/>
             <a:ext cx="226423" cy="184888"/>
           </a:xfrm>
           <a:prstGeom prst="triangle">
@@ -8796,7 +8689,7 @@
         </p:nvCxnSpPr>
         <p:spPr>
           <a:xfrm>
-            <a:off x="5538506" y="3594589"/>
+            <a:off x="5538506" y="3446538"/>
             <a:ext cx="1657898" cy="6753"/>
           </a:xfrm>
           <a:prstGeom prst="line">
@@ -8926,7 +8819,7 @@
           <a:p>
             <a:r>
               <a:rPr lang="en-US" sz="800" dirty="0"/>
-              <a:t>EP3</a:t>
+              <a:t>EP5</a:t>
             </a:r>
             <a:endParaRPr lang="en-SG" sz="800" dirty="0"/>
           </a:p>
@@ -9379,7 +9272,7 @@
         </p:nvSpPr>
         <p:spPr>
           <a:xfrm>
-            <a:off x="7358579" y="5695727"/>
+            <a:off x="7350368" y="5820469"/>
             <a:ext cx="1326513" cy="646331"/>
           </a:xfrm>
           <a:prstGeom prst="rect">
@@ -9605,8 +9498,8 @@
         </p:nvSpPr>
         <p:spPr>
           <a:xfrm>
-            <a:off x="1874543" y="5057473"/>
-            <a:ext cx="5893306" cy="461665"/>
+            <a:off x="2292751" y="5161830"/>
+            <a:ext cx="6959246" cy="276999"/>
           </a:xfrm>
           <a:prstGeom prst="rect">
             <a:avLst/>
@@ -9633,8 +9526,8 @@
         </p:nvSpPr>
         <p:spPr>
           <a:xfrm>
-            <a:off x="1805353" y="437054"/>
-            <a:ext cx="7081212" cy="461665"/>
+            <a:off x="1485056" y="227958"/>
+            <a:ext cx="9124205" cy="276999"/>
           </a:xfrm>
           <a:prstGeom prst="rect">
             <a:avLst/>
@@ -9661,7 +9554,7 @@
         </p:nvSpPr>
         <p:spPr>
           <a:xfrm>
-            <a:off x="6206188" y="4196890"/>
+            <a:off x="6206187" y="3682265"/>
             <a:ext cx="615863" cy="804643"/>
           </a:xfrm>
           <a:prstGeom prst="can">
@@ -9702,7 +9595,7 @@
         </p:nvSpPr>
         <p:spPr>
           <a:xfrm>
-            <a:off x="6191750" y="4379328"/>
+            <a:off x="6191749" y="3864703"/>
             <a:ext cx="630301" cy="461665"/>
           </a:xfrm>
           <a:prstGeom prst="rect">
@@ -9740,14 +9633,13 @@
         <p:nvCxnSpPr>
           <p:cNvPr id="16" name="Connector: Elbow 15"/>
           <p:cNvCxnSpPr>
-            <a:stCxn id="110" idx="0"/>
             <a:endCxn id="73" idx="1"/>
           </p:cNvCxnSpPr>
           <p:nvPr/>
         </p:nvCxnSpPr>
         <p:spPr>
           <a:xfrm rot="5400000" flipH="1" flipV="1">
-            <a:off x="6041371" y="3152295"/>
+            <a:off x="6041371" y="3004244"/>
             <a:ext cx="1671310" cy="725813"/>
           </a:xfrm>
           <a:prstGeom prst="bentConnector2">
@@ -9777,14 +9669,13 @@
         <p:nvCxnSpPr>
           <p:cNvPr id="22" name="Connector: Elbow 21"/>
           <p:cNvCxnSpPr>
-            <a:stCxn id="110" idx="0"/>
             <a:endCxn id="27" idx="1"/>
           </p:cNvCxnSpPr>
           <p:nvPr/>
         </p:nvCxnSpPr>
         <p:spPr>
           <a:xfrm rot="5400000" flipH="1" flipV="1">
-            <a:off x="5391855" y="2524145"/>
+            <a:off x="5391855" y="2376094"/>
             <a:ext cx="2948976" cy="704447"/>
           </a:xfrm>
           <a:prstGeom prst="bentConnector2">
@@ -9818,7 +9709,7 @@
         </p:nvSpPr>
         <p:spPr>
           <a:xfrm>
-            <a:off x="589965" y="1085849"/>
+            <a:off x="589965" y="937798"/>
             <a:ext cx="1068920" cy="566057"/>
           </a:xfrm>
           <a:prstGeom prst="roundRect">
@@ -9859,7 +9750,7 @@
         </p:nvSpPr>
         <p:spPr>
           <a:xfrm rot="5400000">
-            <a:off x="1610772" y="1164654"/>
+            <a:off x="1610772" y="1016603"/>
             <a:ext cx="226423" cy="184888"/>
           </a:xfrm>
           <a:prstGeom prst="triangle">
@@ -9899,14 +9790,13 @@
           <p:cNvPr id="119" name="Straight Connector 118"/>
           <p:cNvCxnSpPr>
             <a:stCxn id="117" idx="0"/>
-            <a:endCxn id="121" idx="3"/>
           </p:cNvCxnSpPr>
           <p:nvPr/>
         </p:nvCxnSpPr>
         <p:spPr>
           <a:xfrm>
-            <a:off x="1816428" y="1257099"/>
-            <a:ext cx="1882795" cy="34388"/>
+            <a:off x="1816428" y="1109048"/>
+            <a:ext cx="1882795" cy="34389"/>
           </a:xfrm>
           <a:prstGeom prst="line">
             <a:avLst/>
@@ -9929,21 +9819,79 @@
       </p:cxnSp>
       <p:sp>
         <p:nvSpPr>
-          <p:cNvPr id="121" name="Isosceles Triangle 120"/>
+          <p:cNvPr id="122" name="TextBox 121"/>
+          <p:cNvSpPr txBox="1"/>
+          <p:nvPr/>
+        </p:nvSpPr>
+        <p:spPr>
+          <a:xfrm>
+            <a:off x="601335" y="939232"/>
+            <a:ext cx="338554" cy="215444"/>
+          </a:xfrm>
+          <a:prstGeom prst="rect">
+            <a:avLst/>
+          </a:prstGeom>
+          <a:noFill/>
+        </p:spPr>
+        <p:txBody>
+          <a:bodyPr wrap="none" rtlCol="0">
+            <a:spAutoFit/>
+          </a:bodyPr>
+          <a:lstStyle/>
+          <a:p>
+            <a:r>
+              <a:rPr lang="en-US" sz="800" dirty="0"/>
+              <a:t>EP1</a:t>
+            </a:r>
+            <a:endParaRPr lang="en-SG" sz="800" dirty="0"/>
+          </a:p>
+        </p:txBody>
+      </p:sp>
+      <p:sp>
+        <p:nvSpPr>
+          <p:cNvPr id="123" name="TextBox 122"/>
+          <p:cNvSpPr txBox="1"/>
+          <p:nvPr/>
+        </p:nvSpPr>
+        <p:spPr>
+          <a:xfrm>
+            <a:off x="627482" y="1109048"/>
+            <a:ext cx="950327" cy="400110"/>
+          </a:xfrm>
+          <a:prstGeom prst="rect">
+            <a:avLst/>
+          </a:prstGeom>
+          <a:noFill/>
+        </p:spPr>
+        <p:txBody>
+          <a:bodyPr wrap="square" rtlCol="0">
+            <a:spAutoFit/>
+          </a:bodyPr>
+          <a:lstStyle/>
+          <a:p>
+            <a:r>
+              <a:rPr lang="en-US" sz="1000" dirty="0"/>
+              <a:t>Estimated Travel Time</a:t>
+            </a:r>
+            <a:endParaRPr lang="en-SG" sz="1000" dirty="0"/>
+          </a:p>
+        </p:txBody>
+      </p:sp>
+      <p:sp>
+        <p:nvSpPr>
+          <p:cNvPr id="101" name="Rectangle: Rounded Corners 100"/>
           <p:cNvSpPr/>
           <p:nvPr/>
         </p:nvSpPr>
         <p:spPr>
-          <a:xfrm rot="5400000">
-            <a:off x="3678455" y="1199042"/>
-            <a:ext cx="226423" cy="184888"/>
-          </a:xfrm>
-          <a:prstGeom prst="triangle">
-            <a:avLst/>
-          </a:prstGeom>
-          <a:solidFill>
-            <a:srgbClr val="FFFF00"/>
-          </a:solidFill>
+          <a:xfrm>
+            <a:off x="575188" y="4264486"/>
+            <a:ext cx="1068920" cy="566057"/>
+          </a:xfrm>
+          <a:prstGeom prst="roundRect">
+            <a:avLst/>
+          </a:prstGeom>
+          <a:noFill/>
         </p:spPr>
         <p:style>
           <a:lnRef idx="2">
@@ -9972,13 +9920,56 @@
       </p:sp>
       <p:sp>
         <p:nvSpPr>
-          <p:cNvPr id="122" name="TextBox 121"/>
+          <p:cNvPr id="102" name="Isosceles Triangle 101"/>
+          <p:cNvSpPr/>
+          <p:nvPr/>
+        </p:nvSpPr>
+        <p:spPr>
+          <a:xfrm rot="5400000">
+            <a:off x="1530896" y="4455071"/>
+            <a:ext cx="226423" cy="184888"/>
+          </a:xfrm>
+          <a:prstGeom prst="triangle">
+            <a:avLst/>
+          </a:prstGeom>
+          <a:solidFill>
+            <a:srgbClr val="FFFF00"/>
+          </a:solidFill>
+        </p:spPr>
+        <p:style>
+          <a:lnRef idx="2">
+            <a:schemeClr val="accent1">
+              <a:shade val="50000"/>
+            </a:schemeClr>
+          </a:lnRef>
+          <a:fillRef idx="1">
+            <a:schemeClr val="accent1"/>
+          </a:fillRef>
+          <a:effectRef idx="0">
+            <a:schemeClr val="accent1"/>
+          </a:effectRef>
+          <a:fontRef idx="minor">
+            <a:schemeClr val="lt1"/>
+          </a:fontRef>
+        </p:style>
+        <p:txBody>
+          <a:bodyPr rtlCol="0" anchor="ctr"/>
+          <a:lstStyle/>
+          <a:p>
+            <a:pPr algn="ctr"/>
+            <a:endParaRPr lang="en-SG"/>
+          </a:p>
+        </p:txBody>
+      </p:sp>
+      <p:sp>
+        <p:nvSpPr>
+          <p:cNvPr id="103" name="TextBox 102"/>
           <p:cNvSpPr txBox="1"/>
           <p:nvPr/>
         </p:nvSpPr>
         <p:spPr>
           <a:xfrm>
-            <a:off x="601335" y="1087283"/>
+            <a:off x="575188" y="4264486"/>
             <a:ext cx="338554" cy="215444"/>
           </a:xfrm>
           <a:prstGeom prst="rect">
@@ -9994,7 +9985,7 @@
           <a:p>
             <a:r>
               <a:rPr lang="en-US" sz="800" dirty="0"/>
-              <a:t>EP1</a:t>
+              <a:t>EP4</a:t>
             </a:r>
             <a:endParaRPr lang="en-SG" sz="800" dirty="0"/>
           </a:p>
@@ -10002,13 +9993,13 @@
       </p:sp>
       <p:sp>
         <p:nvSpPr>
-          <p:cNvPr id="123" name="TextBox 122"/>
+          <p:cNvPr id="112" name="TextBox 111"/>
           <p:cNvSpPr txBox="1"/>
           <p:nvPr/>
         </p:nvSpPr>
         <p:spPr>
           <a:xfrm>
-            <a:off x="627482" y="1257099"/>
+            <a:off x="601335" y="4434302"/>
             <a:ext cx="950327" cy="400110"/>
           </a:xfrm>
           <a:prstGeom prst="rect">
@@ -10024,16 +10015,240 @@
           <a:p>
             <a:r>
               <a:rPr lang="en-US" sz="1000" dirty="0"/>
-              <a:t>Estimated Travel Time</a:t>
+              <a:t>NEA Heavy Rain Warning</a:t>
             </a:r>
             <a:endParaRPr lang="en-SG" sz="1000" dirty="0"/>
           </a:p>
         </p:txBody>
       </p:sp>
+      <p:sp>
+        <p:nvSpPr>
+          <p:cNvPr id="113" name="Rectangle 112"/>
+          <p:cNvSpPr/>
+          <p:nvPr/>
+        </p:nvSpPr>
+        <p:spPr>
+          <a:xfrm>
+            <a:off x="7396797" y="4603131"/>
+            <a:ext cx="1326513" cy="369332"/>
+          </a:xfrm>
+          <a:prstGeom prst="rect">
+            <a:avLst/>
+          </a:prstGeom>
+        </p:spPr>
+        <p:txBody>
+          <a:bodyPr wrap="square">
+            <a:spAutoFit/>
+          </a:bodyPr>
+          <a:lstStyle/>
+          <a:p>
+            <a:r>
+              <a:rPr lang="en-SG" sz="900" dirty="0"/>
+              <a:t>message  =  “Heavy Rain expected”</a:t>
+            </a:r>
+          </a:p>
+        </p:txBody>
+      </p:sp>
+      <p:sp>
+        <p:nvSpPr>
+          <p:cNvPr id="114" name="Rectangle: Rounded Corners 113"/>
+          <p:cNvSpPr/>
+          <p:nvPr/>
+        </p:nvSpPr>
+        <p:spPr>
+          <a:xfrm>
+            <a:off x="7286362" y="4378598"/>
+            <a:ext cx="1632857" cy="784293"/>
+          </a:xfrm>
+          <a:prstGeom prst="roundRect">
+            <a:avLst/>
+          </a:prstGeom>
+          <a:noFill/>
+        </p:spPr>
+        <p:style>
+          <a:lnRef idx="2">
+            <a:schemeClr val="accent1">
+              <a:shade val="50000"/>
+            </a:schemeClr>
+          </a:lnRef>
+          <a:fillRef idx="1">
+            <a:schemeClr val="accent1"/>
+          </a:fillRef>
+          <a:effectRef idx="0">
+            <a:schemeClr val="accent1"/>
+          </a:effectRef>
+          <a:fontRef idx="minor">
+            <a:schemeClr val="lt1"/>
+          </a:fontRef>
+        </p:style>
+        <p:txBody>
+          <a:bodyPr rtlCol="0" anchor="ctr"/>
+          <a:lstStyle/>
+          <a:p>
+            <a:pPr algn="ctr"/>
+            <a:endParaRPr lang="en-SG"/>
+          </a:p>
+        </p:txBody>
+      </p:sp>
+      <p:sp>
+        <p:nvSpPr>
+          <p:cNvPr id="124" name="Isosceles Triangle 123"/>
+          <p:cNvSpPr/>
+          <p:nvPr/>
+        </p:nvSpPr>
+        <p:spPr>
+          <a:xfrm rot="5400000">
+            <a:off x="8843707" y="4579448"/>
+            <a:ext cx="226423" cy="184888"/>
+          </a:xfrm>
+          <a:prstGeom prst="triangle">
+            <a:avLst/>
+          </a:prstGeom>
+          <a:solidFill>
+            <a:srgbClr val="FFFF00"/>
+          </a:solidFill>
+        </p:spPr>
+        <p:style>
+          <a:lnRef idx="2">
+            <a:schemeClr val="accent1">
+              <a:shade val="50000"/>
+            </a:schemeClr>
+          </a:lnRef>
+          <a:fillRef idx="1">
+            <a:schemeClr val="accent1"/>
+          </a:fillRef>
+          <a:effectRef idx="0">
+            <a:schemeClr val="accent1"/>
+          </a:effectRef>
+          <a:fontRef idx="minor">
+            <a:schemeClr val="lt1"/>
+          </a:fontRef>
+        </p:style>
+        <p:txBody>
+          <a:bodyPr rtlCol="0" anchor="ctr"/>
+          <a:lstStyle/>
+          <a:p>
+            <a:pPr algn="ctr"/>
+            <a:endParaRPr lang="en-SG"/>
+          </a:p>
+        </p:txBody>
+      </p:sp>
+      <p:sp>
+        <p:nvSpPr>
+          <p:cNvPr id="125" name="Isosceles Triangle 124"/>
+          <p:cNvSpPr/>
+          <p:nvPr/>
+        </p:nvSpPr>
+        <p:spPr>
+          <a:xfrm rot="5400000">
+            <a:off x="7208291" y="4482097"/>
+            <a:ext cx="226423" cy="184888"/>
+          </a:xfrm>
+          <a:prstGeom prst="triangle">
+            <a:avLst/>
+          </a:prstGeom>
+          <a:solidFill>
+            <a:srgbClr val="FFFF00"/>
+          </a:solidFill>
+        </p:spPr>
+        <p:style>
+          <a:lnRef idx="2">
+            <a:schemeClr val="accent1">
+              <a:shade val="50000"/>
+            </a:schemeClr>
+          </a:lnRef>
+          <a:fillRef idx="1">
+            <a:schemeClr val="accent1"/>
+          </a:fillRef>
+          <a:effectRef idx="0">
+            <a:schemeClr val="accent1"/>
+          </a:effectRef>
+          <a:fontRef idx="minor">
+            <a:schemeClr val="lt1"/>
+          </a:fontRef>
+        </p:style>
+        <p:txBody>
+          <a:bodyPr rtlCol="0" anchor="ctr"/>
+          <a:lstStyle/>
+          <a:p>
+            <a:pPr algn="ctr"/>
+            <a:endParaRPr lang="en-SG"/>
+          </a:p>
+        </p:txBody>
+      </p:sp>
+      <p:cxnSp>
+        <p:nvCxnSpPr>
+          <p:cNvPr id="18" name="Straight Connector 17"/>
+          <p:cNvCxnSpPr>
+            <a:stCxn id="102" idx="0"/>
+            <a:endCxn id="125" idx="3"/>
+          </p:cNvCxnSpPr>
+          <p:nvPr/>
+        </p:nvCxnSpPr>
+        <p:spPr>
+          <a:xfrm>
+            <a:off x="1736552" y="4547516"/>
+            <a:ext cx="5492507" cy="27026"/>
+          </a:xfrm>
+          <a:prstGeom prst="line">
+            <a:avLst/>
+          </a:prstGeom>
+        </p:spPr>
+        <p:style>
+          <a:lnRef idx="1">
+            <a:schemeClr val="accent1"/>
+          </a:lnRef>
+          <a:fillRef idx="0">
+            <a:schemeClr val="accent1"/>
+          </a:fillRef>
+          <a:effectRef idx="0">
+            <a:schemeClr val="accent1"/>
+          </a:effectRef>
+          <a:fontRef idx="minor">
+            <a:schemeClr val="tx1"/>
+          </a:fontRef>
+        </p:style>
+      </p:cxnSp>
+      <p:cxnSp>
+        <p:nvCxnSpPr>
+          <p:cNvPr id="20" name="Connector: Elbow 19"/>
+          <p:cNvCxnSpPr>
+            <a:stCxn id="124" idx="0"/>
+            <a:endCxn id="12" idx="3"/>
+          </p:cNvCxnSpPr>
+          <p:nvPr/>
+        </p:nvCxnSpPr>
+        <p:spPr>
+          <a:xfrm flipV="1">
+            <a:off x="9049363" y="2694681"/>
+            <a:ext cx="1288699" cy="1977212"/>
+          </a:xfrm>
+          <a:prstGeom prst="bentConnector3">
+            <a:avLst/>
+          </a:prstGeom>
+          <a:ln>
+            <a:tailEnd type="triangle"/>
+          </a:ln>
+        </p:spPr>
+        <p:style>
+          <a:lnRef idx="1">
+            <a:schemeClr val="accent1"/>
+          </a:lnRef>
+          <a:fillRef idx="0">
+            <a:schemeClr val="accent1"/>
+          </a:fillRef>
+          <a:effectRef idx="0">
+            <a:schemeClr val="accent1"/>
+          </a:effectRef>
+          <a:fontRef idx="minor">
+            <a:schemeClr val="tx1"/>
+          </a:fontRef>
+        </p:style>
+      </p:cxnSp>
     </p:spTree>
     <p:extLst>
       <p:ext uri="{BB962C8B-B14F-4D97-AF65-F5344CB8AC3E}">
-        <p14:creationId xmlns:p14="http://schemas.microsoft.com/office/powerpoint/2010/main" val="2197370676"/>
+        <p14:creationId xmlns:p14="http://schemas.microsoft.com/office/powerpoint/2010/main" val="777392426"/>
       </p:ext>
     </p:extLst>
   </p:cSld>

--- a/reports/Traffic Jam Preventer System.pptx
+++ b/reports/Traffic Jam Preventer System.pptx
@@ -9,7 +9,7 @@
     <p:sldId id="263" r:id="rId3"/>
     <p:sldId id="257" r:id="rId4"/>
     <p:sldId id="258" r:id="rId5"/>
-    <p:sldId id="265" r:id="rId6"/>
+    <p:sldId id="266" r:id="rId6"/>
     <p:sldId id="261" r:id="rId7"/>
     <p:sldId id="262" r:id="rId8"/>
     <p:sldId id="260" r:id="rId9"/>
@@ -6441,7 +6441,7 @@
         </p:nvSpPr>
         <p:spPr>
           <a:xfrm>
-            <a:off x="567872" y="1907019"/>
+            <a:off x="567872" y="1689294"/>
             <a:ext cx="1068920" cy="566057"/>
           </a:xfrm>
           <a:prstGeom prst="roundRect">
@@ -6482,7 +6482,7 @@
         </p:nvSpPr>
         <p:spPr>
           <a:xfrm rot="5400000">
-            <a:off x="1523580" y="2097603"/>
+            <a:off x="1523580" y="1879878"/>
             <a:ext cx="226423" cy="184888"/>
           </a:xfrm>
           <a:prstGeom prst="triangle">
@@ -6525,7 +6525,7 @@
         </p:nvSpPr>
         <p:spPr>
           <a:xfrm>
-            <a:off x="567872" y="1907019"/>
+            <a:off x="567872" y="1689294"/>
             <a:ext cx="338554" cy="215444"/>
           </a:xfrm>
           <a:prstGeom prst="rect">
@@ -6555,7 +6555,7 @@
         </p:nvSpPr>
         <p:spPr>
           <a:xfrm>
-            <a:off x="594019" y="2076835"/>
+            <a:off x="594019" y="1859110"/>
             <a:ext cx="950327" cy="400110"/>
           </a:xfrm>
           <a:prstGeom prst="rect">
@@ -6585,7 +6585,7 @@
         </p:nvSpPr>
         <p:spPr>
           <a:xfrm>
-            <a:off x="10430507" y="2345498"/>
+            <a:off x="10430507" y="2223572"/>
             <a:ext cx="1068920" cy="566057"/>
           </a:xfrm>
           <a:prstGeom prst="roundRect">
@@ -6626,7 +6626,7 @@
         </p:nvSpPr>
         <p:spPr>
           <a:xfrm rot="5400000">
-            <a:off x="10317294" y="2602236"/>
+            <a:off x="10317294" y="2480310"/>
             <a:ext cx="226423" cy="184888"/>
           </a:xfrm>
           <a:prstGeom prst="triangle">
@@ -6669,7 +6669,7 @@
         </p:nvSpPr>
         <p:spPr>
           <a:xfrm>
-            <a:off x="10430507" y="2345498"/>
+            <a:off x="10430507" y="2223572"/>
             <a:ext cx="340158" cy="215444"/>
           </a:xfrm>
           <a:prstGeom prst="rect">
@@ -6699,7 +6699,7 @@
         </p:nvSpPr>
         <p:spPr>
           <a:xfrm>
-            <a:off x="10462360" y="2930605"/>
+            <a:off x="10462360" y="2808679"/>
             <a:ext cx="1287153" cy="461665"/>
           </a:xfrm>
           <a:prstGeom prst="rect">
@@ -6727,7 +6727,7 @@
         </p:nvSpPr>
         <p:spPr>
           <a:xfrm>
-            <a:off x="3779769" y="796596"/>
+            <a:off x="3779769" y="665961"/>
             <a:ext cx="1632857" cy="870525"/>
           </a:xfrm>
           <a:prstGeom prst="roundRect">
@@ -6768,7 +6768,7 @@
         </p:nvSpPr>
         <p:spPr>
           <a:xfrm>
-            <a:off x="3778338" y="792023"/>
+            <a:off x="3778338" y="661388"/>
             <a:ext cx="1236236" cy="215444"/>
           </a:xfrm>
           <a:prstGeom prst="rect">
@@ -6798,7 +6798,7 @@
         </p:nvSpPr>
         <p:spPr>
           <a:xfrm rot="5400000">
-            <a:off x="3692705" y="1033990"/>
+            <a:off x="3692705" y="903355"/>
             <a:ext cx="226423" cy="184888"/>
           </a:xfrm>
           <a:prstGeom prst="triangle">
@@ -6837,14 +6837,15 @@
         <p:nvCxnSpPr>
           <p:cNvPr id="26" name="Straight Connector 25"/>
           <p:cNvCxnSpPr>
+            <a:stCxn id="106" idx="0"/>
             <a:endCxn id="32" idx="3"/>
           </p:cNvCxnSpPr>
           <p:nvPr/>
         </p:nvCxnSpPr>
         <p:spPr>
           <a:xfrm>
-            <a:off x="5552224" y="1118814"/>
-            <a:ext cx="1609040" cy="9370"/>
+            <a:off x="5552224" y="829940"/>
+            <a:ext cx="1601369" cy="18251"/>
           </a:xfrm>
           <a:prstGeom prst="line">
             <a:avLst/>
@@ -6873,7 +6874,7 @@
         </p:nvSpPr>
         <p:spPr>
           <a:xfrm>
-            <a:off x="7218567" y="812467"/>
+            <a:off x="7218567" y="620869"/>
             <a:ext cx="1632857" cy="882723"/>
           </a:xfrm>
           <a:prstGeom prst="roundRect">
@@ -6914,7 +6915,7 @@
         </p:nvSpPr>
         <p:spPr>
           <a:xfrm rot="5400000">
-            <a:off x="8785366" y="1035739"/>
+            <a:off x="8785366" y="844141"/>
             <a:ext cx="226423" cy="184888"/>
           </a:xfrm>
           <a:prstGeom prst="triangle">
@@ -6957,7 +6958,7 @@
         </p:nvSpPr>
         <p:spPr>
           <a:xfrm rot="5400000">
-            <a:off x="7140496" y="1035739"/>
+            <a:off x="7132825" y="755746"/>
             <a:ext cx="226423" cy="184888"/>
           </a:xfrm>
           <a:prstGeom prst="triangle">
@@ -7000,7 +7001,7 @@
         </p:nvSpPr>
         <p:spPr>
           <a:xfrm>
-            <a:off x="7369239" y="2028920"/>
+            <a:off x="7369239" y="1750232"/>
             <a:ext cx="1387040" cy="1061829"/>
           </a:xfrm>
           <a:prstGeom prst="rect">
@@ -7064,7 +7065,7 @@
         </p:nvSpPr>
         <p:spPr>
           <a:xfrm>
-            <a:off x="562179" y="3538383"/>
+            <a:off x="562179" y="3303240"/>
             <a:ext cx="1068920" cy="566057"/>
           </a:xfrm>
           <a:prstGeom prst="roundRect">
@@ -7105,7 +7106,7 @@
         </p:nvSpPr>
         <p:spPr>
           <a:xfrm rot="5400000">
-            <a:off x="1517887" y="3728967"/>
+            <a:off x="1517887" y="3493824"/>
             <a:ext cx="226423" cy="184888"/>
           </a:xfrm>
           <a:prstGeom prst="triangle">
@@ -7148,7 +7149,7 @@
         </p:nvSpPr>
         <p:spPr>
           <a:xfrm>
-            <a:off x="562179" y="3538383"/>
+            <a:off x="562179" y="3303240"/>
             <a:ext cx="338554" cy="215444"/>
           </a:xfrm>
           <a:prstGeom prst="rect">
@@ -7178,7 +7179,7 @@
         </p:nvSpPr>
         <p:spPr>
           <a:xfrm>
-            <a:off x="588326" y="3708199"/>
+            <a:off x="588326" y="3473056"/>
             <a:ext cx="950327" cy="400110"/>
           </a:xfrm>
           <a:prstGeom prst="rect">
@@ -7212,7 +7213,7 @@
         </p:nvSpPr>
         <p:spPr>
           <a:xfrm>
-            <a:off x="7357377" y="895855"/>
+            <a:off x="7357377" y="704257"/>
             <a:ext cx="1455764" cy="784830"/>
           </a:xfrm>
           <a:prstGeom prst="rect">
@@ -7249,7 +7250,7 @@
         </p:nvSpPr>
         <p:spPr>
           <a:xfrm>
-            <a:off x="1960560" y="1958449"/>
+            <a:off x="1960560" y="1740724"/>
             <a:ext cx="774943" cy="467052"/>
           </a:xfrm>
           <a:prstGeom prst="hexagon">
@@ -7292,7 +7293,7 @@
         </p:nvCxnSpPr>
         <p:spPr>
           <a:xfrm>
-            <a:off x="1729236" y="2190048"/>
+            <a:off x="1729236" y="1972323"/>
             <a:ext cx="290614" cy="1895"/>
           </a:xfrm>
           <a:prstGeom prst="line">
@@ -7322,7 +7323,7 @@
         </p:nvSpPr>
         <p:spPr>
           <a:xfrm>
-            <a:off x="2064052" y="2081641"/>
+            <a:off x="2064052" y="1863916"/>
             <a:ext cx="579005" cy="215444"/>
           </a:xfrm>
           <a:prstGeom prst="rect">
@@ -7355,8 +7356,8 @@
         </p:nvCxnSpPr>
         <p:spPr>
           <a:xfrm>
-            <a:off x="8991022" y="1128184"/>
-            <a:ext cx="1347040" cy="1566497"/>
+            <a:off x="8991022" y="936586"/>
+            <a:ext cx="1347040" cy="1636169"/>
           </a:xfrm>
           <a:prstGeom prst="bentConnector3">
             <a:avLst/>
@@ -7385,7 +7386,7 @@
         </p:nvSpPr>
         <p:spPr>
           <a:xfrm>
-            <a:off x="7239933" y="1935028"/>
+            <a:off x="7239933" y="1656340"/>
             <a:ext cx="1632857" cy="1192934"/>
           </a:xfrm>
           <a:prstGeom prst="roundRect">
@@ -7426,7 +7427,7 @@
         </p:nvSpPr>
         <p:spPr>
           <a:xfrm rot="5400000">
-            <a:off x="8806732" y="2190362"/>
+            <a:off x="8806732" y="1911674"/>
             <a:ext cx="226423" cy="184888"/>
           </a:xfrm>
           <a:prstGeom prst="triangle">
@@ -7469,7 +7470,7 @@
         </p:nvSpPr>
         <p:spPr>
           <a:xfrm rot="5400000">
-            <a:off x="7161862" y="2216489"/>
+            <a:off x="7161862" y="1937801"/>
             <a:ext cx="226423" cy="184888"/>
           </a:xfrm>
           <a:prstGeom prst="triangle">
@@ -7515,12 +7516,12 @@
         </p:nvCxnSpPr>
         <p:spPr>
           <a:xfrm>
-            <a:off x="9012388" y="2282807"/>
-            <a:ext cx="1325674" cy="411874"/>
+            <a:off x="9012388" y="2004119"/>
+            <a:ext cx="1325674" cy="568636"/>
           </a:xfrm>
           <a:prstGeom prst="bentConnector3">
             <a:avLst>
-              <a:gd name="adj1" fmla="val 50000"/>
+              <a:gd name="adj1" fmla="val 49343"/>
             </a:avLst>
           </a:prstGeom>
         </p:spPr>
@@ -7547,7 +7548,7 @@
         </p:nvSpPr>
         <p:spPr>
           <a:xfrm>
-            <a:off x="3740435" y="1851001"/>
+            <a:off x="3740435" y="1633276"/>
             <a:ext cx="1632857" cy="1246036"/>
           </a:xfrm>
           <a:prstGeom prst="roundRect">
@@ -7588,7 +7589,7 @@
         </p:nvSpPr>
         <p:spPr>
           <a:xfrm>
-            <a:off x="3796501" y="1873623"/>
+            <a:off x="3796501" y="1655898"/>
             <a:ext cx="1236236" cy="215444"/>
           </a:xfrm>
           <a:prstGeom prst="rect">
@@ -7618,7 +7619,7 @@
         </p:nvSpPr>
         <p:spPr>
           <a:xfrm rot="5400000">
-            <a:off x="3659002" y="2223602"/>
+            <a:off x="3659002" y="2005877"/>
             <a:ext cx="226423" cy="184888"/>
           </a:xfrm>
           <a:prstGeom prst="triangle">
@@ -7661,7 +7662,7 @@
         </p:nvSpPr>
         <p:spPr>
           <a:xfrm rot="5400000">
-            <a:off x="5304696" y="2217520"/>
+            <a:off x="5304696" y="1947541"/>
             <a:ext cx="226423" cy="184888"/>
           </a:xfrm>
           <a:prstGeom prst="triangle">
@@ -7704,7 +7705,7 @@
         </p:nvSpPr>
         <p:spPr>
           <a:xfrm>
-            <a:off x="5408538" y="2094137"/>
+            <a:off x="5408538" y="1824158"/>
             <a:ext cx="482824" cy="215444"/>
           </a:xfrm>
           <a:prstGeom prst="rect">
@@ -7737,7 +7738,7 @@
         </p:nvCxnSpPr>
         <p:spPr>
           <a:xfrm>
-            <a:off x="2735503" y="2191975"/>
+            <a:off x="2735503" y="1974250"/>
             <a:ext cx="944267" cy="124072"/>
           </a:xfrm>
           <a:prstGeom prst="bentConnector3">
@@ -7769,7 +7770,7 @@
         </p:nvSpPr>
         <p:spPr>
           <a:xfrm>
-            <a:off x="3939107" y="988495"/>
+            <a:off x="3939107" y="857860"/>
             <a:ext cx="1722405" cy="646331"/>
           </a:xfrm>
           <a:prstGeom prst="rect">
@@ -7814,8 +7815,8 @@
         </p:nvCxnSpPr>
         <p:spPr>
           <a:xfrm flipV="1">
-            <a:off x="5510352" y="2308934"/>
-            <a:ext cx="1672278" cy="1031"/>
+            <a:off x="5510352" y="2030246"/>
+            <a:ext cx="1672278" cy="9740"/>
           </a:xfrm>
           <a:prstGeom prst="line">
             <a:avLst/>
@@ -7847,8 +7848,8 @@
         </p:nvCxnSpPr>
         <p:spPr>
           <a:xfrm flipV="1">
-            <a:off x="9016708" y="2694681"/>
-            <a:ext cx="1321354" cy="855961"/>
+            <a:off x="8999290" y="2572755"/>
+            <a:ext cx="1338772" cy="690490"/>
           </a:xfrm>
           <a:prstGeom prst="bentConnector3">
             <a:avLst/>
@@ -7880,11 +7881,13 @@
         </p:nvCxnSpPr>
         <p:spPr>
           <a:xfrm flipV="1">
-            <a:off x="9036312" y="2694681"/>
-            <a:ext cx="1301750" cy="3243645"/>
+            <a:off x="9036312" y="2572755"/>
+            <a:ext cx="1301750" cy="3539751"/>
           </a:xfrm>
           <a:prstGeom prst="bentConnector3">
-            <a:avLst/>
+            <a:avLst>
+              <a:gd name="adj1" fmla="val 47993"/>
+            </a:avLst>
           </a:prstGeom>
         </p:spPr>
         <p:style>
@@ -7910,7 +7913,7 @@
         </p:nvSpPr>
         <p:spPr>
           <a:xfrm>
-            <a:off x="3945570" y="1989261"/>
+            <a:off x="3945570" y="1771536"/>
             <a:ext cx="1722405" cy="1200329"/>
           </a:xfrm>
           <a:prstGeom prst="rect">
@@ -7974,7 +7977,7 @@
         </p:nvSpPr>
         <p:spPr>
           <a:xfrm rot="5400000">
-            <a:off x="5348512" y="1033533"/>
+            <a:off x="5346568" y="737495"/>
             <a:ext cx="226423" cy="184888"/>
           </a:xfrm>
           <a:prstGeom prst="triangle">
@@ -8017,7 +8020,7 @@
         </p:nvSpPr>
         <p:spPr>
           <a:xfrm rot="5400000">
-            <a:off x="5310029" y="2675102"/>
+            <a:off x="5310029" y="2457377"/>
             <a:ext cx="226423" cy="184888"/>
           </a:xfrm>
           <a:prstGeom prst="triangle">
@@ -8060,7 +8063,7 @@
         </p:nvSpPr>
         <p:spPr>
           <a:xfrm>
-            <a:off x="5452354" y="910150"/>
+            <a:off x="5408538" y="710472"/>
             <a:ext cx="482824" cy="215444"/>
           </a:xfrm>
           <a:prstGeom prst="rect">
@@ -8090,7 +8093,7 @@
         </p:nvSpPr>
         <p:spPr>
           <a:xfrm>
-            <a:off x="5401988" y="2798416"/>
+            <a:off x="5401988" y="2580691"/>
             <a:ext cx="716863" cy="215444"/>
           </a:xfrm>
           <a:prstGeom prst="rect">
@@ -8123,7 +8126,7 @@
         </p:nvCxnSpPr>
         <p:spPr>
           <a:xfrm>
-            <a:off x="1723543" y="3821412"/>
+            <a:off x="1723543" y="3586269"/>
             <a:ext cx="1986507" cy="6293"/>
           </a:xfrm>
           <a:prstGeom prst="line">
@@ -8153,7 +8156,7 @@
         </p:nvSpPr>
         <p:spPr>
           <a:xfrm>
-            <a:off x="3768589" y="3200608"/>
+            <a:off x="3768589" y="2965465"/>
             <a:ext cx="1632857" cy="885894"/>
           </a:xfrm>
           <a:prstGeom prst="roundRect">
@@ -8194,7 +8197,7 @@
         </p:nvSpPr>
         <p:spPr>
           <a:xfrm>
-            <a:off x="3816752" y="3246887"/>
+            <a:off x="3816752" y="3011744"/>
             <a:ext cx="1117614" cy="215444"/>
           </a:xfrm>
           <a:prstGeom prst="rect">
@@ -8224,7 +8227,7 @@
         </p:nvSpPr>
         <p:spPr>
           <a:xfrm rot="5400000">
-            <a:off x="3689282" y="3735260"/>
+            <a:off x="3689282" y="3500117"/>
             <a:ext cx="226423" cy="184888"/>
           </a:xfrm>
           <a:prstGeom prst="triangle">
@@ -8267,7 +8270,7 @@
         </p:nvSpPr>
         <p:spPr>
           <a:xfrm rot="5400000">
-            <a:off x="5332850" y="3354093"/>
+            <a:off x="5332850" y="3118950"/>
             <a:ext cx="226423" cy="184888"/>
           </a:xfrm>
           <a:prstGeom prst="triangle">
@@ -8310,7 +8313,7 @@
         </p:nvSpPr>
         <p:spPr>
           <a:xfrm rot="5400000">
-            <a:off x="5339430" y="3768069"/>
+            <a:off x="5339430" y="3532926"/>
             <a:ext cx="226423" cy="184888"/>
           </a:xfrm>
           <a:prstGeom prst="triangle">
@@ -8353,7 +8356,7 @@
         </p:nvSpPr>
         <p:spPr>
           <a:xfrm>
-            <a:off x="5436692" y="3230710"/>
+            <a:off x="5436692" y="2995567"/>
             <a:ext cx="482824" cy="215444"/>
           </a:xfrm>
           <a:prstGeom prst="rect">
@@ -8383,7 +8386,7 @@
         </p:nvSpPr>
         <p:spPr>
           <a:xfrm>
-            <a:off x="5431389" y="3891383"/>
+            <a:off x="5431389" y="3656240"/>
             <a:ext cx="716863" cy="215444"/>
           </a:xfrm>
           <a:prstGeom prst="rect">
@@ -8413,7 +8416,7 @@
         </p:nvSpPr>
         <p:spPr>
           <a:xfrm>
-            <a:off x="3887032" y="3430767"/>
+            <a:off x="3887032" y="3195624"/>
             <a:ext cx="1722405" cy="507831"/>
           </a:xfrm>
           <a:prstGeom prst="rect">
@@ -8453,7 +8456,7 @@
         </p:nvSpPr>
         <p:spPr>
           <a:xfrm rot="5400000">
-            <a:off x="3671979" y="3333829"/>
+            <a:off x="3671979" y="3098686"/>
             <a:ext cx="226423" cy="184888"/>
           </a:xfrm>
           <a:prstGeom prst="triangle">
@@ -8499,8 +8502,8 @@
         </p:nvCxnSpPr>
         <p:spPr>
           <a:xfrm>
-            <a:off x="2735503" y="2191975"/>
-            <a:ext cx="957244" cy="1234299"/>
+            <a:off x="2735503" y="1974250"/>
+            <a:ext cx="957244" cy="1216881"/>
           </a:xfrm>
           <a:prstGeom prst="bentConnector3">
             <a:avLst>
@@ -8531,7 +8534,7 @@
         </p:nvSpPr>
         <p:spPr>
           <a:xfrm>
-            <a:off x="7364142" y="3481880"/>
+            <a:off x="7346724" y="3194483"/>
             <a:ext cx="1326513" cy="507831"/>
           </a:xfrm>
           <a:prstGeom prst="rect">
@@ -8559,7 +8562,7 @@
         </p:nvSpPr>
         <p:spPr>
           <a:xfrm>
-            <a:off x="7253707" y="3257347"/>
+            <a:off x="7236289" y="2969950"/>
             <a:ext cx="1632857" cy="885894"/>
           </a:xfrm>
           <a:prstGeom prst="roundRect">
@@ -8600,7 +8603,7 @@
         </p:nvSpPr>
         <p:spPr>
           <a:xfrm rot="5400000">
-            <a:off x="8811052" y="3458197"/>
+            <a:off x="8793634" y="3170800"/>
             <a:ext cx="226423" cy="184888"/>
           </a:xfrm>
           <a:prstGeom prst="triangle">
@@ -8643,7 +8646,7 @@
         </p:nvSpPr>
         <p:spPr>
           <a:xfrm rot="5400000">
-            <a:off x="7175636" y="3360846"/>
+            <a:off x="7158218" y="3125703"/>
             <a:ext cx="226423" cy="184888"/>
           </a:xfrm>
           <a:prstGeom prst="triangle">
@@ -8689,8 +8692,8 @@
         </p:nvCxnSpPr>
         <p:spPr>
           <a:xfrm>
-            <a:off x="5538506" y="3446538"/>
-            <a:ext cx="1657898" cy="6753"/>
+            <a:off x="5538506" y="3211395"/>
+            <a:ext cx="1640480" cy="6753"/>
           </a:xfrm>
           <a:prstGeom prst="line">
             <a:avLst/>
@@ -8719,7 +8722,7 @@
         </p:nvSpPr>
         <p:spPr>
           <a:xfrm>
-            <a:off x="566367" y="5552714"/>
+            <a:off x="566367" y="5726894"/>
             <a:ext cx="1068920" cy="566057"/>
           </a:xfrm>
           <a:prstGeom prst="roundRect">
@@ -8760,7 +8763,7 @@
         </p:nvSpPr>
         <p:spPr>
           <a:xfrm rot="5400000">
-            <a:off x="1522075" y="5743298"/>
+            <a:off x="1522075" y="5917478"/>
             <a:ext cx="226423" cy="184888"/>
           </a:xfrm>
           <a:prstGeom prst="triangle">
@@ -8803,7 +8806,7 @@
         </p:nvSpPr>
         <p:spPr>
           <a:xfrm>
-            <a:off x="566367" y="5552714"/>
+            <a:off x="566367" y="5726894"/>
             <a:ext cx="338554" cy="215444"/>
           </a:xfrm>
           <a:prstGeom prst="rect">
@@ -8819,7 +8822,7 @@
           <a:p>
             <a:r>
               <a:rPr lang="en-US" sz="800" dirty="0"/>
-              <a:t>EP5</a:t>
+              <a:t>EP6</a:t>
             </a:r>
             <a:endParaRPr lang="en-SG" sz="800" dirty="0"/>
           </a:p>
@@ -8833,7 +8836,7 @@
         </p:nvSpPr>
         <p:spPr>
           <a:xfrm>
-            <a:off x="592514" y="5722530"/>
+            <a:off x="592514" y="5896710"/>
             <a:ext cx="1016625" cy="246221"/>
           </a:xfrm>
           <a:prstGeom prst="rect">
@@ -8866,7 +8869,7 @@
         </p:nvCxnSpPr>
         <p:spPr>
           <a:xfrm>
-            <a:off x="1727731" y="5835743"/>
+            <a:off x="1727731" y="6009923"/>
             <a:ext cx="1965016" cy="13969"/>
           </a:xfrm>
           <a:prstGeom prst="line">
@@ -8896,7 +8899,7 @@
         </p:nvSpPr>
         <p:spPr>
           <a:xfrm>
-            <a:off x="3768589" y="5624046"/>
+            <a:off x="3768589" y="5798226"/>
             <a:ext cx="1632857" cy="885894"/>
           </a:xfrm>
           <a:prstGeom prst="roundRect">
@@ -8937,7 +8940,7 @@
         </p:nvSpPr>
         <p:spPr>
           <a:xfrm>
-            <a:off x="3816752" y="5670325"/>
+            <a:off x="3816752" y="5844505"/>
             <a:ext cx="662361" cy="215444"/>
           </a:xfrm>
           <a:prstGeom prst="rect">
@@ -8953,7 +8956,7 @@
           <a:p>
             <a:r>
               <a:rPr lang="en-US" sz="800" dirty="0"/>
-              <a:t>EPA4: Filter</a:t>
+              <a:t>EPA5: Filter</a:t>
             </a:r>
             <a:endParaRPr lang="en-SG" sz="800" dirty="0"/>
           </a:p>
@@ -8967,7 +8970,7 @@
         </p:nvSpPr>
         <p:spPr>
           <a:xfrm rot="5400000">
-            <a:off x="3689282" y="6158698"/>
+            <a:off x="3689282" y="6332878"/>
             <a:ext cx="226423" cy="184888"/>
           </a:xfrm>
           <a:prstGeom prst="triangle">
@@ -9010,7 +9013,7 @@
         </p:nvSpPr>
         <p:spPr>
           <a:xfrm rot="5400000">
-            <a:off x="3671979" y="5757267"/>
+            <a:off x="3671979" y="5931447"/>
             <a:ext cx="226423" cy="184888"/>
           </a:xfrm>
           <a:prstGeom prst="triangle">
@@ -9053,7 +9056,7 @@
         </p:nvSpPr>
         <p:spPr>
           <a:xfrm rot="5400000">
-            <a:off x="5318177" y="5680114"/>
+            <a:off x="5318177" y="5854294"/>
             <a:ext cx="226423" cy="184888"/>
           </a:xfrm>
           <a:prstGeom prst="triangle">
@@ -9096,7 +9099,7 @@
         </p:nvSpPr>
         <p:spPr>
           <a:xfrm rot="5400000">
-            <a:off x="5329534" y="6016905"/>
+            <a:off x="5329534" y="6191085"/>
             <a:ext cx="226423" cy="184888"/>
           </a:xfrm>
           <a:prstGeom prst="triangle">
@@ -9139,7 +9142,7 @@
         </p:nvSpPr>
         <p:spPr>
           <a:xfrm rot="5400000">
-            <a:off x="5318177" y="6336139"/>
+            <a:off x="5318177" y="6510319"/>
             <a:ext cx="226423" cy="184888"/>
           </a:xfrm>
           <a:prstGeom prst="triangle">
@@ -9182,7 +9185,7 @@
         </p:nvSpPr>
         <p:spPr>
           <a:xfrm>
-            <a:off x="5427073" y="5520866"/>
+            <a:off x="5427073" y="5695046"/>
             <a:ext cx="502061" cy="215444"/>
           </a:xfrm>
           <a:prstGeom prst="rect">
@@ -9212,7 +9215,7 @@
         </p:nvSpPr>
         <p:spPr>
           <a:xfrm>
-            <a:off x="5432810" y="5903327"/>
+            <a:off x="5432810" y="6077507"/>
             <a:ext cx="577402" cy="215444"/>
           </a:xfrm>
           <a:prstGeom prst="rect">
@@ -9242,7 +9245,7 @@
         </p:nvSpPr>
         <p:spPr>
           <a:xfrm>
-            <a:off x="5386692" y="6461513"/>
+            <a:off x="5386692" y="6635693"/>
             <a:ext cx="771365" cy="215444"/>
           </a:xfrm>
           <a:prstGeom prst="rect">
@@ -9272,7 +9275,7 @@
         </p:nvSpPr>
         <p:spPr>
           <a:xfrm>
-            <a:off x="7350368" y="5820469"/>
+            <a:off x="7350368" y="5994649"/>
             <a:ext cx="1326513" cy="646331"/>
           </a:xfrm>
           <a:prstGeom prst="rect">
@@ -9310,7 +9313,7 @@
         </p:nvSpPr>
         <p:spPr>
           <a:xfrm>
-            <a:off x="7239933" y="5595936"/>
+            <a:off x="7239933" y="5770116"/>
             <a:ext cx="1632857" cy="885894"/>
           </a:xfrm>
           <a:prstGeom prst="roundRect">
@@ -9351,7 +9354,7 @@
         </p:nvSpPr>
         <p:spPr>
           <a:xfrm rot="5400000">
-            <a:off x="8830656" y="5845881"/>
+            <a:off x="8830656" y="6020061"/>
             <a:ext cx="226423" cy="184888"/>
           </a:xfrm>
           <a:prstGeom prst="triangle">
@@ -9394,7 +9397,7 @@
         </p:nvSpPr>
         <p:spPr>
           <a:xfrm rot="5400000">
-            <a:off x="7161862" y="5699435"/>
+            <a:off x="7161862" y="5873615"/>
             <a:ext cx="226423" cy="184888"/>
           </a:xfrm>
           <a:prstGeom prst="triangle">
@@ -9437,7 +9440,7 @@
         </p:nvSpPr>
         <p:spPr>
           <a:xfrm>
-            <a:off x="3863706" y="5915418"/>
+            <a:off x="3863706" y="6089598"/>
             <a:ext cx="1722405" cy="369332"/>
           </a:xfrm>
           <a:prstGeom prst="rect">
@@ -9468,7 +9471,7 @@
         </p:nvCxnSpPr>
         <p:spPr>
           <a:xfrm>
-            <a:off x="5523833" y="5772559"/>
+            <a:off x="5523833" y="5946739"/>
             <a:ext cx="1658797" cy="19321"/>
           </a:xfrm>
           <a:prstGeom prst="line">
@@ -9498,7 +9501,7 @@
         </p:nvSpPr>
         <p:spPr>
           <a:xfrm>
-            <a:off x="2292751" y="5161830"/>
+            <a:off x="2292751" y="5487287"/>
             <a:ext cx="6959246" cy="276999"/>
           </a:xfrm>
           <a:prstGeom prst="rect">
@@ -9554,7 +9557,7 @@
         </p:nvSpPr>
         <p:spPr>
           <a:xfrm>
-            <a:off x="6206187" y="3682265"/>
+            <a:off x="6206187" y="3325191"/>
             <a:ext cx="615863" cy="804643"/>
           </a:xfrm>
           <a:prstGeom prst="can">
@@ -9595,7 +9598,7 @@
         </p:nvSpPr>
         <p:spPr>
           <a:xfrm>
-            <a:off x="6191749" y="3864703"/>
+            <a:off x="6191749" y="3629560"/>
             <a:ext cx="630301" cy="461665"/>
           </a:xfrm>
           <a:prstGeom prst="rect">
@@ -9633,14 +9636,15 @@
         <p:nvCxnSpPr>
           <p:cNvPr id="16" name="Connector: Elbow 15"/>
           <p:cNvCxnSpPr>
+            <a:stCxn id="111" idx="0"/>
             <a:endCxn id="73" idx="1"/>
           </p:cNvCxnSpPr>
           <p:nvPr/>
         </p:nvCxnSpPr>
         <p:spPr>
           <a:xfrm rot="5400000" flipH="1" flipV="1">
-            <a:off x="6041371" y="3004244"/>
-            <a:ext cx="1671310" cy="725813"/>
+            <a:off x="6185040" y="2574668"/>
+            <a:ext cx="1376753" cy="733033"/>
           </a:xfrm>
           <a:prstGeom prst="bentConnector2">
             <a:avLst/>
@@ -9669,14 +9673,15 @@
         <p:nvCxnSpPr>
           <p:cNvPr id="22" name="Connector: Elbow 21"/>
           <p:cNvCxnSpPr>
+            <a:stCxn id="111" idx="0"/>
             <a:endCxn id="27" idx="1"/>
           </p:cNvCxnSpPr>
           <p:nvPr/>
         </p:nvCxnSpPr>
         <p:spPr>
           <a:xfrm rot="5400000" flipH="1" flipV="1">
-            <a:off x="5391855" y="2376094"/>
-            <a:ext cx="2948976" cy="704447"/>
+            <a:off x="5579069" y="1990063"/>
+            <a:ext cx="2567329" cy="711667"/>
           </a:xfrm>
           <a:prstGeom prst="bentConnector2">
             <a:avLst/>
@@ -9709,7 +9714,7 @@
         </p:nvSpPr>
         <p:spPr>
           <a:xfrm>
-            <a:off x="589965" y="937798"/>
+            <a:off x="589965" y="815872"/>
             <a:ext cx="1068920" cy="566057"/>
           </a:xfrm>
           <a:prstGeom prst="roundRect">
@@ -9750,7 +9755,7 @@
         </p:nvSpPr>
         <p:spPr>
           <a:xfrm rot="5400000">
-            <a:off x="1610772" y="1016603"/>
+            <a:off x="1610772" y="894677"/>
             <a:ext cx="226423" cy="184888"/>
           </a:xfrm>
           <a:prstGeom prst="triangle">
@@ -9790,13 +9795,14 @@
           <p:cNvPr id="119" name="Straight Connector 118"/>
           <p:cNvCxnSpPr>
             <a:stCxn id="117" idx="0"/>
+            <a:endCxn id="21" idx="3"/>
           </p:cNvCxnSpPr>
           <p:nvPr/>
         </p:nvCxnSpPr>
         <p:spPr>
           <a:xfrm>
-            <a:off x="1816428" y="1109048"/>
-            <a:ext cx="1882795" cy="34389"/>
+            <a:off x="1816428" y="987122"/>
+            <a:ext cx="1897045" cy="8678"/>
           </a:xfrm>
           <a:prstGeom prst="line">
             <a:avLst/>
@@ -9825,7 +9831,7 @@
         </p:nvSpPr>
         <p:spPr>
           <a:xfrm>
-            <a:off x="601335" y="939232"/>
+            <a:off x="601335" y="817306"/>
             <a:ext cx="338554" cy="215444"/>
           </a:xfrm>
           <a:prstGeom prst="rect">
@@ -9855,7 +9861,7 @@
         </p:nvSpPr>
         <p:spPr>
           <a:xfrm>
-            <a:off x="627482" y="1109048"/>
+            <a:off x="627482" y="987122"/>
             <a:ext cx="950327" cy="400110"/>
           </a:xfrm>
           <a:prstGeom prst="rect">
@@ -9885,7 +9891,7 @@
         </p:nvSpPr>
         <p:spPr>
           <a:xfrm>
-            <a:off x="575188" y="4264486"/>
+            <a:off x="575188" y="4839269"/>
             <a:ext cx="1068920" cy="566057"/>
           </a:xfrm>
           <a:prstGeom prst="roundRect">
@@ -9926,7 +9932,7 @@
         </p:nvSpPr>
         <p:spPr>
           <a:xfrm rot="5400000">
-            <a:off x="1530896" y="4455071"/>
+            <a:off x="1530896" y="5029854"/>
             <a:ext cx="226423" cy="184888"/>
           </a:xfrm>
           <a:prstGeom prst="triangle">
@@ -9969,7 +9975,7 @@
         </p:nvSpPr>
         <p:spPr>
           <a:xfrm>
-            <a:off x="575188" y="4264486"/>
+            <a:off x="575188" y="4839269"/>
             <a:ext cx="338554" cy="215444"/>
           </a:xfrm>
           <a:prstGeom prst="rect">
@@ -9985,7 +9991,7 @@
           <a:p>
             <a:r>
               <a:rPr lang="en-US" sz="800" dirty="0"/>
-              <a:t>EP4</a:t>
+              <a:t>EP5</a:t>
             </a:r>
             <a:endParaRPr lang="en-SG" sz="800" dirty="0"/>
           </a:p>
@@ -9999,7 +10005,7 @@
         </p:nvSpPr>
         <p:spPr>
           <a:xfrm>
-            <a:off x="601335" y="4434302"/>
+            <a:off x="601335" y="5009085"/>
             <a:ext cx="950327" cy="400110"/>
           </a:xfrm>
           <a:prstGeom prst="rect">
@@ -10029,7 +10035,7 @@
         </p:nvSpPr>
         <p:spPr>
           <a:xfrm>
-            <a:off x="7396797" y="4603131"/>
+            <a:off x="7344543" y="4907938"/>
             <a:ext cx="1326513" cy="369332"/>
           </a:xfrm>
           <a:prstGeom prst="rect">
@@ -10057,8 +10063,8 @@
         </p:nvSpPr>
         <p:spPr>
           <a:xfrm>
-            <a:off x="7286362" y="4378598"/>
-            <a:ext cx="1632857" cy="784293"/>
+            <a:off x="7234108" y="4839270"/>
+            <a:ext cx="1632857" cy="578778"/>
           </a:xfrm>
           <a:prstGeom prst="roundRect">
             <a:avLst/>
@@ -10098,7 +10104,7 @@
         </p:nvSpPr>
         <p:spPr>
           <a:xfrm rot="5400000">
-            <a:off x="8843707" y="4579448"/>
+            <a:off x="8791453" y="4988763"/>
             <a:ext cx="226423" cy="184888"/>
           </a:xfrm>
           <a:prstGeom prst="triangle">
@@ -10141,7 +10147,7 @@
         </p:nvSpPr>
         <p:spPr>
           <a:xfrm rot="5400000">
-            <a:off x="7208291" y="4482097"/>
+            <a:off x="7156457" y="5049721"/>
             <a:ext cx="226423" cy="184888"/>
           </a:xfrm>
           <a:prstGeom prst="triangle">
@@ -10187,8 +10193,8 @@
         </p:nvCxnSpPr>
         <p:spPr>
           <a:xfrm>
-            <a:off x="1736552" y="4547516"/>
-            <a:ext cx="5492507" cy="27026"/>
+            <a:off x="1736552" y="5122299"/>
+            <a:ext cx="5440673" cy="19867"/>
           </a:xfrm>
           <a:prstGeom prst="line">
             <a:avLst/>
@@ -10220,11 +10226,599 @@
         </p:nvCxnSpPr>
         <p:spPr>
           <a:xfrm flipV="1">
-            <a:off x="9049363" y="2694681"/>
-            <a:ext cx="1288699" cy="1977212"/>
+            <a:off x="8997109" y="2572755"/>
+            <a:ext cx="1340953" cy="2508453"/>
           </a:xfrm>
           <a:prstGeom prst="bentConnector3">
             <a:avLst/>
+          </a:prstGeom>
+          <a:ln>
+            <a:tailEnd type="triangle"/>
+          </a:ln>
+        </p:spPr>
+        <p:style>
+          <a:lnRef idx="1">
+            <a:schemeClr val="accent1"/>
+          </a:lnRef>
+          <a:fillRef idx="0">
+            <a:schemeClr val="accent1"/>
+          </a:fillRef>
+          <a:effectRef idx="0">
+            <a:schemeClr val="accent1"/>
+          </a:effectRef>
+          <a:fontRef idx="minor">
+            <a:schemeClr val="tx1"/>
+          </a:fontRef>
+        </p:style>
+      </p:cxnSp>
+      <p:sp>
+        <p:nvSpPr>
+          <p:cNvPr id="121" name="Rectangle: Rounded Corners 120"/>
+          <p:cNvSpPr/>
+          <p:nvPr/>
+        </p:nvSpPr>
+        <p:spPr>
+          <a:xfrm>
+            <a:off x="562179" y="4007015"/>
+            <a:ext cx="1068920" cy="566057"/>
+          </a:xfrm>
+          <a:prstGeom prst="roundRect">
+            <a:avLst/>
+          </a:prstGeom>
+          <a:noFill/>
+        </p:spPr>
+        <p:style>
+          <a:lnRef idx="2">
+            <a:schemeClr val="accent1">
+              <a:shade val="50000"/>
+            </a:schemeClr>
+          </a:lnRef>
+          <a:fillRef idx="1">
+            <a:schemeClr val="accent1"/>
+          </a:fillRef>
+          <a:effectRef idx="0">
+            <a:schemeClr val="accent1"/>
+          </a:effectRef>
+          <a:fontRef idx="minor">
+            <a:schemeClr val="lt1"/>
+          </a:fontRef>
+        </p:style>
+        <p:txBody>
+          <a:bodyPr rtlCol="0" anchor="ctr"/>
+          <a:lstStyle/>
+          <a:p>
+            <a:pPr algn="ctr"/>
+            <a:endParaRPr lang="en-SG"/>
+          </a:p>
+        </p:txBody>
+      </p:sp>
+      <p:sp>
+        <p:nvSpPr>
+          <p:cNvPr id="126" name="TextBox 125"/>
+          <p:cNvSpPr txBox="1"/>
+          <p:nvPr/>
+        </p:nvSpPr>
+        <p:spPr>
+          <a:xfrm>
+            <a:off x="562179" y="4007015"/>
+            <a:ext cx="338554" cy="215444"/>
+          </a:xfrm>
+          <a:prstGeom prst="rect">
+            <a:avLst/>
+          </a:prstGeom>
+          <a:noFill/>
+        </p:spPr>
+        <p:txBody>
+          <a:bodyPr wrap="none" rtlCol="0">
+            <a:spAutoFit/>
+          </a:bodyPr>
+          <a:lstStyle/>
+          <a:p>
+            <a:r>
+              <a:rPr lang="en-US" sz="800" dirty="0"/>
+              <a:t>EP4</a:t>
+            </a:r>
+            <a:endParaRPr lang="en-SG" sz="800" dirty="0"/>
+          </a:p>
+        </p:txBody>
+      </p:sp>
+      <p:sp>
+        <p:nvSpPr>
+          <p:cNvPr id="127" name="TextBox 126"/>
+          <p:cNvSpPr txBox="1"/>
+          <p:nvPr/>
+        </p:nvSpPr>
+        <p:spPr>
+          <a:xfrm>
+            <a:off x="588326" y="4176831"/>
+            <a:ext cx="950327" cy="400110"/>
+          </a:xfrm>
+          <a:prstGeom prst="rect">
+            <a:avLst/>
+          </a:prstGeom>
+          <a:noFill/>
+        </p:spPr>
+        <p:txBody>
+          <a:bodyPr wrap="square" rtlCol="0">
+            <a:spAutoFit/>
+          </a:bodyPr>
+          <a:lstStyle/>
+          <a:p>
+            <a:r>
+              <a:rPr lang="en-US" sz="1000" dirty="0"/>
+              <a:t>MSS Current Rainfall</a:t>
+            </a:r>
+            <a:endParaRPr lang="en-SG" sz="1000" dirty="0"/>
+          </a:p>
+        </p:txBody>
+      </p:sp>
+      <p:sp>
+        <p:nvSpPr>
+          <p:cNvPr id="128" name="Rectangle 127"/>
+          <p:cNvSpPr/>
+          <p:nvPr/>
+        </p:nvSpPr>
+        <p:spPr>
+          <a:xfrm>
+            <a:off x="3866011" y="4179671"/>
+            <a:ext cx="1326513" cy="369332"/>
+          </a:xfrm>
+          <a:prstGeom prst="rect">
+            <a:avLst/>
+          </a:prstGeom>
+        </p:spPr>
+        <p:txBody>
+          <a:bodyPr wrap="square">
+            <a:spAutoFit/>
+          </a:bodyPr>
+          <a:lstStyle/>
+          <a:p>
+            <a:r>
+              <a:rPr lang="en-SG" sz="900" dirty="0"/>
+              <a:t>Rainfall &gt; 7.5mm in last 30 minutes</a:t>
+            </a:r>
+          </a:p>
+        </p:txBody>
+      </p:sp>
+      <p:sp>
+        <p:nvSpPr>
+          <p:cNvPr id="129" name="Rectangle: Rounded Corners 128"/>
+          <p:cNvSpPr/>
+          <p:nvPr/>
+        </p:nvSpPr>
+        <p:spPr>
+          <a:xfrm>
+            <a:off x="3755576" y="3955138"/>
+            <a:ext cx="1632857" cy="784293"/>
+          </a:xfrm>
+          <a:prstGeom prst="roundRect">
+            <a:avLst/>
+          </a:prstGeom>
+          <a:noFill/>
+        </p:spPr>
+        <p:style>
+          <a:lnRef idx="2">
+            <a:schemeClr val="accent1">
+              <a:shade val="50000"/>
+            </a:schemeClr>
+          </a:lnRef>
+          <a:fillRef idx="1">
+            <a:schemeClr val="accent1"/>
+          </a:fillRef>
+          <a:effectRef idx="0">
+            <a:schemeClr val="accent1"/>
+          </a:effectRef>
+          <a:fontRef idx="minor">
+            <a:schemeClr val="lt1"/>
+          </a:fontRef>
+        </p:style>
+        <p:txBody>
+          <a:bodyPr rtlCol="0" anchor="ctr"/>
+          <a:lstStyle/>
+          <a:p>
+            <a:pPr algn="ctr"/>
+            <a:endParaRPr lang="en-SG"/>
+          </a:p>
+        </p:txBody>
+      </p:sp>
+      <p:sp>
+        <p:nvSpPr>
+          <p:cNvPr id="137" name="Isosceles Triangle 136"/>
+          <p:cNvSpPr/>
+          <p:nvPr/>
+        </p:nvSpPr>
+        <p:spPr>
+          <a:xfrm rot="5400000">
+            <a:off x="5312921" y="4260496"/>
+            <a:ext cx="226423" cy="184888"/>
+          </a:xfrm>
+          <a:prstGeom prst="triangle">
+            <a:avLst/>
+          </a:prstGeom>
+          <a:solidFill>
+            <a:srgbClr val="FFFF00"/>
+          </a:solidFill>
+        </p:spPr>
+        <p:style>
+          <a:lnRef idx="2">
+            <a:schemeClr val="accent1">
+              <a:shade val="50000"/>
+            </a:schemeClr>
+          </a:lnRef>
+          <a:fillRef idx="1">
+            <a:schemeClr val="accent1"/>
+          </a:fillRef>
+          <a:effectRef idx="0">
+            <a:schemeClr val="accent1"/>
+          </a:effectRef>
+          <a:fontRef idx="minor">
+            <a:schemeClr val="lt1"/>
+          </a:fontRef>
+        </p:style>
+        <p:txBody>
+          <a:bodyPr rtlCol="0" anchor="ctr"/>
+          <a:lstStyle/>
+          <a:p>
+            <a:pPr algn="ctr"/>
+            <a:endParaRPr lang="en-SG"/>
+          </a:p>
+        </p:txBody>
+      </p:sp>
+      <p:sp>
+        <p:nvSpPr>
+          <p:cNvPr id="141" name="Isosceles Triangle 140"/>
+          <p:cNvSpPr/>
+          <p:nvPr/>
+        </p:nvSpPr>
+        <p:spPr>
+          <a:xfrm rot="5400000">
+            <a:off x="3677925" y="4243073"/>
+            <a:ext cx="226423" cy="184888"/>
+          </a:xfrm>
+          <a:prstGeom prst="triangle">
+            <a:avLst/>
+          </a:prstGeom>
+          <a:solidFill>
+            <a:srgbClr val="FFFF00"/>
+          </a:solidFill>
+        </p:spPr>
+        <p:style>
+          <a:lnRef idx="2">
+            <a:schemeClr val="accent1">
+              <a:shade val="50000"/>
+            </a:schemeClr>
+          </a:lnRef>
+          <a:fillRef idx="1">
+            <a:schemeClr val="accent1"/>
+          </a:fillRef>
+          <a:effectRef idx="0">
+            <a:schemeClr val="accent1"/>
+          </a:effectRef>
+          <a:fontRef idx="minor">
+            <a:schemeClr val="lt1"/>
+          </a:fontRef>
+        </p:style>
+        <p:txBody>
+          <a:bodyPr rtlCol="0" anchor="ctr"/>
+          <a:lstStyle/>
+          <a:p>
+            <a:pPr algn="ctr"/>
+            <a:endParaRPr lang="en-SG"/>
+          </a:p>
+        </p:txBody>
+      </p:sp>
+      <p:sp>
+        <p:nvSpPr>
+          <p:cNvPr id="145" name="TextBox 144"/>
+          <p:cNvSpPr txBox="1"/>
+          <p:nvPr/>
+        </p:nvSpPr>
+        <p:spPr>
+          <a:xfrm>
+            <a:off x="3805916" y="3957219"/>
+            <a:ext cx="662361" cy="215444"/>
+          </a:xfrm>
+          <a:prstGeom prst="rect">
+            <a:avLst/>
+          </a:prstGeom>
+          <a:noFill/>
+        </p:spPr>
+        <p:txBody>
+          <a:bodyPr wrap="none" rtlCol="0">
+            <a:spAutoFit/>
+          </a:bodyPr>
+          <a:lstStyle/>
+          <a:p>
+            <a:r>
+              <a:rPr lang="en-US" sz="800" dirty="0"/>
+              <a:t>EPA4: Filter</a:t>
+            </a:r>
+            <a:endParaRPr lang="en-SG" sz="800" dirty="0"/>
+          </a:p>
+        </p:txBody>
+      </p:sp>
+      <p:sp>
+        <p:nvSpPr>
+          <p:cNvPr id="146" name="Rectangle 145"/>
+          <p:cNvSpPr/>
+          <p:nvPr/>
+        </p:nvSpPr>
+        <p:spPr>
+          <a:xfrm>
+            <a:off x="7328203" y="4093766"/>
+            <a:ext cx="1326513" cy="507831"/>
+          </a:xfrm>
+          <a:prstGeom prst="rect">
+            <a:avLst/>
+          </a:prstGeom>
+        </p:spPr>
+        <p:txBody>
+          <a:bodyPr wrap="square">
+            <a:spAutoFit/>
+          </a:bodyPr>
+          <a:lstStyle/>
+          <a:p>
+            <a:r>
+              <a:rPr lang="en-SG" sz="900" dirty="0"/>
+              <a:t>message  =  “Heavy rain in” Area. “Drive with caution”</a:t>
+            </a:r>
+          </a:p>
+        </p:txBody>
+      </p:sp>
+      <p:sp>
+        <p:nvSpPr>
+          <p:cNvPr id="147" name="Rectangle: Rounded Corners 146"/>
+          <p:cNvSpPr/>
+          <p:nvPr/>
+        </p:nvSpPr>
+        <p:spPr>
+          <a:xfrm>
+            <a:off x="7221099" y="3953733"/>
+            <a:ext cx="1632857" cy="785698"/>
+          </a:xfrm>
+          <a:prstGeom prst="roundRect">
+            <a:avLst/>
+          </a:prstGeom>
+          <a:noFill/>
+        </p:spPr>
+        <p:style>
+          <a:lnRef idx="2">
+            <a:schemeClr val="accent1">
+              <a:shade val="50000"/>
+            </a:schemeClr>
+          </a:lnRef>
+          <a:fillRef idx="1">
+            <a:schemeClr val="accent1"/>
+          </a:fillRef>
+          <a:effectRef idx="0">
+            <a:schemeClr val="accent1"/>
+          </a:effectRef>
+          <a:fontRef idx="minor">
+            <a:schemeClr val="lt1"/>
+          </a:fontRef>
+        </p:style>
+        <p:txBody>
+          <a:bodyPr rtlCol="0" anchor="ctr"/>
+          <a:lstStyle/>
+          <a:p>
+            <a:pPr algn="ctr"/>
+            <a:endParaRPr lang="en-SG"/>
+          </a:p>
+        </p:txBody>
+      </p:sp>
+      <p:sp>
+        <p:nvSpPr>
+          <p:cNvPr id="149" name="Isosceles Triangle 148"/>
+          <p:cNvSpPr/>
+          <p:nvPr/>
+        </p:nvSpPr>
+        <p:spPr>
+          <a:xfrm rot="5400000">
+            <a:off x="8748304" y="4260496"/>
+            <a:ext cx="237321" cy="184888"/>
+          </a:xfrm>
+          <a:prstGeom prst="triangle">
+            <a:avLst/>
+          </a:prstGeom>
+          <a:solidFill>
+            <a:srgbClr val="FFFF00"/>
+          </a:solidFill>
+        </p:spPr>
+        <p:style>
+          <a:lnRef idx="2">
+            <a:schemeClr val="accent1">
+              <a:shade val="50000"/>
+            </a:schemeClr>
+          </a:lnRef>
+          <a:fillRef idx="1">
+            <a:schemeClr val="accent1"/>
+          </a:fillRef>
+          <a:effectRef idx="0">
+            <a:schemeClr val="accent1"/>
+          </a:effectRef>
+          <a:fontRef idx="minor">
+            <a:schemeClr val="lt1"/>
+          </a:fontRef>
+        </p:style>
+        <p:txBody>
+          <a:bodyPr rtlCol="0" anchor="ctr"/>
+          <a:lstStyle/>
+          <a:p>
+            <a:pPr algn="ctr"/>
+            <a:endParaRPr lang="en-SG"/>
+          </a:p>
+        </p:txBody>
+      </p:sp>
+      <p:sp>
+        <p:nvSpPr>
+          <p:cNvPr id="150" name="Isosceles Triangle 149"/>
+          <p:cNvSpPr/>
+          <p:nvPr/>
+        </p:nvSpPr>
+        <p:spPr>
+          <a:xfrm rot="5400000">
+            <a:off x="7137295" y="4274883"/>
+            <a:ext cx="237321" cy="184888"/>
+          </a:xfrm>
+          <a:prstGeom prst="triangle">
+            <a:avLst/>
+          </a:prstGeom>
+          <a:solidFill>
+            <a:srgbClr val="FFFF00"/>
+          </a:solidFill>
+        </p:spPr>
+        <p:style>
+          <a:lnRef idx="2">
+            <a:schemeClr val="accent1">
+              <a:shade val="50000"/>
+            </a:schemeClr>
+          </a:lnRef>
+          <a:fillRef idx="1">
+            <a:schemeClr val="accent1"/>
+          </a:fillRef>
+          <a:effectRef idx="0">
+            <a:schemeClr val="accent1"/>
+          </a:effectRef>
+          <a:fontRef idx="minor">
+            <a:schemeClr val="lt1"/>
+          </a:fontRef>
+        </p:style>
+        <p:txBody>
+          <a:bodyPr rtlCol="0" anchor="ctr"/>
+          <a:lstStyle/>
+          <a:p>
+            <a:pPr algn="ctr"/>
+            <a:endParaRPr lang="en-SG"/>
+          </a:p>
+        </p:txBody>
+      </p:sp>
+      <p:sp>
+        <p:nvSpPr>
+          <p:cNvPr id="151" name="Isosceles Triangle 150"/>
+          <p:cNvSpPr/>
+          <p:nvPr/>
+        </p:nvSpPr>
+        <p:spPr>
+          <a:xfrm rot="5400000">
+            <a:off x="1530896" y="4245803"/>
+            <a:ext cx="226423" cy="184888"/>
+          </a:xfrm>
+          <a:prstGeom prst="triangle">
+            <a:avLst/>
+          </a:prstGeom>
+          <a:solidFill>
+            <a:srgbClr val="FFFF00"/>
+          </a:solidFill>
+        </p:spPr>
+        <p:style>
+          <a:lnRef idx="2">
+            <a:schemeClr val="accent1">
+              <a:shade val="50000"/>
+            </a:schemeClr>
+          </a:lnRef>
+          <a:fillRef idx="1">
+            <a:schemeClr val="accent1"/>
+          </a:fillRef>
+          <a:effectRef idx="0">
+            <a:schemeClr val="accent1"/>
+          </a:effectRef>
+          <a:fontRef idx="minor">
+            <a:schemeClr val="lt1"/>
+          </a:fontRef>
+        </p:style>
+        <p:txBody>
+          <a:bodyPr rtlCol="0" anchor="ctr"/>
+          <a:lstStyle/>
+          <a:p>
+            <a:pPr algn="ctr"/>
+            <a:endParaRPr lang="en-SG"/>
+          </a:p>
+        </p:txBody>
+      </p:sp>
+      <p:cxnSp>
+        <p:nvCxnSpPr>
+          <p:cNvPr id="25" name="Straight Connector 24"/>
+          <p:cNvCxnSpPr>
+            <a:stCxn id="151" idx="0"/>
+            <a:endCxn id="141" idx="3"/>
+          </p:cNvCxnSpPr>
+          <p:nvPr/>
+        </p:nvCxnSpPr>
+        <p:spPr>
+          <a:xfrm flipV="1">
+            <a:off x="1736552" y="4335518"/>
+            <a:ext cx="1962141" cy="2730"/>
+          </a:xfrm>
+          <a:prstGeom prst="line">
+            <a:avLst/>
+          </a:prstGeom>
+        </p:spPr>
+        <p:style>
+          <a:lnRef idx="1">
+            <a:schemeClr val="accent1"/>
+          </a:lnRef>
+          <a:fillRef idx="0">
+            <a:schemeClr val="accent1"/>
+          </a:fillRef>
+          <a:effectRef idx="0">
+            <a:schemeClr val="accent1"/>
+          </a:effectRef>
+          <a:fontRef idx="minor">
+            <a:schemeClr val="tx1"/>
+          </a:fontRef>
+        </p:style>
+      </p:cxnSp>
+      <p:cxnSp>
+        <p:nvCxnSpPr>
+          <p:cNvPr id="30" name="Straight Connector 29"/>
+          <p:cNvCxnSpPr>
+            <a:stCxn id="137" idx="0"/>
+            <a:endCxn id="150" idx="3"/>
+          </p:cNvCxnSpPr>
+          <p:nvPr/>
+        </p:nvCxnSpPr>
+        <p:spPr>
+          <a:xfrm>
+            <a:off x="5518577" y="4352941"/>
+            <a:ext cx="1644935" cy="14387"/>
+          </a:xfrm>
+          <a:prstGeom prst="line">
+            <a:avLst/>
+          </a:prstGeom>
+        </p:spPr>
+        <p:style>
+          <a:lnRef idx="1">
+            <a:schemeClr val="accent1"/>
+          </a:lnRef>
+          <a:fillRef idx="0">
+            <a:schemeClr val="accent1"/>
+          </a:fillRef>
+          <a:effectRef idx="0">
+            <a:schemeClr val="accent1"/>
+          </a:effectRef>
+          <a:fontRef idx="minor">
+            <a:schemeClr val="tx1"/>
+          </a:fontRef>
+        </p:style>
+      </p:cxnSp>
+      <p:cxnSp>
+        <p:nvCxnSpPr>
+          <p:cNvPr id="33" name="Connector: Elbow 32"/>
+          <p:cNvCxnSpPr>
+            <a:stCxn id="149" idx="0"/>
+            <a:endCxn id="12" idx="3"/>
+          </p:cNvCxnSpPr>
+          <p:nvPr/>
+        </p:nvCxnSpPr>
+        <p:spPr>
+          <a:xfrm flipV="1">
+            <a:off x="8959409" y="2572755"/>
+            <a:ext cx="1378653" cy="1780186"/>
+          </a:xfrm>
+          <a:prstGeom prst="bentConnector3">
+            <a:avLst>
+              <a:gd name="adj1" fmla="val 51263"/>
+            </a:avLst>
           </a:prstGeom>
           <a:ln>
             <a:tailEnd type="triangle"/>
@@ -10248,7 +10842,7 @@
     </p:spTree>
     <p:extLst>
       <p:ext uri="{BB962C8B-B14F-4D97-AF65-F5344CB8AC3E}">
-        <p14:creationId xmlns:p14="http://schemas.microsoft.com/office/powerpoint/2010/main" val="777392426"/>
+        <p14:creationId xmlns:p14="http://schemas.microsoft.com/office/powerpoint/2010/main" val="1596627607"/>
       </p:ext>
     </p:extLst>
   </p:cSld>

--- a/reports/Traffic Jam Preventer System.pptx
+++ b/reports/Traffic Jam Preventer System.pptx
@@ -12,7 +12,8 @@
     <p:sldId id="266" r:id="rId6"/>
     <p:sldId id="261" r:id="rId7"/>
     <p:sldId id="262" r:id="rId8"/>
-    <p:sldId id="260" r:id="rId9"/>
+    <p:sldId id="267" r:id="rId9"/>
+    <p:sldId id="260" r:id="rId10"/>
   </p:sldIdLst>
   <p:sldSz cx="12192000" cy="6858000"/>
   <p:notesSz cx="6858000" cy="9144000"/>
@@ -11317,6 +11318,120 @@
           <a:p>
             <a:r>
               <a:rPr lang="en-US" dirty="0"/>
+              <a:t>Lessons Learned &amp; Future Improvements</a:t>
+            </a:r>
+            <a:endParaRPr lang="en-US" dirty="0"/>
+          </a:p>
+        </p:txBody>
+      </p:sp>
+      <p:sp>
+        <p:nvSpPr>
+          <p:cNvPr id="3" name="Content Placeholder 2"/>
+          <p:cNvSpPr>
+            <a:spLocks noGrp="1"/>
+          </p:cNvSpPr>
+          <p:nvPr>
+            <p:ph idx="1"/>
+          </p:nvPr>
+        </p:nvSpPr>
+        <p:spPr/>
+        <p:txBody>
+          <a:bodyPr/>
+          <a:lstStyle/>
+          <a:p>
+            <a:r>
+              <a:rPr lang="en-US" dirty="0"/>
+              <a:t>It is important to analyze data from various data source;</a:t>
+            </a:r>
+          </a:p>
+          <a:p>
+            <a:r>
+              <a:rPr lang="en-US" dirty="0" err="1"/>
+              <a:t>Speedband</a:t>
+            </a:r>
+            <a:r>
+              <a:rPr lang="en-US" dirty="0"/>
+              <a:t> granularity range could be narrowed down;</a:t>
+            </a:r>
+          </a:p>
+          <a:p>
+            <a:r>
+              <a:rPr lang="en-US" dirty="0"/>
+              <a:t>Different data sources hold different timestamps which cannot linked together well. This needs more processes and analysis to be more accurate;</a:t>
+            </a:r>
+          </a:p>
+          <a:p>
+            <a:r>
+              <a:rPr lang="en-US" dirty="0"/>
+              <a:t>The output alerts could be sent to users based on their geographic location;</a:t>
+            </a:r>
+          </a:p>
+          <a:p>
+            <a:r>
+              <a:rPr lang="en-US" dirty="0"/>
+              <a:t>Could apply current business intelligence products(e.g. </a:t>
+            </a:r>
+            <a:r>
+              <a:rPr lang="en-US" dirty="0" err="1"/>
+              <a:t>Tibco</a:t>
+            </a:r>
+            <a:r>
+              <a:rPr lang="en-US" dirty="0"/>
+              <a:t>) as well as database system to enhance the productivity and performance.</a:t>
+            </a:r>
+          </a:p>
+          <a:p>
+            <a:endParaRPr lang="en-US" dirty="0"/>
+          </a:p>
+        </p:txBody>
+      </p:sp>
+    </p:spTree>
+    <p:extLst>
+      <p:ext uri="{BB962C8B-B14F-4D97-AF65-F5344CB8AC3E}">
+        <p14:creationId xmlns:p14="http://schemas.microsoft.com/office/powerpoint/2010/main" val="3409508229"/>
+      </p:ext>
+    </p:extLst>
+  </p:cSld>
+  <p:clrMapOvr>
+    <a:masterClrMapping/>
+  </p:clrMapOvr>
+</p:sld>
+</file>
+
+<file path=ppt/slides/slide9.xml><?xml version="1.0" encoding="utf-8"?>
+<p:sld xmlns:a="http://schemas.openxmlformats.org/drawingml/2006/main" xmlns:r="http://schemas.openxmlformats.org/officeDocument/2006/relationships" xmlns:p="http://schemas.openxmlformats.org/presentationml/2006/main">
+  <p:cSld>
+    <p:spTree>
+      <p:nvGrpSpPr>
+        <p:cNvPr id="1" name=""/>
+        <p:cNvGrpSpPr/>
+        <p:nvPr/>
+      </p:nvGrpSpPr>
+      <p:grpSpPr>
+        <a:xfrm>
+          <a:off x="0" y="0"/>
+          <a:ext cx="0" cy="0"/>
+          <a:chOff x="0" y="0"/>
+          <a:chExt cx="0" cy="0"/>
+        </a:xfrm>
+      </p:grpSpPr>
+      <p:sp>
+        <p:nvSpPr>
+          <p:cNvPr id="2" name="Title 1"/>
+          <p:cNvSpPr>
+            <a:spLocks noGrp="1"/>
+          </p:cNvSpPr>
+          <p:nvPr>
+            <p:ph type="title"/>
+          </p:nvPr>
+        </p:nvSpPr>
+        <p:spPr/>
+        <p:txBody>
+          <a:bodyPr/>
+          <a:lstStyle/>
+          <a:p>
+            <a:r>
+              <a:rPr lang="en-US" dirty="0"/>
               <a:t>Q&amp;As</a:t>
             </a:r>
           </a:p>
